--- a/Analysis/Replication project - Final presentation.pptx
+++ b/Analysis/Replication project - Final presentation.pptx
@@ -11896,8 +11896,8 @@
         </p:nvSpPr>
         <p:spPr>
           <a:xfrm>
-            <a:off x="628650" y="1369225"/>
-            <a:ext cx="1867200" cy="1414200"/>
+            <a:off x="781050" y="1369225"/>
+            <a:ext cx="2232300" cy="1414200"/>
           </a:xfrm>
           <a:prstGeom prst="rect">
             <a:avLst/>
@@ -12422,7 +12422,7 @@
         <p:spPr>
           <a:xfrm>
             <a:off x="628650" y="932250"/>
-            <a:ext cx="4948500" cy="3328200"/>
+            <a:ext cx="4948500" cy="3755100"/>
           </a:xfrm>
           <a:prstGeom prst="rect">
             <a:avLst/>
@@ -12452,7 +12452,7 @@
             </a:r>
             <a:r>
               <a:rPr lang="en" sz="1400"/>
-              <a:t>A channel linking variation in attractiveness of locations and housing consumption in urban economies</a:t>
+              <a:t>A channel linking variation in attractiveness of locations versus housing consumption in urban economies</a:t>
             </a:r>
             <a:endParaRPr sz="1400"/>
           </a:p>
@@ -12498,7 +12498,11 @@
             </a:r>
             <a:r>
               <a:rPr lang="en" sz="1400"/>
-              <a:t>Develop a flexible approach to estimate the production function by treating quantity and price as latent variables and use value of housing per unit of land</a:t>
+              <a:t>Develop a flexible approach to estimate the </a:t>
+            </a:r>
+            <a:r>
+              <a:rPr lang="en" sz="1400"/>
+              <a:t>production function by treating quantity and price as latent variables</a:t>
             </a:r>
             <a:endParaRPr sz="1400"/>
           </a:p>
@@ -12516,42 +12520,68 @@
               <a:buNone/>
             </a:pPr>
             <a:r>
-              <a:rPr b="1" lang="en" sz="1400">
-                <a:solidFill>
-                  <a:srgbClr val="000000"/>
-                </a:solidFill>
-                <a:highlight>
-                  <a:srgbClr val="FFFFFF"/>
-                </a:highlight>
-              </a:rPr>
-              <a:t>Results : </a:t>
+              <a:rPr b="1" lang="en" sz="1400"/>
+              <a:t>Why replicate? </a:t>
             </a:r>
+            <a:endParaRPr b="1" sz="1400"/>
+          </a:p>
+          <a:p>
+            <a:pPr indent="-317500" lvl="0" marL="457200" rtl="0" algn="l">
+              <a:lnSpc>
+                <a:spcPct val="100000"/>
+              </a:lnSpc>
+              <a:spcBef>
+                <a:spcPts val="900"/>
+              </a:spcBef>
+              <a:spcAft>
+                <a:spcPts val="0"/>
+              </a:spcAft>
+              <a:buSzPts val="1400"/>
+              <a:buChar char="•"/>
+            </a:pPr>
             <a:r>
               <a:rPr lang="en" sz="1400"/>
-              <a:t>Estimated the supply and production functions for residential properties in Allegheny county, pennsylvania.</a:t>
+              <a:t>An interesting economic experiment</a:t>
             </a:r>
             <a:endParaRPr sz="1400"/>
           </a:p>
           <a:p>
-            <a:pPr indent="0" lvl="0" marL="0" rtl="0" algn="l">
+            <a:pPr indent="-317500" lvl="0" marL="457200" rtl="0" algn="l">
               <a:lnSpc>
                 <a:spcPct val="100000"/>
               </a:lnSpc>
               <a:spcBef>
-                <a:spcPts val="1000"/>
-              </a:spcBef>
-              <a:spcAft>
-                <a:spcPts val="0"/>
-              </a:spcAft>
-              <a:buNone/>
+                <a:spcPts val="0"/>
+              </a:spcBef>
+              <a:spcAft>
+                <a:spcPts val="0"/>
+              </a:spcAft>
+              <a:buSzPts val="1400"/>
+              <a:buChar char="•"/>
             </a:pPr>
             <a:r>
-              <a:rPr b="1" lang="en" sz="1400"/>
-              <a:t>Why replicate? </a:t>
+              <a:rPr lang="en" sz="1400"/>
+              <a:t>Highly cited and well documented</a:t>
             </a:r>
+            <a:endParaRPr sz="1400"/>
+          </a:p>
+          <a:p>
+            <a:pPr indent="-317500" lvl="0" marL="457200" rtl="0" algn="l">
+              <a:lnSpc>
+                <a:spcPct val="100000"/>
+              </a:lnSpc>
+              <a:spcBef>
+                <a:spcPts val="0"/>
+              </a:spcBef>
+              <a:spcAft>
+                <a:spcPts val="0"/>
+              </a:spcAft>
+              <a:buSzPts val="1400"/>
+              <a:buChar char="•"/>
+            </a:pPr>
             <a:r>
               <a:rPr lang="en" sz="1400"/>
-              <a:t>An interesting economic experiment that helps us to understand how price of a land and value of housing are related in estimating the supply and production functions.</a:t>
+              <a:t>Use of regression models for the estimation</a:t>
             </a:r>
             <a:endParaRPr sz="1400"/>
           </a:p>
@@ -12829,7 +12859,7 @@
         <p:spPr>
           <a:xfrm>
             <a:off x="628650" y="841500"/>
-            <a:ext cx="7772400" cy="1990800"/>
+            <a:ext cx="7772400" cy="2208900"/>
           </a:xfrm>
           <a:prstGeom prst="rect">
             <a:avLst/>
@@ -12846,7 +12876,7 @@
                 <a:spcPct val="100000"/>
               </a:lnSpc>
               <a:spcBef>
-                <a:spcPts val="900"/>
+                <a:spcPts val="0"/>
               </a:spcBef>
               <a:spcAft>
                 <a:spcPts val="0"/>
@@ -12856,7 +12886,7 @@
             <a:r>
               <a:rPr b="1" lang="en" sz="1400">
                 <a:solidFill>
-                  <a:srgbClr val="24292E"/>
+                  <a:srgbClr val="000000"/>
                 </a:solidFill>
                 <a:highlight>
                   <a:srgbClr val="FFFFFF"/>
@@ -12867,7 +12897,7 @@
             <a:r>
               <a:rPr lang="en" sz="1400">
                 <a:solidFill>
-                  <a:srgbClr val="24292E"/>
+                  <a:srgbClr val="000000"/>
                 </a:solidFill>
                 <a:highlight>
                   <a:srgbClr val="FFFFFF"/>
@@ -12878,7 +12908,7 @@
             <a:r>
               <a:rPr i="1" lang="en" sz="1400">
                 <a:solidFill>
-                  <a:srgbClr val="24292E"/>
+                  <a:srgbClr val="000000"/>
                 </a:solidFill>
                 <a:highlight>
                   <a:srgbClr val="FFFFFF"/>
@@ -12889,7 +12919,7 @@
             <a:r>
               <a:rPr lang="en" sz="1400">
                 <a:solidFill>
-                  <a:srgbClr val="24292E"/>
+                  <a:srgbClr val="000000"/>
                 </a:solidFill>
                 <a:highlight>
                   <a:srgbClr val="FFFFFF"/>
@@ -12899,7 +12929,7 @@
             </a:r>
             <a:endParaRPr sz="1400">
               <a:solidFill>
-                <a:srgbClr val="24292E"/>
+                <a:srgbClr val="000000"/>
               </a:solidFill>
               <a:highlight>
                 <a:srgbClr val="FFFFFF"/>
@@ -12912,7 +12942,32 @@
                 <a:spcPct val="100000"/>
               </a:lnSpc>
               <a:spcBef>
-                <a:spcPts val="900"/>
+                <a:spcPts val="0"/>
+              </a:spcBef>
+              <a:spcAft>
+                <a:spcPts val="0"/>
+              </a:spcAft>
+              <a:buNone/>
+            </a:pPr>
+            <a:r>
+              <a:t/>
+            </a:r>
+            <a:endParaRPr b="1" sz="1400">
+              <a:solidFill>
+                <a:srgbClr val="000000"/>
+              </a:solidFill>
+              <a:highlight>
+                <a:srgbClr val="FFFFFF"/>
+              </a:highlight>
+            </a:endParaRPr>
+          </a:p>
+          <a:p>
+            <a:pPr indent="0" lvl="0" marL="0" rtl="0" algn="l">
+              <a:lnSpc>
+                <a:spcPct val="100000"/>
+              </a:lnSpc>
+              <a:spcBef>
+                <a:spcPts val="0"/>
               </a:spcBef>
               <a:spcAft>
                 <a:spcPts val="0"/>
@@ -12922,17 +12977,17 @@
             <a:r>
               <a:rPr b="1" lang="en" sz="1400">
                 <a:solidFill>
-                  <a:srgbClr val="24292E"/>
+                  <a:srgbClr val="000000"/>
                 </a:solidFill>
                 <a:highlight>
                   <a:srgbClr val="FFFFFF"/>
                 </a:highlight>
               </a:rPr>
-              <a:t>Method : </a:t>
+              <a:t>Methods : </a:t>
             </a:r>
             <a:endParaRPr b="1" sz="1400">
               <a:solidFill>
-                <a:srgbClr val="24292E"/>
+                <a:srgbClr val="000000"/>
               </a:solidFill>
               <a:highlight>
                 <a:srgbClr val="FFFFFF"/>
@@ -12945,13 +13000,13 @@
                 <a:spcPct val="100000"/>
               </a:lnSpc>
               <a:spcBef>
-                <a:spcPts val="900"/>
-              </a:spcBef>
-              <a:spcAft>
-                <a:spcPts val="0"/>
-              </a:spcAft>
-              <a:buClr>
-                <a:srgbClr val="24292E"/>
+                <a:spcPts val="0"/>
+              </a:spcBef>
+              <a:spcAft>
+                <a:spcPts val="0"/>
+              </a:spcAft>
+              <a:buClr>
+                <a:srgbClr val="000000"/>
               </a:buClr>
               <a:buSzPts val="1400"/>
               <a:buChar char="•"/>
@@ -12959,7 +13014,7 @@
             <a:r>
               <a:rPr lang="en" sz="1400">
                 <a:solidFill>
-                  <a:srgbClr val="24292E"/>
+                  <a:srgbClr val="000000"/>
                 </a:solidFill>
                 <a:highlight>
                   <a:srgbClr val="FFFFFF"/>
@@ -12969,7 +13024,7 @@
             </a:r>
             <a:endParaRPr sz="1400">
               <a:solidFill>
-                <a:srgbClr val="24292E"/>
+                <a:srgbClr val="000000"/>
               </a:solidFill>
               <a:highlight>
                 <a:srgbClr val="FFFFFF"/>
@@ -12988,7 +13043,7 @@
                 <a:spcPts val="0"/>
               </a:spcAft>
               <a:buClr>
-                <a:srgbClr val="24292E"/>
+                <a:srgbClr val="000000"/>
               </a:buClr>
               <a:buSzPts val="1400"/>
               <a:buChar char="•"/>
@@ -12996,7 +13051,7 @@
             <a:r>
               <a:rPr lang="en" sz="1400">
                 <a:solidFill>
-                  <a:srgbClr val="24292E"/>
+                  <a:srgbClr val="000000"/>
                 </a:solidFill>
                 <a:highlight>
                   <a:srgbClr val="FFFFFF"/>
@@ -13006,7 +13061,7 @@
             </a:r>
             <a:endParaRPr sz="1400">
               <a:solidFill>
-                <a:srgbClr val="24292E"/>
+                <a:srgbClr val="000000"/>
               </a:solidFill>
               <a:highlight>
                 <a:srgbClr val="FFFFFF"/>
@@ -13015,8 +13070,74 @@
           </a:p>
           <a:p>
             <a:pPr indent="0" lvl="0" marL="0" rtl="0" algn="l">
-              <a:spcBef>
-                <a:spcPts val="900"/>
+              <a:lnSpc>
+                <a:spcPct val="100000"/>
+              </a:lnSpc>
+              <a:spcBef>
+                <a:spcPts val="0"/>
+              </a:spcBef>
+              <a:spcAft>
+                <a:spcPts val="0"/>
+              </a:spcAft>
+              <a:buNone/>
+            </a:pPr>
+            <a:r>
+              <a:t/>
+            </a:r>
+            <a:endParaRPr b="1" sz="700">
+              <a:solidFill>
+                <a:srgbClr val="000000"/>
+              </a:solidFill>
+              <a:highlight>
+                <a:schemeClr val="lt1"/>
+              </a:highlight>
+            </a:endParaRPr>
+          </a:p>
+          <a:p>
+            <a:pPr indent="0" lvl="0" marL="0" rtl="0" algn="l">
+              <a:lnSpc>
+                <a:spcPct val="100000"/>
+              </a:lnSpc>
+              <a:spcBef>
+                <a:spcPts val="1000"/>
+              </a:spcBef>
+              <a:spcAft>
+                <a:spcPts val="0"/>
+              </a:spcAft>
+              <a:buNone/>
+            </a:pPr>
+            <a:r>
+              <a:rPr b="1" lang="en" sz="1400">
+                <a:solidFill>
+                  <a:srgbClr val="000000"/>
+                </a:solidFill>
+                <a:highlight>
+                  <a:schemeClr val="lt1"/>
+                </a:highlight>
+              </a:rPr>
+              <a:t>Results : </a:t>
+            </a:r>
+            <a:r>
+              <a:rPr lang="en" sz="1400">
+                <a:solidFill>
+                  <a:srgbClr val="000000"/>
+                </a:solidFill>
+              </a:rPr>
+              <a:t>Estimated the supply and production functions for residential properties in Allegheny county, Pennsylvania, along with 95% CI</a:t>
+            </a:r>
+            <a:endParaRPr sz="1400">
+              <a:solidFill>
+                <a:srgbClr val="000000"/>
+              </a:solidFill>
+              <a:highlight>
+                <a:srgbClr val="FFFFFF"/>
+              </a:highlight>
+            </a:endParaRPr>
+          </a:p>
+          <a:p>
+            <a:pPr indent="0" lvl="0" marL="0" rtl="0" algn="l">
+              <a:spcBef>
+                <a:spcPts val="1000"/>
               </a:spcBef>
               <a:spcAft>
                 <a:spcPts val="0"/>
@@ -13120,8 +13241,8 @@
         </p:blipFill>
         <p:spPr>
           <a:xfrm>
-            <a:off x="5428700" y="2452200"/>
-            <a:ext cx="3086651" cy="1990800"/>
+            <a:off x="5979150" y="2894650"/>
+            <a:ext cx="2369266" cy="1776950"/>
           </a:xfrm>
           <a:prstGeom prst="rect">
             <a:avLst/>
@@ -13142,8 +13263,8 @@
         </p:nvSpPr>
         <p:spPr>
           <a:xfrm>
-            <a:off x="468800" y="2666050"/>
-            <a:ext cx="5185500" cy="2375100"/>
+            <a:off x="578250" y="3035650"/>
+            <a:ext cx="5400900" cy="1776900"/>
           </a:xfrm>
           <a:prstGeom prst="rect">
             <a:avLst/>
@@ -13176,7 +13297,18 @@
                   <a:srgbClr val="FFFFFF"/>
                 </a:highlight>
               </a:rPr>
-              <a:t>Replication variant:</a:t>
+              <a:t>Technical </a:t>
+            </a:r>
+            <a:r>
+              <a:rPr b="1" lang="en" sz="1400">
+                <a:solidFill>
+                  <a:srgbClr val="24292E"/>
+                </a:solidFill>
+                <a:highlight>
+                  <a:srgbClr val="FFFFFF"/>
+                </a:highlight>
+              </a:rPr>
+              <a:t>variants in our replication:</a:t>
             </a:r>
             <a:endParaRPr sz="1400"/>
           </a:p>
@@ -13255,15 +13387,7 @@
             </a:pPr>
             <a:r>
               <a:rPr lang="en" sz="1400"/>
-              <a:t>Replicated the plots of 95% CI </a:t>
-            </a:r>
-            <a:r>
-              <a:rPr lang="en" sz="1400"/>
-              <a:t>bands for supply and production function estimates </a:t>
-            </a:r>
-            <a:r>
-              <a:rPr lang="en" sz="1400"/>
-              <a:t>for the GLM log-linear model</a:t>
+              <a:t>Confidence interval bands for GLM log-linear model</a:t>
             </a:r>
             <a:endParaRPr sz="1400"/>
           </a:p>
@@ -13322,7 +13446,7 @@
         </p:nvSpPr>
         <p:spPr>
           <a:xfrm>
-            <a:off x="5850000" y="4462100"/>
+            <a:off x="5850000" y="4538300"/>
             <a:ext cx="2968500" cy="423600"/>
           </a:xfrm>
           <a:prstGeom prst="rect">
@@ -13678,7 +13802,7 @@
             </a:pPr>
             <a:r>
               <a:rPr lang="en" sz="2400"/>
-              <a:t>Replicating regression model and estimates</a:t>
+              <a:t>Replication - Regression model and estimates</a:t>
             </a:r>
             <a:endParaRPr sz="2400"/>
           </a:p>
@@ -14062,7 +14186,7 @@
             </a:pPr>
             <a:r>
               <a:rPr lang="en" sz="2400"/>
-              <a:t>Supply and Production functions for OLS and Kernel models</a:t>
+              <a:t>Replication - Supply and Production functions </a:t>
             </a:r>
             <a:endParaRPr sz="2400"/>
           </a:p>
@@ -14416,7 +14540,7 @@
             </a:pPr>
             <a:r>
               <a:rPr lang="en" sz="2400"/>
-              <a:t>Supply function for GLM with 95% confidence interval</a:t>
+              <a:t>Replication - Supply function for GLM with 95% confidence interval</a:t>
             </a:r>
             <a:endParaRPr sz="2400"/>
           </a:p>
@@ -14719,7 +14843,7 @@
             </a:pPr>
             <a:r>
               <a:rPr lang="en" sz="2400"/>
-              <a:t>Production </a:t>
+              <a:t>Replication - Production </a:t>
             </a:r>
             <a:r>
               <a:rPr lang="en" sz="2400"/>
@@ -15164,10 +15288,10 @@
               <a:buNone/>
             </a:pPr>
             <a:r>
-              <a:rPr lang="en" sz="2800"/>
+              <a:rPr lang="en" sz="2400"/>
               <a:t>Reflections</a:t>
             </a:r>
-            <a:endParaRPr sz="2800"/>
+            <a:endParaRPr sz="2400"/>
           </a:p>
         </p:txBody>
       </p:sp>

--- a/Analysis/Replication project - Final presentation.pptx
+++ b/Analysis/Replication project - Final presentation.pptx
@@ -1,27 +1,27 @@
 
 <file path=ppt/presentation.xml><?xml version="1.0" encoding="utf-8"?>
-<p:presentation xmlns:a="http://schemas.openxmlformats.org/drawingml/2006/main" xmlns:r="http://schemas.openxmlformats.org/officeDocument/2006/relationships" xmlns:mc="http://schemas.openxmlformats.org/markup-compatibility/2006" xmlns:mv="urn:schemas-microsoft-com:mac:vml" xmlns:p="http://schemas.openxmlformats.org/presentationml/2006/main" xmlns:c="http://schemas.openxmlformats.org/drawingml/2006/chart" xmlns:dgm="http://schemas.openxmlformats.org/drawingml/2006/diagram" xmlns:o="urn:schemas-microsoft-com:office:office" xmlns:v="urn:schemas-microsoft-com:vml" xmlns:pvml="urn:schemas-microsoft-com:office:powerpoint" xmlns:com="http://schemas.openxmlformats.org/drawingml/2006/compatibility" xmlns:p14="http://schemas.microsoft.com/office/powerpoint/2010/main" xmlns:p15="http://schemas.microsoft.com/office/powerpoint/2012/main" autoCompressPictures="0" strictFirstAndLastChars="0" saveSubsetFonts="1" showSpecialPlsOnTitleSld="0">
+<p:presentation xmlns:a="http://schemas.openxmlformats.org/drawingml/2006/main" xmlns:r="http://schemas.openxmlformats.org/officeDocument/2006/relationships" xmlns:p="http://schemas.openxmlformats.org/presentationml/2006/main" showSpecialPlsOnTitleSld="0" strictFirstAndLastChars="0" saveSubsetFonts="1" autoCompressPictures="0">
   <p:sldMasterIdLst>
-    <p:sldMasterId id="2147483659" r:id="rId4"/>
+    <p:sldMasterId id="2147483659" r:id="rId1"/>
   </p:sldMasterIdLst>
   <p:notesMasterIdLst>
-    <p:notesMasterId r:id="rId5"/>
+    <p:notesMasterId r:id="rId11"/>
   </p:notesMasterIdLst>
   <p:sldIdLst>
-    <p:sldId id="256" r:id="rId6"/>
-    <p:sldId id="257" r:id="rId7"/>
-    <p:sldId id="258" r:id="rId8"/>
-    <p:sldId id="259" r:id="rId9"/>
-    <p:sldId id="260" r:id="rId10"/>
-    <p:sldId id="261" r:id="rId11"/>
-    <p:sldId id="262" r:id="rId12"/>
-    <p:sldId id="263" r:id="rId13"/>
-    <p:sldId id="264" r:id="rId14"/>
+    <p:sldId id="256" r:id="rId2"/>
+    <p:sldId id="257" r:id="rId3"/>
+    <p:sldId id="258" r:id="rId4"/>
+    <p:sldId id="259" r:id="rId5"/>
+    <p:sldId id="260" r:id="rId6"/>
+    <p:sldId id="261" r:id="rId7"/>
+    <p:sldId id="262" r:id="rId8"/>
+    <p:sldId id="263" r:id="rId9"/>
+    <p:sldId id="264" r:id="rId10"/>
   </p:sldIdLst>
-  <p:sldSz cy="5143500" cx="9144000"/>
+  <p:sldSz cx="9144000" cy="5143500" type="screen16x9"/>
   <p:notesSz cx="6858000" cy="9144000"/>
   <p:defaultTextStyle>
-    <a:defPPr lvl="0" marR="0" rtl="0" algn="l">
+    <a:defPPr marR="0" lvl="0" algn="l" rtl="0">
       <a:lnSpc>
         <a:spcPct val="100000"/>
       </a:lnSpc>
@@ -32,7 +32,7 @@
         <a:spcPts val="0"/>
       </a:spcAft>
     </a:defPPr>
-    <a:lvl1pPr lvl="0" marR="0" rtl="0" algn="l">
+    <a:lvl1pPr marR="0" lvl="0" algn="l" rtl="0">
       <a:lnSpc>
         <a:spcPct val="100000"/>
       </a:lnSpc>
@@ -46,7 +46,7 @@
         <a:srgbClr val="000000"/>
       </a:buClr>
       <a:buFont typeface="Arial"/>
-      <a:defRPr b="0" i="0" sz="1400" u="none" cap="none" strike="noStrike">
+      <a:defRPr sz="1400" b="0" i="0" u="none" strike="noStrike" cap="none">
         <a:solidFill>
           <a:srgbClr val="000000"/>
         </a:solidFill>
@@ -56,7 +56,7 @@
         <a:sym typeface="Arial"/>
       </a:defRPr>
     </a:lvl1pPr>
-    <a:lvl2pPr lvl="1" marR="0" rtl="0" algn="l">
+    <a:lvl2pPr marR="0" lvl="1" algn="l" rtl="0">
       <a:lnSpc>
         <a:spcPct val="100000"/>
       </a:lnSpc>
@@ -70,7 +70,7 @@
         <a:srgbClr val="000000"/>
       </a:buClr>
       <a:buFont typeface="Arial"/>
-      <a:defRPr b="0" i="0" sz="1400" u="none" cap="none" strike="noStrike">
+      <a:defRPr sz="1400" b="0" i="0" u="none" strike="noStrike" cap="none">
         <a:solidFill>
           <a:srgbClr val="000000"/>
         </a:solidFill>
@@ -80,7 +80,7 @@
         <a:sym typeface="Arial"/>
       </a:defRPr>
     </a:lvl2pPr>
-    <a:lvl3pPr lvl="2" marR="0" rtl="0" algn="l">
+    <a:lvl3pPr marR="0" lvl="2" algn="l" rtl="0">
       <a:lnSpc>
         <a:spcPct val="100000"/>
       </a:lnSpc>
@@ -94,7 +94,7 @@
         <a:srgbClr val="000000"/>
       </a:buClr>
       <a:buFont typeface="Arial"/>
-      <a:defRPr b="0" i="0" sz="1400" u="none" cap="none" strike="noStrike">
+      <a:defRPr sz="1400" b="0" i="0" u="none" strike="noStrike" cap="none">
         <a:solidFill>
           <a:srgbClr val="000000"/>
         </a:solidFill>
@@ -104,7 +104,7 @@
         <a:sym typeface="Arial"/>
       </a:defRPr>
     </a:lvl3pPr>
-    <a:lvl4pPr lvl="3" marR="0" rtl="0" algn="l">
+    <a:lvl4pPr marR="0" lvl="3" algn="l" rtl="0">
       <a:lnSpc>
         <a:spcPct val="100000"/>
       </a:lnSpc>
@@ -118,7 +118,7 @@
         <a:srgbClr val="000000"/>
       </a:buClr>
       <a:buFont typeface="Arial"/>
-      <a:defRPr b="0" i="0" sz="1400" u="none" cap="none" strike="noStrike">
+      <a:defRPr sz="1400" b="0" i="0" u="none" strike="noStrike" cap="none">
         <a:solidFill>
           <a:srgbClr val="000000"/>
         </a:solidFill>
@@ -128,7 +128,7 @@
         <a:sym typeface="Arial"/>
       </a:defRPr>
     </a:lvl4pPr>
-    <a:lvl5pPr lvl="4" marR="0" rtl="0" algn="l">
+    <a:lvl5pPr marR="0" lvl="4" algn="l" rtl="0">
       <a:lnSpc>
         <a:spcPct val="100000"/>
       </a:lnSpc>
@@ -142,7 +142,7 @@
         <a:srgbClr val="000000"/>
       </a:buClr>
       <a:buFont typeface="Arial"/>
-      <a:defRPr b="0" i="0" sz="1400" u="none" cap="none" strike="noStrike">
+      <a:defRPr sz="1400" b="0" i="0" u="none" strike="noStrike" cap="none">
         <a:solidFill>
           <a:srgbClr val="000000"/>
         </a:solidFill>
@@ -152,7 +152,7 @@
         <a:sym typeface="Arial"/>
       </a:defRPr>
     </a:lvl5pPr>
-    <a:lvl6pPr lvl="5" marR="0" rtl="0" algn="l">
+    <a:lvl6pPr marR="0" lvl="5" algn="l" rtl="0">
       <a:lnSpc>
         <a:spcPct val="100000"/>
       </a:lnSpc>
@@ -166,7 +166,7 @@
         <a:srgbClr val="000000"/>
       </a:buClr>
       <a:buFont typeface="Arial"/>
-      <a:defRPr b="0" i="0" sz="1400" u="none" cap="none" strike="noStrike">
+      <a:defRPr sz="1400" b="0" i="0" u="none" strike="noStrike" cap="none">
         <a:solidFill>
           <a:srgbClr val="000000"/>
         </a:solidFill>
@@ -176,7 +176,7 @@
         <a:sym typeface="Arial"/>
       </a:defRPr>
     </a:lvl6pPr>
-    <a:lvl7pPr lvl="6" marR="0" rtl="0" algn="l">
+    <a:lvl7pPr marR="0" lvl="6" algn="l" rtl="0">
       <a:lnSpc>
         <a:spcPct val="100000"/>
       </a:lnSpc>
@@ -190,7 +190,7 @@
         <a:srgbClr val="000000"/>
       </a:buClr>
       <a:buFont typeface="Arial"/>
-      <a:defRPr b="0" i="0" sz="1400" u="none" cap="none" strike="noStrike">
+      <a:defRPr sz="1400" b="0" i="0" u="none" strike="noStrike" cap="none">
         <a:solidFill>
           <a:srgbClr val="000000"/>
         </a:solidFill>
@@ -200,7 +200,7 @@
         <a:sym typeface="Arial"/>
       </a:defRPr>
     </a:lvl7pPr>
-    <a:lvl8pPr lvl="7" marR="0" rtl="0" algn="l">
+    <a:lvl8pPr marR="0" lvl="7" algn="l" rtl="0">
       <a:lnSpc>
         <a:spcPct val="100000"/>
       </a:lnSpc>
@@ -214,7 +214,7 @@
         <a:srgbClr val="000000"/>
       </a:buClr>
       <a:buFont typeface="Arial"/>
-      <a:defRPr b="0" i="0" sz="1400" u="none" cap="none" strike="noStrike">
+      <a:defRPr sz="1400" b="0" i="0" u="none" strike="noStrike" cap="none">
         <a:solidFill>
           <a:srgbClr val="000000"/>
         </a:solidFill>
@@ -224,7 +224,7 @@
         <a:sym typeface="Arial"/>
       </a:defRPr>
     </a:lvl8pPr>
-    <a:lvl9pPr lvl="8" marR="0" rtl="0" algn="l">
+    <a:lvl9pPr marR="0" lvl="8" algn="l" rtl="0">
       <a:lnSpc>
         <a:spcPct val="100000"/>
       </a:lnSpc>
@@ -238,7 +238,7 @@
         <a:srgbClr val="000000"/>
       </a:buClr>
       <a:buFont typeface="Arial"/>
-      <a:defRPr b="0" i="0" sz="1400" u="none" cap="none" strike="noStrike">
+      <a:defRPr sz="1400" b="0" i="0" u="none" strike="noStrike" cap="none">
         <a:solidFill>
           <a:srgbClr val="000000"/>
         </a:solidFill>
@@ -251,7 +251,7 @@
   </p:defaultTextStyle>
   <p:extLst>
     <p:ext uri="{EFAFB233-063F-42B5-8137-9DF3F51BA10A}">
-      <p15:sldGuideLst>
+      <p15:sldGuideLst xmlns:p15="http://schemas.microsoft.com/office/powerpoint/2012/main">
         <p15:guide id="1" orient="horz" pos="1620">
           <p15:clr>
             <a:srgbClr val="A4A3A4"/>
@@ -269,11 +269,16 @@
 </file>
 
 <file path=ppt/notesMasters/notesMaster1.xml><?xml version="1.0" encoding="utf-8"?>
-<p:notesMaster xmlns:a="http://schemas.openxmlformats.org/drawingml/2006/main" xmlns:r="http://schemas.openxmlformats.org/officeDocument/2006/relationships" xmlns:mc="http://schemas.openxmlformats.org/markup-compatibility/2006" xmlns:mv="urn:schemas-microsoft-com:mac:vml" xmlns:p="http://schemas.openxmlformats.org/presentationml/2006/main" xmlns:c="http://schemas.openxmlformats.org/drawingml/2006/chart" xmlns:dgm="http://schemas.openxmlformats.org/drawingml/2006/diagram" xmlns:o="urn:schemas-microsoft-com:office:office" xmlns:v="urn:schemas-microsoft-com:vml" xmlns:pvml="urn:schemas-microsoft-com:office:powerpoint" xmlns:com="http://schemas.openxmlformats.org/drawingml/2006/compatibility" xmlns:p14="http://schemas.microsoft.com/office/powerpoint/2010/main" xmlns:p15="http://schemas.microsoft.com/office/powerpoint/2012/main">
+<p:notesMaster xmlns:a="http://schemas.openxmlformats.org/drawingml/2006/main" xmlns:r="http://schemas.openxmlformats.org/officeDocument/2006/relationships" xmlns:p="http://schemas.openxmlformats.org/presentationml/2006/main">
   <p:cSld>
+    <p:bg>
+      <p:bgRef idx="1001">
+        <a:schemeClr val="bg1"/>
+      </p:bgRef>
+    </p:bg>
     <p:spTree>
       <p:nvGrpSpPr>
-        <p:cNvPr id="2" name="Shape 2"/>
+        <p:cNvPr id="1" name="Shape 2"/>
         <p:cNvGrpSpPr/>
         <p:nvPr/>
       </p:nvGrpSpPr>
@@ -288,9 +293,11 @@
       <p:sp>
         <p:nvSpPr>
           <p:cNvPr id="3" name="Google Shape;3;n"/>
-          <p:cNvSpPr/>
+          <p:cNvSpPr>
+            <a:spLocks noGrp="1" noRot="1" noChangeAspect="1"/>
+          </p:cNvSpPr>
           <p:nvPr>
-            <p:ph idx="2" type="sldImg"/>
+            <p:ph type="sldImg" idx="2"/>
           </p:nvPr>
         </p:nvSpPr>
         <p:spPr>
@@ -299,9 +306,13 @@
             <a:ext cx="6096075" cy="3429000"/>
           </a:xfrm>
           <a:custGeom>
-            <a:rect b="b" l="l" r="r" t="t"/>
+            <a:avLst/>
+            <a:gdLst/>
+            <a:ahLst/>
+            <a:cxnLst/>
+            <a:rect l="l" t="t" r="r" b="b"/>
             <a:pathLst>
-              <a:path extrusionOk="0" h="120000" w="120000">
+              <a:path w="120000" h="120000" extrusionOk="0">
                 <a:moveTo>
                   <a:pt x="0" y="0"/>
                 </a:moveTo>
@@ -319,23 +330,25 @@
             </a:pathLst>
           </a:custGeom>
           <a:noFill/>
-          <a:ln cap="flat" cmpd="sng" w="9525">
+          <a:ln w="9525" cap="flat" cmpd="sng">
             <a:solidFill>
               <a:srgbClr val="000000"/>
             </a:solidFill>
             <a:prstDash val="solid"/>
             <a:round/>
-            <a:headEnd len="sm" w="sm" type="none"/>
-            <a:tailEnd len="sm" w="sm" type="none"/>
+            <a:headEnd type="none" w="sm" len="sm"/>
+            <a:tailEnd type="none" w="sm" len="sm"/>
           </a:ln>
         </p:spPr>
       </p:sp>
       <p:sp>
         <p:nvSpPr>
           <p:cNvPr id="4" name="Google Shape;4;n"/>
-          <p:cNvSpPr txBox="1"/>
+          <p:cNvSpPr txBox="1">
+            <a:spLocks noGrp="1"/>
+          </p:cNvSpPr>
           <p:nvPr>
-            <p:ph idx="1" type="body"/>
+            <p:ph type="body" idx="1"/>
           </p:nvPr>
         </p:nvSpPr>
         <p:spPr>
@@ -352,11 +365,11 @@
           </a:ln>
         </p:spPr>
         <p:txBody>
-          <a:bodyPr anchorCtr="0" anchor="t" bIns="91425" lIns="91425" spcFirstLastPara="1" rIns="91425" wrap="square" tIns="91425">
+          <a:bodyPr spcFirstLastPara="1" wrap="square" lIns="91425" tIns="91425" rIns="91425" bIns="91425" anchor="t" anchorCtr="0">
             <a:noAutofit/>
           </a:bodyPr>
           <a:lstStyle>
-            <a:lvl1pPr indent="-298450" lvl="0" marL="457200">
+            <a:lvl1pPr marL="457200" lvl="0" indent="-298450">
               <a:spcBef>
                 <a:spcPts val="0"/>
               </a:spcBef>
@@ -367,7 +380,7 @@
               <a:buChar char="●"/>
               <a:defRPr sz="1100"/>
             </a:lvl1pPr>
-            <a:lvl2pPr indent="-298450" lvl="1" marL="914400">
+            <a:lvl2pPr marL="914400" lvl="1" indent="-298450">
               <a:spcBef>
                 <a:spcPts val="0"/>
               </a:spcBef>
@@ -378,7 +391,7 @@
               <a:buChar char="○"/>
               <a:defRPr sz="1100"/>
             </a:lvl2pPr>
-            <a:lvl3pPr indent="-298450" lvl="2" marL="1371600">
+            <a:lvl3pPr marL="1371600" lvl="2" indent="-298450">
               <a:spcBef>
                 <a:spcPts val="0"/>
               </a:spcBef>
@@ -389,7 +402,7 @@
               <a:buChar char="■"/>
               <a:defRPr sz="1100"/>
             </a:lvl3pPr>
-            <a:lvl4pPr indent="-298450" lvl="3" marL="1828800">
+            <a:lvl4pPr marL="1828800" lvl="3" indent="-298450">
               <a:spcBef>
                 <a:spcPts val="0"/>
               </a:spcBef>
@@ -400,7 +413,7 @@
               <a:buChar char="●"/>
               <a:defRPr sz="1100"/>
             </a:lvl4pPr>
-            <a:lvl5pPr indent="-298450" lvl="4" marL="2286000">
+            <a:lvl5pPr marL="2286000" lvl="4" indent="-298450">
               <a:spcBef>
                 <a:spcPts val="0"/>
               </a:spcBef>
@@ -411,7 +424,7 @@
               <a:buChar char="○"/>
               <a:defRPr sz="1100"/>
             </a:lvl5pPr>
-            <a:lvl6pPr indent="-298450" lvl="5" marL="2743200">
+            <a:lvl6pPr marL="2743200" lvl="5" indent="-298450">
               <a:spcBef>
                 <a:spcPts val="0"/>
               </a:spcBef>
@@ -422,7 +435,7 @@
               <a:buChar char="■"/>
               <a:defRPr sz="1100"/>
             </a:lvl6pPr>
-            <a:lvl7pPr indent="-298450" lvl="6" marL="3200400">
+            <a:lvl7pPr marL="3200400" lvl="6" indent="-298450">
               <a:spcBef>
                 <a:spcPts val="0"/>
               </a:spcBef>
@@ -433,7 +446,7 @@
               <a:buChar char="●"/>
               <a:defRPr sz="1100"/>
             </a:lvl7pPr>
-            <a:lvl8pPr indent="-298450" lvl="7" marL="3657600">
+            <a:lvl8pPr marL="3657600" lvl="7" indent="-298450">
               <a:spcBef>
                 <a:spcPts val="0"/>
               </a:spcBef>
@@ -444,7 +457,7 @@
               <a:buChar char="○"/>
               <a:defRPr sz="1100"/>
             </a:lvl8pPr>
-            <a:lvl9pPr indent="-298450" lvl="8" marL="4114800">
+            <a:lvl9pPr marL="4114800" lvl="8" indent="-298450">
               <a:spcBef>
                 <a:spcPts val="0"/>
               </a:spcBef>
@@ -456,14 +469,16 @@
               <a:defRPr sz="1100"/>
             </a:lvl9pPr>
           </a:lstStyle>
-          <a:p/>
+          <a:p>
+            <a:endParaRPr/>
+          </a:p>
         </p:txBody>
       </p:sp>
     </p:spTree>
   </p:cSld>
-  <p:clrMap accent1="accent1" accent2="accent2" accent3="accent3" accent4="accent4" accent5="accent5" accent6="accent6" bg1="lt1" bg2="dk2" tx1="dk1" tx2="lt2" folHlink="folHlink" hlink="hlink"/>
+  <p:clrMap bg1="lt1" tx1="dk1" bg2="dk2" tx2="lt2" accent1="accent1" accent2="accent2" accent3="accent3" accent4="accent4" accent5="accent5" accent6="accent6" hlink="hlink" folHlink="folHlink"/>
   <p:notesStyle>
-    <a:defPPr lvl="0" marR="0" rtl="0" algn="l">
+    <a:defPPr marR="0" lvl="0" algn="l" rtl="0">
       <a:lnSpc>
         <a:spcPct val="100000"/>
       </a:lnSpc>
@@ -474,7 +489,7 @@
         <a:spcPts val="0"/>
       </a:spcAft>
     </a:defPPr>
-    <a:lvl1pPr lvl="0" marR="0" rtl="0" algn="l">
+    <a:lvl1pPr marR="0" lvl="0" algn="l" rtl="0">
       <a:lnSpc>
         <a:spcPct val="100000"/>
       </a:lnSpc>
@@ -488,7 +503,7 @@
         <a:srgbClr val="000000"/>
       </a:buClr>
       <a:buFont typeface="Arial"/>
-      <a:defRPr b="0" i="0" sz="1400" u="none" cap="none" strike="noStrike">
+      <a:defRPr sz="1400" b="0" i="0" u="none" strike="noStrike" cap="none">
         <a:solidFill>
           <a:srgbClr val="000000"/>
         </a:solidFill>
@@ -498,7 +513,7 @@
         <a:sym typeface="Arial"/>
       </a:defRPr>
     </a:lvl1pPr>
-    <a:lvl2pPr lvl="1" marR="0" rtl="0" algn="l">
+    <a:lvl2pPr marR="0" lvl="1" algn="l" rtl="0">
       <a:lnSpc>
         <a:spcPct val="100000"/>
       </a:lnSpc>
@@ -512,7 +527,7 @@
         <a:srgbClr val="000000"/>
       </a:buClr>
       <a:buFont typeface="Arial"/>
-      <a:defRPr b="0" i="0" sz="1400" u="none" cap="none" strike="noStrike">
+      <a:defRPr sz="1400" b="0" i="0" u="none" strike="noStrike" cap="none">
         <a:solidFill>
           <a:srgbClr val="000000"/>
         </a:solidFill>
@@ -522,7 +537,7 @@
         <a:sym typeface="Arial"/>
       </a:defRPr>
     </a:lvl2pPr>
-    <a:lvl3pPr lvl="2" marR="0" rtl="0" algn="l">
+    <a:lvl3pPr marR="0" lvl="2" algn="l" rtl="0">
       <a:lnSpc>
         <a:spcPct val="100000"/>
       </a:lnSpc>
@@ -536,7 +551,7 @@
         <a:srgbClr val="000000"/>
       </a:buClr>
       <a:buFont typeface="Arial"/>
-      <a:defRPr b="0" i="0" sz="1400" u="none" cap="none" strike="noStrike">
+      <a:defRPr sz="1400" b="0" i="0" u="none" strike="noStrike" cap="none">
         <a:solidFill>
           <a:srgbClr val="000000"/>
         </a:solidFill>
@@ -546,7 +561,7 @@
         <a:sym typeface="Arial"/>
       </a:defRPr>
     </a:lvl3pPr>
-    <a:lvl4pPr lvl="3" marR="0" rtl="0" algn="l">
+    <a:lvl4pPr marR="0" lvl="3" algn="l" rtl="0">
       <a:lnSpc>
         <a:spcPct val="100000"/>
       </a:lnSpc>
@@ -560,7 +575,7 @@
         <a:srgbClr val="000000"/>
       </a:buClr>
       <a:buFont typeface="Arial"/>
-      <a:defRPr b="0" i="0" sz="1400" u="none" cap="none" strike="noStrike">
+      <a:defRPr sz="1400" b="0" i="0" u="none" strike="noStrike" cap="none">
         <a:solidFill>
           <a:srgbClr val="000000"/>
         </a:solidFill>
@@ -570,7 +585,7 @@
         <a:sym typeface="Arial"/>
       </a:defRPr>
     </a:lvl4pPr>
-    <a:lvl5pPr lvl="4" marR="0" rtl="0" algn="l">
+    <a:lvl5pPr marR="0" lvl="4" algn="l" rtl="0">
       <a:lnSpc>
         <a:spcPct val="100000"/>
       </a:lnSpc>
@@ -584,7 +599,7 @@
         <a:srgbClr val="000000"/>
       </a:buClr>
       <a:buFont typeface="Arial"/>
-      <a:defRPr b="0" i="0" sz="1400" u="none" cap="none" strike="noStrike">
+      <a:defRPr sz="1400" b="0" i="0" u="none" strike="noStrike" cap="none">
         <a:solidFill>
           <a:srgbClr val="000000"/>
         </a:solidFill>
@@ -594,7 +609,7 @@
         <a:sym typeface="Arial"/>
       </a:defRPr>
     </a:lvl5pPr>
-    <a:lvl6pPr lvl="5" marR="0" rtl="0" algn="l">
+    <a:lvl6pPr marR="0" lvl="5" algn="l" rtl="0">
       <a:lnSpc>
         <a:spcPct val="100000"/>
       </a:lnSpc>
@@ -608,7 +623,7 @@
         <a:srgbClr val="000000"/>
       </a:buClr>
       <a:buFont typeface="Arial"/>
-      <a:defRPr b="0" i="0" sz="1400" u="none" cap="none" strike="noStrike">
+      <a:defRPr sz="1400" b="0" i="0" u="none" strike="noStrike" cap="none">
         <a:solidFill>
           <a:srgbClr val="000000"/>
         </a:solidFill>
@@ -618,7 +633,7 @@
         <a:sym typeface="Arial"/>
       </a:defRPr>
     </a:lvl6pPr>
-    <a:lvl7pPr lvl="6" marR="0" rtl="0" algn="l">
+    <a:lvl7pPr marR="0" lvl="6" algn="l" rtl="0">
       <a:lnSpc>
         <a:spcPct val="100000"/>
       </a:lnSpc>
@@ -632,7 +647,7 @@
         <a:srgbClr val="000000"/>
       </a:buClr>
       <a:buFont typeface="Arial"/>
-      <a:defRPr b="0" i="0" sz="1400" u="none" cap="none" strike="noStrike">
+      <a:defRPr sz="1400" b="0" i="0" u="none" strike="noStrike" cap="none">
         <a:solidFill>
           <a:srgbClr val="000000"/>
         </a:solidFill>
@@ -642,7 +657,7 @@
         <a:sym typeface="Arial"/>
       </a:defRPr>
     </a:lvl7pPr>
-    <a:lvl8pPr lvl="7" marR="0" rtl="0" algn="l">
+    <a:lvl8pPr marR="0" lvl="7" algn="l" rtl="0">
       <a:lnSpc>
         <a:spcPct val="100000"/>
       </a:lnSpc>
@@ -656,7 +671,7 @@
         <a:srgbClr val="000000"/>
       </a:buClr>
       <a:buFont typeface="Arial"/>
-      <a:defRPr b="0" i="0" sz="1400" u="none" cap="none" strike="noStrike">
+      <a:defRPr sz="1400" b="0" i="0" u="none" strike="noStrike" cap="none">
         <a:solidFill>
           <a:srgbClr val="000000"/>
         </a:solidFill>
@@ -666,7 +681,7 @@
         <a:sym typeface="Arial"/>
       </a:defRPr>
     </a:lvl8pPr>
-    <a:lvl9pPr lvl="8" marR="0" rtl="0" algn="l">
+    <a:lvl9pPr marR="0" lvl="8" algn="l" rtl="0">
       <a:lnSpc>
         <a:spcPct val="100000"/>
       </a:lnSpc>
@@ -680,7 +695,7 @@
         <a:srgbClr val="000000"/>
       </a:buClr>
       <a:buFont typeface="Arial"/>
-      <a:defRPr b="0" i="0" sz="1400" u="none" cap="none" strike="noStrike">
+      <a:defRPr sz="1400" b="0" i="0" u="none" strike="noStrike" cap="none">
         <a:solidFill>
           <a:srgbClr val="000000"/>
         </a:solidFill>
@@ -695,11 +710,11 @@
 </file>
 
 <file path=ppt/notesSlides/notesSlide1.xml><?xml version="1.0" encoding="utf-8"?>
-<p:notes xmlns:a="http://schemas.openxmlformats.org/drawingml/2006/main" xmlns:r="http://schemas.openxmlformats.org/officeDocument/2006/relationships" xmlns:mc="http://schemas.openxmlformats.org/markup-compatibility/2006" xmlns:mv="urn:schemas-microsoft-com:mac:vml" xmlns:p="http://schemas.openxmlformats.org/presentationml/2006/main" xmlns:c="http://schemas.openxmlformats.org/drawingml/2006/chart" xmlns:dgm="http://schemas.openxmlformats.org/drawingml/2006/diagram" xmlns:o="urn:schemas-microsoft-com:office:office" xmlns:v="urn:schemas-microsoft-com:vml" xmlns:pvml="urn:schemas-microsoft-com:office:powerpoint" xmlns:com="http://schemas.openxmlformats.org/drawingml/2006/compatibility" xmlns:p14="http://schemas.microsoft.com/office/powerpoint/2010/main" xmlns:p15="http://schemas.microsoft.com/office/powerpoint/2012/main" showMasterPhAnim="0" showMasterSp="0">
+<p:notes xmlns:a="http://schemas.openxmlformats.org/drawingml/2006/main" xmlns:r="http://schemas.openxmlformats.org/officeDocument/2006/relationships" xmlns:p="http://schemas.openxmlformats.org/presentationml/2006/main" showMasterSp="0" showMasterPhAnim="0">
   <p:cSld>
     <p:spTree>
       <p:nvGrpSpPr>
-        <p:cNvPr id="80" name="Shape 80"/>
+        <p:cNvPr id="1" name="Shape 80"/>
         <p:cNvGrpSpPr/>
         <p:nvPr/>
       </p:nvGrpSpPr>
@@ -714,9 +729,11 @@
       <p:sp>
         <p:nvSpPr>
           <p:cNvPr id="81" name="Google Shape;81;p:notes"/>
-          <p:cNvSpPr/>
+          <p:cNvSpPr>
+            <a:spLocks noGrp="1" noRot="1" noChangeAspect="1"/>
+          </p:cNvSpPr>
           <p:nvPr>
-            <p:ph idx="2" type="sldImg"/>
+            <p:ph type="sldImg" idx="2"/>
           </p:nvPr>
         </p:nvSpPr>
         <p:spPr>
@@ -725,9 +742,13 @@
             <a:ext cx="6096075" cy="3429000"/>
           </a:xfrm>
           <a:custGeom>
-            <a:rect b="b" l="l" r="r" t="t"/>
+            <a:avLst/>
+            <a:gdLst/>
+            <a:ahLst/>
+            <a:cxnLst/>
+            <a:rect l="l" t="t" r="r" b="b"/>
             <a:pathLst>
-              <a:path extrusionOk="0" h="120000" w="120000">
+              <a:path w="120000" h="120000" extrusionOk="0">
                 <a:moveTo>
                   <a:pt x="0" y="0"/>
                 </a:moveTo>
@@ -749,9 +770,11 @@
       <p:sp>
         <p:nvSpPr>
           <p:cNvPr id="82" name="Google Shape;82;p:notes"/>
-          <p:cNvSpPr txBox="1"/>
+          <p:cNvSpPr txBox="1">
+            <a:spLocks noGrp="1"/>
+          </p:cNvSpPr>
           <p:nvPr>
-            <p:ph idx="1" type="body"/>
+            <p:ph type="body" idx="1"/>
           </p:nvPr>
         </p:nvSpPr>
         <p:spPr>
@@ -764,12 +787,12 @@
           </a:prstGeom>
         </p:spPr>
         <p:txBody>
-          <a:bodyPr anchorCtr="0" anchor="t" bIns="91425" lIns="91425" spcFirstLastPara="1" rIns="91425" wrap="square" tIns="91425">
+          <a:bodyPr spcFirstLastPara="1" wrap="square" lIns="91425" tIns="91425" rIns="91425" bIns="91425" anchor="t" anchorCtr="0">
             <a:noAutofit/>
           </a:bodyPr>
           <a:lstStyle/>
           <a:p>
-            <a:pPr indent="0" lvl="0" marL="0" rtl="0" algn="l">
+            <a:pPr marL="0" lvl="0" indent="0" algn="l" rtl="0">
               <a:spcBef>
                 <a:spcPts val="0"/>
               </a:spcBef>
@@ -778,9 +801,6 @@
               </a:spcAft>
               <a:buNone/>
             </a:pPr>
-            <a:r>
-              <a:t/>
-            </a:r>
             <a:endParaRPr/>
           </a:p>
         </p:txBody>
@@ -794,11 +814,11 @@
 </file>
 
 <file path=ppt/notesSlides/notesSlide2.xml><?xml version="1.0" encoding="utf-8"?>
-<p:notes xmlns:a="http://schemas.openxmlformats.org/drawingml/2006/main" xmlns:r="http://schemas.openxmlformats.org/officeDocument/2006/relationships" xmlns:mc="http://schemas.openxmlformats.org/markup-compatibility/2006" xmlns:mv="urn:schemas-microsoft-com:mac:vml" xmlns:p="http://schemas.openxmlformats.org/presentationml/2006/main" xmlns:c="http://schemas.openxmlformats.org/drawingml/2006/chart" xmlns:dgm="http://schemas.openxmlformats.org/drawingml/2006/diagram" xmlns:o="urn:schemas-microsoft-com:office:office" xmlns:v="urn:schemas-microsoft-com:vml" xmlns:pvml="urn:schemas-microsoft-com:office:powerpoint" xmlns:com="http://schemas.openxmlformats.org/drawingml/2006/compatibility" xmlns:p14="http://schemas.microsoft.com/office/powerpoint/2010/main" xmlns:p15="http://schemas.microsoft.com/office/powerpoint/2012/main" showMasterPhAnim="0" showMasterSp="0">
+<p:notes xmlns:a="http://schemas.openxmlformats.org/drawingml/2006/main" xmlns:r="http://schemas.openxmlformats.org/officeDocument/2006/relationships" xmlns:p="http://schemas.openxmlformats.org/presentationml/2006/main" showMasterSp="0" showMasterPhAnim="0">
   <p:cSld>
     <p:spTree>
       <p:nvGrpSpPr>
-        <p:cNvPr id="89" name="Shape 89"/>
+        <p:cNvPr id="1" name="Shape 89"/>
         <p:cNvGrpSpPr/>
         <p:nvPr/>
       </p:nvGrpSpPr>
@@ -813,20 +833,26 @@
       <p:sp>
         <p:nvSpPr>
           <p:cNvPr id="90" name="Google Shape;90;g52d22dd947_0_80:notes"/>
-          <p:cNvSpPr/>
+          <p:cNvSpPr>
+            <a:spLocks noGrp="1" noRot="1" noChangeAspect="1"/>
+          </p:cNvSpPr>
           <p:nvPr>
-            <p:ph idx="2" type="sldImg"/>
+            <p:ph type="sldImg" idx="2"/>
           </p:nvPr>
         </p:nvSpPr>
         <p:spPr>
           <a:xfrm>
-            <a:off x="381300" y="685800"/>
+            <a:off x="381000" y="685800"/>
             <a:ext cx="6096000" cy="3429000"/>
           </a:xfrm>
           <a:custGeom>
-            <a:rect b="b" l="l" r="r" t="t"/>
+            <a:avLst/>
+            <a:gdLst/>
+            <a:ahLst/>
+            <a:cxnLst/>
+            <a:rect l="l" t="t" r="r" b="b"/>
             <a:pathLst>
-              <a:path extrusionOk="0" h="120000" w="120000">
+              <a:path w="120000" h="120000" extrusionOk="0">
                 <a:moveTo>
                   <a:pt x="0" y="0"/>
                 </a:moveTo>
@@ -848,9 +874,11 @@
       <p:sp>
         <p:nvSpPr>
           <p:cNvPr id="91" name="Google Shape;91;g52d22dd947_0_80:notes"/>
-          <p:cNvSpPr txBox="1"/>
+          <p:cNvSpPr txBox="1">
+            <a:spLocks noGrp="1"/>
+          </p:cNvSpPr>
           <p:nvPr>
-            <p:ph idx="1" type="body"/>
+            <p:ph type="body" idx="1"/>
           </p:nvPr>
         </p:nvSpPr>
         <p:spPr>
@@ -863,12 +891,12 @@
           </a:prstGeom>
         </p:spPr>
         <p:txBody>
-          <a:bodyPr anchorCtr="0" anchor="t" bIns="91425" lIns="91425" spcFirstLastPara="1" rIns="91425" wrap="square" tIns="91425">
+          <a:bodyPr spcFirstLastPara="1" wrap="square" lIns="91425" tIns="91425" rIns="91425" bIns="91425" anchor="t" anchorCtr="0">
             <a:noAutofit/>
           </a:bodyPr>
           <a:lstStyle/>
           <a:p>
-            <a:pPr indent="0" lvl="0" marL="0" rtl="0" algn="l">
+            <a:pPr marL="0" lvl="0" indent="0" algn="l" rtl="0">
               <a:spcBef>
                 <a:spcPts val="0"/>
               </a:spcBef>
@@ -877,9 +905,6 @@
               </a:spcAft>
               <a:buNone/>
             </a:pPr>
-            <a:r>
-              <a:t/>
-            </a:r>
             <a:endParaRPr/>
           </a:p>
         </p:txBody>
@@ -893,11 +918,11 @@
 </file>
 
 <file path=ppt/notesSlides/notesSlide3.xml><?xml version="1.0" encoding="utf-8"?>
-<p:notes xmlns:a="http://schemas.openxmlformats.org/drawingml/2006/main" xmlns:r="http://schemas.openxmlformats.org/officeDocument/2006/relationships" xmlns:mc="http://schemas.openxmlformats.org/markup-compatibility/2006" xmlns:mv="urn:schemas-microsoft-com:mac:vml" xmlns:p="http://schemas.openxmlformats.org/presentationml/2006/main" xmlns:c="http://schemas.openxmlformats.org/drawingml/2006/chart" xmlns:dgm="http://schemas.openxmlformats.org/drawingml/2006/diagram" xmlns:o="urn:schemas-microsoft-com:office:office" xmlns:v="urn:schemas-microsoft-com:vml" xmlns:pvml="urn:schemas-microsoft-com:office:powerpoint" xmlns:com="http://schemas.openxmlformats.org/drawingml/2006/compatibility" xmlns:p14="http://schemas.microsoft.com/office/powerpoint/2010/main" xmlns:p15="http://schemas.microsoft.com/office/powerpoint/2012/main" showMasterPhAnim="0" showMasterSp="0">
+<p:notes xmlns:a="http://schemas.openxmlformats.org/drawingml/2006/main" xmlns:r="http://schemas.openxmlformats.org/officeDocument/2006/relationships" xmlns:p="http://schemas.openxmlformats.org/presentationml/2006/main" showMasterSp="0" showMasterPhAnim="0">
   <p:cSld>
     <p:spTree>
       <p:nvGrpSpPr>
-        <p:cNvPr id="98" name="Shape 98"/>
+        <p:cNvPr id="1" name="Shape 98"/>
         <p:cNvGrpSpPr/>
         <p:nvPr/>
       </p:nvGrpSpPr>
@@ -912,20 +937,26 @@
       <p:sp>
         <p:nvSpPr>
           <p:cNvPr id="99" name="Google Shape;99;g52d22dd947_0_89:notes"/>
-          <p:cNvSpPr/>
+          <p:cNvSpPr>
+            <a:spLocks noGrp="1" noRot="1" noChangeAspect="1"/>
+          </p:cNvSpPr>
           <p:nvPr>
-            <p:ph idx="2" type="sldImg"/>
+            <p:ph type="sldImg" idx="2"/>
           </p:nvPr>
         </p:nvSpPr>
         <p:spPr>
           <a:xfrm>
-            <a:off x="381300" y="685800"/>
+            <a:off x="381000" y="685800"/>
             <a:ext cx="6096000" cy="3429000"/>
           </a:xfrm>
           <a:custGeom>
-            <a:rect b="b" l="l" r="r" t="t"/>
+            <a:avLst/>
+            <a:gdLst/>
+            <a:ahLst/>
+            <a:cxnLst/>
+            <a:rect l="l" t="t" r="r" b="b"/>
             <a:pathLst>
-              <a:path extrusionOk="0" h="120000" w="120000">
+              <a:path w="120000" h="120000" extrusionOk="0">
                 <a:moveTo>
                   <a:pt x="0" y="0"/>
                 </a:moveTo>
@@ -947,9 +978,11 @@
       <p:sp>
         <p:nvSpPr>
           <p:cNvPr id="100" name="Google Shape;100;g52d22dd947_0_89:notes"/>
-          <p:cNvSpPr txBox="1"/>
+          <p:cNvSpPr txBox="1">
+            <a:spLocks noGrp="1"/>
+          </p:cNvSpPr>
           <p:nvPr>
-            <p:ph idx="1" type="body"/>
+            <p:ph type="body" idx="1"/>
           </p:nvPr>
         </p:nvSpPr>
         <p:spPr>
@@ -962,12 +995,12 @@
           </a:prstGeom>
         </p:spPr>
         <p:txBody>
-          <a:bodyPr anchorCtr="0" anchor="t" bIns="91425" lIns="91425" spcFirstLastPara="1" rIns="91425" wrap="square" tIns="91425">
+          <a:bodyPr spcFirstLastPara="1" wrap="square" lIns="91425" tIns="91425" rIns="91425" bIns="91425" anchor="t" anchorCtr="0">
             <a:noAutofit/>
           </a:bodyPr>
           <a:lstStyle/>
           <a:p>
-            <a:pPr indent="0" lvl="0" marL="0" rtl="0" algn="l">
+            <a:pPr marL="0" lvl="0" indent="0" algn="l" rtl="0">
               <a:spcBef>
                 <a:spcPts val="0"/>
               </a:spcBef>
@@ -976,9 +1009,6 @@
               </a:spcAft>
               <a:buNone/>
             </a:pPr>
-            <a:r>
-              <a:t/>
-            </a:r>
             <a:endParaRPr/>
           </a:p>
         </p:txBody>
@@ -992,11 +1022,11 @@
 </file>
 
 <file path=ppt/notesSlides/notesSlide4.xml><?xml version="1.0" encoding="utf-8"?>
-<p:notes xmlns:a="http://schemas.openxmlformats.org/drawingml/2006/main" xmlns:r="http://schemas.openxmlformats.org/officeDocument/2006/relationships" xmlns:mc="http://schemas.openxmlformats.org/markup-compatibility/2006" xmlns:mv="urn:schemas-microsoft-com:mac:vml" xmlns:p="http://schemas.openxmlformats.org/presentationml/2006/main" xmlns:c="http://schemas.openxmlformats.org/drawingml/2006/chart" xmlns:dgm="http://schemas.openxmlformats.org/drawingml/2006/diagram" xmlns:o="urn:schemas-microsoft-com:office:office" xmlns:v="urn:schemas-microsoft-com:vml" xmlns:pvml="urn:schemas-microsoft-com:office:powerpoint" xmlns:com="http://schemas.openxmlformats.org/drawingml/2006/compatibility" xmlns:p14="http://schemas.microsoft.com/office/powerpoint/2010/main" xmlns:p15="http://schemas.microsoft.com/office/powerpoint/2012/main" showMasterPhAnim="0" showMasterSp="0">
+<p:notes xmlns:a="http://schemas.openxmlformats.org/drawingml/2006/main" xmlns:r="http://schemas.openxmlformats.org/officeDocument/2006/relationships" xmlns:p="http://schemas.openxmlformats.org/presentationml/2006/main" showMasterSp="0" showMasterPhAnim="0">
   <p:cSld>
     <p:spTree>
       <p:nvGrpSpPr>
-        <p:cNvPr id="108" name="Shape 108"/>
+        <p:cNvPr id="1" name="Shape 108"/>
         <p:cNvGrpSpPr/>
         <p:nvPr/>
       </p:nvGrpSpPr>
@@ -1011,20 +1041,26 @@
       <p:sp>
         <p:nvSpPr>
           <p:cNvPr id="109" name="Google Shape;109;g52d22dd947_3_13:notes"/>
-          <p:cNvSpPr/>
+          <p:cNvSpPr>
+            <a:spLocks noGrp="1" noRot="1" noChangeAspect="1"/>
+          </p:cNvSpPr>
           <p:nvPr>
-            <p:ph idx="2" type="sldImg"/>
+            <p:ph type="sldImg" idx="2"/>
           </p:nvPr>
         </p:nvSpPr>
         <p:spPr>
           <a:xfrm>
-            <a:off x="381300" y="685800"/>
+            <a:off x="381000" y="685800"/>
             <a:ext cx="6096000" cy="3429000"/>
           </a:xfrm>
           <a:custGeom>
-            <a:rect b="b" l="l" r="r" t="t"/>
+            <a:avLst/>
+            <a:gdLst/>
+            <a:ahLst/>
+            <a:cxnLst/>
+            <a:rect l="l" t="t" r="r" b="b"/>
             <a:pathLst>
-              <a:path extrusionOk="0" h="120000" w="120000">
+              <a:path w="120000" h="120000" extrusionOk="0">
                 <a:moveTo>
                   <a:pt x="0" y="0"/>
                 </a:moveTo>
@@ -1046,9 +1082,11 @@
       <p:sp>
         <p:nvSpPr>
           <p:cNvPr id="110" name="Google Shape;110;g52d22dd947_3_13:notes"/>
-          <p:cNvSpPr txBox="1"/>
+          <p:cNvSpPr txBox="1">
+            <a:spLocks noGrp="1"/>
+          </p:cNvSpPr>
           <p:nvPr>
-            <p:ph idx="1" type="body"/>
+            <p:ph type="body" idx="1"/>
           </p:nvPr>
         </p:nvSpPr>
         <p:spPr>
@@ -1061,12 +1099,12 @@
           </a:prstGeom>
         </p:spPr>
         <p:txBody>
-          <a:bodyPr anchorCtr="0" anchor="t" bIns="91425" lIns="91425" spcFirstLastPara="1" rIns="91425" wrap="square" tIns="91425">
+          <a:bodyPr spcFirstLastPara="1" wrap="square" lIns="91425" tIns="91425" rIns="91425" bIns="91425" anchor="t" anchorCtr="0">
             <a:noAutofit/>
           </a:bodyPr>
           <a:lstStyle/>
           <a:p>
-            <a:pPr indent="0" lvl="0" marL="0" rtl="0" algn="l">
+            <a:pPr marL="0" lvl="0" indent="0" algn="l" rtl="0">
               <a:spcBef>
                 <a:spcPts val="0"/>
               </a:spcBef>
@@ -1075,9 +1113,6 @@
               </a:spcAft>
               <a:buNone/>
             </a:pPr>
-            <a:r>
-              <a:t/>
-            </a:r>
             <a:endParaRPr/>
           </a:p>
         </p:txBody>
@@ -1091,11 +1126,11 @@
 </file>
 
 <file path=ppt/notesSlides/notesSlide5.xml><?xml version="1.0" encoding="utf-8"?>
-<p:notes xmlns:a="http://schemas.openxmlformats.org/drawingml/2006/main" xmlns:r="http://schemas.openxmlformats.org/officeDocument/2006/relationships" xmlns:mc="http://schemas.openxmlformats.org/markup-compatibility/2006" xmlns:mv="urn:schemas-microsoft-com:mac:vml" xmlns:p="http://schemas.openxmlformats.org/presentationml/2006/main" xmlns:c="http://schemas.openxmlformats.org/drawingml/2006/chart" xmlns:dgm="http://schemas.openxmlformats.org/drawingml/2006/diagram" xmlns:o="urn:schemas-microsoft-com:office:office" xmlns:v="urn:schemas-microsoft-com:vml" xmlns:pvml="urn:schemas-microsoft-com:office:powerpoint" xmlns:com="http://schemas.openxmlformats.org/drawingml/2006/compatibility" xmlns:p14="http://schemas.microsoft.com/office/powerpoint/2010/main" xmlns:p15="http://schemas.microsoft.com/office/powerpoint/2012/main" showMasterPhAnim="0" showMasterSp="0">
+<p:notes xmlns:a="http://schemas.openxmlformats.org/drawingml/2006/main" xmlns:r="http://schemas.openxmlformats.org/officeDocument/2006/relationships" xmlns:p="http://schemas.openxmlformats.org/presentationml/2006/main" showMasterSp="0" showMasterPhAnim="0">
   <p:cSld>
     <p:spTree>
       <p:nvGrpSpPr>
-        <p:cNvPr id="121" name="Shape 121"/>
+        <p:cNvPr id="1" name="Shape 121"/>
         <p:cNvGrpSpPr/>
         <p:nvPr/>
       </p:nvGrpSpPr>
@@ -1110,9 +1145,11 @@
       <p:sp>
         <p:nvSpPr>
           <p:cNvPr id="122" name="Google Shape;122;g52d22dd947_4_34:notes"/>
-          <p:cNvSpPr/>
+          <p:cNvSpPr>
+            <a:spLocks noGrp="1" noRot="1" noChangeAspect="1"/>
+          </p:cNvSpPr>
           <p:nvPr>
-            <p:ph idx="2" type="sldImg"/>
+            <p:ph type="sldImg" idx="2"/>
           </p:nvPr>
         </p:nvSpPr>
         <p:spPr>
@@ -1121,9 +1158,13 @@
             <a:ext cx="6096000" cy="3429000"/>
           </a:xfrm>
           <a:custGeom>
-            <a:rect b="b" l="l" r="r" t="t"/>
+            <a:avLst/>
+            <a:gdLst/>
+            <a:ahLst/>
+            <a:cxnLst/>
+            <a:rect l="l" t="t" r="r" b="b"/>
             <a:pathLst>
-              <a:path extrusionOk="0" h="120000" w="120000">
+              <a:path w="120000" h="120000" extrusionOk="0">
                 <a:moveTo>
                   <a:pt x="0" y="0"/>
                 </a:moveTo>
@@ -1145,9 +1186,11 @@
       <p:sp>
         <p:nvSpPr>
           <p:cNvPr id="123" name="Google Shape;123;g52d22dd947_4_34:notes"/>
-          <p:cNvSpPr txBox="1"/>
+          <p:cNvSpPr txBox="1">
+            <a:spLocks noGrp="1"/>
+          </p:cNvSpPr>
           <p:nvPr>
-            <p:ph idx="1" type="body"/>
+            <p:ph type="body" idx="1"/>
           </p:nvPr>
         </p:nvSpPr>
         <p:spPr>
@@ -1160,12 +1203,12 @@
           </a:prstGeom>
         </p:spPr>
         <p:txBody>
-          <a:bodyPr anchorCtr="0" anchor="t" bIns="91425" lIns="91425" spcFirstLastPara="1" rIns="91425" wrap="square" tIns="91425">
+          <a:bodyPr spcFirstLastPara="1" wrap="square" lIns="91425" tIns="91425" rIns="91425" bIns="91425" anchor="t" anchorCtr="0">
             <a:noAutofit/>
           </a:bodyPr>
           <a:lstStyle/>
           <a:p>
-            <a:pPr indent="0" lvl="0" marL="0" rtl="0" algn="l">
+            <a:pPr marL="0" lvl="0" indent="0" algn="l" rtl="0">
               <a:spcBef>
                 <a:spcPts val="0"/>
               </a:spcBef>
@@ -1174,9 +1217,6 @@
               </a:spcAft>
               <a:buNone/>
             </a:pPr>
-            <a:r>
-              <a:t/>
-            </a:r>
             <a:endParaRPr/>
           </a:p>
         </p:txBody>
@@ -1190,11 +1230,11 @@
 </file>
 
 <file path=ppt/notesSlides/notesSlide6.xml><?xml version="1.0" encoding="utf-8"?>
-<p:notes xmlns:a="http://schemas.openxmlformats.org/drawingml/2006/main" xmlns:r="http://schemas.openxmlformats.org/officeDocument/2006/relationships" xmlns:mc="http://schemas.openxmlformats.org/markup-compatibility/2006" xmlns:mv="urn:schemas-microsoft-com:mac:vml" xmlns:p="http://schemas.openxmlformats.org/presentationml/2006/main" xmlns:c="http://schemas.openxmlformats.org/drawingml/2006/chart" xmlns:dgm="http://schemas.openxmlformats.org/drawingml/2006/diagram" xmlns:o="urn:schemas-microsoft-com:office:office" xmlns:v="urn:schemas-microsoft-com:vml" xmlns:pvml="urn:schemas-microsoft-com:office:powerpoint" xmlns:com="http://schemas.openxmlformats.org/drawingml/2006/compatibility" xmlns:p14="http://schemas.microsoft.com/office/powerpoint/2010/main" xmlns:p15="http://schemas.microsoft.com/office/powerpoint/2012/main" showMasterPhAnim="0" showMasterSp="0">
+<p:notes xmlns:a="http://schemas.openxmlformats.org/drawingml/2006/main" xmlns:r="http://schemas.openxmlformats.org/officeDocument/2006/relationships" xmlns:p="http://schemas.openxmlformats.org/presentationml/2006/main" showMasterSp="0" showMasterPhAnim="0">
   <p:cSld>
     <p:spTree>
       <p:nvGrpSpPr>
-        <p:cNvPr id="131" name="Shape 131"/>
+        <p:cNvPr id="1" name="Shape 131"/>
         <p:cNvGrpSpPr/>
         <p:nvPr/>
       </p:nvGrpSpPr>
@@ -1209,9 +1249,11 @@
       <p:sp>
         <p:nvSpPr>
           <p:cNvPr id="132" name="Google Shape;132;g52d22dd947_4_6:notes"/>
-          <p:cNvSpPr/>
+          <p:cNvSpPr>
+            <a:spLocks noGrp="1" noRot="1" noChangeAspect="1"/>
+          </p:cNvSpPr>
           <p:nvPr>
-            <p:ph idx="2" type="sldImg"/>
+            <p:ph type="sldImg" idx="2"/>
           </p:nvPr>
         </p:nvSpPr>
         <p:spPr>
@@ -1220,9 +1262,13 @@
             <a:ext cx="6096000" cy="3429000"/>
           </a:xfrm>
           <a:custGeom>
-            <a:rect b="b" l="l" r="r" t="t"/>
+            <a:avLst/>
+            <a:gdLst/>
+            <a:ahLst/>
+            <a:cxnLst/>
+            <a:rect l="l" t="t" r="r" b="b"/>
             <a:pathLst>
-              <a:path extrusionOk="0" h="120000" w="120000">
+              <a:path w="120000" h="120000" extrusionOk="0">
                 <a:moveTo>
                   <a:pt x="0" y="0"/>
                 </a:moveTo>
@@ -1244,9 +1290,11 @@
       <p:sp>
         <p:nvSpPr>
           <p:cNvPr id="133" name="Google Shape;133;g52d22dd947_4_6:notes"/>
-          <p:cNvSpPr txBox="1"/>
+          <p:cNvSpPr txBox="1">
+            <a:spLocks noGrp="1"/>
+          </p:cNvSpPr>
           <p:nvPr>
-            <p:ph idx="1" type="body"/>
+            <p:ph type="body" idx="1"/>
           </p:nvPr>
         </p:nvSpPr>
         <p:spPr>
@@ -1259,12 +1307,12 @@
           </a:prstGeom>
         </p:spPr>
         <p:txBody>
-          <a:bodyPr anchorCtr="0" anchor="t" bIns="91425" lIns="91425" spcFirstLastPara="1" rIns="91425" wrap="square" tIns="91425">
+          <a:bodyPr spcFirstLastPara="1" wrap="square" lIns="91425" tIns="91425" rIns="91425" bIns="91425" anchor="t" anchorCtr="0">
             <a:noAutofit/>
           </a:bodyPr>
           <a:lstStyle/>
           <a:p>
-            <a:pPr indent="0" lvl="0" marL="0" rtl="0" algn="l">
+            <a:pPr marL="0" lvl="0" indent="0" algn="l" rtl="0">
               <a:spcBef>
                 <a:spcPts val="0"/>
               </a:spcBef>
@@ -1273,9 +1321,6 @@
               </a:spcAft>
               <a:buNone/>
             </a:pPr>
-            <a:r>
-              <a:t/>
-            </a:r>
             <a:endParaRPr/>
           </a:p>
         </p:txBody>
@@ -1289,11 +1334,11 @@
 </file>
 
 <file path=ppt/notesSlides/notesSlide7.xml><?xml version="1.0" encoding="utf-8"?>
-<p:notes xmlns:a="http://schemas.openxmlformats.org/drawingml/2006/main" xmlns:r="http://schemas.openxmlformats.org/officeDocument/2006/relationships" xmlns:mc="http://schemas.openxmlformats.org/markup-compatibility/2006" xmlns:mv="urn:schemas-microsoft-com:mac:vml" xmlns:p="http://schemas.openxmlformats.org/presentationml/2006/main" xmlns:c="http://schemas.openxmlformats.org/drawingml/2006/chart" xmlns:dgm="http://schemas.openxmlformats.org/drawingml/2006/diagram" xmlns:o="urn:schemas-microsoft-com:office:office" xmlns:v="urn:schemas-microsoft-com:vml" xmlns:pvml="urn:schemas-microsoft-com:office:powerpoint" xmlns:com="http://schemas.openxmlformats.org/drawingml/2006/compatibility" xmlns:p14="http://schemas.microsoft.com/office/powerpoint/2010/main" xmlns:p15="http://schemas.microsoft.com/office/powerpoint/2012/main" showMasterPhAnim="0" showMasterSp="0">
+<p:notes xmlns:a="http://schemas.openxmlformats.org/drawingml/2006/main" xmlns:r="http://schemas.openxmlformats.org/officeDocument/2006/relationships" xmlns:p="http://schemas.openxmlformats.org/presentationml/2006/main" showMasterSp="0" showMasterPhAnim="0">
   <p:cSld>
     <p:spTree>
       <p:nvGrpSpPr>
-        <p:cNvPr id="141" name="Shape 141"/>
+        <p:cNvPr id="1" name="Shape 141"/>
         <p:cNvGrpSpPr/>
         <p:nvPr/>
       </p:nvGrpSpPr>
@@ -1308,9 +1353,11 @@
       <p:sp>
         <p:nvSpPr>
           <p:cNvPr id="142" name="Google Shape;142;g52d22dd947_4_21:notes"/>
-          <p:cNvSpPr/>
+          <p:cNvSpPr>
+            <a:spLocks noGrp="1" noRot="1" noChangeAspect="1"/>
+          </p:cNvSpPr>
           <p:nvPr>
-            <p:ph idx="2" type="sldImg"/>
+            <p:ph type="sldImg" idx="2"/>
           </p:nvPr>
         </p:nvSpPr>
         <p:spPr>
@@ -1319,9 +1366,13 @@
             <a:ext cx="6096000" cy="3429000"/>
           </a:xfrm>
           <a:custGeom>
-            <a:rect b="b" l="l" r="r" t="t"/>
+            <a:avLst/>
+            <a:gdLst/>
+            <a:ahLst/>
+            <a:cxnLst/>
+            <a:rect l="l" t="t" r="r" b="b"/>
             <a:pathLst>
-              <a:path extrusionOk="0" h="120000" w="120000">
+              <a:path w="120000" h="120000" extrusionOk="0">
                 <a:moveTo>
                   <a:pt x="0" y="0"/>
                 </a:moveTo>
@@ -1343,9 +1394,11 @@
       <p:sp>
         <p:nvSpPr>
           <p:cNvPr id="143" name="Google Shape;143;g52d22dd947_4_21:notes"/>
-          <p:cNvSpPr txBox="1"/>
+          <p:cNvSpPr txBox="1">
+            <a:spLocks noGrp="1"/>
+          </p:cNvSpPr>
           <p:nvPr>
-            <p:ph idx="1" type="body"/>
+            <p:ph type="body" idx="1"/>
           </p:nvPr>
         </p:nvSpPr>
         <p:spPr>
@@ -1358,12 +1411,12 @@
           </a:prstGeom>
         </p:spPr>
         <p:txBody>
-          <a:bodyPr anchorCtr="0" anchor="t" bIns="91425" lIns="91425" spcFirstLastPara="1" rIns="91425" wrap="square" tIns="91425">
+          <a:bodyPr spcFirstLastPara="1" wrap="square" lIns="91425" tIns="91425" rIns="91425" bIns="91425" anchor="t" anchorCtr="0">
             <a:noAutofit/>
           </a:bodyPr>
           <a:lstStyle/>
           <a:p>
-            <a:pPr indent="0" lvl="0" marL="0" rtl="0" algn="l">
+            <a:pPr marL="0" lvl="0" indent="0" algn="l" rtl="0">
               <a:spcBef>
                 <a:spcPts val="0"/>
               </a:spcBef>
@@ -1372,9 +1425,6 @@
               </a:spcAft>
               <a:buNone/>
             </a:pPr>
-            <a:r>
-              <a:t/>
-            </a:r>
             <a:endParaRPr/>
           </a:p>
         </p:txBody>
@@ -1388,11 +1438,11 @@
 </file>
 
 <file path=ppt/notesSlides/notesSlide8.xml><?xml version="1.0" encoding="utf-8"?>
-<p:notes xmlns:a="http://schemas.openxmlformats.org/drawingml/2006/main" xmlns:r="http://schemas.openxmlformats.org/officeDocument/2006/relationships" xmlns:mc="http://schemas.openxmlformats.org/markup-compatibility/2006" xmlns:mv="urn:schemas-microsoft-com:mac:vml" xmlns:p="http://schemas.openxmlformats.org/presentationml/2006/main" xmlns:c="http://schemas.openxmlformats.org/drawingml/2006/chart" xmlns:dgm="http://schemas.openxmlformats.org/drawingml/2006/diagram" xmlns:o="urn:schemas-microsoft-com:office:office" xmlns:v="urn:schemas-microsoft-com:vml" xmlns:pvml="urn:schemas-microsoft-com:office:powerpoint" xmlns:com="http://schemas.openxmlformats.org/drawingml/2006/compatibility" xmlns:p14="http://schemas.microsoft.com/office/powerpoint/2010/main" xmlns:p15="http://schemas.microsoft.com/office/powerpoint/2012/main" showMasterPhAnim="0" showMasterSp="0">
+<p:notes xmlns:a="http://schemas.openxmlformats.org/drawingml/2006/main" xmlns:r="http://schemas.openxmlformats.org/officeDocument/2006/relationships" xmlns:p="http://schemas.openxmlformats.org/presentationml/2006/main" showMasterSp="0" showMasterPhAnim="0">
   <p:cSld>
     <p:spTree>
       <p:nvGrpSpPr>
-        <p:cNvPr id="151" name="Shape 151"/>
+        <p:cNvPr id="1" name="Shape 151"/>
         <p:cNvGrpSpPr/>
         <p:nvPr/>
       </p:nvGrpSpPr>
@@ -1407,20 +1457,26 @@
       <p:sp>
         <p:nvSpPr>
           <p:cNvPr id="152" name="Google Shape;152;g52d22dd947_3_25:notes"/>
-          <p:cNvSpPr/>
+          <p:cNvSpPr>
+            <a:spLocks noGrp="1" noRot="1" noChangeAspect="1"/>
+          </p:cNvSpPr>
           <p:nvPr>
-            <p:ph idx="2" type="sldImg"/>
+            <p:ph type="sldImg" idx="2"/>
           </p:nvPr>
         </p:nvSpPr>
         <p:spPr>
           <a:xfrm>
-            <a:off x="381300" y="685800"/>
+            <a:off x="381000" y="685800"/>
             <a:ext cx="6096000" cy="3429000"/>
           </a:xfrm>
           <a:custGeom>
-            <a:rect b="b" l="l" r="r" t="t"/>
+            <a:avLst/>
+            <a:gdLst/>
+            <a:ahLst/>
+            <a:cxnLst/>
+            <a:rect l="l" t="t" r="r" b="b"/>
             <a:pathLst>
-              <a:path extrusionOk="0" h="120000" w="120000">
+              <a:path w="120000" h="120000" extrusionOk="0">
                 <a:moveTo>
                   <a:pt x="0" y="0"/>
                 </a:moveTo>
@@ -1442,9 +1498,11 @@
       <p:sp>
         <p:nvSpPr>
           <p:cNvPr id="153" name="Google Shape;153;g52d22dd947_3_25:notes"/>
-          <p:cNvSpPr txBox="1"/>
+          <p:cNvSpPr txBox="1">
+            <a:spLocks noGrp="1"/>
+          </p:cNvSpPr>
           <p:nvPr>
-            <p:ph idx="1" type="body"/>
+            <p:ph type="body" idx="1"/>
           </p:nvPr>
         </p:nvSpPr>
         <p:spPr>
@@ -1457,12 +1515,12 @@
           </a:prstGeom>
         </p:spPr>
         <p:txBody>
-          <a:bodyPr anchorCtr="0" anchor="t" bIns="91425" lIns="91425" spcFirstLastPara="1" rIns="91425" wrap="square" tIns="91425">
+          <a:bodyPr spcFirstLastPara="1" wrap="square" lIns="91425" tIns="91425" rIns="91425" bIns="91425" anchor="t" anchorCtr="0">
             <a:noAutofit/>
           </a:bodyPr>
           <a:lstStyle/>
           <a:p>
-            <a:pPr indent="0" lvl="0" marL="0" rtl="0" algn="l">
+            <a:pPr marL="0" lvl="0" indent="0" algn="l" rtl="0">
               <a:spcBef>
                 <a:spcPts val="0"/>
               </a:spcBef>
@@ -1471,9 +1529,6 @@
               </a:spcAft>
               <a:buNone/>
             </a:pPr>
-            <a:r>
-              <a:t/>
-            </a:r>
             <a:endParaRPr/>
           </a:p>
         </p:txBody>
@@ -1487,11 +1542,11 @@
 </file>
 
 <file path=ppt/notesSlides/notesSlide9.xml><?xml version="1.0" encoding="utf-8"?>
-<p:notes xmlns:a="http://schemas.openxmlformats.org/drawingml/2006/main" xmlns:r="http://schemas.openxmlformats.org/officeDocument/2006/relationships" xmlns:mc="http://schemas.openxmlformats.org/markup-compatibility/2006" xmlns:mv="urn:schemas-microsoft-com:mac:vml" xmlns:p="http://schemas.openxmlformats.org/presentationml/2006/main" xmlns:c="http://schemas.openxmlformats.org/drawingml/2006/chart" xmlns:dgm="http://schemas.openxmlformats.org/drawingml/2006/diagram" xmlns:o="urn:schemas-microsoft-com:office:office" xmlns:v="urn:schemas-microsoft-com:vml" xmlns:pvml="urn:schemas-microsoft-com:office:powerpoint" xmlns:com="http://schemas.openxmlformats.org/drawingml/2006/compatibility" xmlns:p14="http://schemas.microsoft.com/office/powerpoint/2010/main" xmlns:p15="http://schemas.microsoft.com/office/powerpoint/2012/main" showMasterPhAnim="0" showMasterSp="0">
+<p:notes xmlns:a="http://schemas.openxmlformats.org/drawingml/2006/main" xmlns:r="http://schemas.openxmlformats.org/officeDocument/2006/relationships" xmlns:p="http://schemas.openxmlformats.org/presentationml/2006/main" showMasterSp="0" showMasterPhAnim="0">
   <p:cSld>
     <p:spTree>
       <p:nvGrpSpPr>
-        <p:cNvPr id="159" name="Shape 159"/>
+        <p:cNvPr id="1" name="Shape 159"/>
         <p:cNvGrpSpPr/>
         <p:nvPr/>
       </p:nvGrpSpPr>
@@ -1506,9 +1561,11 @@
       <p:sp>
         <p:nvSpPr>
           <p:cNvPr id="160" name="Google Shape;160;g7122d9b211_0_0:notes"/>
-          <p:cNvSpPr/>
+          <p:cNvSpPr>
+            <a:spLocks noGrp="1" noRot="1" noChangeAspect="1"/>
+          </p:cNvSpPr>
           <p:nvPr>
-            <p:ph idx="2" type="sldImg"/>
+            <p:ph type="sldImg" idx="2"/>
           </p:nvPr>
         </p:nvSpPr>
         <p:spPr>
@@ -1517,9 +1574,13 @@
             <a:ext cx="6096000" cy="3429000"/>
           </a:xfrm>
           <a:custGeom>
-            <a:rect b="b" l="l" r="r" t="t"/>
+            <a:avLst/>
+            <a:gdLst/>
+            <a:ahLst/>
+            <a:cxnLst/>
+            <a:rect l="l" t="t" r="r" b="b"/>
             <a:pathLst>
-              <a:path extrusionOk="0" h="120000" w="120000">
+              <a:path w="120000" h="120000" extrusionOk="0">
                 <a:moveTo>
                   <a:pt x="0" y="0"/>
                 </a:moveTo>
@@ -1541,9 +1602,11 @@
       <p:sp>
         <p:nvSpPr>
           <p:cNvPr id="161" name="Google Shape;161;g7122d9b211_0_0:notes"/>
-          <p:cNvSpPr txBox="1"/>
+          <p:cNvSpPr txBox="1">
+            <a:spLocks noGrp="1"/>
+          </p:cNvSpPr>
           <p:nvPr>
-            <p:ph idx="1" type="body"/>
+            <p:ph type="body" idx="1"/>
           </p:nvPr>
         </p:nvSpPr>
         <p:spPr>
@@ -1556,12 +1619,12 @@
           </a:prstGeom>
         </p:spPr>
         <p:txBody>
-          <a:bodyPr anchorCtr="0" anchor="t" bIns="91425" lIns="91425" spcFirstLastPara="1" rIns="91425" wrap="square" tIns="91425">
+          <a:bodyPr spcFirstLastPara="1" wrap="square" lIns="91425" tIns="91425" rIns="91425" bIns="91425" anchor="t" anchorCtr="0">
             <a:noAutofit/>
           </a:bodyPr>
           <a:lstStyle/>
           <a:p>
-            <a:pPr indent="0" lvl="0" marL="0" rtl="0" algn="l">
+            <a:pPr marL="0" lvl="0" indent="0" algn="l" rtl="0">
               <a:spcBef>
                 <a:spcPts val="0"/>
               </a:spcBef>
@@ -1570,9 +1633,6 @@
               </a:spcAft>
               <a:buNone/>
             </a:pPr>
-            <a:r>
-              <a:t/>
-            </a:r>
             <a:endParaRPr/>
           </a:p>
         </p:txBody>
@@ -1586,11 +1646,11 @@
 </file>
 
 <file path=ppt/slideLayouts/slideLayout1.xml><?xml version="1.0" encoding="utf-8"?>
-<p:sldLayout xmlns:a="http://schemas.openxmlformats.org/drawingml/2006/main" xmlns:r="http://schemas.openxmlformats.org/officeDocument/2006/relationships" xmlns:mc="http://schemas.openxmlformats.org/markup-compatibility/2006" xmlns:mv="urn:schemas-microsoft-com:mac:vml" xmlns:p="http://schemas.openxmlformats.org/presentationml/2006/main" xmlns:c="http://schemas.openxmlformats.org/drawingml/2006/chart" xmlns:dgm="http://schemas.openxmlformats.org/drawingml/2006/diagram" xmlns:o="urn:schemas-microsoft-com:office:office" xmlns:v="urn:schemas-microsoft-com:vml" xmlns:pvml="urn:schemas-microsoft-com:office:powerpoint" xmlns:com="http://schemas.openxmlformats.org/drawingml/2006/compatibility" xmlns:p14="http://schemas.microsoft.com/office/powerpoint/2010/main" xmlns:p15="http://schemas.microsoft.com/office/powerpoint/2012/main" matchingName="Title Only" type="titleOnly">
+<p:sldLayout xmlns:a="http://schemas.openxmlformats.org/drawingml/2006/main" xmlns:r="http://schemas.openxmlformats.org/officeDocument/2006/relationships" xmlns:p="http://schemas.openxmlformats.org/presentationml/2006/main" matchingName="Title Only" type="titleOnly">
   <p:cSld name="TITLE_ONLY">
     <p:spTree>
       <p:nvGrpSpPr>
-        <p:cNvPr id="11" name="Shape 11"/>
+        <p:cNvPr id="1" name="Shape 11"/>
         <p:cNvGrpSpPr/>
         <p:nvPr/>
       </p:nvGrpSpPr>
@@ -1605,7 +1665,9 @@
       <p:sp>
         <p:nvSpPr>
           <p:cNvPr id="12" name="Google Shape;12;p2"/>
-          <p:cNvSpPr txBox="1"/>
+          <p:cNvSpPr txBox="1">
+            <a:spLocks noGrp="1"/>
+          </p:cNvSpPr>
           <p:nvPr>
             <p:ph type="title"/>
           </p:nvPr>
@@ -1624,7 +1686,7 @@
           </a:ln>
         </p:spPr>
         <p:txBody>
-          <a:bodyPr anchorCtr="0" anchor="ctr" bIns="39550" lIns="79125" spcFirstLastPara="1" rIns="79125" wrap="square" tIns="39550">
+          <a:bodyPr spcFirstLastPara="1" wrap="square" lIns="79125" tIns="39550" rIns="79125" bIns="39550" anchor="ctr" anchorCtr="0">
             <a:noAutofit/>
           </a:bodyPr>
           <a:lstStyle>
@@ -1734,15 +1796,19 @@
               <a:defRPr/>
             </a:lvl9pPr>
           </a:lstStyle>
-          <a:p/>
+          <a:p>
+            <a:endParaRPr/>
+          </a:p>
         </p:txBody>
       </p:sp>
       <p:sp>
         <p:nvSpPr>
           <p:cNvPr id="13" name="Google Shape;13;p2"/>
-          <p:cNvSpPr txBox="1"/>
+          <p:cNvSpPr txBox="1">
+            <a:spLocks noGrp="1"/>
+          </p:cNvSpPr>
           <p:nvPr>
-            <p:ph idx="10" type="dt"/>
+            <p:ph type="dt" idx="10"/>
           </p:nvPr>
         </p:nvSpPr>
         <p:spPr>
@@ -1759,7 +1825,7 @@
           </a:ln>
         </p:spPr>
         <p:txBody>
-          <a:bodyPr anchorCtr="0" anchor="ctr" bIns="39550" lIns="79125" spcFirstLastPara="1" rIns="79125" wrap="square" tIns="39550">
+          <a:bodyPr spcFirstLastPara="1" wrap="square" lIns="79125" tIns="39550" rIns="79125" bIns="39550" anchor="ctr" anchorCtr="0">
             <a:noAutofit/>
           </a:bodyPr>
           <a:lstStyle>
@@ -1863,15 +1929,19 @@
               <a:defRPr/>
             </a:lvl9pPr>
           </a:lstStyle>
-          <a:p/>
+          <a:p>
+            <a:endParaRPr/>
+          </a:p>
         </p:txBody>
       </p:sp>
       <p:sp>
         <p:nvSpPr>
           <p:cNvPr id="14" name="Google Shape;14;p2"/>
-          <p:cNvSpPr txBox="1"/>
+          <p:cNvSpPr txBox="1">
+            <a:spLocks noGrp="1"/>
+          </p:cNvSpPr>
           <p:nvPr>
-            <p:ph idx="11" type="ftr"/>
+            <p:ph type="ftr" idx="11"/>
           </p:nvPr>
         </p:nvSpPr>
         <p:spPr>
@@ -1888,7 +1958,7 @@
           </a:ln>
         </p:spPr>
         <p:txBody>
-          <a:bodyPr anchorCtr="0" anchor="ctr" bIns="39550" lIns="79125" spcFirstLastPara="1" rIns="79125" wrap="square" tIns="39550">
+          <a:bodyPr spcFirstLastPara="1" wrap="square" lIns="79125" tIns="39550" rIns="79125" bIns="39550" anchor="ctr" anchorCtr="0">
             <a:noAutofit/>
           </a:bodyPr>
           <a:lstStyle>
@@ -1992,15 +2062,19 @@
               <a:defRPr/>
             </a:lvl9pPr>
           </a:lstStyle>
-          <a:p/>
+          <a:p>
+            <a:endParaRPr/>
+          </a:p>
         </p:txBody>
       </p:sp>
       <p:sp>
         <p:nvSpPr>
           <p:cNvPr id="15" name="Google Shape;15;p2"/>
-          <p:cNvSpPr txBox="1"/>
+          <p:cNvSpPr txBox="1">
+            <a:spLocks noGrp="1"/>
+          </p:cNvSpPr>
           <p:nvPr>
-            <p:ph idx="12" type="sldNum"/>
+            <p:ph type="sldNum" idx="12"/>
           </p:nvPr>
         </p:nvSpPr>
         <p:spPr>
@@ -2017,67 +2091,67 @@
           </a:ln>
         </p:spPr>
         <p:txBody>
-          <a:bodyPr anchorCtr="0" anchor="ctr" bIns="39550" lIns="79125" spcFirstLastPara="1" rIns="79125" wrap="square" tIns="39550">
+          <a:bodyPr spcFirstLastPara="1" wrap="square" lIns="79125" tIns="39550" rIns="79125" bIns="39550" anchor="ctr" anchorCtr="0">
             <a:noAutofit/>
           </a:bodyPr>
           <a:lstStyle>
-            <a:lvl1pPr indent="0" lvl="0" marL="0" algn="r">
+            <a:lvl1pPr marL="0" lvl="0" indent="0" algn="r">
               <a:spcBef>
                 <a:spcPts val="0"/>
               </a:spcBef>
               <a:buNone/>
               <a:defRPr/>
             </a:lvl1pPr>
-            <a:lvl2pPr indent="0" lvl="1" marL="0" algn="r">
+            <a:lvl2pPr marL="0" lvl="1" indent="0" algn="r">
               <a:spcBef>
                 <a:spcPts val="0"/>
               </a:spcBef>
               <a:buNone/>
               <a:defRPr/>
             </a:lvl2pPr>
-            <a:lvl3pPr indent="0" lvl="2" marL="0" algn="r">
+            <a:lvl3pPr marL="0" lvl="2" indent="0" algn="r">
               <a:spcBef>
                 <a:spcPts val="0"/>
               </a:spcBef>
               <a:buNone/>
               <a:defRPr/>
             </a:lvl3pPr>
-            <a:lvl4pPr indent="0" lvl="3" marL="0" algn="r">
+            <a:lvl4pPr marL="0" lvl="3" indent="0" algn="r">
               <a:spcBef>
                 <a:spcPts val="0"/>
               </a:spcBef>
               <a:buNone/>
               <a:defRPr/>
             </a:lvl4pPr>
-            <a:lvl5pPr indent="0" lvl="4" marL="0" algn="r">
+            <a:lvl5pPr marL="0" lvl="4" indent="0" algn="r">
               <a:spcBef>
                 <a:spcPts val="0"/>
               </a:spcBef>
               <a:buNone/>
               <a:defRPr/>
             </a:lvl5pPr>
-            <a:lvl6pPr indent="0" lvl="5" marL="0" algn="r">
+            <a:lvl6pPr marL="0" lvl="5" indent="0" algn="r">
               <a:spcBef>
                 <a:spcPts val="0"/>
               </a:spcBef>
               <a:buNone/>
               <a:defRPr/>
             </a:lvl6pPr>
-            <a:lvl7pPr indent="0" lvl="6" marL="0" algn="r">
+            <a:lvl7pPr marL="0" lvl="6" indent="0" algn="r">
               <a:spcBef>
                 <a:spcPts val="0"/>
               </a:spcBef>
               <a:buNone/>
               <a:defRPr/>
             </a:lvl7pPr>
-            <a:lvl8pPr indent="0" lvl="7" marL="0" algn="r">
+            <a:lvl8pPr marL="0" lvl="7" indent="0" algn="r">
               <a:spcBef>
                 <a:spcPts val="0"/>
               </a:spcBef>
               <a:buNone/>
               <a:defRPr/>
             </a:lvl8pPr>
-            <a:lvl9pPr indent="0" lvl="8" marL="0" algn="r">
+            <a:lvl9pPr marL="0" lvl="8" indent="0" algn="r">
               <a:spcBef>
                 <a:spcPts val="0"/>
               </a:spcBef>
@@ -2086,7 +2160,7 @@
             </a:lvl9pPr>
           </a:lstStyle>
           <a:p>
-            <a:pPr indent="0" lvl="0" marL="0" rtl="0" algn="r">
+            <a:pPr marL="0" lvl="0" indent="0" algn="r" rtl="0">
               <a:spcBef>
                 <a:spcPts val="0"/>
               </a:spcBef>
@@ -2112,11 +2186,11 @@
 </file>
 
 <file path=ppt/slideLayouts/slideLayout10.xml><?xml version="1.0" encoding="utf-8"?>
-<p:sldLayout xmlns:a="http://schemas.openxmlformats.org/drawingml/2006/main" xmlns:r="http://schemas.openxmlformats.org/officeDocument/2006/relationships" xmlns:mc="http://schemas.openxmlformats.org/markup-compatibility/2006" xmlns:mv="urn:schemas-microsoft-com:mac:vml" xmlns:p="http://schemas.openxmlformats.org/presentationml/2006/main" xmlns:c="http://schemas.openxmlformats.org/drawingml/2006/chart" xmlns:dgm="http://schemas.openxmlformats.org/drawingml/2006/diagram" xmlns:o="urn:schemas-microsoft-com:office:office" xmlns:v="urn:schemas-microsoft-com:vml" xmlns:pvml="urn:schemas-microsoft-com:office:powerpoint" xmlns:com="http://schemas.openxmlformats.org/drawingml/2006/compatibility" xmlns:p14="http://schemas.microsoft.com/office/powerpoint/2010/main" xmlns:p15="http://schemas.microsoft.com/office/powerpoint/2012/main" matchingName="Title and Vertical Text" type="vertTx">
+<p:sldLayout xmlns:a="http://schemas.openxmlformats.org/drawingml/2006/main" xmlns:r="http://schemas.openxmlformats.org/officeDocument/2006/relationships" xmlns:p="http://schemas.openxmlformats.org/presentationml/2006/main" matchingName="Title and Vertical Text" type="vertTx">
   <p:cSld name="VERTICAL_TEXT">
     <p:spTree>
       <p:nvGrpSpPr>
-        <p:cNvPr id="68" name="Shape 68"/>
+        <p:cNvPr id="1" name="Shape 68"/>
         <p:cNvGrpSpPr/>
         <p:nvPr/>
       </p:nvGrpSpPr>
@@ -2131,7 +2205,9 @@
       <p:sp>
         <p:nvSpPr>
           <p:cNvPr id="69" name="Google Shape;69;p11"/>
-          <p:cNvSpPr txBox="1"/>
+          <p:cNvSpPr txBox="1">
+            <a:spLocks noGrp="1"/>
+          </p:cNvSpPr>
           <p:nvPr>
             <p:ph type="title"/>
           </p:nvPr>
@@ -2150,7 +2226,7 @@
           </a:ln>
         </p:spPr>
         <p:txBody>
-          <a:bodyPr anchorCtr="0" anchor="ctr" bIns="39550" lIns="79125" spcFirstLastPara="1" rIns="79125" wrap="square" tIns="39550">
+          <a:bodyPr spcFirstLastPara="1" wrap="square" lIns="79125" tIns="39550" rIns="79125" bIns="39550" anchor="ctr" anchorCtr="0">
             <a:noAutofit/>
           </a:bodyPr>
           <a:lstStyle>
@@ -2260,15 +2336,19 @@
               <a:defRPr/>
             </a:lvl9pPr>
           </a:lstStyle>
-          <a:p/>
+          <a:p>
+            <a:endParaRPr/>
+          </a:p>
         </p:txBody>
       </p:sp>
       <p:sp>
         <p:nvSpPr>
           <p:cNvPr id="70" name="Google Shape;70;p11"/>
-          <p:cNvSpPr txBox="1"/>
+          <p:cNvSpPr txBox="1">
+            <a:spLocks noGrp="1"/>
+          </p:cNvSpPr>
           <p:nvPr>
-            <p:ph idx="1" type="body"/>
+            <p:ph type="body" idx="1"/>
           </p:nvPr>
         </p:nvSpPr>
         <p:spPr>
@@ -2285,11 +2365,11 @@
           </a:ln>
         </p:spPr>
         <p:txBody>
-          <a:bodyPr anchorCtr="0" anchor="t" bIns="39550" lIns="79125" spcFirstLastPara="1" rIns="79125" wrap="square" tIns="39550">
+          <a:bodyPr spcFirstLastPara="1" wrap="square" lIns="79125" tIns="39550" rIns="79125" bIns="39550" anchor="t" anchorCtr="0">
             <a:noAutofit/>
           </a:bodyPr>
           <a:lstStyle>
-            <a:lvl1pPr indent="-330200" lvl="0" marL="457200" algn="l">
+            <a:lvl1pPr marL="457200" lvl="0" indent="-330200" algn="l">
               <a:lnSpc>
                 <a:spcPct val="90000"/>
               </a:lnSpc>
@@ -2306,7 +2386,7 @@
               <a:buChar char="•"/>
               <a:defRPr/>
             </a:lvl1pPr>
-            <a:lvl2pPr indent="-330200" lvl="1" marL="914400" algn="l">
+            <a:lvl2pPr marL="914400" lvl="1" indent="-330200" algn="l">
               <a:lnSpc>
                 <a:spcPct val="90000"/>
               </a:lnSpc>
@@ -2323,7 +2403,7 @@
               <a:buChar char="•"/>
               <a:defRPr/>
             </a:lvl2pPr>
-            <a:lvl3pPr indent="-330200" lvl="2" marL="1371600" algn="l">
+            <a:lvl3pPr marL="1371600" lvl="2" indent="-330200" algn="l">
               <a:lnSpc>
                 <a:spcPct val="90000"/>
               </a:lnSpc>
@@ -2340,7 +2420,7 @@
               <a:buChar char="•"/>
               <a:defRPr/>
             </a:lvl3pPr>
-            <a:lvl4pPr indent="-330200" lvl="3" marL="1828800" algn="l">
+            <a:lvl4pPr marL="1828800" lvl="3" indent="-330200" algn="l">
               <a:lnSpc>
                 <a:spcPct val="90000"/>
               </a:lnSpc>
@@ -2357,7 +2437,7 @@
               <a:buChar char="•"/>
               <a:defRPr/>
             </a:lvl4pPr>
-            <a:lvl5pPr indent="-330200" lvl="4" marL="2286000" algn="l">
+            <a:lvl5pPr marL="2286000" lvl="4" indent="-330200" algn="l">
               <a:lnSpc>
                 <a:spcPct val="90000"/>
               </a:lnSpc>
@@ -2374,7 +2454,7 @@
               <a:buChar char="•"/>
               <a:defRPr/>
             </a:lvl5pPr>
-            <a:lvl6pPr indent="-330200" lvl="5" marL="2743200" algn="l">
+            <a:lvl6pPr marL="2743200" lvl="5" indent="-330200" algn="l">
               <a:lnSpc>
                 <a:spcPct val="90000"/>
               </a:lnSpc>
@@ -2391,7 +2471,7 @@
               <a:buChar char="•"/>
               <a:defRPr/>
             </a:lvl6pPr>
-            <a:lvl7pPr indent="-330200" lvl="6" marL="3200400" algn="l">
+            <a:lvl7pPr marL="3200400" lvl="6" indent="-330200" algn="l">
               <a:lnSpc>
                 <a:spcPct val="90000"/>
               </a:lnSpc>
@@ -2408,7 +2488,7 @@
               <a:buChar char="•"/>
               <a:defRPr/>
             </a:lvl7pPr>
-            <a:lvl8pPr indent="-330200" lvl="7" marL="3657600" algn="l">
+            <a:lvl8pPr marL="3657600" lvl="7" indent="-330200" algn="l">
               <a:lnSpc>
                 <a:spcPct val="90000"/>
               </a:lnSpc>
@@ -2425,7 +2505,7 @@
               <a:buChar char="•"/>
               <a:defRPr/>
             </a:lvl8pPr>
-            <a:lvl9pPr indent="-330200" lvl="8" marL="4114800" algn="l">
+            <a:lvl9pPr marL="4114800" lvl="8" indent="-330200" algn="l">
               <a:lnSpc>
                 <a:spcPct val="90000"/>
               </a:lnSpc>
@@ -2443,15 +2523,19 @@
               <a:defRPr/>
             </a:lvl9pPr>
           </a:lstStyle>
-          <a:p/>
+          <a:p>
+            <a:endParaRPr/>
+          </a:p>
         </p:txBody>
       </p:sp>
       <p:sp>
         <p:nvSpPr>
           <p:cNvPr id="71" name="Google Shape;71;p11"/>
-          <p:cNvSpPr txBox="1"/>
+          <p:cNvSpPr txBox="1">
+            <a:spLocks noGrp="1"/>
+          </p:cNvSpPr>
           <p:nvPr>
-            <p:ph idx="10" type="dt"/>
+            <p:ph type="dt" idx="10"/>
           </p:nvPr>
         </p:nvSpPr>
         <p:spPr>
@@ -2468,7 +2552,7 @@
           </a:ln>
         </p:spPr>
         <p:txBody>
-          <a:bodyPr anchorCtr="0" anchor="ctr" bIns="39550" lIns="79125" spcFirstLastPara="1" rIns="79125" wrap="square" tIns="39550">
+          <a:bodyPr spcFirstLastPara="1" wrap="square" lIns="79125" tIns="39550" rIns="79125" bIns="39550" anchor="ctr" anchorCtr="0">
             <a:noAutofit/>
           </a:bodyPr>
           <a:lstStyle>
@@ -2572,15 +2656,19 @@
               <a:defRPr/>
             </a:lvl9pPr>
           </a:lstStyle>
-          <a:p/>
+          <a:p>
+            <a:endParaRPr/>
+          </a:p>
         </p:txBody>
       </p:sp>
       <p:sp>
         <p:nvSpPr>
           <p:cNvPr id="72" name="Google Shape;72;p11"/>
-          <p:cNvSpPr txBox="1"/>
+          <p:cNvSpPr txBox="1">
+            <a:spLocks noGrp="1"/>
+          </p:cNvSpPr>
           <p:nvPr>
-            <p:ph idx="11" type="ftr"/>
+            <p:ph type="ftr" idx="11"/>
           </p:nvPr>
         </p:nvSpPr>
         <p:spPr>
@@ -2597,7 +2685,7 @@
           </a:ln>
         </p:spPr>
         <p:txBody>
-          <a:bodyPr anchorCtr="0" anchor="ctr" bIns="39550" lIns="79125" spcFirstLastPara="1" rIns="79125" wrap="square" tIns="39550">
+          <a:bodyPr spcFirstLastPara="1" wrap="square" lIns="79125" tIns="39550" rIns="79125" bIns="39550" anchor="ctr" anchorCtr="0">
             <a:noAutofit/>
           </a:bodyPr>
           <a:lstStyle>
@@ -2701,15 +2789,19 @@
               <a:defRPr/>
             </a:lvl9pPr>
           </a:lstStyle>
-          <a:p/>
+          <a:p>
+            <a:endParaRPr/>
+          </a:p>
         </p:txBody>
       </p:sp>
       <p:sp>
         <p:nvSpPr>
           <p:cNvPr id="73" name="Google Shape;73;p11"/>
-          <p:cNvSpPr txBox="1"/>
+          <p:cNvSpPr txBox="1">
+            <a:spLocks noGrp="1"/>
+          </p:cNvSpPr>
           <p:nvPr>
-            <p:ph idx="12" type="sldNum"/>
+            <p:ph type="sldNum" idx="12"/>
           </p:nvPr>
         </p:nvSpPr>
         <p:spPr>
@@ -2726,67 +2818,67 @@
           </a:ln>
         </p:spPr>
         <p:txBody>
-          <a:bodyPr anchorCtr="0" anchor="ctr" bIns="39550" lIns="79125" spcFirstLastPara="1" rIns="79125" wrap="square" tIns="39550">
+          <a:bodyPr spcFirstLastPara="1" wrap="square" lIns="79125" tIns="39550" rIns="79125" bIns="39550" anchor="ctr" anchorCtr="0">
             <a:noAutofit/>
           </a:bodyPr>
           <a:lstStyle>
-            <a:lvl1pPr indent="0" lvl="0" marL="0" algn="r">
+            <a:lvl1pPr marL="0" lvl="0" indent="0" algn="r">
               <a:spcBef>
                 <a:spcPts val="0"/>
               </a:spcBef>
               <a:buNone/>
               <a:defRPr/>
             </a:lvl1pPr>
-            <a:lvl2pPr indent="0" lvl="1" marL="0" algn="r">
+            <a:lvl2pPr marL="0" lvl="1" indent="0" algn="r">
               <a:spcBef>
                 <a:spcPts val="0"/>
               </a:spcBef>
               <a:buNone/>
               <a:defRPr/>
             </a:lvl2pPr>
-            <a:lvl3pPr indent="0" lvl="2" marL="0" algn="r">
+            <a:lvl3pPr marL="0" lvl="2" indent="0" algn="r">
               <a:spcBef>
                 <a:spcPts val="0"/>
               </a:spcBef>
               <a:buNone/>
               <a:defRPr/>
             </a:lvl3pPr>
-            <a:lvl4pPr indent="0" lvl="3" marL="0" algn="r">
+            <a:lvl4pPr marL="0" lvl="3" indent="0" algn="r">
               <a:spcBef>
                 <a:spcPts val="0"/>
               </a:spcBef>
               <a:buNone/>
               <a:defRPr/>
             </a:lvl4pPr>
-            <a:lvl5pPr indent="0" lvl="4" marL="0" algn="r">
+            <a:lvl5pPr marL="0" lvl="4" indent="0" algn="r">
               <a:spcBef>
                 <a:spcPts val="0"/>
               </a:spcBef>
               <a:buNone/>
               <a:defRPr/>
             </a:lvl5pPr>
-            <a:lvl6pPr indent="0" lvl="5" marL="0" algn="r">
+            <a:lvl6pPr marL="0" lvl="5" indent="0" algn="r">
               <a:spcBef>
                 <a:spcPts val="0"/>
               </a:spcBef>
               <a:buNone/>
               <a:defRPr/>
             </a:lvl6pPr>
-            <a:lvl7pPr indent="0" lvl="6" marL="0" algn="r">
+            <a:lvl7pPr marL="0" lvl="6" indent="0" algn="r">
               <a:spcBef>
                 <a:spcPts val="0"/>
               </a:spcBef>
               <a:buNone/>
               <a:defRPr/>
             </a:lvl7pPr>
-            <a:lvl8pPr indent="0" lvl="7" marL="0" algn="r">
+            <a:lvl8pPr marL="0" lvl="7" indent="0" algn="r">
               <a:spcBef>
                 <a:spcPts val="0"/>
               </a:spcBef>
               <a:buNone/>
               <a:defRPr/>
             </a:lvl8pPr>
-            <a:lvl9pPr indent="0" lvl="8" marL="0" algn="r">
+            <a:lvl9pPr marL="0" lvl="8" indent="0" algn="r">
               <a:spcBef>
                 <a:spcPts val="0"/>
               </a:spcBef>
@@ -2795,7 +2887,7 @@
             </a:lvl9pPr>
           </a:lstStyle>
           <a:p>
-            <a:pPr indent="0" lvl="0" marL="0" rtl="0" algn="r">
+            <a:pPr marL="0" lvl="0" indent="0" algn="r" rtl="0">
               <a:spcBef>
                 <a:spcPts val="0"/>
               </a:spcBef>
@@ -2821,11 +2913,11 @@
 </file>
 
 <file path=ppt/slideLayouts/slideLayout11.xml><?xml version="1.0" encoding="utf-8"?>
-<p:sldLayout xmlns:a="http://schemas.openxmlformats.org/drawingml/2006/main" xmlns:r="http://schemas.openxmlformats.org/officeDocument/2006/relationships" xmlns:mc="http://schemas.openxmlformats.org/markup-compatibility/2006" xmlns:mv="urn:schemas-microsoft-com:mac:vml" xmlns:p="http://schemas.openxmlformats.org/presentationml/2006/main" xmlns:c="http://schemas.openxmlformats.org/drawingml/2006/chart" xmlns:dgm="http://schemas.openxmlformats.org/drawingml/2006/diagram" xmlns:o="urn:schemas-microsoft-com:office:office" xmlns:v="urn:schemas-microsoft-com:vml" xmlns:pvml="urn:schemas-microsoft-com:office:powerpoint" xmlns:com="http://schemas.openxmlformats.org/drawingml/2006/compatibility" xmlns:p14="http://schemas.microsoft.com/office/powerpoint/2010/main" xmlns:p15="http://schemas.microsoft.com/office/powerpoint/2012/main" matchingName="Vertical Title and Text" type="vertTitleAndTx">
+<p:sldLayout xmlns:a="http://schemas.openxmlformats.org/drawingml/2006/main" xmlns:r="http://schemas.openxmlformats.org/officeDocument/2006/relationships" xmlns:p="http://schemas.openxmlformats.org/presentationml/2006/main" matchingName="Vertical Title and Text" type="vertTitleAndTx">
   <p:cSld name="VERTICAL_TITLE_AND_VERTICAL_TEXT">
     <p:spTree>
       <p:nvGrpSpPr>
-        <p:cNvPr id="74" name="Shape 74"/>
+        <p:cNvPr id="1" name="Shape 74"/>
         <p:cNvGrpSpPr/>
         <p:nvPr/>
       </p:nvGrpSpPr>
@@ -2840,7 +2932,9 @@
       <p:sp>
         <p:nvSpPr>
           <p:cNvPr id="75" name="Google Shape;75;p12"/>
-          <p:cNvSpPr txBox="1"/>
+          <p:cNvSpPr txBox="1">
+            <a:spLocks noGrp="1"/>
+          </p:cNvSpPr>
           <p:nvPr>
             <p:ph type="title"/>
           </p:nvPr>
@@ -2859,7 +2953,7 @@
           </a:ln>
         </p:spPr>
         <p:txBody>
-          <a:bodyPr anchorCtr="0" anchor="ctr" bIns="39550" lIns="79125" spcFirstLastPara="1" rIns="79125" wrap="square" tIns="39550">
+          <a:bodyPr spcFirstLastPara="1" wrap="square" lIns="79125" tIns="39550" rIns="79125" bIns="39550" anchor="ctr" anchorCtr="0">
             <a:noAutofit/>
           </a:bodyPr>
           <a:lstStyle>
@@ -2969,15 +3063,19 @@
               <a:defRPr/>
             </a:lvl9pPr>
           </a:lstStyle>
-          <a:p/>
+          <a:p>
+            <a:endParaRPr/>
+          </a:p>
         </p:txBody>
       </p:sp>
       <p:sp>
         <p:nvSpPr>
           <p:cNvPr id="76" name="Google Shape;76;p12"/>
-          <p:cNvSpPr txBox="1"/>
+          <p:cNvSpPr txBox="1">
+            <a:spLocks noGrp="1"/>
+          </p:cNvSpPr>
           <p:nvPr>
-            <p:ph idx="1" type="body"/>
+            <p:ph type="body" idx="1"/>
           </p:nvPr>
         </p:nvSpPr>
         <p:spPr>
@@ -2994,11 +3092,11 @@
           </a:ln>
         </p:spPr>
         <p:txBody>
-          <a:bodyPr anchorCtr="0" anchor="t" bIns="39550" lIns="79125" spcFirstLastPara="1" rIns="79125" wrap="square" tIns="39550">
+          <a:bodyPr spcFirstLastPara="1" wrap="square" lIns="79125" tIns="39550" rIns="79125" bIns="39550" anchor="t" anchorCtr="0">
             <a:noAutofit/>
           </a:bodyPr>
           <a:lstStyle>
-            <a:lvl1pPr indent="-330200" lvl="0" marL="457200" algn="l">
+            <a:lvl1pPr marL="457200" lvl="0" indent="-330200" algn="l">
               <a:lnSpc>
                 <a:spcPct val="90000"/>
               </a:lnSpc>
@@ -3015,7 +3113,7 @@
               <a:buChar char="•"/>
               <a:defRPr/>
             </a:lvl1pPr>
-            <a:lvl2pPr indent="-330200" lvl="1" marL="914400" algn="l">
+            <a:lvl2pPr marL="914400" lvl="1" indent="-330200" algn="l">
               <a:lnSpc>
                 <a:spcPct val="90000"/>
               </a:lnSpc>
@@ -3032,7 +3130,7 @@
               <a:buChar char="•"/>
               <a:defRPr/>
             </a:lvl2pPr>
-            <a:lvl3pPr indent="-330200" lvl="2" marL="1371600" algn="l">
+            <a:lvl3pPr marL="1371600" lvl="2" indent="-330200" algn="l">
               <a:lnSpc>
                 <a:spcPct val="90000"/>
               </a:lnSpc>
@@ -3049,7 +3147,7 @@
               <a:buChar char="•"/>
               <a:defRPr/>
             </a:lvl3pPr>
-            <a:lvl4pPr indent="-330200" lvl="3" marL="1828800" algn="l">
+            <a:lvl4pPr marL="1828800" lvl="3" indent="-330200" algn="l">
               <a:lnSpc>
                 <a:spcPct val="90000"/>
               </a:lnSpc>
@@ -3066,7 +3164,7 @@
               <a:buChar char="•"/>
               <a:defRPr/>
             </a:lvl4pPr>
-            <a:lvl5pPr indent="-330200" lvl="4" marL="2286000" algn="l">
+            <a:lvl5pPr marL="2286000" lvl="4" indent="-330200" algn="l">
               <a:lnSpc>
                 <a:spcPct val="90000"/>
               </a:lnSpc>
@@ -3083,7 +3181,7 @@
               <a:buChar char="•"/>
               <a:defRPr/>
             </a:lvl5pPr>
-            <a:lvl6pPr indent="-330200" lvl="5" marL="2743200" algn="l">
+            <a:lvl6pPr marL="2743200" lvl="5" indent="-330200" algn="l">
               <a:lnSpc>
                 <a:spcPct val="90000"/>
               </a:lnSpc>
@@ -3100,7 +3198,7 @@
               <a:buChar char="•"/>
               <a:defRPr/>
             </a:lvl6pPr>
-            <a:lvl7pPr indent="-330200" lvl="6" marL="3200400" algn="l">
+            <a:lvl7pPr marL="3200400" lvl="6" indent="-330200" algn="l">
               <a:lnSpc>
                 <a:spcPct val="90000"/>
               </a:lnSpc>
@@ -3117,7 +3215,7 @@
               <a:buChar char="•"/>
               <a:defRPr/>
             </a:lvl7pPr>
-            <a:lvl8pPr indent="-330200" lvl="7" marL="3657600" algn="l">
+            <a:lvl8pPr marL="3657600" lvl="7" indent="-330200" algn="l">
               <a:lnSpc>
                 <a:spcPct val="90000"/>
               </a:lnSpc>
@@ -3134,7 +3232,7 @@
               <a:buChar char="•"/>
               <a:defRPr/>
             </a:lvl8pPr>
-            <a:lvl9pPr indent="-330200" lvl="8" marL="4114800" algn="l">
+            <a:lvl9pPr marL="4114800" lvl="8" indent="-330200" algn="l">
               <a:lnSpc>
                 <a:spcPct val="90000"/>
               </a:lnSpc>
@@ -3152,15 +3250,19 @@
               <a:defRPr/>
             </a:lvl9pPr>
           </a:lstStyle>
-          <a:p/>
+          <a:p>
+            <a:endParaRPr/>
+          </a:p>
         </p:txBody>
       </p:sp>
       <p:sp>
         <p:nvSpPr>
           <p:cNvPr id="77" name="Google Shape;77;p12"/>
-          <p:cNvSpPr txBox="1"/>
+          <p:cNvSpPr txBox="1">
+            <a:spLocks noGrp="1"/>
+          </p:cNvSpPr>
           <p:nvPr>
-            <p:ph idx="10" type="dt"/>
+            <p:ph type="dt" idx="10"/>
           </p:nvPr>
         </p:nvSpPr>
         <p:spPr>
@@ -3177,7 +3279,7 @@
           </a:ln>
         </p:spPr>
         <p:txBody>
-          <a:bodyPr anchorCtr="0" anchor="ctr" bIns="39550" lIns="79125" spcFirstLastPara="1" rIns="79125" wrap="square" tIns="39550">
+          <a:bodyPr spcFirstLastPara="1" wrap="square" lIns="79125" tIns="39550" rIns="79125" bIns="39550" anchor="ctr" anchorCtr="0">
             <a:noAutofit/>
           </a:bodyPr>
           <a:lstStyle>
@@ -3281,15 +3383,19 @@
               <a:defRPr/>
             </a:lvl9pPr>
           </a:lstStyle>
-          <a:p/>
+          <a:p>
+            <a:endParaRPr/>
+          </a:p>
         </p:txBody>
       </p:sp>
       <p:sp>
         <p:nvSpPr>
           <p:cNvPr id="78" name="Google Shape;78;p12"/>
-          <p:cNvSpPr txBox="1"/>
+          <p:cNvSpPr txBox="1">
+            <a:spLocks noGrp="1"/>
+          </p:cNvSpPr>
           <p:nvPr>
-            <p:ph idx="11" type="ftr"/>
+            <p:ph type="ftr" idx="11"/>
           </p:nvPr>
         </p:nvSpPr>
         <p:spPr>
@@ -3306,7 +3412,7 @@
           </a:ln>
         </p:spPr>
         <p:txBody>
-          <a:bodyPr anchorCtr="0" anchor="ctr" bIns="39550" lIns="79125" spcFirstLastPara="1" rIns="79125" wrap="square" tIns="39550">
+          <a:bodyPr spcFirstLastPara="1" wrap="square" lIns="79125" tIns="39550" rIns="79125" bIns="39550" anchor="ctr" anchorCtr="0">
             <a:noAutofit/>
           </a:bodyPr>
           <a:lstStyle>
@@ -3410,15 +3516,19 @@
               <a:defRPr/>
             </a:lvl9pPr>
           </a:lstStyle>
-          <a:p/>
+          <a:p>
+            <a:endParaRPr/>
+          </a:p>
         </p:txBody>
       </p:sp>
       <p:sp>
         <p:nvSpPr>
           <p:cNvPr id="79" name="Google Shape;79;p12"/>
-          <p:cNvSpPr txBox="1"/>
+          <p:cNvSpPr txBox="1">
+            <a:spLocks noGrp="1"/>
+          </p:cNvSpPr>
           <p:nvPr>
-            <p:ph idx="12" type="sldNum"/>
+            <p:ph type="sldNum" idx="12"/>
           </p:nvPr>
         </p:nvSpPr>
         <p:spPr>
@@ -3435,67 +3545,67 @@
           </a:ln>
         </p:spPr>
         <p:txBody>
-          <a:bodyPr anchorCtr="0" anchor="ctr" bIns="39550" lIns="79125" spcFirstLastPara="1" rIns="79125" wrap="square" tIns="39550">
+          <a:bodyPr spcFirstLastPara="1" wrap="square" lIns="79125" tIns="39550" rIns="79125" bIns="39550" anchor="ctr" anchorCtr="0">
             <a:noAutofit/>
           </a:bodyPr>
           <a:lstStyle>
-            <a:lvl1pPr indent="0" lvl="0" marL="0" algn="r">
+            <a:lvl1pPr marL="0" lvl="0" indent="0" algn="r">
               <a:spcBef>
                 <a:spcPts val="0"/>
               </a:spcBef>
               <a:buNone/>
               <a:defRPr/>
             </a:lvl1pPr>
-            <a:lvl2pPr indent="0" lvl="1" marL="0" algn="r">
+            <a:lvl2pPr marL="0" lvl="1" indent="0" algn="r">
               <a:spcBef>
                 <a:spcPts val="0"/>
               </a:spcBef>
               <a:buNone/>
               <a:defRPr/>
             </a:lvl2pPr>
-            <a:lvl3pPr indent="0" lvl="2" marL="0" algn="r">
+            <a:lvl3pPr marL="0" lvl="2" indent="0" algn="r">
               <a:spcBef>
                 <a:spcPts val="0"/>
               </a:spcBef>
               <a:buNone/>
               <a:defRPr/>
             </a:lvl3pPr>
-            <a:lvl4pPr indent="0" lvl="3" marL="0" algn="r">
+            <a:lvl4pPr marL="0" lvl="3" indent="0" algn="r">
               <a:spcBef>
                 <a:spcPts val="0"/>
               </a:spcBef>
               <a:buNone/>
               <a:defRPr/>
             </a:lvl4pPr>
-            <a:lvl5pPr indent="0" lvl="4" marL="0" algn="r">
+            <a:lvl5pPr marL="0" lvl="4" indent="0" algn="r">
               <a:spcBef>
                 <a:spcPts val="0"/>
               </a:spcBef>
               <a:buNone/>
               <a:defRPr/>
             </a:lvl5pPr>
-            <a:lvl6pPr indent="0" lvl="5" marL="0" algn="r">
+            <a:lvl6pPr marL="0" lvl="5" indent="0" algn="r">
               <a:spcBef>
                 <a:spcPts val="0"/>
               </a:spcBef>
               <a:buNone/>
               <a:defRPr/>
             </a:lvl6pPr>
-            <a:lvl7pPr indent="0" lvl="6" marL="0" algn="r">
+            <a:lvl7pPr marL="0" lvl="6" indent="0" algn="r">
               <a:spcBef>
                 <a:spcPts val="0"/>
               </a:spcBef>
               <a:buNone/>
               <a:defRPr/>
             </a:lvl7pPr>
-            <a:lvl8pPr indent="0" lvl="7" marL="0" algn="r">
+            <a:lvl8pPr marL="0" lvl="7" indent="0" algn="r">
               <a:spcBef>
                 <a:spcPts val="0"/>
               </a:spcBef>
               <a:buNone/>
               <a:defRPr/>
             </a:lvl8pPr>
-            <a:lvl9pPr indent="0" lvl="8" marL="0" algn="r">
+            <a:lvl9pPr marL="0" lvl="8" indent="0" algn="r">
               <a:spcBef>
                 <a:spcPts val="0"/>
               </a:spcBef>
@@ -3504,7 +3614,7 @@
             </a:lvl9pPr>
           </a:lstStyle>
           <a:p>
-            <a:pPr indent="0" lvl="0" marL="0" rtl="0" algn="r">
+            <a:pPr marL="0" lvl="0" indent="0" algn="r" rtl="0">
               <a:spcBef>
                 <a:spcPts val="0"/>
               </a:spcBef>
@@ -3530,11 +3640,11 @@
 </file>
 
 <file path=ppt/slideLayouts/slideLayout2.xml><?xml version="1.0" encoding="utf-8"?>
-<p:sldLayout xmlns:a="http://schemas.openxmlformats.org/drawingml/2006/main" xmlns:r="http://schemas.openxmlformats.org/officeDocument/2006/relationships" xmlns:mc="http://schemas.openxmlformats.org/markup-compatibility/2006" xmlns:mv="urn:schemas-microsoft-com:mac:vml" xmlns:p="http://schemas.openxmlformats.org/presentationml/2006/main" xmlns:c="http://schemas.openxmlformats.org/drawingml/2006/chart" xmlns:dgm="http://schemas.openxmlformats.org/drawingml/2006/diagram" xmlns:o="urn:schemas-microsoft-com:office:office" xmlns:v="urn:schemas-microsoft-com:vml" xmlns:pvml="urn:schemas-microsoft-com:office:powerpoint" xmlns:com="http://schemas.openxmlformats.org/drawingml/2006/compatibility" xmlns:p14="http://schemas.microsoft.com/office/powerpoint/2010/main" xmlns:p15="http://schemas.microsoft.com/office/powerpoint/2012/main" matchingName="Title Slide" type="title">
+<p:sldLayout xmlns:a="http://schemas.openxmlformats.org/drawingml/2006/main" xmlns:r="http://schemas.openxmlformats.org/officeDocument/2006/relationships" xmlns:p="http://schemas.openxmlformats.org/presentationml/2006/main" matchingName="Title Slide" type="title">
   <p:cSld name="TITLE">
     <p:spTree>
       <p:nvGrpSpPr>
-        <p:cNvPr id="16" name="Shape 16"/>
+        <p:cNvPr id="1" name="Shape 16"/>
         <p:cNvGrpSpPr/>
         <p:nvPr/>
       </p:nvGrpSpPr>
@@ -3549,7 +3659,9 @@
       <p:sp>
         <p:nvSpPr>
           <p:cNvPr id="17" name="Google Shape;17;p3"/>
-          <p:cNvSpPr txBox="1"/>
+          <p:cNvSpPr txBox="1">
+            <a:spLocks noGrp="1"/>
+          </p:cNvSpPr>
           <p:nvPr>
             <p:ph type="ctrTitle"/>
           </p:nvPr>
@@ -3568,7 +3680,7 @@
           </a:ln>
         </p:spPr>
         <p:txBody>
-          <a:bodyPr anchorCtr="0" anchor="b" bIns="39550" lIns="79125" spcFirstLastPara="1" rIns="79125" wrap="square" tIns="39550">
+          <a:bodyPr spcFirstLastPara="1" wrap="square" lIns="79125" tIns="39550" rIns="79125" bIns="39550" anchor="b" anchorCtr="0">
             <a:noAutofit/>
           </a:bodyPr>
           <a:lstStyle>
@@ -3679,15 +3791,19 @@
               <a:defRPr/>
             </a:lvl9pPr>
           </a:lstStyle>
-          <a:p/>
+          <a:p>
+            <a:endParaRPr/>
+          </a:p>
         </p:txBody>
       </p:sp>
       <p:sp>
         <p:nvSpPr>
           <p:cNvPr id="18" name="Google Shape;18;p3"/>
-          <p:cNvSpPr txBox="1"/>
+          <p:cNvSpPr txBox="1">
+            <a:spLocks noGrp="1"/>
+          </p:cNvSpPr>
           <p:nvPr>
-            <p:ph idx="1" type="subTitle"/>
+            <p:ph type="subTitle" idx="1"/>
           </p:nvPr>
         </p:nvSpPr>
         <p:spPr>
@@ -3704,7 +3820,7 @@
           </a:ln>
         </p:spPr>
         <p:txBody>
-          <a:bodyPr anchorCtr="0" anchor="t" bIns="39550" lIns="79125" spcFirstLastPara="1" rIns="79125" wrap="square" tIns="39550">
+          <a:bodyPr spcFirstLastPara="1" wrap="square" lIns="79125" tIns="39550" rIns="79125" bIns="39550" anchor="t" anchorCtr="0">
             <a:noAutofit/>
           </a:bodyPr>
           <a:lstStyle>
@@ -3862,15 +3978,19 @@
               <a:defRPr sz="1400"/>
             </a:lvl9pPr>
           </a:lstStyle>
-          <a:p/>
+          <a:p>
+            <a:endParaRPr/>
+          </a:p>
         </p:txBody>
       </p:sp>
       <p:sp>
         <p:nvSpPr>
           <p:cNvPr id="19" name="Google Shape;19;p3"/>
-          <p:cNvSpPr txBox="1"/>
+          <p:cNvSpPr txBox="1">
+            <a:spLocks noGrp="1"/>
+          </p:cNvSpPr>
           <p:nvPr>
-            <p:ph idx="10" type="dt"/>
+            <p:ph type="dt" idx="10"/>
           </p:nvPr>
         </p:nvSpPr>
         <p:spPr>
@@ -3887,7 +4007,7 @@
           </a:ln>
         </p:spPr>
         <p:txBody>
-          <a:bodyPr anchorCtr="0" anchor="ctr" bIns="39550" lIns="79125" spcFirstLastPara="1" rIns="79125" wrap="square" tIns="39550">
+          <a:bodyPr spcFirstLastPara="1" wrap="square" lIns="79125" tIns="39550" rIns="79125" bIns="39550" anchor="ctr" anchorCtr="0">
             <a:noAutofit/>
           </a:bodyPr>
           <a:lstStyle>
@@ -3991,15 +4111,19 @@
               <a:defRPr/>
             </a:lvl9pPr>
           </a:lstStyle>
-          <a:p/>
+          <a:p>
+            <a:endParaRPr/>
+          </a:p>
         </p:txBody>
       </p:sp>
       <p:sp>
         <p:nvSpPr>
           <p:cNvPr id="20" name="Google Shape;20;p3"/>
-          <p:cNvSpPr txBox="1"/>
+          <p:cNvSpPr txBox="1">
+            <a:spLocks noGrp="1"/>
+          </p:cNvSpPr>
           <p:nvPr>
-            <p:ph idx="11" type="ftr"/>
+            <p:ph type="ftr" idx="11"/>
           </p:nvPr>
         </p:nvSpPr>
         <p:spPr>
@@ -4016,7 +4140,7 @@
           </a:ln>
         </p:spPr>
         <p:txBody>
-          <a:bodyPr anchorCtr="0" anchor="ctr" bIns="39550" lIns="79125" spcFirstLastPara="1" rIns="79125" wrap="square" tIns="39550">
+          <a:bodyPr spcFirstLastPara="1" wrap="square" lIns="79125" tIns="39550" rIns="79125" bIns="39550" anchor="ctr" anchorCtr="0">
             <a:noAutofit/>
           </a:bodyPr>
           <a:lstStyle>
@@ -4120,15 +4244,19 @@
               <a:defRPr/>
             </a:lvl9pPr>
           </a:lstStyle>
-          <a:p/>
+          <a:p>
+            <a:endParaRPr/>
+          </a:p>
         </p:txBody>
       </p:sp>
       <p:sp>
         <p:nvSpPr>
           <p:cNvPr id="21" name="Google Shape;21;p3"/>
-          <p:cNvSpPr txBox="1"/>
+          <p:cNvSpPr txBox="1">
+            <a:spLocks noGrp="1"/>
+          </p:cNvSpPr>
           <p:nvPr>
-            <p:ph idx="12" type="sldNum"/>
+            <p:ph type="sldNum" idx="12"/>
           </p:nvPr>
         </p:nvSpPr>
         <p:spPr>
@@ -4145,67 +4273,67 @@
           </a:ln>
         </p:spPr>
         <p:txBody>
-          <a:bodyPr anchorCtr="0" anchor="ctr" bIns="39550" lIns="79125" spcFirstLastPara="1" rIns="79125" wrap="square" tIns="39550">
+          <a:bodyPr spcFirstLastPara="1" wrap="square" lIns="79125" tIns="39550" rIns="79125" bIns="39550" anchor="ctr" anchorCtr="0">
             <a:noAutofit/>
           </a:bodyPr>
           <a:lstStyle>
-            <a:lvl1pPr indent="0" lvl="0" marL="0" algn="r">
+            <a:lvl1pPr marL="0" lvl="0" indent="0" algn="r">
               <a:spcBef>
                 <a:spcPts val="0"/>
               </a:spcBef>
               <a:buNone/>
               <a:defRPr/>
             </a:lvl1pPr>
-            <a:lvl2pPr indent="0" lvl="1" marL="0" algn="r">
+            <a:lvl2pPr marL="0" lvl="1" indent="0" algn="r">
               <a:spcBef>
                 <a:spcPts val="0"/>
               </a:spcBef>
               <a:buNone/>
               <a:defRPr/>
             </a:lvl2pPr>
-            <a:lvl3pPr indent="0" lvl="2" marL="0" algn="r">
+            <a:lvl3pPr marL="0" lvl="2" indent="0" algn="r">
               <a:spcBef>
                 <a:spcPts val="0"/>
               </a:spcBef>
               <a:buNone/>
               <a:defRPr/>
             </a:lvl3pPr>
-            <a:lvl4pPr indent="0" lvl="3" marL="0" algn="r">
+            <a:lvl4pPr marL="0" lvl="3" indent="0" algn="r">
               <a:spcBef>
                 <a:spcPts val="0"/>
               </a:spcBef>
               <a:buNone/>
               <a:defRPr/>
             </a:lvl4pPr>
-            <a:lvl5pPr indent="0" lvl="4" marL="0" algn="r">
+            <a:lvl5pPr marL="0" lvl="4" indent="0" algn="r">
               <a:spcBef>
                 <a:spcPts val="0"/>
               </a:spcBef>
               <a:buNone/>
               <a:defRPr/>
             </a:lvl5pPr>
-            <a:lvl6pPr indent="0" lvl="5" marL="0" algn="r">
+            <a:lvl6pPr marL="0" lvl="5" indent="0" algn="r">
               <a:spcBef>
                 <a:spcPts val="0"/>
               </a:spcBef>
               <a:buNone/>
               <a:defRPr/>
             </a:lvl6pPr>
-            <a:lvl7pPr indent="0" lvl="6" marL="0" algn="r">
+            <a:lvl7pPr marL="0" lvl="6" indent="0" algn="r">
               <a:spcBef>
                 <a:spcPts val="0"/>
               </a:spcBef>
               <a:buNone/>
               <a:defRPr/>
             </a:lvl7pPr>
-            <a:lvl8pPr indent="0" lvl="7" marL="0" algn="r">
+            <a:lvl8pPr marL="0" lvl="7" indent="0" algn="r">
               <a:spcBef>
                 <a:spcPts val="0"/>
               </a:spcBef>
               <a:buNone/>
               <a:defRPr/>
             </a:lvl8pPr>
-            <a:lvl9pPr indent="0" lvl="8" marL="0" algn="r">
+            <a:lvl9pPr marL="0" lvl="8" indent="0" algn="r">
               <a:spcBef>
                 <a:spcPts val="0"/>
               </a:spcBef>
@@ -4214,7 +4342,7 @@
             </a:lvl9pPr>
           </a:lstStyle>
           <a:p>
-            <a:pPr indent="0" lvl="0" marL="0" rtl="0" algn="r">
+            <a:pPr marL="0" lvl="0" indent="0" algn="r" rtl="0">
               <a:spcBef>
                 <a:spcPts val="0"/>
               </a:spcBef>
@@ -4240,11 +4368,11 @@
 </file>
 
 <file path=ppt/slideLayouts/slideLayout3.xml><?xml version="1.0" encoding="utf-8"?>
-<p:sldLayout xmlns:a="http://schemas.openxmlformats.org/drawingml/2006/main" xmlns:r="http://schemas.openxmlformats.org/officeDocument/2006/relationships" xmlns:mc="http://schemas.openxmlformats.org/markup-compatibility/2006" xmlns:mv="urn:schemas-microsoft-com:mac:vml" xmlns:p="http://schemas.openxmlformats.org/presentationml/2006/main" xmlns:c="http://schemas.openxmlformats.org/drawingml/2006/chart" xmlns:dgm="http://schemas.openxmlformats.org/drawingml/2006/diagram" xmlns:o="urn:schemas-microsoft-com:office:office" xmlns:v="urn:schemas-microsoft-com:vml" xmlns:pvml="urn:schemas-microsoft-com:office:powerpoint" xmlns:com="http://schemas.openxmlformats.org/drawingml/2006/compatibility" xmlns:p14="http://schemas.microsoft.com/office/powerpoint/2010/main" xmlns:p15="http://schemas.microsoft.com/office/powerpoint/2012/main" matchingName="Title and Content" type="obj">
+<p:sldLayout xmlns:a="http://schemas.openxmlformats.org/drawingml/2006/main" xmlns:r="http://schemas.openxmlformats.org/officeDocument/2006/relationships" xmlns:p="http://schemas.openxmlformats.org/presentationml/2006/main" matchingName="Title and Content" type="obj">
   <p:cSld name="OBJECT">
     <p:spTree>
       <p:nvGrpSpPr>
-        <p:cNvPr id="22" name="Shape 22"/>
+        <p:cNvPr id="1" name="Shape 22"/>
         <p:cNvGrpSpPr/>
         <p:nvPr/>
       </p:nvGrpSpPr>
@@ -4259,7 +4387,9 @@
       <p:sp>
         <p:nvSpPr>
           <p:cNvPr id="23" name="Google Shape;23;p4"/>
-          <p:cNvSpPr txBox="1"/>
+          <p:cNvSpPr txBox="1">
+            <a:spLocks noGrp="1"/>
+          </p:cNvSpPr>
           <p:nvPr>
             <p:ph type="title"/>
           </p:nvPr>
@@ -4278,7 +4408,7 @@
           </a:ln>
         </p:spPr>
         <p:txBody>
-          <a:bodyPr anchorCtr="0" anchor="ctr" bIns="39550" lIns="79125" spcFirstLastPara="1" rIns="79125" wrap="square" tIns="39550">
+          <a:bodyPr spcFirstLastPara="1" wrap="square" lIns="79125" tIns="39550" rIns="79125" bIns="39550" anchor="ctr" anchorCtr="0">
             <a:noAutofit/>
           </a:bodyPr>
           <a:lstStyle>
@@ -4388,15 +4518,19 @@
               <a:defRPr/>
             </a:lvl9pPr>
           </a:lstStyle>
-          <a:p/>
+          <a:p>
+            <a:endParaRPr/>
+          </a:p>
         </p:txBody>
       </p:sp>
       <p:sp>
         <p:nvSpPr>
           <p:cNvPr id="24" name="Google Shape;24;p4"/>
-          <p:cNvSpPr txBox="1"/>
+          <p:cNvSpPr txBox="1">
+            <a:spLocks noGrp="1"/>
+          </p:cNvSpPr>
           <p:nvPr>
-            <p:ph idx="1" type="body"/>
+            <p:ph type="body" idx="1"/>
           </p:nvPr>
         </p:nvSpPr>
         <p:spPr>
@@ -4413,11 +4547,11 @@
           </a:ln>
         </p:spPr>
         <p:txBody>
-          <a:bodyPr anchorCtr="0" anchor="t" bIns="39550" lIns="79125" spcFirstLastPara="1" rIns="79125" wrap="square" tIns="39550">
+          <a:bodyPr spcFirstLastPara="1" wrap="square" lIns="79125" tIns="39550" rIns="79125" bIns="39550" anchor="t" anchorCtr="0">
             <a:noAutofit/>
           </a:bodyPr>
           <a:lstStyle>
-            <a:lvl1pPr indent="-330200" lvl="0" marL="457200" algn="l">
+            <a:lvl1pPr marL="457200" lvl="0" indent="-330200" algn="l">
               <a:lnSpc>
                 <a:spcPct val="90000"/>
               </a:lnSpc>
@@ -4434,7 +4568,7 @@
               <a:buChar char="•"/>
               <a:defRPr/>
             </a:lvl1pPr>
-            <a:lvl2pPr indent="-330200" lvl="1" marL="914400" algn="l">
+            <a:lvl2pPr marL="914400" lvl="1" indent="-330200" algn="l">
               <a:lnSpc>
                 <a:spcPct val="90000"/>
               </a:lnSpc>
@@ -4451,7 +4585,7 @@
               <a:buChar char="•"/>
               <a:defRPr/>
             </a:lvl2pPr>
-            <a:lvl3pPr indent="-330200" lvl="2" marL="1371600" algn="l">
+            <a:lvl3pPr marL="1371600" lvl="2" indent="-330200" algn="l">
               <a:lnSpc>
                 <a:spcPct val="90000"/>
               </a:lnSpc>
@@ -4468,7 +4602,7 @@
               <a:buChar char="•"/>
               <a:defRPr/>
             </a:lvl3pPr>
-            <a:lvl4pPr indent="-330200" lvl="3" marL="1828800" algn="l">
+            <a:lvl4pPr marL="1828800" lvl="3" indent="-330200" algn="l">
               <a:lnSpc>
                 <a:spcPct val="90000"/>
               </a:lnSpc>
@@ -4485,7 +4619,7 @@
               <a:buChar char="•"/>
               <a:defRPr/>
             </a:lvl4pPr>
-            <a:lvl5pPr indent="-330200" lvl="4" marL="2286000" algn="l">
+            <a:lvl5pPr marL="2286000" lvl="4" indent="-330200" algn="l">
               <a:lnSpc>
                 <a:spcPct val="90000"/>
               </a:lnSpc>
@@ -4502,7 +4636,7 @@
               <a:buChar char="•"/>
               <a:defRPr/>
             </a:lvl5pPr>
-            <a:lvl6pPr indent="-330200" lvl="5" marL="2743200" algn="l">
+            <a:lvl6pPr marL="2743200" lvl="5" indent="-330200" algn="l">
               <a:lnSpc>
                 <a:spcPct val="90000"/>
               </a:lnSpc>
@@ -4519,7 +4653,7 @@
               <a:buChar char="•"/>
               <a:defRPr/>
             </a:lvl6pPr>
-            <a:lvl7pPr indent="-330200" lvl="6" marL="3200400" algn="l">
+            <a:lvl7pPr marL="3200400" lvl="6" indent="-330200" algn="l">
               <a:lnSpc>
                 <a:spcPct val="90000"/>
               </a:lnSpc>
@@ -4536,7 +4670,7 @@
               <a:buChar char="•"/>
               <a:defRPr/>
             </a:lvl7pPr>
-            <a:lvl8pPr indent="-330200" lvl="7" marL="3657600" algn="l">
+            <a:lvl8pPr marL="3657600" lvl="7" indent="-330200" algn="l">
               <a:lnSpc>
                 <a:spcPct val="90000"/>
               </a:lnSpc>
@@ -4553,7 +4687,7 @@
               <a:buChar char="•"/>
               <a:defRPr/>
             </a:lvl8pPr>
-            <a:lvl9pPr indent="-330200" lvl="8" marL="4114800" algn="l">
+            <a:lvl9pPr marL="4114800" lvl="8" indent="-330200" algn="l">
               <a:lnSpc>
                 <a:spcPct val="90000"/>
               </a:lnSpc>
@@ -4571,15 +4705,19 @@
               <a:defRPr/>
             </a:lvl9pPr>
           </a:lstStyle>
-          <a:p/>
+          <a:p>
+            <a:endParaRPr/>
+          </a:p>
         </p:txBody>
       </p:sp>
       <p:sp>
         <p:nvSpPr>
           <p:cNvPr id="25" name="Google Shape;25;p4"/>
-          <p:cNvSpPr txBox="1"/>
+          <p:cNvSpPr txBox="1">
+            <a:spLocks noGrp="1"/>
+          </p:cNvSpPr>
           <p:nvPr>
-            <p:ph idx="10" type="dt"/>
+            <p:ph type="dt" idx="10"/>
           </p:nvPr>
         </p:nvSpPr>
         <p:spPr>
@@ -4596,7 +4734,7 @@
           </a:ln>
         </p:spPr>
         <p:txBody>
-          <a:bodyPr anchorCtr="0" anchor="ctr" bIns="39550" lIns="79125" spcFirstLastPara="1" rIns="79125" wrap="square" tIns="39550">
+          <a:bodyPr spcFirstLastPara="1" wrap="square" lIns="79125" tIns="39550" rIns="79125" bIns="39550" anchor="ctr" anchorCtr="0">
             <a:noAutofit/>
           </a:bodyPr>
           <a:lstStyle>
@@ -4700,15 +4838,19 @@
               <a:defRPr/>
             </a:lvl9pPr>
           </a:lstStyle>
-          <a:p/>
+          <a:p>
+            <a:endParaRPr/>
+          </a:p>
         </p:txBody>
       </p:sp>
       <p:sp>
         <p:nvSpPr>
           <p:cNvPr id="26" name="Google Shape;26;p4"/>
-          <p:cNvSpPr txBox="1"/>
+          <p:cNvSpPr txBox="1">
+            <a:spLocks noGrp="1"/>
+          </p:cNvSpPr>
           <p:nvPr>
-            <p:ph idx="11" type="ftr"/>
+            <p:ph type="ftr" idx="11"/>
           </p:nvPr>
         </p:nvSpPr>
         <p:spPr>
@@ -4725,7 +4867,7 @@
           </a:ln>
         </p:spPr>
         <p:txBody>
-          <a:bodyPr anchorCtr="0" anchor="ctr" bIns="39550" lIns="79125" spcFirstLastPara="1" rIns="79125" wrap="square" tIns="39550">
+          <a:bodyPr spcFirstLastPara="1" wrap="square" lIns="79125" tIns="39550" rIns="79125" bIns="39550" anchor="ctr" anchorCtr="0">
             <a:noAutofit/>
           </a:bodyPr>
           <a:lstStyle>
@@ -4829,15 +4971,19 @@
               <a:defRPr/>
             </a:lvl9pPr>
           </a:lstStyle>
-          <a:p/>
+          <a:p>
+            <a:endParaRPr/>
+          </a:p>
         </p:txBody>
       </p:sp>
       <p:sp>
         <p:nvSpPr>
           <p:cNvPr id="27" name="Google Shape;27;p4"/>
-          <p:cNvSpPr txBox="1"/>
+          <p:cNvSpPr txBox="1">
+            <a:spLocks noGrp="1"/>
+          </p:cNvSpPr>
           <p:nvPr>
-            <p:ph idx="12" type="sldNum"/>
+            <p:ph type="sldNum" idx="12"/>
           </p:nvPr>
         </p:nvSpPr>
         <p:spPr>
@@ -4854,67 +5000,67 @@
           </a:ln>
         </p:spPr>
         <p:txBody>
-          <a:bodyPr anchorCtr="0" anchor="ctr" bIns="39550" lIns="79125" spcFirstLastPara="1" rIns="79125" wrap="square" tIns="39550">
+          <a:bodyPr spcFirstLastPara="1" wrap="square" lIns="79125" tIns="39550" rIns="79125" bIns="39550" anchor="ctr" anchorCtr="0">
             <a:noAutofit/>
           </a:bodyPr>
           <a:lstStyle>
-            <a:lvl1pPr indent="0" lvl="0" marL="0" algn="r">
+            <a:lvl1pPr marL="0" lvl="0" indent="0" algn="r">
               <a:spcBef>
                 <a:spcPts val="0"/>
               </a:spcBef>
               <a:buNone/>
               <a:defRPr/>
             </a:lvl1pPr>
-            <a:lvl2pPr indent="0" lvl="1" marL="0" algn="r">
+            <a:lvl2pPr marL="0" lvl="1" indent="0" algn="r">
               <a:spcBef>
                 <a:spcPts val="0"/>
               </a:spcBef>
               <a:buNone/>
               <a:defRPr/>
             </a:lvl2pPr>
-            <a:lvl3pPr indent="0" lvl="2" marL="0" algn="r">
+            <a:lvl3pPr marL="0" lvl="2" indent="0" algn="r">
               <a:spcBef>
                 <a:spcPts val="0"/>
               </a:spcBef>
               <a:buNone/>
               <a:defRPr/>
             </a:lvl3pPr>
-            <a:lvl4pPr indent="0" lvl="3" marL="0" algn="r">
+            <a:lvl4pPr marL="0" lvl="3" indent="0" algn="r">
               <a:spcBef>
                 <a:spcPts val="0"/>
               </a:spcBef>
               <a:buNone/>
               <a:defRPr/>
             </a:lvl4pPr>
-            <a:lvl5pPr indent="0" lvl="4" marL="0" algn="r">
+            <a:lvl5pPr marL="0" lvl="4" indent="0" algn="r">
               <a:spcBef>
                 <a:spcPts val="0"/>
               </a:spcBef>
               <a:buNone/>
               <a:defRPr/>
             </a:lvl5pPr>
-            <a:lvl6pPr indent="0" lvl="5" marL="0" algn="r">
+            <a:lvl6pPr marL="0" lvl="5" indent="0" algn="r">
               <a:spcBef>
                 <a:spcPts val="0"/>
               </a:spcBef>
               <a:buNone/>
               <a:defRPr/>
             </a:lvl6pPr>
-            <a:lvl7pPr indent="0" lvl="6" marL="0" algn="r">
+            <a:lvl7pPr marL="0" lvl="6" indent="0" algn="r">
               <a:spcBef>
                 <a:spcPts val="0"/>
               </a:spcBef>
               <a:buNone/>
               <a:defRPr/>
             </a:lvl7pPr>
-            <a:lvl8pPr indent="0" lvl="7" marL="0" algn="r">
+            <a:lvl8pPr marL="0" lvl="7" indent="0" algn="r">
               <a:spcBef>
                 <a:spcPts val="0"/>
               </a:spcBef>
               <a:buNone/>
               <a:defRPr/>
             </a:lvl8pPr>
-            <a:lvl9pPr indent="0" lvl="8" marL="0" algn="r">
+            <a:lvl9pPr marL="0" lvl="8" indent="0" algn="r">
               <a:spcBef>
                 <a:spcPts val="0"/>
               </a:spcBef>
@@ -4923,7 +5069,7 @@
             </a:lvl9pPr>
           </a:lstStyle>
           <a:p>
-            <a:pPr indent="0" lvl="0" marL="0" rtl="0" algn="r">
+            <a:pPr marL="0" lvl="0" indent="0" algn="r" rtl="0">
               <a:spcBef>
                 <a:spcPts val="0"/>
               </a:spcBef>
@@ -4949,11 +5095,11 @@
 </file>
 
 <file path=ppt/slideLayouts/slideLayout4.xml><?xml version="1.0" encoding="utf-8"?>
-<p:sldLayout xmlns:a="http://schemas.openxmlformats.org/drawingml/2006/main" xmlns:r="http://schemas.openxmlformats.org/officeDocument/2006/relationships" xmlns:mc="http://schemas.openxmlformats.org/markup-compatibility/2006" xmlns:mv="urn:schemas-microsoft-com:mac:vml" xmlns:p="http://schemas.openxmlformats.org/presentationml/2006/main" xmlns:c="http://schemas.openxmlformats.org/drawingml/2006/chart" xmlns:dgm="http://schemas.openxmlformats.org/drawingml/2006/diagram" xmlns:o="urn:schemas-microsoft-com:office:office" xmlns:v="urn:schemas-microsoft-com:vml" xmlns:pvml="urn:schemas-microsoft-com:office:powerpoint" xmlns:com="http://schemas.openxmlformats.org/drawingml/2006/compatibility" xmlns:p14="http://schemas.microsoft.com/office/powerpoint/2010/main" xmlns:p15="http://schemas.microsoft.com/office/powerpoint/2012/main" matchingName="Section Header" type="secHead">
+<p:sldLayout xmlns:a="http://schemas.openxmlformats.org/drawingml/2006/main" xmlns:r="http://schemas.openxmlformats.org/officeDocument/2006/relationships" xmlns:p="http://schemas.openxmlformats.org/presentationml/2006/main" matchingName="Section Header" type="secHead">
   <p:cSld name="SECTION_HEADER">
     <p:spTree>
       <p:nvGrpSpPr>
-        <p:cNvPr id="28" name="Shape 28"/>
+        <p:cNvPr id="1" name="Shape 28"/>
         <p:cNvGrpSpPr/>
         <p:nvPr/>
       </p:nvGrpSpPr>
@@ -4968,7 +5114,9 @@
       <p:sp>
         <p:nvSpPr>
           <p:cNvPr id="29" name="Google Shape;29;p5"/>
-          <p:cNvSpPr txBox="1"/>
+          <p:cNvSpPr txBox="1">
+            <a:spLocks noGrp="1"/>
+          </p:cNvSpPr>
           <p:nvPr>
             <p:ph type="title"/>
           </p:nvPr>
@@ -4987,7 +5135,7 @@
           </a:ln>
         </p:spPr>
         <p:txBody>
-          <a:bodyPr anchorCtr="0" anchor="b" bIns="39550" lIns="79125" spcFirstLastPara="1" rIns="79125" wrap="square" tIns="39550">
+          <a:bodyPr spcFirstLastPara="1" wrap="square" lIns="79125" tIns="39550" rIns="79125" bIns="39550" anchor="b" anchorCtr="0">
             <a:noAutofit/>
           </a:bodyPr>
           <a:lstStyle>
@@ -5098,15 +5246,19 @@
               <a:defRPr/>
             </a:lvl9pPr>
           </a:lstStyle>
-          <a:p/>
+          <a:p>
+            <a:endParaRPr/>
+          </a:p>
         </p:txBody>
       </p:sp>
       <p:sp>
         <p:nvSpPr>
           <p:cNvPr id="30" name="Google Shape;30;p5"/>
-          <p:cNvSpPr txBox="1"/>
+          <p:cNvSpPr txBox="1">
+            <a:spLocks noGrp="1"/>
+          </p:cNvSpPr>
           <p:nvPr>
-            <p:ph idx="1" type="body"/>
+            <p:ph type="body" idx="1"/>
           </p:nvPr>
         </p:nvSpPr>
         <p:spPr>
@@ -5123,11 +5275,11 @@
           </a:ln>
         </p:spPr>
         <p:txBody>
-          <a:bodyPr anchorCtr="0" anchor="t" bIns="39550" lIns="79125" spcFirstLastPara="1" rIns="79125" wrap="square" tIns="39550">
+          <a:bodyPr spcFirstLastPara="1" wrap="square" lIns="79125" tIns="39550" rIns="79125" bIns="39550" anchor="t" anchorCtr="0">
             <a:noAutofit/>
           </a:bodyPr>
           <a:lstStyle>
-            <a:lvl1pPr indent="-228600" lvl="0" marL="457200" algn="l">
+            <a:lvl1pPr marL="457200" lvl="0" indent="-228600" algn="l">
               <a:lnSpc>
                 <a:spcPct val="90000"/>
               </a:lnSpc>
@@ -5148,7 +5300,7 @@
                 </a:solidFill>
               </a:defRPr>
             </a:lvl1pPr>
-            <a:lvl2pPr indent="-228600" lvl="1" marL="914400" algn="l">
+            <a:lvl2pPr marL="914400" lvl="1" indent="-228600" algn="l">
               <a:lnSpc>
                 <a:spcPct val="90000"/>
               </a:lnSpc>
@@ -5169,7 +5321,7 @@
                 </a:solidFill>
               </a:defRPr>
             </a:lvl2pPr>
-            <a:lvl3pPr indent="-228600" lvl="2" marL="1371600" algn="l">
+            <a:lvl3pPr marL="1371600" lvl="2" indent="-228600" algn="l">
               <a:lnSpc>
                 <a:spcPct val="90000"/>
               </a:lnSpc>
@@ -5190,7 +5342,7 @@
                 </a:solidFill>
               </a:defRPr>
             </a:lvl3pPr>
-            <a:lvl4pPr indent="-228600" lvl="3" marL="1828800" algn="l">
+            <a:lvl4pPr marL="1828800" lvl="3" indent="-228600" algn="l">
               <a:lnSpc>
                 <a:spcPct val="90000"/>
               </a:lnSpc>
@@ -5211,7 +5363,7 @@
                 </a:solidFill>
               </a:defRPr>
             </a:lvl4pPr>
-            <a:lvl5pPr indent="-228600" lvl="4" marL="2286000" algn="l">
+            <a:lvl5pPr marL="2286000" lvl="4" indent="-228600" algn="l">
               <a:lnSpc>
                 <a:spcPct val="90000"/>
               </a:lnSpc>
@@ -5232,7 +5384,7 @@
                 </a:solidFill>
               </a:defRPr>
             </a:lvl5pPr>
-            <a:lvl6pPr indent="-228600" lvl="5" marL="2743200" algn="l">
+            <a:lvl6pPr marL="2743200" lvl="5" indent="-228600" algn="l">
               <a:lnSpc>
                 <a:spcPct val="90000"/>
               </a:lnSpc>
@@ -5253,7 +5405,7 @@
                 </a:solidFill>
               </a:defRPr>
             </a:lvl6pPr>
-            <a:lvl7pPr indent="-228600" lvl="6" marL="3200400" algn="l">
+            <a:lvl7pPr marL="3200400" lvl="6" indent="-228600" algn="l">
               <a:lnSpc>
                 <a:spcPct val="90000"/>
               </a:lnSpc>
@@ -5274,7 +5426,7 @@
                 </a:solidFill>
               </a:defRPr>
             </a:lvl7pPr>
-            <a:lvl8pPr indent="-228600" lvl="7" marL="3657600" algn="l">
+            <a:lvl8pPr marL="3657600" lvl="7" indent="-228600" algn="l">
               <a:lnSpc>
                 <a:spcPct val="90000"/>
               </a:lnSpc>
@@ -5295,7 +5447,7 @@
                 </a:solidFill>
               </a:defRPr>
             </a:lvl8pPr>
-            <a:lvl9pPr indent="-228600" lvl="8" marL="4114800" algn="l">
+            <a:lvl9pPr marL="4114800" lvl="8" indent="-228600" algn="l">
               <a:lnSpc>
                 <a:spcPct val="90000"/>
               </a:lnSpc>
@@ -5317,15 +5469,19 @@
               </a:defRPr>
             </a:lvl9pPr>
           </a:lstStyle>
-          <a:p/>
+          <a:p>
+            <a:endParaRPr/>
+          </a:p>
         </p:txBody>
       </p:sp>
       <p:sp>
         <p:nvSpPr>
           <p:cNvPr id="31" name="Google Shape;31;p5"/>
-          <p:cNvSpPr txBox="1"/>
+          <p:cNvSpPr txBox="1">
+            <a:spLocks noGrp="1"/>
+          </p:cNvSpPr>
           <p:nvPr>
-            <p:ph idx="10" type="dt"/>
+            <p:ph type="dt" idx="10"/>
           </p:nvPr>
         </p:nvSpPr>
         <p:spPr>
@@ -5342,7 +5498,7 @@
           </a:ln>
         </p:spPr>
         <p:txBody>
-          <a:bodyPr anchorCtr="0" anchor="ctr" bIns="39550" lIns="79125" spcFirstLastPara="1" rIns="79125" wrap="square" tIns="39550">
+          <a:bodyPr spcFirstLastPara="1" wrap="square" lIns="79125" tIns="39550" rIns="79125" bIns="39550" anchor="ctr" anchorCtr="0">
             <a:noAutofit/>
           </a:bodyPr>
           <a:lstStyle>
@@ -5446,15 +5602,19 @@
               <a:defRPr/>
             </a:lvl9pPr>
           </a:lstStyle>
-          <a:p/>
+          <a:p>
+            <a:endParaRPr/>
+          </a:p>
         </p:txBody>
       </p:sp>
       <p:sp>
         <p:nvSpPr>
           <p:cNvPr id="32" name="Google Shape;32;p5"/>
-          <p:cNvSpPr txBox="1"/>
+          <p:cNvSpPr txBox="1">
+            <a:spLocks noGrp="1"/>
+          </p:cNvSpPr>
           <p:nvPr>
-            <p:ph idx="11" type="ftr"/>
+            <p:ph type="ftr" idx="11"/>
           </p:nvPr>
         </p:nvSpPr>
         <p:spPr>
@@ -5471,7 +5631,7 @@
           </a:ln>
         </p:spPr>
         <p:txBody>
-          <a:bodyPr anchorCtr="0" anchor="ctr" bIns="39550" lIns="79125" spcFirstLastPara="1" rIns="79125" wrap="square" tIns="39550">
+          <a:bodyPr spcFirstLastPara="1" wrap="square" lIns="79125" tIns="39550" rIns="79125" bIns="39550" anchor="ctr" anchorCtr="0">
             <a:noAutofit/>
           </a:bodyPr>
           <a:lstStyle>
@@ -5575,15 +5735,19 @@
               <a:defRPr/>
             </a:lvl9pPr>
           </a:lstStyle>
-          <a:p/>
+          <a:p>
+            <a:endParaRPr/>
+          </a:p>
         </p:txBody>
       </p:sp>
       <p:sp>
         <p:nvSpPr>
           <p:cNvPr id="33" name="Google Shape;33;p5"/>
-          <p:cNvSpPr txBox="1"/>
+          <p:cNvSpPr txBox="1">
+            <a:spLocks noGrp="1"/>
+          </p:cNvSpPr>
           <p:nvPr>
-            <p:ph idx="12" type="sldNum"/>
+            <p:ph type="sldNum" idx="12"/>
           </p:nvPr>
         </p:nvSpPr>
         <p:spPr>
@@ -5600,67 +5764,67 @@
           </a:ln>
         </p:spPr>
         <p:txBody>
-          <a:bodyPr anchorCtr="0" anchor="ctr" bIns="39550" lIns="79125" spcFirstLastPara="1" rIns="79125" wrap="square" tIns="39550">
+          <a:bodyPr spcFirstLastPara="1" wrap="square" lIns="79125" tIns="39550" rIns="79125" bIns="39550" anchor="ctr" anchorCtr="0">
             <a:noAutofit/>
           </a:bodyPr>
           <a:lstStyle>
-            <a:lvl1pPr indent="0" lvl="0" marL="0" algn="r">
+            <a:lvl1pPr marL="0" lvl="0" indent="0" algn="r">
               <a:spcBef>
                 <a:spcPts val="0"/>
               </a:spcBef>
               <a:buNone/>
               <a:defRPr/>
             </a:lvl1pPr>
-            <a:lvl2pPr indent="0" lvl="1" marL="0" algn="r">
+            <a:lvl2pPr marL="0" lvl="1" indent="0" algn="r">
               <a:spcBef>
                 <a:spcPts val="0"/>
               </a:spcBef>
               <a:buNone/>
               <a:defRPr/>
             </a:lvl2pPr>
-            <a:lvl3pPr indent="0" lvl="2" marL="0" algn="r">
+            <a:lvl3pPr marL="0" lvl="2" indent="0" algn="r">
               <a:spcBef>
                 <a:spcPts val="0"/>
               </a:spcBef>
               <a:buNone/>
               <a:defRPr/>
             </a:lvl3pPr>
-            <a:lvl4pPr indent="0" lvl="3" marL="0" algn="r">
+            <a:lvl4pPr marL="0" lvl="3" indent="0" algn="r">
               <a:spcBef>
                 <a:spcPts val="0"/>
               </a:spcBef>
               <a:buNone/>
               <a:defRPr/>
             </a:lvl4pPr>
-            <a:lvl5pPr indent="0" lvl="4" marL="0" algn="r">
+            <a:lvl5pPr marL="0" lvl="4" indent="0" algn="r">
               <a:spcBef>
                 <a:spcPts val="0"/>
               </a:spcBef>
               <a:buNone/>
               <a:defRPr/>
             </a:lvl5pPr>
-            <a:lvl6pPr indent="0" lvl="5" marL="0" algn="r">
+            <a:lvl6pPr marL="0" lvl="5" indent="0" algn="r">
               <a:spcBef>
                 <a:spcPts val="0"/>
               </a:spcBef>
               <a:buNone/>
               <a:defRPr/>
             </a:lvl6pPr>
-            <a:lvl7pPr indent="0" lvl="6" marL="0" algn="r">
+            <a:lvl7pPr marL="0" lvl="6" indent="0" algn="r">
               <a:spcBef>
                 <a:spcPts val="0"/>
               </a:spcBef>
               <a:buNone/>
               <a:defRPr/>
             </a:lvl7pPr>
-            <a:lvl8pPr indent="0" lvl="7" marL="0" algn="r">
+            <a:lvl8pPr marL="0" lvl="7" indent="0" algn="r">
               <a:spcBef>
                 <a:spcPts val="0"/>
               </a:spcBef>
               <a:buNone/>
               <a:defRPr/>
             </a:lvl8pPr>
-            <a:lvl9pPr indent="0" lvl="8" marL="0" algn="r">
+            <a:lvl9pPr marL="0" lvl="8" indent="0" algn="r">
               <a:spcBef>
                 <a:spcPts val="0"/>
               </a:spcBef>
@@ -5669,7 +5833,7 @@
             </a:lvl9pPr>
           </a:lstStyle>
           <a:p>
-            <a:pPr indent="0" lvl="0" marL="0" rtl="0" algn="r">
+            <a:pPr marL="0" lvl="0" indent="0" algn="r" rtl="0">
               <a:spcBef>
                 <a:spcPts val="0"/>
               </a:spcBef>
@@ -5695,11 +5859,11 @@
 </file>
 
 <file path=ppt/slideLayouts/slideLayout5.xml><?xml version="1.0" encoding="utf-8"?>
-<p:sldLayout xmlns:a="http://schemas.openxmlformats.org/drawingml/2006/main" xmlns:r="http://schemas.openxmlformats.org/officeDocument/2006/relationships" xmlns:mc="http://schemas.openxmlformats.org/markup-compatibility/2006" xmlns:mv="urn:schemas-microsoft-com:mac:vml" xmlns:p="http://schemas.openxmlformats.org/presentationml/2006/main" xmlns:c="http://schemas.openxmlformats.org/drawingml/2006/chart" xmlns:dgm="http://schemas.openxmlformats.org/drawingml/2006/diagram" xmlns:o="urn:schemas-microsoft-com:office:office" xmlns:v="urn:schemas-microsoft-com:vml" xmlns:pvml="urn:schemas-microsoft-com:office:powerpoint" xmlns:com="http://schemas.openxmlformats.org/drawingml/2006/compatibility" xmlns:p14="http://schemas.microsoft.com/office/powerpoint/2010/main" xmlns:p15="http://schemas.microsoft.com/office/powerpoint/2012/main" matchingName="Two Content" type="twoObj">
+<p:sldLayout xmlns:a="http://schemas.openxmlformats.org/drawingml/2006/main" xmlns:r="http://schemas.openxmlformats.org/officeDocument/2006/relationships" xmlns:p="http://schemas.openxmlformats.org/presentationml/2006/main" matchingName="Two Content" type="twoObj">
   <p:cSld name="TWO_OBJECTS">
     <p:spTree>
       <p:nvGrpSpPr>
-        <p:cNvPr id="34" name="Shape 34"/>
+        <p:cNvPr id="1" name="Shape 34"/>
         <p:cNvGrpSpPr/>
         <p:nvPr/>
       </p:nvGrpSpPr>
@@ -5714,7 +5878,9 @@
       <p:sp>
         <p:nvSpPr>
           <p:cNvPr id="35" name="Google Shape;35;p6"/>
-          <p:cNvSpPr txBox="1"/>
+          <p:cNvSpPr txBox="1">
+            <a:spLocks noGrp="1"/>
+          </p:cNvSpPr>
           <p:nvPr>
             <p:ph type="title"/>
           </p:nvPr>
@@ -5733,7 +5899,7 @@
           </a:ln>
         </p:spPr>
         <p:txBody>
-          <a:bodyPr anchorCtr="0" anchor="ctr" bIns="39550" lIns="79125" spcFirstLastPara="1" rIns="79125" wrap="square" tIns="39550">
+          <a:bodyPr spcFirstLastPara="1" wrap="square" lIns="79125" tIns="39550" rIns="79125" bIns="39550" anchor="ctr" anchorCtr="0">
             <a:noAutofit/>
           </a:bodyPr>
           <a:lstStyle>
@@ -5843,15 +6009,19 @@
               <a:defRPr/>
             </a:lvl9pPr>
           </a:lstStyle>
-          <a:p/>
+          <a:p>
+            <a:endParaRPr/>
+          </a:p>
         </p:txBody>
       </p:sp>
       <p:sp>
         <p:nvSpPr>
           <p:cNvPr id="36" name="Google Shape;36;p6"/>
-          <p:cNvSpPr txBox="1"/>
+          <p:cNvSpPr txBox="1">
+            <a:spLocks noGrp="1"/>
+          </p:cNvSpPr>
           <p:nvPr>
-            <p:ph idx="1" type="body"/>
+            <p:ph type="body" idx="1"/>
           </p:nvPr>
         </p:nvSpPr>
         <p:spPr>
@@ -5868,11 +6038,11 @@
           </a:ln>
         </p:spPr>
         <p:txBody>
-          <a:bodyPr anchorCtr="0" anchor="t" bIns="39550" lIns="79125" spcFirstLastPara="1" rIns="79125" wrap="square" tIns="39550">
+          <a:bodyPr spcFirstLastPara="1" wrap="square" lIns="79125" tIns="39550" rIns="79125" bIns="39550" anchor="t" anchorCtr="0">
             <a:noAutofit/>
           </a:bodyPr>
           <a:lstStyle>
-            <a:lvl1pPr indent="-330200" lvl="0" marL="457200" algn="l">
+            <a:lvl1pPr marL="457200" lvl="0" indent="-330200" algn="l">
               <a:lnSpc>
                 <a:spcPct val="90000"/>
               </a:lnSpc>
@@ -5889,7 +6059,7 @@
               <a:buChar char="•"/>
               <a:defRPr/>
             </a:lvl1pPr>
-            <a:lvl2pPr indent="-330200" lvl="1" marL="914400" algn="l">
+            <a:lvl2pPr marL="914400" lvl="1" indent="-330200" algn="l">
               <a:lnSpc>
                 <a:spcPct val="90000"/>
               </a:lnSpc>
@@ -5906,7 +6076,7 @@
               <a:buChar char="•"/>
               <a:defRPr/>
             </a:lvl2pPr>
-            <a:lvl3pPr indent="-330200" lvl="2" marL="1371600" algn="l">
+            <a:lvl3pPr marL="1371600" lvl="2" indent="-330200" algn="l">
               <a:lnSpc>
                 <a:spcPct val="90000"/>
               </a:lnSpc>
@@ -5923,7 +6093,7 @@
               <a:buChar char="•"/>
               <a:defRPr/>
             </a:lvl3pPr>
-            <a:lvl4pPr indent="-330200" lvl="3" marL="1828800" algn="l">
+            <a:lvl4pPr marL="1828800" lvl="3" indent="-330200" algn="l">
               <a:lnSpc>
                 <a:spcPct val="90000"/>
               </a:lnSpc>
@@ -5940,7 +6110,7 @@
               <a:buChar char="•"/>
               <a:defRPr/>
             </a:lvl4pPr>
-            <a:lvl5pPr indent="-330200" lvl="4" marL="2286000" algn="l">
+            <a:lvl5pPr marL="2286000" lvl="4" indent="-330200" algn="l">
               <a:lnSpc>
                 <a:spcPct val="90000"/>
               </a:lnSpc>
@@ -5957,7 +6127,7 @@
               <a:buChar char="•"/>
               <a:defRPr/>
             </a:lvl5pPr>
-            <a:lvl6pPr indent="-330200" lvl="5" marL="2743200" algn="l">
+            <a:lvl6pPr marL="2743200" lvl="5" indent="-330200" algn="l">
               <a:lnSpc>
                 <a:spcPct val="90000"/>
               </a:lnSpc>
@@ -5974,7 +6144,7 @@
               <a:buChar char="•"/>
               <a:defRPr/>
             </a:lvl6pPr>
-            <a:lvl7pPr indent="-330200" lvl="6" marL="3200400" algn="l">
+            <a:lvl7pPr marL="3200400" lvl="6" indent="-330200" algn="l">
               <a:lnSpc>
                 <a:spcPct val="90000"/>
               </a:lnSpc>
@@ -5991,7 +6161,7 @@
               <a:buChar char="•"/>
               <a:defRPr/>
             </a:lvl7pPr>
-            <a:lvl8pPr indent="-330200" lvl="7" marL="3657600" algn="l">
+            <a:lvl8pPr marL="3657600" lvl="7" indent="-330200" algn="l">
               <a:lnSpc>
                 <a:spcPct val="90000"/>
               </a:lnSpc>
@@ -6008,7 +6178,7 @@
               <a:buChar char="•"/>
               <a:defRPr/>
             </a:lvl8pPr>
-            <a:lvl9pPr indent="-330200" lvl="8" marL="4114800" algn="l">
+            <a:lvl9pPr marL="4114800" lvl="8" indent="-330200" algn="l">
               <a:lnSpc>
                 <a:spcPct val="90000"/>
               </a:lnSpc>
@@ -6026,15 +6196,19 @@
               <a:defRPr/>
             </a:lvl9pPr>
           </a:lstStyle>
-          <a:p/>
+          <a:p>
+            <a:endParaRPr/>
+          </a:p>
         </p:txBody>
       </p:sp>
       <p:sp>
         <p:nvSpPr>
           <p:cNvPr id="37" name="Google Shape;37;p6"/>
-          <p:cNvSpPr txBox="1"/>
+          <p:cNvSpPr txBox="1">
+            <a:spLocks noGrp="1"/>
+          </p:cNvSpPr>
           <p:nvPr>
-            <p:ph idx="2" type="body"/>
+            <p:ph type="body" idx="2"/>
           </p:nvPr>
         </p:nvSpPr>
         <p:spPr>
@@ -6051,11 +6225,11 @@
           </a:ln>
         </p:spPr>
         <p:txBody>
-          <a:bodyPr anchorCtr="0" anchor="t" bIns="39550" lIns="79125" spcFirstLastPara="1" rIns="79125" wrap="square" tIns="39550">
+          <a:bodyPr spcFirstLastPara="1" wrap="square" lIns="79125" tIns="39550" rIns="79125" bIns="39550" anchor="t" anchorCtr="0">
             <a:noAutofit/>
           </a:bodyPr>
           <a:lstStyle>
-            <a:lvl1pPr indent="-330200" lvl="0" marL="457200" algn="l">
+            <a:lvl1pPr marL="457200" lvl="0" indent="-330200" algn="l">
               <a:lnSpc>
                 <a:spcPct val="90000"/>
               </a:lnSpc>
@@ -6072,7 +6246,7 @@
               <a:buChar char="•"/>
               <a:defRPr/>
             </a:lvl1pPr>
-            <a:lvl2pPr indent="-330200" lvl="1" marL="914400" algn="l">
+            <a:lvl2pPr marL="914400" lvl="1" indent="-330200" algn="l">
               <a:lnSpc>
                 <a:spcPct val="90000"/>
               </a:lnSpc>
@@ -6089,7 +6263,7 @@
               <a:buChar char="•"/>
               <a:defRPr/>
             </a:lvl2pPr>
-            <a:lvl3pPr indent="-330200" lvl="2" marL="1371600" algn="l">
+            <a:lvl3pPr marL="1371600" lvl="2" indent="-330200" algn="l">
               <a:lnSpc>
                 <a:spcPct val="90000"/>
               </a:lnSpc>
@@ -6106,7 +6280,7 @@
               <a:buChar char="•"/>
               <a:defRPr/>
             </a:lvl3pPr>
-            <a:lvl4pPr indent="-330200" lvl="3" marL="1828800" algn="l">
+            <a:lvl4pPr marL="1828800" lvl="3" indent="-330200" algn="l">
               <a:lnSpc>
                 <a:spcPct val="90000"/>
               </a:lnSpc>
@@ -6123,7 +6297,7 @@
               <a:buChar char="•"/>
               <a:defRPr/>
             </a:lvl4pPr>
-            <a:lvl5pPr indent="-330200" lvl="4" marL="2286000" algn="l">
+            <a:lvl5pPr marL="2286000" lvl="4" indent="-330200" algn="l">
               <a:lnSpc>
                 <a:spcPct val="90000"/>
               </a:lnSpc>
@@ -6140,7 +6314,7 @@
               <a:buChar char="•"/>
               <a:defRPr/>
             </a:lvl5pPr>
-            <a:lvl6pPr indent="-330200" lvl="5" marL="2743200" algn="l">
+            <a:lvl6pPr marL="2743200" lvl="5" indent="-330200" algn="l">
               <a:lnSpc>
                 <a:spcPct val="90000"/>
               </a:lnSpc>
@@ -6157,7 +6331,7 @@
               <a:buChar char="•"/>
               <a:defRPr/>
             </a:lvl6pPr>
-            <a:lvl7pPr indent="-330200" lvl="6" marL="3200400" algn="l">
+            <a:lvl7pPr marL="3200400" lvl="6" indent="-330200" algn="l">
               <a:lnSpc>
                 <a:spcPct val="90000"/>
               </a:lnSpc>
@@ -6174,7 +6348,7 @@
               <a:buChar char="•"/>
               <a:defRPr/>
             </a:lvl7pPr>
-            <a:lvl8pPr indent="-330200" lvl="7" marL="3657600" algn="l">
+            <a:lvl8pPr marL="3657600" lvl="7" indent="-330200" algn="l">
               <a:lnSpc>
                 <a:spcPct val="90000"/>
               </a:lnSpc>
@@ -6191,7 +6365,7 @@
               <a:buChar char="•"/>
               <a:defRPr/>
             </a:lvl8pPr>
-            <a:lvl9pPr indent="-330200" lvl="8" marL="4114800" algn="l">
+            <a:lvl9pPr marL="4114800" lvl="8" indent="-330200" algn="l">
               <a:lnSpc>
                 <a:spcPct val="90000"/>
               </a:lnSpc>
@@ -6209,15 +6383,19 @@
               <a:defRPr/>
             </a:lvl9pPr>
           </a:lstStyle>
-          <a:p/>
+          <a:p>
+            <a:endParaRPr/>
+          </a:p>
         </p:txBody>
       </p:sp>
       <p:sp>
         <p:nvSpPr>
           <p:cNvPr id="38" name="Google Shape;38;p6"/>
-          <p:cNvSpPr txBox="1"/>
+          <p:cNvSpPr txBox="1">
+            <a:spLocks noGrp="1"/>
+          </p:cNvSpPr>
           <p:nvPr>
-            <p:ph idx="10" type="dt"/>
+            <p:ph type="dt" idx="10"/>
           </p:nvPr>
         </p:nvSpPr>
         <p:spPr>
@@ -6234,7 +6412,7 @@
           </a:ln>
         </p:spPr>
         <p:txBody>
-          <a:bodyPr anchorCtr="0" anchor="ctr" bIns="39550" lIns="79125" spcFirstLastPara="1" rIns="79125" wrap="square" tIns="39550">
+          <a:bodyPr spcFirstLastPara="1" wrap="square" lIns="79125" tIns="39550" rIns="79125" bIns="39550" anchor="ctr" anchorCtr="0">
             <a:noAutofit/>
           </a:bodyPr>
           <a:lstStyle>
@@ -6338,15 +6516,19 @@
               <a:defRPr/>
             </a:lvl9pPr>
           </a:lstStyle>
-          <a:p/>
+          <a:p>
+            <a:endParaRPr/>
+          </a:p>
         </p:txBody>
       </p:sp>
       <p:sp>
         <p:nvSpPr>
           <p:cNvPr id="39" name="Google Shape;39;p6"/>
-          <p:cNvSpPr txBox="1"/>
+          <p:cNvSpPr txBox="1">
+            <a:spLocks noGrp="1"/>
+          </p:cNvSpPr>
           <p:nvPr>
-            <p:ph idx="11" type="ftr"/>
+            <p:ph type="ftr" idx="11"/>
           </p:nvPr>
         </p:nvSpPr>
         <p:spPr>
@@ -6363,7 +6545,7 @@
           </a:ln>
         </p:spPr>
         <p:txBody>
-          <a:bodyPr anchorCtr="0" anchor="ctr" bIns="39550" lIns="79125" spcFirstLastPara="1" rIns="79125" wrap="square" tIns="39550">
+          <a:bodyPr spcFirstLastPara="1" wrap="square" lIns="79125" tIns="39550" rIns="79125" bIns="39550" anchor="ctr" anchorCtr="0">
             <a:noAutofit/>
           </a:bodyPr>
           <a:lstStyle>
@@ -6467,15 +6649,19 @@
               <a:defRPr/>
             </a:lvl9pPr>
           </a:lstStyle>
-          <a:p/>
+          <a:p>
+            <a:endParaRPr/>
+          </a:p>
         </p:txBody>
       </p:sp>
       <p:sp>
         <p:nvSpPr>
           <p:cNvPr id="40" name="Google Shape;40;p6"/>
-          <p:cNvSpPr txBox="1"/>
+          <p:cNvSpPr txBox="1">
+            <a:spLocks noGrp="1"/>
+          </p:cNvSpPr>
           <p:nvPr>
-            <p:ph idx="12" type="sldNum"/>
+            <p:ph type="sldNum" idx="12"/>
           </p:nvPr>
         </p:nvSpPr>
         <p:spPr>
@@ -6492,67 +6678,67 @@
           </a:ln>
         </p:spPr>
         <p:txBody>
-          <a:bodyPr anchorCtr="0" anchor="ctr" bIns="39550" lIns="79125" spcFirstLastPara="1" rIns="79125" wrap="square" tIns="39550">
+          <a:bodyPr spcFirstLastPara="1" wrap="square" lIns="79125" tIns="39550" rIns="79125" bIns="39550" anchor="ctr" anchorCtr="0">
             <a:noAutofit/>
           </a:bodyPr>
           <a:lstStyle>
-            <a:lvl1pPr indent="0" lvl="0" marL="0" algn="r">
+            <a:lvl1pPr marL="0" lvl="0" indent="0" algn="r">
               <a:spcBef>
                 <a:spcPts val="0"/>
               </a:spcBef>
               <a:buNone/>
               <a:defRPr/>
             </a:lvl1pPr>
-            <a:lvl2pPr indent="0" lvl="1" marL="0" algn="r">
+            <a:lvl2pPr marL="0" lvl="1" indent="0" algn="r">
               <a:spcBef>
                 <a:spcPts val="0"/>
               </a:spcBef>
               <a:buNone/>
               <a:defRPr/>
             </a:lvl2pPr>
-            <a:lvl3pPr indent="0" lvl="2" marL="0" algn="r">
+            <a:lvl3pPr marL="0" lvl="2" indent="0" algn="r">
               <a:spcBef>
                 <a:spcPts val="0"/>
               </a:spcBef>
               <a:buNone/>
               <a:defRPr/>
             </a:lvl3pPr>
-            <a:lvl4pPr indent="0" lvl="3" marL="0" algn="r">
+            <a:lvl4pPr marL="0" lvl="3" indent="0" algn="r">
               <a:spcBef>
                 <a:spcPts val="0"/>
               </a:spcBef>
               <a:buNone/>
               <a:defRPr/>
             </a:lvl4pPr>
-            <a:lvl5pPr indent="0" lvl="4" marL="0" algn="r">
+            <a:lvl5pPr marL="0" lvl="4" indent="0" algn="r">
               <a:spcBef>
                 <a:spcPts val="0"/>
               </a:spcBef>
               <a:buNone/>
               <a:defRPr/>
             </a:lvl5pPr>
-            <a:lvl6pPr indent="0" lvl="5" marL="0" algn="r">
+            <a:lvl6pPr marL="0" lvl="5" indent="0" algn="r">
               <a:spcBef>
                 <a:spcPts val="0"/>
               </a:spcBef>
               <a:buNone/>
               <a:defRPr/>
             </a:lvl6pPr>
-            <a:lvl7pPr indent="0" lvl="6" marL="0" algn="r">
+            <a:lvl7pPr marL="0" lvl="6" indent="0" algn="r">
               <a:spcBef>
                 <a:spcPts val="0"/>
               </a:spcBef>
               <a:buNone/>
               <a:defRPr/>
             </a:lvl7pPr>
-            <a:lvl8pPr indent="0" lvl="7" marL="0" algn="r">
+            <a:lvl8pPr marL="0" lvl="7" indent="0" algn="r">
               <a:spcBef>
                 <a:spcPts val="0"/>
               </a:spcBef>
               <a:buNone/>
               <a:defRPr/>
             </a:lvl8pPr>
-            <a:lvl9pPr indent="0" lvl="8" marL="0" algn="r">
+            <a:lvl9pPr marL="0" lvl="8" indent="0" algn="r">
               <a:spcBef>
                 <a:spcPts val="0"/>
               </a:spcBef>
@@ -6561,7 +6747,7 @@
             </a:lvl9pPr>
           </a:lstStyle>
           <a:p>
-            <a:pPr indent="0" lvl="0" marL="0" rtl="0" algn="r">
+            <a:pPr marL="0" lvl="0" indent="0" algn="r" rtl="0">
               <a:spcBef>
                 <a:spcPts val="0"/>
               </a:spcBef>
@@ -6587,11 +6773,11 @@
 </file>
 
 <file path=ppt/slideLayouts/slideLayout6.xml><?xml version="1.0" encoding="utf-8"?>
-<p:sldLayout xmlns:a="http://schemas.openxmlformats.org/drawingml/2006/main" xmlns:r="http://schemas.openxmlformats.org/officeDocument/2006/relationships" xmlns:mc="http://schemas.openxmlformats.org/markup-compatibility/2006" xmlns:mv="urn:schemas-microsoft-com:mac:vml" xmlns:p="http://schemas.openxmlformats.org/presentationml/2006/main" xmlns:c="http://schemas.openxmlformats.org/drawingml/2006/chart" xmlns:dgm="http://schemas.openxmlformats.org/drawingml/2006/diagram" xmlns:o="urn:schemas-microsoft-com:office:office" xmlns:v="urn:schemas-microsoft-com:vml" xmlns:pvml="urn:schemas-microsoft-com:office:powerpoint" xmlns:com="http://schemas.openxmlformats.org/drawingml/2006/compatibility" xmlns:p14="http://schemas.microsoft.com/office/powerpoint/2010/main" xmlns:p15="http://schemas.microsoft.com/office/powerpoint/2012/main" matchingName="Comparison" type="twoTxTwoObj">
+<p:sldLayout xmlns:a="http://schemas.openxmlformats.org/drawingml/2006/main" xmlns:r="http://schemas.openxmlformats.org/officeDocument/2006/relationships" xmlns:p="http://schemas.openxmlformats.org/presentationml/2006/main" matchingName="Comparison" type="twoTxTwoObj">
   <p:cSld name="TWO_OBJECTS_WITH_TEXT">
     <p:spTree>
       <p:nvGrpSpPr>
-        <p:cNvPr id="41" name="Shape 41"/>
+        <p:cNvPr id="1" name="Shape 41"/>
         <p:cNvGrpSpPr/>
         <p:nvPr/>
       </p:nvGrpSpPr>
@@ -6606,7 +6792,9 @@
       <p:sp>
         <p:nvSpPr>
           <p:cNvPr id="42" name="Google Shape;42;p7"/>
-          <p:cNvSpPr txBox="1"/>
+          <p:cNvSpPr txBox="1">
+            <a:spLocks noGrp="1"/>
+          </p:cNvSpPr>
           <p:nvPr>
             <p:ph type="title"/>
           </p:nvPr>
@@ -6625,7 +6813,7 @@
           </a:ln>
         </p:spPr>
         <p:txBody>
-          <a:bodyPr anchorCtr="0" anchor="ctr" bIns="39550" lIns="79125" spcFirstLastPara="1" rIns="79125" wrap="square" tIns="39550">
+          <a:bodyPr spcFirstLastPara="1" wrap="square" lIns="79125" tIns="39550" rIns="79125" bIns="39550" anchor="ctr" anchorCtr="0">
             <a:noAutofit/>
           </a:bodyPr>
           <a:lstStyle>
@@ -6735,15 +6923,19 @@
               <a:defRPr/>
             </a:lvl9pPr>
           </a:lstStyle>
-          <a:p/>
+          <a:p>
+            <a:endParaRPr/>
+          </a:p>
         </p:txBody>
       </p:sp>
       <p:sp>
         <p:nvSpPr>
           <p:cNvPr id="43" name="Google Shape;43;p7"/>
-          <p:cNvSpPr txBox="1"/>
+          <p:cNvSpPr txBox="1">
+            <a:spLocks noGrp="1"/>
+          </p:cNvSpPr>
           <p:nvPr>
-            <p:ph idx="1" type="body"/>
+            <p:ph type="body" idx="1"/>
           </p:nvPr>
         </p:nvSpPr>
         <p:spPr>
@@ -6760,11 +6952,11 @@
           </a:ln>
         </p:spPr>
         <p:txBody>
-          <a:bodyPr anchorCtr="0" anchor="b" bIns="39550" lIns="79125" spcFirstLastPara="1" rIns="79125" wrap="square" tIns="39550">
+          <a:bodyPr spcFirstLastPara="1" wrap="square" lIns="79125" tIns="39550" rIns="79125" bIns="39550" anchor="b" anchorCtr="0">
             <a:noAutofit/>
           </a:bodyPr>
           <a:lstStyle>
-            <a:lvl1pPr indent="-228600" lvl="0" marL="457200" algn="l">
+            <a:lvl1pPr marL="457200" lvl="0" indent="-228600" algn="l">
               <a:lnSpc>
                 <a:spcPct val="90000"/>
               </a:lnSpc>
@@ -6779,9 +6971,9 @@
               </a:buClr>
               <a:buSzPts val="2100"/>
               <a:buNone/>
-              <a:defRPr b="1" sz="2100"/>
+              <a:defRPr sz="2100" b="1"/>
             </a:lvl1pPr>
-            <a:lvl2pPr indent="-228600" lvl="1" marL="914400" algn="l">
+            <a:lvl2pPr marL="914400" lvl="1" indent="-228600" algn="l">
               <a:lnSpc>
                 <a:spcPct val="90000"/>
               </a:lnSpc>
@@ -6796,9 +6988,9 @@
               </a:buClr>
               <a:buSzPts val="1700"/>
               <a:buNone/>
-              <a:defRPr b="1" sz="1700"/>
+              <a:defRPr sz="1700" b="1"/>
             </a:lvl2pPr>
-            <a:lvl3pPr indent="-228600" lvl="2" marL="1371600" algn="l">
+            <a:lvl3pPr marL="1371600" lvl="2" indent="-228600" algn="l">
               <a:lnSpc>
                 <a:spcPct val="90000"/>
               </a:lnSpc>
@@ -6813,9 +7005,9 @@
               </a:buClr>
               <a:buSzPts val="1600"/>
               <a:buNone/>
-              <a:defRPr b="1" sz="1600"/>
+              <a:defRPr sz="1600" b="1"/>
             </a:lvl3pPr>
-            <a:lvl4pPr indent="-228600" lvl="3" marL="1828800" algn="l">
+            <a:lvl4pPr marL="1828800" lvl="3" indent="-228600" algn="l">
               <a:lnSpc>
                 <a:spcPct val="90000"/>
               </a:lnSpc>
@@ -6830,9 +7022,9 @@
               </a:buClr>
               <a:buSzPts val="1400"/>
               <a:buNone/>
-              <a:defRPr b="1" sz="1400"/>
+              <a:defRPr sz="1400" b="1"/>
             </a:lvl4pPr>
-            <a:lvl5pPr indent="-228600" lvl="4" marL="2286000" algn="l">
+            <a:lvl5pPr marL="2286000" lvl="4" indent="-228600" algn="l">
               <a:lnSpc>
                 <a:spcPct val="90000"/>
               </a:lnSpc>
@@ -6847,9 +7039,9 @@
               </a:buClr>
               <a:buSzPts val="1400"/>
               <a:buNone/>
-              <a:defRPr b="1" sz="1400"/>
+              <a:defRPr sz="1400" b="1"/>
             </a:lvl5pPr>
-            <a:lvl6pPr indent="-228600" lvl="5" marL="2743200" algn="l">
+            <a:lvl6pPr marL="2743200" lvl="5" indent="-228600" algn="l">
               <a:lnSpc>
                 <a:spcPct val="90000"/>
               </a:lnSpc>
@@ -6864,9 +7056,9 @@
               </a:buClr>
               <a:buSzPts val="1400"/>
               <a:buNone/>
-              <a:defRPr b="1" sz="1400"/>
+              <a:defRPr sz="1400" b="1"/>
             </a:lvl6pPr>
-            <a:lvl7pPr indent="-228600" lvl="6" marL="3200400" algn="l">
+            <a:lvl7pPr marL="3200400" lvl="6" indent="-228600" algn="l">
               <a:lnSpc>
                 <a:spcPct val="90000"/>
               </a:lnSpc>
@@ -6881,9 +7073,9 @@
               </a:buClr>
               <a:buSzPts val="1400"/>
               <a:buNone/>
-              <a:defRPr b="1" sz="1400"/>
+              <a:defRPr sz="1400" b="1"/>
             </a:lvl7pPr>
-            <a:lvl8pPr indent="-228600" lvl="7" marL="3657600" algn="l">
+            <a:lvl8pPr marL="3657600" lvl="7" indent="-228600" algn="l">
               <a:lnSpc>
                 <a:spcPct val="90000"/>
               </a:lnSpc>
@@ -6898,9 +7090,9 @@
               </a:buClr>
               <a:buSzPts val="1400"/>
               <a:buNone/>
-              <a:defRPr b="1" sz="1400"/>
+              <a:defRPr sz="1400" b="1"/>
             </a:lvl8pPr>
-            <a:lvl9pPr indent="-228600" lvl="8" marL="4114800" algn="l">
+            <a:lvl9pPr marL="4114800" lvl="8" indent="-228600" algn="l">
               <a:lnSpc>
                 <a:spcPct val="90000"/>
               </a:lnSpc>
@@ -6915,18 +7107,22 @@
               </a:buClr>
               <a:buSzPts val="1400"/>
               <a:buNone/>
-              <a:defRPr b="1" sz="1400"/>
+              <a:defRPr sz="1400" b="1"/>
             </a:lvl9pPr>
           </a:lstStyle>
-          <a:p/>
+          <a:p>
+            <a:endParaRPr/>
+          </a:p>
         </p:txBody>
       </p:sp>
       <p:sp>
         <p:nvSpPr>
           <p:cNvPr id="44" name="Google Shape;44;p7"/>
-          <p:cNvSpPr txBox="1"/>
+          <p:cNvSpPr txBox="1">
+            <a:spLocks noGrp="1"/>
+          </p:cNvSpPr>
           <p:nvPr>
-            <p:ph idx="2" type="body"/>
+            <p:ph type="body" idx="2"/>
           </p:nvPr>
         </p:nvSpPr>
         <p:spPr>
@@ -6943,11 +7139,11 @@
           </a:ln>
         </p:spPr>
         <p:txBody>
-          <a:bodyPr anchorCtr="0" anchor="t" bIns="39550" lIns="79125" spcFirstLastPara="1" rIns="79125" wrap="square" tIns="39550">
+          <a:bodyPr spcFirstLastPara="1" wrap="square" lIns="79125" tIns="39550" rIns="79125" bIns="39550" anchor="t" anchorCtr="0">
             <a:noAutofit/>
           </a:bodyPr>
           <a:lstStyle>
-            <a:lvl1pPr indent="-330200" lvl="0" marL="457200" algn="l">
+            <a:lvl1pPr marL="457200" lvl="0" indent="-330200" algn="l">
               <a:lnSpc>
                 <a:spcPct val="90000"/>
               </a:lnSpc>
@@ -6964,7 +7160,7 @@
               <a:buChar char="•"/>
               <a:defRPr/>
             </a:lvl1pPr>
-            <a:lvl2pPr indent="-330200" lvl="1" marL="914400" algn="l">
+            <a:lvl2pPr marL="914400" lvl="1" indent="-330200" algn="l">
               <a:lnSpc>
                 <a:spcPct val="90000"/>
               </a:lnSpc>
@@ -6981,7 +7177,7 @@
               <a:buChar char="•"/>
               <a:defRPr/>
             </a:lvl2pPr>
-            <a:lvl3pPr indent="-330200" lvl="2" marL="1371600" algn="l">
+            <a:lvl3pPr marL="1371600" lvl="2" indent="-330200" algn="l">
               <a:lnSpc>
                 <a:spcPct val="90000"/>
               </a:lnSpc>
@@ -6998,7 +7194,7 @@
               <a:buChar char="•"/>
               <a:defRPr/>
             </a:lvl3pPr>
-            <a:lvl4pPr indent="-330200" lvl="3" marL="1828800" algn="l">
+            <a:lvl4pPr marL="1828800" lvl="3" indent="-330200" algn="l">
               <a:lnSpc>
                 <a:spcPct val="90000"/>
               </a:lnSpc>
@@ -7015,7 +7211,7 @@
               <a:buChar char="•"/>
               <a:defRPr/>
             </a:lvl4pPr>
-            <a:lvl5pPr indent="-330200" lvl="4" marL="2286000" algn="l">
+            <a:lvl5pPr marL="2286000" lvl="4" indent="-330200" algn="l">
               <a:lnSpc>
                 <a:spcPct val="90000"/>
               </a:lnSpc>
@@ -7032,7 +7228,7 @@
               <a:buChar char="•"/>
               <a:defRPr/>
             </a:lvl5pPr>
-            <a:lvl6pPr indent="-330200" lvl="5" marL="2743200" algn="l">
+            <a:lvl6pPr marL="2743200" lvl="5" indent="-330200" algn="l">
               <a:lnSpc>
                 <a:spcPct val="90000"/>
               </a:lnSpc>
@@ -7049,7 +7245,7 @@
               <a:buChar char="•"/>
               <a:defRPr/>
             </a:lvl6pPr>
-            <a:lvl7pPr indent="-330200" lvl="6" marL="3200400" algn="l">
+            <a:lvl7pPr marL="3200400" lvl="6" indent="-330200" algn="l">
               <a:lnSpc>
                 <a:spcPct val="90000"/>
               </a:lnSpc>
@@ -7066,7 +7262,7 @@
               <a:buChar char="•"/>
               <a:defRPr/>
             </a:lvl7pPr>
-            <a:lvl8pPr indent="-330200" lvl="7" marL="3657600" algn="l">
+            <a:lvl8pPr marL="3657600" lvl="7" indent="-330200" algn="l">
               <a:lnSpc>
                 <a:spcPct val="90000"/>
               </a:lnSpc>
@@ -7083,7 +7279,7 @@
               <a:buChar char="•"/>
               <a:defRPr/>
             </a:lvl8pPr>
-            <a:lvl9pPr indent="-330200" lvl="8" marL="4114800" algn="l">
+            <a:lvl9pPr marL="4114800" lvl="8" indent="-330200" algn="l">
               <a:lnSpc>
                 <a:spcPct val="90000"/>
               </a:lnSpc>
@@ -7101,15 +7297,19 @@
               <a:defRPr/>
             </a:lvl9pPr>
           </a:lstStyle>
-          <a:p/>
+          <a:p>
+            <a:endParaRPr/>
+          </a:p>
         </p:txBody>
       </p:sp>
       <p:sp>
         <p:nvSpPr>
           <p:cNvPr id="45" name="Google Shape;45;p7"/>
-          <p:cNvSpPr txBox="1"/>
+          <p:cNvSpPr txBox="1">
+            <a:spLocks noGrp="1"/>
+          </p:cNvSpPr>
           <p:nvPr>
-            <p:ph idx="3" type="body"/>
+            <p:ph type="body" idx="3"/>
           </p:nvPr>
         </p:nvSpPr>
         <p:spPr>
@@ -7126,11 +7326,11 @@
           </a:ln>
         </p:spPr>
         <p:txBody>
-          <a:bodyPr anchorCtr="0" anchor="b" bIns="39550" lIns="79125" spcFirstLastPara="1" rIns="79125" wrap="square" tIns="39550">
+          <a:bodyPr spcFirstLastPara="1" wrap="square" lIns="79125" tIns="39550" rIns="79125" bIns="39550" anchor="b" anchorCtr="0">
             <a:noAutofit/>
           </a:bodyPr>
           <a:lstStyle>
-            <a:lvl1pPr indent="-228600" lvl="0" marL="457200" algn="l">
+            <a:lvl1pPr marL="457200" lvl="0" indent="-228600" algn="l">
               <a:lnSpc>
                 <a:spcPct val="90000"/>
               </a:lnSpc>
@@ -7145,9 +7345,9 @@
               </a:buClr>
               <a:buSzPts val="2100"/>
               <a:buNone/>
-              <a:defRPr b="1" sz="2100"/>
+              <a:defRPr sz="2100" b="1"/>
             </a:lvl1pPr>
-            <a:lvl2pPr indent="-228600" lvl="1" marL="914400" algn="l">
+            <a:lvl2pPr marL="914400" lvl="1" indent="-228600" algn="l">
               <a:lnSpc>
                 <a:spcPct val="90000"/>
               </a:lnSpc>
@@ -7162,9 +7362,9 @@
               </a:buClr>
               <a:buSzPts val="1700"/>
               <a:buNone/>
-              <a:defRPr b="1" sz="1700"/>
+              <a:defRPr sz="1700" b="1"/>
             </a:lvl2pPr>
-            <a:lvl3pPr indent="-228600" lvl="2" marL="1371600" algn="l">
+            <a:lvl3pPr marL="1371600" lvl="2" indent="-228600" algn="l">
               <a:lnSpc>
                 <a:spcPct val="90000"/>
               </a:lnSpc>
@@ -7179,9 +7379,9 @@
               </a:buClr>
               <a:buSzPts val="1600"/>
               <a:buNone/>
-              <a:defRPr b="1" sz="1600"/>
+              <a:defRPr sz="1600" b="1"/>
             </a:lvl3pPr>
-            <a:lvl4pPr indent="-228600" lvl="3" marL="1828800" algn="l">
+            <a:lvl4pPr marL="1828800" lvl="3" indent="-228600" algn="l">
               <a:lnSpc>
                 <a:spcPct val="90000"/>
               </a:lnSpc>
@@ -7196,9 +7396,9 @@
               </a:buClr>
               <a:buSzPts val="1400"/>
               <a:buNone/>
-              <a:defRPr b="1" sz="1400"/>
+              <a:defRPr sz="1400" b="1"/>
             </a:lvl4pPr>
-            <a:lvl5pPr indent="-228600" lvl="4" marL="2286000" algn="l">
+            <a:lvl5pPr marL="2286000" lvl="4" indent="-228600" algn="l">
               <a:lnSpc>
                 <a:spcPct val="90000"/>
               </a:lnSpc>
@@ -7213,9 +7413,9 @@
               </a:buClr>
               <a:buSzPts val="1400"/>
               <a:buNone/>
-              <a:defRPr b="1" sz="1400"/>
+              <a:defRPr sz="1400" b="1"/>
             </a:lvl5pPr>
-            <a:lvl6pPr indent="-228600" lvl="5" marL="2743200" algn="l">
+            <a:lvl6pPr marL="2743200" lvl="5" indent="-228600" algn="l">
               <a:lnSpc>
                 <a:spcPct val="90000"/>
               </a:lnSpc>
@@ -7230,9 +7430,9 @@
               </a:buClr>
               <a:buSzPts val="1400"/>
               <a:buNone/>
-              <a:defRPr b="1" sz="1400"/>
+              <a:defRPr sz="1400" b="1"/>
             </a:lvl6pPr>
-            <a:lvl7pPr indent="-228600" lvl="6" marL="3200400" algn="l">
+            <a:lvl7pPr marL="3200400" lvl="6" indent="-228600" algn="l">
               <a:lnSpc>
                 <a:spcPct val="90000"/>
               </a:lnSpc>
@@ -7247,9 +7447,9 @@
               </a:buClr>
               <a:buSzPts val="1400"/>
               <a:buNone/>
-              <a:defRPr b="1" sz="1400"/>
+              <a:defRPr sz="1400" b="1"/>
             </a:lvl7pPr>
-            <a:lvl8pPr indent="-228600" lvl="7" marL="3657600" algn="l">
+            <a:lvl8pPr marL="3657600" lvl="7" indent="-228600" algn="l">
               <a:lnSpc>
                 <a:spcPct val="90000"/>
               </a:lnSpc>
@@ -7264,9 +7464,9 @@
               </a:buClr>
               <a:buSzPts val="1400"/>
               <a:buNone/>
-              <a:defRPr b="1" sz="1400"/>
+              <a:defRPr sz="1400" b="1"/>
             </a:lvl8pPr>
-            <a:lvl9pPr indent="-228600" lvl="8" marL="4114800" algn="l">
+            <a:lvl9pPr marL="4114800" lvl="8" indent="-228600" algn="l">
               <a:lnSpc>
                 <a:spcPct val="90000"/>
               </a:lnSpc>
@@ -7281,18 +7481,22 @@
               </a:buClr>
               <a:buSzPts val="1400"/>
               <a:buNone/>
-              <a:defRPr b="1" sz="1400"/>
+              <a:defRPr sz="1400" b="1"/>
             </a:lvl9pPr>
           </a:lstStyle>
-          <a:p/>
+          <a:p>
+            <a:endParaRPr/>
+          </a:p>
         </p:txBody>
       </p:sp>
       <p:sp>
         <p:nvSpPr>
           <p:cNvPr id="46" name="Google Shape;46;p7"/>
-          <p:cNvSpPr txBox="1"/>
+          <p:cNvSpPr txBox="1">
+            <a:spLocks noGrp="1"/>
+          </p:cNvSpPr>
           <p:nvPr>
-            <p:ph idx="4" type="body"/>
+            <p:ph type="body" idx="4"/>
           </p:nvPr>
         </p:nvSpPr>
         <p:spPr>
@@ -7309,11 +7513,11 @@
           </a:ln>
         </p:spPr>
         <p:txBody>
-          <a:bodyPr anchorCtr="0" anchor="t" bIns="39550" lIns="79125" spcFirstLastPara="1" rIns="79125" wrap="square" tIns="39550">
+          <a:bodyPr spcFirstLastPara="1" wrap="square" lIns="79125" tIns="39550" rIns="79125" bIns="39550" anchor="t" anchorCtr="0">
             <a:noAutofit/>
           </a:bodyPr>
           <a:lstStyle>
-            <a:lvl1pPr indent="-330200" lvl="0" marL="457200" algn="l">
+            <a:lvl1pPr marL="457200" lvl="0" indent="-330200" algn="l">
               <a:lnSpc>
                 <a:spcPct val="90000"/>
               </a:lnSpc>
@@ -7330,7 +7534,7 @@
               <a:buChar char="•"/>
               <a:defRPr/>
             </a:lvl1pPr>
-            <a:lvl2pPr indent="-330200" lvl="1" marL="914400" algn="l">
+            <a:lvl2pPr marL="914400" lvl="1" indent="-330200" algn="l">
               <a:lnSpc>
                 <a:spcPct val="90000"/>
               </a:lnSpc>
@@ -7347,7 +7551,7 @@
               <a:buChar char="•"/>
               <a:defRPr/>
             </a:lvl2pPr>
-            <a:lvl3pPr indent="-330200" lvl="2" marL="1371600" algn="l">
+            <a:lvl3pPr marL="1371600" lvl="2" indent="-330200" algn="l">
               <a:lnSpc>
                 <a:spcPct val="90000"/>
               </a:lnSpc>
@@ -7364,7 +7568,7 @@
               <a:buChar char="•"/>
               <a:defRPr/>
             </a:lvl3pPr>
-            <a:lvl4pPr indent="-330200" lvl="3" marL="1828800" algn="l">
+            <a:lvl4pPr marL="1828800" lvl="3" indent="-330200" algn="l">
               <a:lnSpc>
                 <a:spcPct val="90000"/>
               </a:lnSpc>
@@ -7381,7 +7585,7 @@
               <a:buChar char="•"/>
               <a:defRPr/>
             </a:lvl4pPr>
-            <a:lvl5pPr indent="-330200" lvl="4" marL="2286000" algn="l">
+            <a:lvl5pPr marL="2286000" lvl="4" indent="-330200" algn="l">
               <a:lnSpc>
                 <a:spcPct val="90000"/>
               </a:lnSpc>
@@ -7398,7 +7602,7 @@
               <a:buChar char="•"/>
               <a:defRPr/>
             </a:lvl5pPr>
-            <a:lvl6pPr indent="-330200" lvl="5" marL="2743200" algn="l">
+            <a:lvl6pPr marL="2743200" lvl="5" indent="-330200" algn="l">
               <a:lnSpc>
                 <a:spcPct val="90000"/>
               </a:lnSpc>
@@ -7415,7 +7619,7 @@
               <a:buChar char="•"/>
               <a:defRPr/>
             </a:lvl6pPr>
-            <a:lvl7pPr indent="-330200" lvl="6" marL="3200400" algn="l">
+            <a:lvl7pPr marL="3200400" lvl="6" indent="-330200" algn="l">
               <a:lnSpc>
                 <a:spcPct val="90000"/>
               </a:lnSpc>
@@ -7432,7 +7636,7 @@
               <a:buChar char="•"/>
               <a:defRPr/>
             </a:lvl7pPr>
-            <a:lvl8pPr indent="-330200" lvl="7" marL="3657600" algn="l">
+            <a:lvl8pPr marL="3657600" lvl="7" indent="-330200" algn="l">
               <a:lnSpc>
                 <a:spcPct val="90000"/>
               </a:lnSpc>
@@ -7449,7 +7653,7 @@
               <a:buChar char="•"/>
               <a:defRPr/>
             </a:lvl8pPr>
-            <a:lvl9pPr indent="-330200" lvl="8" marL="4114800" algn="l">
+            <a:lvl9pPr marL="4114800" lvl="8" indent="-330200" algn="l">
               <a:lnSpc>
                 <a:spcPct val="90000"/>
               </a:lnSpc>
@@ -7467,15 +7671,19 @@
               <a:defRPr/>
             </a:lvl9pPr>
           </a:lstStyle>
-          <a:p/>
+          <a:p>
+            <a:endParaRPr/>
+          </a:p>
         </p:txBody>
       </p:sp>
       <p:sp>
         <p:nvSpPr>
           <p:cNvPr id="47" name="Google Shape;47;p7"/>
-          <p:cNvSpPr txBox="1"/>
+          <p:cNvSpPr txBox="1">
+            <a:spLocks noGrp="1"/>
+          </p:cNvSpPr>
           <p:nvPr>
-            <p:ph idx="10" type="dt"/>
+            <p:ph type="dt" idx="10"/>
           </p:nvPr>
         </p:nvSpPr>
         <p:spPr>
@@ -7492,7 +7700,7 @@
           </a:ln>
         </p:spPr>
         <p:txBody>
-          <a:bodyPr anchorCtr="0" anchor="ctr" bIns="39550" lIns="79125" spcFirstLastPara="1" rIns="79125" wrap="square" tIns="39550">
+          <a:bodyPr spcFirstLastPara="1" wrap="square" lIns="79125" tIns="39550" rIns="79125" bIns="39550" anchor="ctr" anchorCtr="0">
             <a:noAutofit/>
           </a:bodyPr>
           <a:lstStyle>
@@ -7596,15 +7804,19 @@
               <a:defRPr/>
             </a:lvl9pPr>
           </a:lstStyle>
-          <a:p/>
+          <a:p>
+            <a:endParaRPr/>
+          </a:p>
         </p:txBody>
       </p:sp>
       <p:sp>
         <p:nvSpPr>
           <p:cNvPr id="48" name="Google Shape;48;p7"/>
-          <p:cNvSpPr txBox="1"/>
+          <p:cNvSpPr txBox="1">
+            <a:spLocks noGrp="1"/>
+          </p:cNvSpPr>
           <p:nvPr>
-            <p:ph idx="11" type="ftr"/>
+            <p:ph type="ftr" idx="11"/>
           </p:nvPr>
         </p:nvSpPr>
         <p:spPr>
@@ -7621,7 +7833,7 @@
           </a:ln>
         </p:spPr>
         <p:txBody>
-          <a:bodyPr anchorCtr="0" anchor="ctr" bIns="39550" lIns="79125" spcFirstLastPara="1" rIns="79125" wrap="square" tIns="39550">
+          <a:bodyPr spcFirstLastPara="1" wrap="square" lIns="79125" tIns="39550" rIns="79125" bIns="39550" anchor="ctr" anchorCtr="0">
             <a:noAutofit/>
           </a:bodyPr>
           <a:lstStyle>
@@ -7725,15 +7937,19 @@
               <a:defRPr/>
             </a:lvl9pPr>
           </a:lstStyle>
-          <a:p/>
+          <a:p>
+            <a:endParaRPr/>
+          </a:p>
         </p:txBody>
       </p:sp>
       <p:sp>
         <p:nvSpPr>
           <p:cNvPr id="49" name="Google Shape;49;p7"/>
-          <p:cNvSpPr txBox="1"/>
+          <p:cNvSpPr txBox="1">
+            <a:spLocks noGrp="1"/>
+          </p:cNvSpPr>
           <p:nvPr>
-            <p:ph idx="12" type="sldNum"/>
+            <p:ph type="sldNum" idx="12"/>
           </p:nvPr>
         </p:nvSpPr>
         <p:spPr>
@@ -7750,67 +7966,67 @@
           </a:ln>
         </p:spPr>
         <p:txBody>
-          <a:bodyPr anchorCtr="0" anchor="ctr" bIns="39550" lIns="79125" spcFirstLastPara="1" rIns="79125" wrap="square" tIns="39550">
+          <a:bodyPr spcFirstLastPara="1" wrap="square" lIns="79125" tIns="39550" rIns="79125" bIns="39550" anchor="ctr" anchorCtr="0">
             <a:noAutofit/>
           </a:bodyPr>
           <a:lstStyle>
-            <a:lvl1pPr indent="0" lvl="0" marL="0" algn="r">
+            <a:lvl1pPr marL="0" lvl="0" indent="0" algn="r">
               <a:spcBef>
                 <a:spcPts val="0"/>
               </a:spcBef>
               <a:buNone/>
               <a:defRPr/>
             </a:lvl1pPr>
-            <a:lvl2pPr indent="0" lvl="1" marL="0" algn="r">
+            <a:lvl2pPr marL="0" lvl="1" indent="0" algn="r">
               <a:spcBef>
                 <a:spcPts val="0"/>
               </a:spcBef>
               <a:buNone/>
               <a:defRPr/>
             </a:lvl2pPr>
-            <a:lvl3pPr indent="0" lvl="2" marL="0" algn="r">
+            <a:lvl3pPr marL="0" lvl="2" indent="0" algn="r">
               <a:spcBef>
                 <a:spcPts val="0"/>
               </a:spcBef>
               <a:buNone/>
               <a:defRPr/>
             </a:lvl3pPr>
-            <a:lvl4pPr indent="0" lvl="3" marL="0" algn="r">
+            <a:lvl4pPr marL="0" lvl="3" indent="0" algn="r">
               <a:spcBef>
                 <a:spcPts val="0"/>
               </a:spcBef>
               <a:buNone/>
               <a:defRPr/>
             </a:lvl4pPr>
-            <a:lvl5pPr indent="0" lvl="4" marL="0" algn="r">
+            <a:lvl5pPr marL="0" lvl="4" indent="0" algn="r">
               <a:spcBef>
                 <a:spcPts val="0"/>
               </a:spcBef>
               <a:buNone/>
               <a:defRPr/>
             </a:lvl5pPr>
-            <a:lvl6pPr indent="0" lvl="5" marL="0" algn="r">
+            <a:lvl6pPr marL="0" lvl="5" indent="0" algn="r">
               <a:spcBef>
                 <a:spcPts val="0"/>
               </a:spcBef>
               <a:buNone/>
               <a:defRPr/>
             </a:lvl6pPr>
-            <a:lvl7pPr indent="0" lvl="6" marL="0" algn="r">
+            <a:lvl7pPr marL="0" lvl="6" indent="0" algn="r">
               <a:spcBef>
                 <a:spcPts val="0"/>
               </a:spcBef>
               <a:buNone/>
               <a:defRPr/>
             </a:lvl7pPr>
-            <a:lvl8pPr indent="0" lvl="7" marL="0" algn="r">
+            <a:lvl8pPr marL="0" lvl="7" indent="0" algn="r">
               <a:spcBef>
                 <a:spcPts val="0"/>
               </a:spcBef>
               <a:buNone/>
               <a:defRPr/>
             </a:lvl8pPr>
-            <a:lvl9pPr indent="0" lvl="8" marL="0" algn="r">
+            <a:lvl9pPr marL="0" lvl="8" indent="0" algn="r">
               <a:spcBef>
                 <a:spcPts val="0"/>
               </a:spcBef>
@@ -7819,7 +8035,7 @@
             </a:lvl9pPr>
           </a:lstStyle>
           <a:p>
-            <a:pPr indent="0" lvl="0" marL="0" rtl="0" algn="r">
+            <a:pPr marL="0" lvl="0" indent="0" algn="r" rtl="0">
               <a:spcBef>
                 <a:spcPts val="0"/>
               </a:spcBef>
@@ -7845,11 +8061,11 @@
 </file>
 
 <file path=ppt/slideLayouts/slideLayout7.xml><?xml version="1.0" encoding="utf-8"?>
-<p:sldLayout xmlns:a="http://schemas.openxmlformats.org/drawingml/2006/main" xmlns:r="http://schemas.openxmlformats.org/officeDocument/2006/relationships" xmlns:mc="http://schemas.openxmlformats.org/markup-compatibility/2006" xmlns:mv="urn:schemas-microsoft-com:mac:vml" xmlns:p="http://schemas.openxmlformats.org/presentationml/2006/main" xmlns:c="http://schemas.openxmlformats.org/drawingml/2006/chart" xmlns:dgm="http://schemas.openxmlformats.org/drawingml/2006/diagram" xmlns:o="urn:schemas-microsoft-com:office:office" xmlns:v="urn:schemas-microsoft-com:vml" xmlns:pvml="urn:schemas-microsoft-com:office:powerpoint" xmlns:com="http://schemas.openxmlformats.org/drawingml/2006/compatibility" xmlns:p14="http://schemas.microsoft.com/office/powerpoint/2010/main" xmlns:p15="http://schemas.microsoft.com/office/powerpoint/2012/main" matchingName="Blank" type="blank">
+<p:sldLayout xmlns:a="http://schemas.openxmlformats.org/drawingml/2006/main" xmlns:r="http://schemas.openxmlformats.org/officeDocument/2006/relationships" xmlns:p="http://schemas.openxmlformats.org/presentationml/2006/main" matchingName="Blank" type="blank">
   <p:cSld name="BLANK">
     <p:spTree>
       <p:nvGrpSpPr>
-        <p:cNvPr id="50" name="Shape 50"/>
+        <p:cNvPr id="1" name="Shape 50"/>
         <p:cNvGrpSpPr/>
         <p:nvPr/>
       </p:nvGrpSpPr>
@@ -7864,9 +8080,11 @@
       <p:sp>
         <p:nvSpPr>
           <p:cNvPr id="51" name="Google Shape;51;p8"/>
-          <p:cNvSpPr txBox="1"/>
+          <p:cNvSpPr txBox="1">
+            <a:spLocks noGrp="1"/>
+          </p:cNvSpPr>
           <p:nvPr>
-            <p:ph idx="10" type="dt"/>
+            <p:ph type="dt" idx="10"/>
           </p:nvPr>
         </p:nvSpPr>
         <p:spPr>
@@ -7883,7 +8101,7 @@
           </a:ln>
         </p:spPr>
         <p:txBody>
-          <a:bodyPr anchorCtr="0" anchor="ctr" bIns="39550" lIns="79125" spcFirstLastPara="1" rIns="79125" wrap="square" tIns="39550">
+          <a:bodyPr spcFirstLastPara="1" wrap="square" lIns="79125" tIns="39550" rIns="79125" bIns="39550" anchor="ctr" anchorCtr="0">
             <a:noAutofit/>
           </a:bodyPr>
           <a:lstStyle>
@@ -7987,15 +8205,19 @@
               <a:defRPr/>
             </a:lvl9pPr>
           </a:lstStyle>
-          <a:p/>
+          <a:p>
+            <a:endParaRPr/>
+          </a:p>
         </p:txBody>
       </p:sp>
       <p:sp>
         <p:nvSpPr>
           <p:cNvPr id="52" name="Google Shape;52;p8"/>
-          <p:cNvSpPr txBox="1"/>
+          <p:cNvSpPr txBox="1">
+            <a:spLocks noGrp="1"/>
+          </p:cNvSpPr>
           <p:nvPr>
-            <p:ph idx="11" type="ftr"/>
+            <p:ph type="ftr" idx="11"/>
           </p:nvPr>
         </p:nvSpPr>
         <p:spPr>
@@ -8012,7 +8234,7 @@
           </a:ln>
         </p:spPr>
         <p:txBody>
-          <a:bodyPr anchorCtr="0" anchor="ctr" bIns="39550" lIns="79125" spcFirstLastPara="1" rIns="79125" wrap="square" tIns="39550">
+          <a:bodyPr spcFirstLastPara="1" wrap="square" lIns="79125" tIns="39550" rIns="79125" bIns="39550" anchor="ctr" anchorCtr="0">
             <a:noAutofit/>
           </a:bodyPr>
           <a:lstStyle>
@@ -8116,15 +8338,19 @@
               <a:defRPr/>
             </a:lvl9pPr>
           </a:lstStyle>
-          <a:p/>
+          <a:p>
+            <a:endParaRPr/>
+          </a:p>
         </p:txBody>
       </p:sp>
       <p:sp>
         <p:nvSpPr>
           <p:cNvPr id="53" name="Google Shape;53;p8"/>
-          <p:cNvSpPr txBox="1"/>
+          <p:cNvSpPr txBox="1">
+            <a:spLocks noGrp="1"/>
+          </p:cNvSpPr>
           <p:nvPr>
-            <p:ph idx="12" type="sldNum"/>
+            <p:ph type="sldNum" idx="12"/>
           </p:nvPr>
         </p:nvSpPr>
         <p:spPr>
@@ -8141,67 +8367,67 @@
           </a:ln>
         </p:spPr>
         <p:txBody>
-          <a:bodyPr anchorCtr="0" anchor="ctr" bIns="39550" lIns="79125" spcFirstLastPara="1" rIns="79125" wrap="square" tIns="39550">
+          <a:bodyPr spcFirstLastPara="1" wrap="square" lIns="79125" tIns="39550" rIns="79125" bIns="39550" anchor="ctr" anchorCtr="0">
             <a:noAutofit/>
           </a:bodyPr>
           <a:lstStyle>
-            <a:lvl1pPr indent="0" lvl="0" marL="0" algn="r">
+            <a:lvl1pPr marL="0" lvl="0" indent="0" algn="r">
               <a:spcBef>
                 <a:spcPts val="0"/>
               </a:spcBef>
               <a:buNone/>
               <a:defRPr/>
             </a:lvl1pPr>
-            <a:lvl2pPr indent="0" lvl="1" marL="0" algn="r">
+            <a:lvl2pPr marL="0" lvl="1" indent="0" algn="r">
               <a:spcBef>
                 <a:spcPts val="0"/>
               </a:spcBef>
               <a:buNone/>
               <a:defRPr/>
             </a:lvl2pPr>
-            <a:lvl3pPr indent="0" lvl="2" marL="0" algn="r">
+            <a:lvl3pPr marL="0" lvl="2" indent="0" algn="r">
               <a:spcBef>
                 <a:spcPts val="0"/>
               </a:spcBef>
               <a:buNone/>
               <a:defRPr/>
             </a:lvl3pPr>
-            <a:lvl4pPr indent="0" lvl="3" marL="0" algn="r">
+            <a:lvl4pPr marL="0" lvl="3" indent="0" algn="r">
               <a:spcBef>
                 <a:spcPts val="0"/>
               </a:spcBef>
               <a:buNone/>
               <a:defRPr/>
             </a:lvl4pPr>
-            <a:lvl5pPr indent="0" lvl="4" marL="0" algn="r">
+            <a:lvl5pPr marL="0" lvl="4" indent="0" algn="r">
               <a:spcBef>
                 <a:spcPts val="0"/>
               </a:spcBef>
               <a:buNone/>
               <a:defRPr/>
             </a:lvl5pPr>
-            <a:lvl6pPr indent="0" lvl="5" marL="0" algn="r">
+            <a:lvl6pPr marL="0" lvl="5" indent="0" algn="r">
               <a:spcBef>
                 <a:spcPts val="0"/>
               </a:spcBef>
               <a:buNone/>
               <a:defRPr/>
             </a:lvl6pPr>
-            <a:lvl7pPr indent="0" lvl="6" marL="0" algn="r">
+            <a:lvl7pPr marL="0" lvl="6" indent="0" algn="r">
               <a:spcBef>
                 <a:spcPts val="0"/>
               </a:spcBef>
               <a:buNone/>
               <a:defRPr/>
             </a:lvl7pPr>
-            <a:lvl8pPr indent="0" lvl="7" marL="0" algn="r">
+            <a:lvl8pPr marL="0" lvl="7" indent="0" algn="r">
               <a:spcBef>
                 <a:spcPts val="0"/>
               </a:spcBef>
               <a:buNone/>
               <a:defRPr/>
             </a:lvl8pPr>
-            <a:lvl9pPr indent="0" lvl="8" marL="0" algn="r">
+            <a:lvl9pPr marL="0" lvl="8" indent="0" algn="r">
               <a:spcBef>
                 <a:spcPts val="0"/>
               </a:spcBef>
@@ -8210,7 +8436,7 @@
             </a:lvl9pPr>
           </a:lstStyle>
           <a:p>
-            <a:pPr indent="0" lvl="0" marL="0" rtl="0" algn="r">
+            <a:pPr marL="0" lvl="0" indent="0" algn="r" rtl="0">
               <a:spcBef>
                 <a:spcPts val="0"/>
               </a:spcBef>
@@ -8236,11 +8462,11 @@
 </file>
 
 <file path=ppt/slideLayouts/slideLayout8.xml><?xml version="1.0" encoding="utf-8"?>
-<p:sldLayout xmlns:a="http://schemas.openxmlformats.org/drawingml/2006/main" xmlns:r="http://schemas.openxmlformats.org/officeDocument/2006/relationships" xmlns:mc="http://schemas.openxmlformats.org/markup-compatibility/2006" xmlns:mv="urn:schemas-microsoft-com:mac:vml" xmlns:p="http://schemas.openxmlformats.org/presentationml/2006/main" xmlns:c="http://schemas.openxmlformats.org/drawingml/2006/chart" xmlns:dgm="http://schemas.openxmlformats.org/drawingml/2006/diagram" xmlns:o="urn:schemas-microsoft-com:office:office" xmlns:v="urn:schemas-microsoft-com:vml" xmlns:pvml="urn:schemas-microsoft-com:office:powerpoint" xmlns:com="http://schemas.openxmlformats.org/drawingml/2006/compatibility" xmlns:p14="http://schemas.microsoft.com/office/powerpoint/2010/main" xmlns:p15="http://schemas.microsoft.com/office/powerpoint/2012/main" matchingName="Content with Caption" type="objTx">
+<p:sldLayout xmlns:a="http://schemas.openxmlformats.org/drawingml/2006/main" xmlns:r="http://schemas.openxmlformats.org/officeDocument/2006/relationships" xmlns:p="http://schemas.openxmlformats.org/presentationml/2006/main" matchingName="Content with Caption" type="objTx">
   <p:cSld name="OBJECT_WITH_CAPTION_TEXT">
     <p:spTree>
       <p:nvGrpSpPr>
-        <p:cNvPr id="54" name="Shape 54"/>
+        <p:cNvPr id="1" name="Shape 54"/>
         <p:cNvGrpSpPr/>
         <p:nvPr/>
       </p:nvGrpSpPr>
@@ -8255,7 +8481,9 @@
       <p:sp>
         <p:nvSpPr>
           <p:cNvPr id="55" name="Google Shape;55;p9"/>
-          <p:cNvSpPr txBox="1"/>
+          <p:cNvSpPr txBox="1">
+            <a:spLocks noGrp="1"/>
+          </p:cNvSpPr>
           <p:nvPr>
             <p:ph type="title"/>
           </p:nvPr>
@@ -8274,7 +8502,7 @@
           </a:ln>
         </p:spPr>
         <p:txBody>
-          <a:bodyPr anchorCtr="0" anchor="b" bIns="39550" lIns="79125" spcFirstLastPara="1" rIns="79125" wrap="square" tIns="39550">
+          <a:bodyPr spcFirstLastPara="1" wrap="square" lIns="79125" tIns="39550" rIns="79125" bIns="39550" anchor="b" anchorCtr="0">
             <a:noAutofit/>
           </a:bodyPr>
           <a:lstStyle>
@@ -8385,15 +8613,19 @@
               <a:defRPr/>
             </a:lvl9pPr>
           </a:lstStyle>
-          <a:p/>
+          <a:p>
+            <a:endParaRPr/>
+          </a:p>
         </p:txBody>
       </p:sp>
       <p:sp>
         <p:nvSpPr>
           <p:cNvPr id="56" name="Google Shape;56;p9"/>
-          <p:cNvSpPr txBox="1"/>
+          <p:cNvSpPr txBox="1">
+            <a:spLocks noGrp="1"/>
+          </p:cNvSpPr>
           <p:nvPr>
-            <p:ph idx="1" type="body"/>
+            <p:ph type="body" idx="1"/>
           </p:nvPr>
         </p:nvSpPr>
         <p:spPr>
@@ -8410,11 +8642,11 @@
           </a:ln>
         </p:spPr>
         <p:txBody>
-          <a:bodyPr anchorCtr="0" anchor="t" bIns="39550" lIns="79125" spcFirstLastPara="1" rIns="79125" wrap="square" tIns="39550">
+          <a:bodyPr spcFirstLastPara="1" wrap="square" lIns="79125" tIns="39550" rIns="79125" bIns="39550" anchor="t" anchorCtr="0">
             <a:noAutofit/>
           </a:bodyPr>
           <a:lstStyle>
-            <a:lvl1pPr indent="-406400" lvl="0" marL="457200" algn="l">
+            <a:lvl1pPr marL="457200" lvl="0" indent="-406400" algn="l">
               <a:lnSpc>
                 <a:spcPct val="90000"/>
               </a:lnSpc>
@@ -8431,7 +8663,7 @@
               <a:buChar char="•"/>
               <a:defRPr sz="2800"/>
             </a:lvl1pPr>
-            <a:lvl2pPr indent="-381000" lvl="1" marL="914400" algn="l">
+            <a:lvl2pPr marL="914400" lvl="1" indent="-381000" algn="l">
               <a:lnSpc>
                 <a:spcPct val="90000"/>
               </a:lnSpc>
@@ -8448,7 +8680,7 @@
               <a:buChar char="•"/>
               <a:defRPr sz="2400"/>
             </a:lvl2pPr>
-            <a:lvl3pPr indent="-361950" lvl="2" marL="1371600" algn="l">
+            <a:lvl3pPr marL="1371600" lvl="2" indent="-361950" algn="l">
               <a:lnSpc>
                 <a:spcPct val="90000"/>
               </a:lnSpc>
@@ -8465,7 +8697,7 @@
               <a:buChar char="•"/>
               <a:defRPr sz="2100"/>
             </a:lvl3pPr>
-            <a:lvl4pPr indent="-336550" lvl="3" marL="1828800" algn="l">
+            <a:lvl4pPr marL="1828800" lvl="3" indent="-336550" algn="l">
               <a:lnSpc>
                 <a:spcPct val="90000"/>
               </a:lnSpc>
@@ -8482,7 +8714,7 @@
               <a:buChar char="•"/>
               <a:defRPr sz="1700"/>
             </a:lvl4pPr>
-            <a:lvl5pPr indent="-336550" lvl="4" marL="2286000" algn="l">
+            <a:lvl5pPr marL="2286000" lvl="4" indent="-336550" algn="l">
               <a:lnSpc>
                 <a:spcPct val="90000"/>
               </a:lnSpc>
@@ -8499,7 +8731,7 @@
               <a:buChar char="•"/>
               <a:defRPr sz="1700"/>
             </a:lvl5pPr>
-            <a:lvl6pPr indent="-336550" lvl="5" marL="2743200" algn="l">
+            <a:lvl6pPr marL="2743200" lvl="5" indent="-336550" algn="l">
               <a:lnSpc>
                 <a:spcPct val="90000"/>
               </a:lnSpc>
@@ -8516,7 +8748,7 @@
               <a:buChar char="•"/>
               <a:defRPr sz="1700"/>
             </a:lvl6pPr>
-            <a:lvl7pPr indent="-336550" lvl="6" marL="3200400" algn="l">
+            <a:lvl7pPr marL="3200400" lvl="6" indent="-336550" algn="l">
               <a:lnSpc>
                 <a:spcPct val="90000"/>
               </a:lnSpc>
@@ -8533,7 +8765,7 @@
               <a:buChar char="•"/>
               <a:defRPr sz="1700"/>
             </a:lvl7pPr>
-            <a:lvl8pPr indent="-336550" lvl="7" marL="3657600" algn="l">
+            <a:lvl8pPr marL="3657600" lvl="7" indent="-336550" algn="l">
               <a:lnSpc>
                 <a:spcPct val="90000"/>
               </a:lnSpc>
@@ -8550,7 +8782,7 @@
               <a:buChar char="•"/>
               <a:defRPr sz="1700"/>
             </a:lvl8pPr>
-            <a:lvl9pPr indent="-336550" lvl="8" marL="4114800" algn="l">
+            <a:lvl9pPr marL="4114800" lvl="8" indent="-336550" algn="l">
               <a:lnSpc>
                 <a:spcPct val="90000"/>
               </a:lnSpc>
@@ -8568,15 +8800,19 @@
               <a:defRPr sz="1700"/>
             </a:lvl9pPr>
           </a:lstStyle>
-          <a:p/>
+          <a:p>
+            <a:endParaRPr/>
+          </a:p>
         </p:txBody>
       </p:sp>
       <p:sp>
         <p:nvSpPr>
           <p:cNvPr id="57" name="Google Shape;57;p9"/>
-          <p:cNvSpPr txBox="1"/>
+          <p:cNvSpPr txBox="1">
+            <a:spLocks noGrp="1"/>
+          </p:cNvSpPr>
           <p:nvPr>
-            <p:ph idx="2" type="body"/>
+            <p:ph type="body" idx="2"/>
           </p:nvPr>
         </p:nvSpPr>
         <p:spPr>
@@ -8593,11 +8829,11 @@
           </a:ln>
         </p:spPr>
         <p:txBody>
-          <a:bodyPr anchorCtr="0" anchor="t" bIns="39550" lIns="79125" spcFirstLastPara="1" rIns="79125" wrap="square" tIns="39550">
+          <a:bodyPr spcFirstLastPara="1" wrap="square" lIns="79125" tIns="39550" rIns="79125" bIns="39550" anchor="t" anchorCtr="0">
             <a:noAutofit/>
           </a:bodyPr>
           <a:lstStyle>
-            <a:lvl1pPr indent="-228600" lvl="0" marL="457200" algn="l">
+            <a:lvl1pPr marL="457200" lvl="0" indent="-228600" algn="l">
               <a:lnSpc>
                 <a:spcPct val="90000"/>
               </a:lnSpc>
@@ -8614,7 +8850,7 @@
               <a:buNone/>
               <a:defRPr sz="1400"/>
             </a:lvl1pPr>
-            <a:lvl2pPr indent="-228600" lvl="1" marL="914400" algn="l">
+            <a:lvl2pPr marL="914400" lvl="1" indent="-228600" algn="l">
               <a:lnSpc>
                 <a:spcPct val="90000"/>
               </a:lnSpc>
@@ -8631,7 +8867,7 @@
               <a:buNone/>
               <a:defRPr sz="1200"/>
             </a:lvl2pPr>
-            <a:lvl3pPr indent="-228600" lvl="2" marL="1371600" algn="l">
+            <a:lvl3pPr marL="1371600" lvl="2" indent="-228600" algn="l">
               <a:lnSpc>
                 <a:spcPct val="90000"/>
               </a:lnSpc>
@@ -8648,7 +8884,7 @@
               <a:buNone/>
               <a:defRPr sz="1000"/>
             </a:lvl3pPr>
-            <a:lvl4pPr indent="-228600" lvl="3" marL="1828800" algn="l">
+            <a:lvl4pPr marL="1828800" lvl="3" indent="-228600" algn="l">
               <a:lnSpc>
                 <a:spcPct val="90000"/>
               </a:lnSpc>
@@ -8665,7 +8901,7 @@
               <a:buNone/>
               <a:defRPr sz="900"/>
             </a:lvl4pPr>
-            <a:lvl5pPr indent="-228600" lvl="4" marL="2286000" algn="l">
+            <a:lvl5pPr marL="2286000" lvl="4" indent="-228600" algn="l">
               <a:lnSpc>
                 <a:spcPct val="90000"/>
               </a:lnSpc>
@@ -8682,7 +8918,7 @@
               <a:buNone/>
               <a:defRPr sz="900"/>
             </a:lvl5pPr>
-            <a:lvl6pPr indent="-228600" lvl="5" marL="2743200" algn="l">
+            <a:lvl6pPr marL="2743200" lvl="5" indent="-228600" algn="l">
               <a:lnSpc>
                 <a:spcPct val="90000"/>
               </a:lnSpc>
@@ -8699,7 +8935,7 @@
               <a:buNone/>
               <a:defRPr sz="900"/>
             </a:lvl6pPr>
-            <a:lvl7pPr indent="-228600" lvl="6" marL="3200400" algn="l">
+            <a:lvl7pPr marL="3200400" lvl="6" indent="-228600" algn="l">
               <a:lnSpc>
                 <a:spcPct val="90000"/>
               </a:lnSpc>
@@ -8716,7 +8952,7 @@
               <a:buNone/>
               <a:defRPr sz="900"/>
             </a:lvl7pPr>
-            <a:lvl8pPr indent="-228600" lvl="7" marL="3657600" algn="l">
+            <a:lvl8pPr marL="3657600" lvl="7" indent="-228600" algn="l">
               <a:lnSpc>
                 <a:spcPct val="90000"/>
               </a:lnSpc>
@@ -8733,7 +8969,7 @@
               <a:buNone/>
               <a:defRPr sz="900"/>
             </a:lvl8pPr>
-            <a:lvl9pPr indent="-228600" lvl="8" marL="4114800" algn="l">
+            <a:lvl9pPr marL="4114800" lvl="8" indent="-228600" algn="l">
               <a:lnSpc>
                 <a:spcPct val="90000"/>
               </a:lnSpc>
@@ -8751,15 +8987,19 @@
               <a:defRPr sz="900"/>
             </a:lvl9pPr>
           </a:lstStyle>
-          <a:p/>
+          <a:p>
+            <a:endParaRPr/>
+          </a:p>
         </p:txBody>
       </p:sp>
       <p:sp>
         <p:nvSpPr>
           <p:cNvPr id="58" name="Google Shape;58;p9"/>
-          <p:cNvSpPr txBox="1"/>
+          <p:cNvSpPr txBox="1">
+            <a:spLocks noGrp="1"/>
+          </p:cNvSpPr>
           <p:nvPr>
-            <p:ph idx="10" type="dt"/>
+            <p:ph type="dt" idx="10"/>
           </p:nvPr>
         </p:nvSpPr>
         <p:spPr>
@@ -8776,7 +9016,7 @@
           </a:ln>
         </p:spPr>
         <p:txBody>
-          <a:bodyPr anchorCtr="0" anchor="ctr" bIns="39550" lIns="79125" spcFirstLastPara="1" rIns="79125" wrap="square" tIns="39550">
+          <a:bodyPr spcFirstLastPara="1" wrap="square" lIns="79125" tIns="39550" rIns="79125" bIns="39550" anchor="ctr" anchorCtr="0">
             <a:noAutofit/>
           </a:bodyPr>
           <a:lstStyle>
@@ -8880,15 +9120,19 @@
               <a:defRPr/>
             </a:lvl9pPr>
           </a:lstStyle>
-          <a:p/>
+          <a:p>
+            <a:endParaRPr/>
+          </a:p>
         </p:txBody>
       </p:sp>
       <p:sp>
         <p:nvSpPr>
           <p:cNvPr id="59" name="Google Shape;59;p9"/>
-          <p:cNvSpPr txBox="1"/>
+          <p:cNvSpPr txBox="1">
+            <a:spLocks noGrp="1"/>
+          </p:cNvSpPr>
           <p:nvPr>
-            <p:ph idx="11" type="ftr"/>
+            <p:ph type="ftr" idx="11"/>
           </p:nvPr>
         </p:nvSpPr>
         <p:spPr>
@@ -8905,7 +9149,7 @@
           </a:ln>
         </p:spPr>
         <p:txBody>
-          <a:bodyPr anchorCtr="0" anchor="ctr" bIns="39550" lIns="79125" spcFirstLastPara="1" rIns="79125" wrap="square" tIns="39550">
+          <a:bodyPr spcFirstLastPara="1" wrap="square" lIns="79125" tIns="39550" rIns="79125" bIns="39550" anchor="ctr" anchorCtr="0">
             <a:noAutofit/>
           </a:bodyPr>
           <a:lstStyle>
@@ -9009,15 +9253,19 @@
               <a:defRPr/>
             </a:lvl9pPr>
           </a:lstStyle>
-          <a:p/>
+          <a:p>
+            <a:endParaRPr/>
+          </a:p>
         </p:txBody>
       </p:sp>
       <p:sp>
         <p:nvSpPr>
           <p:cNvPr id="60" name="Google Shape;60;p9"/>
-          <p:cNvSpPr txBox="1"/>
+          <p:cNvSpPr txBox="1">
+            <a:spLocks noGrp="1"/>
+          </p:cNvSpPr>
           <p:nvPr>
-            <p:ph idx="12" type="sldNum"/>
+            <p:ph type="sldNum" idx="12"/>
           </p:nvPr>
         </p:nvSpPr>
         <p:spPr>
@@ -9034,67 +9282,67 @@
           </a:ln>
         </p:spPr>
         <p:txBody>
-          <a:bodyPr anchorCtr="0" anchor="ctr" bIns="39550" lIns="79125" spcFirstLastPara="1" rIns="79125" wrap="square" tIns="39550">
+          <a:bodyPr spcFirstLastPara="1" wrap="square" lIns="79125" tIns="39550" rIns="79125" bIns="39550" anchor="ctr" anchorCtr="0">
             <a:noAutofit/>
           </a:bodyPr>
           <a:lstStyle>
-            <a:lvl1pPr indent="0" lvl="0" marL="0" algn="r">
+            <a:lvl1pPr marL="0" lvl="0" indent="0" algn="r">
               <a:spcBef>
                 <a:spcPts val="0"/>
               </a:spcBef>
               <a:buNone/>
               <a:defRPr/>
             </a:lvl1pPr>
-            <a:lvl2pPr indent="0" lvl="1" marL="0" algn="r">
+            <a:lvl2pPr marL="0" lvl="1" indent="0" algn="r">
               <a:spcBef>
                 <a:spcPts val="0"/>
               </a:spcBef>
               <a:buNone/>
               <a:defRPr/>
             </a:lvl2pPr>
-            <a:lvl3pPr indent="0" lvl="2" marL="0" algn="r">
+            <a:lvl3pPr marL="0" lvl="2" indent="0" algn="r">
               <a:spcBef>
                 <a:spcPts val="0"/>
               </a:spcBef>
               <a:buNone/>
               <a:defRPr/>
             </a:lvl3pPr>
-            <a:lvl4pPr indent="0" lvl="3" marL="0" algn="r">
+            <a:lvl4pPr marL="0" lvl="3" indent="0" algn="r">
               <a:spcBef>
                 <a:spcPts val="0"/>
               </a:spcBef>
               <a:buNone/>
               <a:defRPr/>
             </a:lvl4pPr>
-            <a:lvl5pPr indent="0" lvl="4" marL="0" algn="r">
+            <a:lvl5pPr marL="0" lvl="4" indent="0" algn="r">
               <a:spcBef>
                 <a:spcPts val="0"/>
               </a:spcBef>
               <a:buNone/>
               <a:defRPr/>
             </a:lvl5pPr>
-            <a:lvl6pPr indent="0" lvl="5" marL="0" algn="r">
+            <a:lvl6pPr marL="0" lvl="5" indent="0" algn="r">
               <a:spcBef>
                 <a:spcPts val="0"/>
               </a:spcBef>
               <a:buNone/>
               <a:defRPr/>
             </a:lvl6pPr>
-            <a:lvl7pPr indent="0" lvl="6" marL="0" algn="r">
+            <a:lvl7pPr marL="0" lvl="6" indent="0" algn="r">
               <a:spcBef>
                 <a:spcPts val="0"/>
               </a:spcBef>
               <a:buNone/>
               <a:defRPr/>
             </a:lvl7pPr>
-            <a:lvl8pPr indent="0" lvl="7" marL="0" algn="r">
+            <a:lvl8pPr marL="0" lvl="7" indent="0" algn="r">
               <a:spcBef>
                 <a:spcPts val="0"/>
               </a:spcBef>
               <a:buNone/>
               <a:defRPr/>
             </a:lvl8pPr>
-            <a:lvl9pPr indent="0" lvl="8" marL="0" algn="r">
+            <a:lvl9pPr marL="0" lvl="8" indent="0" algn="r">
               <a:spcBef>
                 <a:spcPts val="0"/>
               </a:spcBef>
@@ -9103,7 +9351,7 @@
             </a:lvl9pPr>
           </a:lstStyle>
           <a:p>
-            <a:pPr indent="0" lvl="0" marL="0" rtl="0" algn="r">
+            <a:pPr marL="0" lvl="0" indent="0" algn="r" rtl="0">
               <a:spcBef>
                 <a:spcPts val="0"/>
               </a:spcBef>
@@ -9129,11 +9377,11 @@
 </file>
 
 <file path=ppt/slideLayouts/slideLayout9.xml><?xml version="1.0" encoding="utf-8"?>
-<p:sldLayout xmlns:a="http://schemas.openxmlformats.org/drawingml/2006/main" xmlns:r="http://schemas.openxmlformats.org/officeDocument/2006/relationships" xmlns:mc="http://schemas.openxmlformats.org/markup-compatibility/2006" xmlns:mv="urn:schemas-microsoft-com:mac:vml" xmlns:p="http://schemas.openxmlformats.org/presentationml/2006/main" xmlns:c="http://schemas.openxmlformats.org/drawingml/2006/chart" xmlns:dgm="http://schemas.openxmlformats.org/drawingml/2006/diagram" xmlns:o="urn:schemas-microsoft-com:office:office" xmlns:v="urn:schemas-microsoft-com:vml" xmlns:pvml="urn:schemas-microsoft-com:office:powerpoint" xmlns:com="http://schemas.openxmlformats.org/drawingml/2006/compatibility" xmlns:p14="http://schemas.microsoft.com/office/powerpoint/2010/main" xmlns:p15="http://schemas.microsoft.com/office/powerpoint/2012/main" matchingName="Picture with Caption" type="picTx">
+<p:sldLayout xmlns:a="http://schemas.openxmlformats.org/drawingml/2006/main" xmlns:r="http://schemas.openxmlformats.org/officeDocument/2006/relationships" xmlns:p="http://schemas.openxmlformats.org/presentationml/2006/main" matchingName="Picture with Caption" type="picTx">
   <p:cSld name="PICTURE_WITH_CAPTION_TEXT">
     <p:spTree>
       <p:nvGrpSpPr>
-        <p:cNvPr id="61" name="Shape 61"/>
+        <p:cNvPr id="1" name="Shape 61"/>
         <p:cNvGrpSpPr/>
         <p:nvPr/>
       </p:nvGrpSpPr>
@@ -9148,7 +9396,9 @@
       <p:sp>
         <p:nvSpPr>
           <p:cNvPr id="62" name="Google Shape;62;p10"/>
-          <p:cNvSpPr txBox="1"/>
+          <p:cNvSpPr txBox="1">
+            <a:spLocks noGrp="1"/>
+          </p:cNvSpPr>
           <p:nvPr>
             <p:ph type="title"/>
           </p:nvPr>
@@ -9167,7 +9417,7 @@
           </a:ln>
         </p:spPr>
         <p:txBody>
-          <a:bodyPr anchorCtr="0" anchor="b" bIns="39550" lIns="79125" spcFirstLastPara="1" rIns="79125" wrap="square" tIns="39550">
+          <a:bodyPr spcFirstLastPara="1" wrap="square" lIns="79125" tIns="39550" rIns="79125" bIns="39550" anchor="b" anchorCtr="0">
             <a:noAutofit/>
           </a:bodyPr>
           <a:lstStyle>
@@ -9278,15 +9528,19 @@
               <a:defRPr/>
             </a:lvl9pPr>
           </a:lstStyle>
-          <a:p/>
+          <a:p>
+            <a:endParaRPr/>
+          </a:p>
         </p:txBody>
       </p:sp>
       <p:sp>
         <p:nvSpPr>
           <p:cNvPr id="63" name="Google Shape;63;p10"/>
-          <p:cNvSpPr/>
+          <p:cNvSpPr>
+            <a:spLocks noGrp="1"/>
+          </p:cNvSpPr>
           <p:nvPr>
-            <p:ph idx="2" type="pic"/>
+            <p:ph type="pic" idx="2"/>
           </p:nvPr>
         </p:nvSpPr>
         <p:spPr>
@@ -9303,11 +9557,11 @@
           </a:ln>
         </p:spPr>
         <p:txBody>
-          <a:bodyPr anchorCtr="0" anchor="t" bIns="39550" lIns="79125" spcFirstLastPara="1" rIns="79125" wrap="square" tIns="39550">
+          <a:bodyPr spcFirstLastPara="1" wrap="square" lIns="79125" tIns="39550" rIns="79125" bIns="39550" anchor="t" anchorCtr="0">
             <a:noAutofit/>
           </a:bodyPr>
           <a:lstStyle>
-            <a:lvl1pPr lvl="0" marR="0" rtl="0" algn="l">
+            <a:lvl1pPr marR="0" lvl="0" algn="l" rtl="0">
               <a:lnSpc>
                 <a:spcPct val="90000"/>
               </a:lnSpc>
@@ -9323,7 +9577,7 @@
               <a:buSzPts val="2800"/>
               <a:buFont typeface="Arial"/>
               <a:buNone/>
-              <a:defRPr b="0" i="0" sz="2800" u="none" cap="none" strike="noStrike">
+              <a:defRPr sz="2800" b="0" i="0" u="none" strike="noStrike" cap="none">
                 <a:solidFill>
                   <a:schemeClr val="dk1"/>
                 </a:solidFill>
@@ -9333,7 +9587,7 @@
                 <a:sym typeface="Calibri"/>
               </a:defRPr>
             </a:lvl1pPr>
-            <a:lvl2pPr lvl="1" marR="0" rtl="0" algn="l">
+            <a:lvl2pPr marR="0" lvl="1" algn="l" rtl="0">
               <a:lnSpc>
                 <a:spcPct val="90000"/>
               </a:lnSpc>
@@ -9349,7 +9603,7 @@
               <a:buSzPts val="2400"/>
               <a:buFont typeface="Arial"/>
               <a:buNone/>
-              <a:defRPr b="0" i="0" sz="2400" u="none" cap="none" strike="noStrike">
+              <a:defRPr sz="2400" b="0" i="0" u="none" strike="noStrike" cap="none">
                 <a:solidFill>
                   <a:schemeClr val="dk1"/>
                 </a:solidFill>
@@ -9359,7 +9613,7 @@
                 <a:sym typeface="Calibri"/>
               </a:defRPr>
             </a:lvl2pPr>
-            <a:lvl3pPr lvl="2" marR="0" rtl="0" algn="l">
+            <a:lvl3pPr marR="0" lvl="2" algn="l" rtl="0">
               <a:lnSpc>
                 <a:spcPct val="90000"/>
               </a:lnSpc>
@@ -9375,7 +9629,7 @@
               <a:buSzPts val="2100"/>
               <a:buFont typeface="Arial"/>
               <a:buNone/>
-              <a:defRPr b="0" i="0" sz="2100" u="none" cap="none" strike="noStrike">
+              <a:defRPr sz="2100" b="0" i="0" u="none" strike="noStrike" cap="none">
                 <a:solidFill>
                   <a:schemeClr val="dk1"/>
                 </a:solidFill>
@@ -9385,7 +9639,7 @@
                 <a:sym typeface="Calibri"/>
               </a:defRPr>
             </a:lvl3pPr>
-            <a:lvl4pPr lvl="3" marR="0" rtl="0" algn="l">
+            <a:lvl4pPr marR="0" lvl="3" algn="l" rtl="0">
               <a:lnSpc>
                 <a:spcPct val="90000"/>
               </a:lnSpc>
@@ -9401,7 +9655,7 @@
               <a:buSzPts val="1700"/>
               <a:buFont typeface="Arial"/>
               <a:buNone/>
-              <a:defRPr b="0" i="0" sz="1700" u="none" cap="none" strike="noStrike">
+              <a:defRPr sz="1700" b="0" i="0" u="none" strike="noStrike" cap="none">
                 <a:solidFill>
                   <a:schemeClr val="dk1"/>
                 </a:solidFill>
@@ -9411,7 +9665,7 @@
                 <a:sym typeface="Calibri"/>
               </a:defRPr>
             </a:lvl4pPr>
-            <a:lvl5pPr lvl="4" marR="0" rtl="0" algn="l">
+            <a:lvl5pPr marR="0" lvl="4" algn="l" rtl="0">
               <a:lnSpc>
                 <a:spcPct val="90000"/>
               </a:lnSpc>
@@ -9427,7 +9681,7 @@
               <a:buSzPts val="1700"/>
               <a:buFont typeface="Arial"/>
               <a:buNone/>
-              <a:defRPr b="0" i="0" sz="1700" u="none" cap="none" strike="noStrike">
+              <a:defRPr sz="1700" b="0" i="0" u="none" strike="noStrike" cap="none">
                 <a:solidFill>
                   <a:schemeClr val="dk1"/>
                 </a:solidFill>
@@ -9437,7 +9691,7 @@
                 <a:sym typeface="Calibri"/>
               </a:defRPr>
             </a:lvl5pPr>
-            <a:lvl6pPr lvl="5" marR="0" rtl="0" algn="l">
+            <a:lvl6pPr marR="0" lvl="5" algn="l" rtl="0">
               <a:lnSpc>
                 <a:spcPct val="90000"/>
               </a:lnSpc>
@@ -9453,7 +9707,7 @@
               <a:buSzPts val="1700"/>
               <a:buFont typeface="Arial"/>
               <a:buNone/>
-              <a:defRPr b="0" i="0" sz="1700" u="none" cap="none" strike="noStrike">
+              <a:defRPr sz="1700" b="0" i="0" u="none" strike="noStrike" cap="none">
                 <a:solidFill>
                   <a:schemeClr val="dk1"/>
                 </a:solidFill>
@@ -9463,7 +9717,7 @@
                 <a:sym typeface="Calibri"/>
               </a:defRPr>
             </a:lvl6pPr>
-            <a:lvl7pPr lvl="6" marR="0" rtl="0" algn="l">
+            <a:lvl7pPr marR="0" lvl="6" algn="l" rtl="0">
               <a:lnSpc>
                 <a:spcPct val="90000"/>
               </a:lnSpc>
@@ -9479,7 +9733,7 @@
               <a:buSzPts val="1700"/>
               <a:buFont typeface="Arial"/>
               <a:buNone/>
-              <a:defRPr b="0" i="0" sz="1700" u="none" cap="none" strike="noStrike">
+              <a:defRPr sz="1700" b="0" i="0" u="none" strike="noStrike" cap="none">
                 <a:solidFill>
                   <a:schemeClr val="dk1"/>
                 </a:solidFill>
@@ -9489,7 +9743,7 @@
                 <a:sym typeface="Calibri"/>
               </a:defRPr>
             </a:lvl7pPr>
-            <a:lvl8pPr lvl="7" marR="0" rtl="0" algn="l">
+            <a:lvl8pPr marR="0" lvl="7" algn="l" rtl="0">
               <a:lnSpc>
                 <a:spcPct val="90000"/>
               </a:lnSpc>
@@ -9505,7 +9759,7 @@
               <a:buSzPts val="1700"/>
               <a:buFont typeface="Arial"/>
               <a:buNone/>
-              <a:defRPr b="0" i="0" sz="1700" u="none" cap="none" strike="noStrike">
+              <a:defRPr sz="1700" b="0" i="0" u="none" strike="noStrike" cap="none">
                 <a:solidFill>
                   <a:schemeClr val="dk1"/>
                 </a:solidFill>
@@ -9515,7 +9769,7 @@
                 <a:sym typeface="Calibri"/>
               </a:defRPr>
             </a:lvl8pPr>
-            <a:lvl9pPr lvl="8" marR="0" rtl="0" algn="l">
+            <a:lvl9pPr marR="0" lvl="8" algn="l" rtl="0">
               <a:lnSpc>
                 <a:spcPct val="90000"/>
               </a:lnSpc>
@@ -9531,7 +9785,7 @@
               <a:buSzPts val="1700"/>
               <a:buFont typeface="Arial"/>
               <a:buNone/>
-              <a:defRPr b="0" i="0" sz="1700" u="none" cap="none" strike="noStrike">
+              <a:defRPr sz="1700" b="0" i="0" u="none" strike="noStrike" cap="none">
                 <a:solidFill>
                   <a:schemeClr val="dk1"/>
                 </a:solidFill>
@@ -9542,15 +9796,19 @@
               </a:defRPr>
             </a:lvl9pPr>
           </a:lstStyle>
-          <a:p/>
+          <a:p>
+            <a:endParaRPr/>
+          </a:p>
         </p:txBody>
       </p:sp>
       <p:sp>
         <p:nvSpPr>
           <p:cNvPr id="64" name="Google Shape;64;p10"/>
-          <p:cNvSpPr txBox="1"/>
+          <p:cNvSpPr txBox="1">
+            <a:spLocks noGrp="1"/>
+          </p:cNvSpPr>
           <p:nvPr>
-            <p:ph idx="1" type="body"/>
+            <p:ph type="body" idx="1"/>
           </p:nvPr>
         </p:nvSpPr>
         <p:spPr>
@@ -9567,11 +9825,11 @@
           </a:ln>
         </p:spPr>
         <p:txBody>
-          <a:bodyPr anchorCtr="0" anchor="t" bIns="39550" lIns="79125" spcFirstLastPara="1" rIns="79125" wrap="square" tIns="39550">
+          <a:bodyPr spcFirstLastPara="1" wrap="square" lIns="79125" tIns="39550" rIns="79125" bIns="39550" anchor="t" anchorCtr="0">
             <a:noAutofit/>
           </a:bodyPr>
           <a:lstStyle>
-            <a:lvl1pPr indent="-228600" lvl="0" marL="457200" algn="l">
+            <a:lvl1pPr marL="457200" lvl="0" indent="-228600" algn="l">
               <a:lnSpc>
                 <a:spcPct val="90000"/>
               </a:lnSpc>
@@ -9588,7 +9846,7 @@
               <a:buNone/>
               <a:defRPr sz="1400"/>
             </a:lvl1pPr>
-            <a:lvl2pPr indent="-228600" lvl="1" marL="914400" algn="l">
+            <a:lvl2pPr marL="914400" lvl="1" indent="-228600" algn="l">
               <a:lnSpc>
                 <a:spcPct val="90000"/>
               </a:lnSpc>
@@ -9605,7 +9863,7 @@
               <a:buNone/>
               <a:defRPr sz="1200"/>
             </a:lvl2pPr>
-            <a:lvl3pPr indent="-228600" lvl="2" marL="1371600" algn="l">
+            <a:lvl3pPr marL="1371600" lvl="2" indent="-228600" algn="l">
               <a:lnSpc>
                 <a:spcPct val="90000"/>
               </a:lnSpc>
@@ -9622,7 +9880,7 @@
               <a:buNone/>
               <a:defRPr sz="1000"/>
             </a:lvl3pPr>
-            <a:lvl4pPr indent="-228600" lvl="3" marL="1828800" algn="l">
+            <a:lvl4pPr marL="1828800" lvl="3" indent="-228600" algn="l">
               <a:lnSpc>
                 <a:spcPct val="90000"/>
               </a:lnSpc>
@@ -9639,7 +9897,7 @@
               <a:buNone/>
               <a:defRPr sz="900"/>
             </a:lvl4pPr>
-            <a:lvl5pPr indent="-228600" lvl="4" marL="2286000" algn="l">
+            <a:lvl5pPr marL="2286000" lvl="4" indent="-228600" algn="l">
               <a:lnSpc>
                 <a:spcPct val="90000"/>
               </a:lnSpc>
@@ -9656,7 +9914,7 @@
               <a:buNone/>
               <a:defRPr sz="900"/>
             </a:lvl5pPr>
-            <a:lvl6pPr indent="-228600" lvl="5" marL="2743200" algn="l">
+            <a:lvl6pPr marL="2743200" lvl="5" indent="-228600" algn="l">
               <a:lnSpc>
                 <a:spcPct val="90000"/>
               </a:lnSpc>
@@ -9673,7 +9931,7 @@
               <a:buNone/>
               <a:defRPr sz="900"/>
             </a:lvl6pPr>
-            <a:lvl7pPr indent="-228600" lvl="6" marL="3200400" algn="l">
+            <a:lvl7pPr marL="3200400" lvl="6" indent="-228600" algn="l">
               <a:lnSpc>
                 <a:spcPct val="90000"/>
               </a:lnSpc>
@@ -9690,7 +9948,7 @@
               <a:buNone/>
               <a:defRPr sz="900"/>
             </a:lvl7pPr>
-            <a:lvl8pPr indent="-228600" lvl="7" marL="3657600" algn="l">
+            <a:lvl8pPr marL="3657600" lvl="7" indent="-228600" algn="l">
               <a:lnSpc>
                 <a:spcPct val="90000"/>
               </a:lnSpc>
@@ -9707,7 +9965,7 @@
               <a:buNone/>
               <a:defRPr sz="900"/>
             </a:lvl8pPr>
-            <a:lvl9pPr indent="-228600" lvl="8" marL="4114800" algn="l">
+            <a:lvl9pPr marL="4114800" lvl="8" indent="-228600" algn="l">
               <a:lnSpc>
                 <a:spcPct val="90000"/>
               </a:lnSpc>
@@ -9725,15 +9983,19 @@
               <a:defRPr sz="900"/>
             </a:lvl9pPr>
           </a:lstStyle>
-          <a:p/>
+          <a:p>
+            <a:endParaRPr/>
+          </a:p>
         </p:txBody>
       </p:sp>
       <p:sp>
         <p:nvSpPr>
           <p:cNvPr id="65" name="Google Shape;65;p10"/>
-          <p:cNvSpPr txBox="1"/>
+          <p:cNvSpPr txBox="1">
+            <a:spLocks noGrp="1"/>
+          </p:cNvSpPr>
           <p:nvPr>
-            <p:ph idx="10" type="dt"/>
+            <p:ph type="dt" idx="10"/>
           </p:nvPr>
         </p:nvSpPr>
         <p:spPr>
@@ -9750,7 +10012,7 @@
           </a:ln>
         </p:spPr>
         <p:txBody>
-          <a:bodyPr anchorCtr="0" anchor="ctr" bIns="39550" lIns="79125" spcFirstLastPara="1" rIns="79125" wrap="square" tIns="39550">
+          <a:bodyPr spcFirstLastPara="1" wrap="square" lIns="79125" tIns="39550" rIns="79125" bIns="39550" anchor="ctr" anchorCtr="0">
             <a:noAutofit/>
           </a:bodyPr>
           <a:lstStyle>
@@ -9854,15 +10116,19 @@
               <a:defRPr/>
             </a:lvl9pPr>
           </a:lstStyle>
-          <a:p/>
+          <a:p>
+            <a:endParaRPr/>
+          </a:p>
         </p:txBody>
       </p:sp>
       <p:sp>
         <p:nvSpPr>
           <p:cNvPr id="66" name="Google Shape;66;p10"/>
-          <p:cNvSpPr txBox="1"/>
+          <p:cNvSpPr txBox="1">
+            <a:spLocks noGrp="1"/>
+          </p:cNvSpPr>
           <p:nvPr>
-            <p:ph idx="11" type="ftr"/>
+            <p:ph type="ftr" idx="11"/>
           </p:nvPr>
         </p:nvSpPr>
         <p:spPr>
@@ -9879,7 +10145,7 @@
           </a:ln>
         </p:spPr>
         <p:txBody>
-          <a:bodyPr anchorCtr="0" anchor="ctr" bIns="39550" lIns="79125" spcFirstLastPara="1" rIns="79125" wrap="square" tIns="39550">
+          <a:bodyPr spcFirstLastPara="1" wrap="square" lIns="79125" tIns="39550" rIns="79125" bIns="39550" anchor="ctr" anchorCtr="0">
             <a:noAutofit/>
           </a:bodyPr>
           <a:lstStyle>
@@ -9983,15 +10249,19 @@
               <a:defRPr/>
             </a:lvl9pPr>
           </a:lstStyle>
-          <a:p/>
+          <a:p>
+            <a:endParaRPr/>
+          </a:p>
         </p:txBody>
       </p:sp>
       <p:sp>
         <p:nvSpPr>
           <p:cNvPr id="67" name="Google Shape;67;p10"/>
-          <p:cNvSpPr txBox="1"/>
+          <p:cNvSpPr txBox="1">
+            <a:spLocks noGrp="1"/>
+          </p:cNvSpPr>
           <p:nvPr>
-            <p:ph idx="12" type="sldNum"/>
+            <p:ph type="sldNum" idx="12"/>
           </p:nvPr>
         </p:nvSpPr>
         <p:spPr>
@@ -10008,67 +10278,67 @@
           </a:ln>
         </p:spPr>
         <p:txBody>
-          <a:bodyPr anchorCtr="0" anchor="ctr" bIns="39550" lIns="79125" spcFirstLastPara="1" rIns="79125" wrap="square" tIns="39550">
+          <a:bodyPr spcFirstLastPara="1" wrap="square" lIns="79125" tIns="39550" rIns="79125" bIns="39550" anchor="ctr" anchorCtr="0">
             <a:noAutofit/>
           </a:bodyPr>
           <a:lstStyle>
-            <a:lvl1pPr indent="0" lvl="0" marL="0" algn="r">
+            <a:lvl1pPr marL="0" lvl="0" indent="0" algn="r">
               <a:spcBef>
                 <a:spcPts val="0"/>
               </a:spcBef>
               <a:buNone/>
               <a:defRPr/>
             </a:lvl1pPr>
-            <a:lvl2pPr indent="0" lvl="1" marL="0" algn="r">
+            <a:lvl2pPr marL="0" lvl="1" indent="0" algn="r">
               <a:spcBef>
                 <a:spcPts val="0"/>
               </a:spcBef>
               <a:buNone/>
               <a:defRPr/>
             </a:lvl2pPr>
-            <a:lvl3pPr indent="0" lvl="2" marL="0" algn="r">
+            <a:lvl3pPr marL="0" lvl="2" indent="0" algn="r">
               <a:spcBef>
                 <a:spcPts val="0"/>
               </a:spcBef>
               <a:buNone/>
               <a:defRPr/>
             </a:lvl3pPr>
-            <a:lvl4pPr indent="0" lvl="3" marL="0" algn="r">
+            <a:lvl4pPr marL="0" lvl="3" indent="0" algn="r">
               <a:spcBef>
                 <a:spcPts val="0"/>
               </a:spcBef>
               <a:buNone/>
               <a:defRPr/>
             </a:lvl4pPr>
-            <a:lvl5pPr indent="0" lvl="4" marL="0" algn="r">
+            <a:lvl5pPr marL="0" lvl="4" indent="0" algn="r">
               <a:spcBef>
                 <a:spcPts val="0"/>
               </a:spcBef>
               <a:buNone/>
               <a:defRPr/>
             </a:lvl5pPr>
-            <a:lvl6pPr indent="0" lvl="5" marL="0" algn="r">
+            <a:lvl6pPr marL="0" lvl="5" indent="0" algn="r">
               <a:spcBef>
                 <a:spcPts val="0"/>
               </a:spcBef>
               <a:buNone/>
               <a:defRPr/>
             </a:lvl6pPr>
-            <a:lvl7pPr indent="0" lvl="6" marL="0" algn="r">
+            <a:lvl7pPr marL="0" lvl="6" indent="0" algn="r">
               <a:spcBef>
                 <a:spcPts val="0"/>
               </a:spcBef>
               <a:buNone/>
               <a:defRPr/>
             </a:lvl7pPr>
-            <a:lvl8pPr indent="0" lvl="7" marL="0" algn="r">
+            <a:lvl8pPr marL="0" lvl="7" indent="0" algn="r">
               <a:spcBef>
                 <a:spcPts val="0"/>
               </a:spcBef>
               <a:buNone/>
               <a:defRPr/>
             </a:lvl8pPr>
-            <a:lvl9pPr indent="0" lvl="8" marL="0" algn="r">
+            <a:lvl9pPr marL="0" lvl="8" indent="0" algn="r">
               <a:spcBef>
                 <a:spcPts val="0"/>
               </a:spcBef>
@@ -10077,7 +10347,7 @@
             </a:lvl9pPr>
           </a:lstStyle>
           <a:p>
-            <a:pPr indent="0" lvl="0" marL="0" rtl="0" algn="r">
+            <a:pPr marL="0" lvl="0" indent="0" algn="r" rtl="0">
               <a:spcBef>
                 <a:spcPts val="0"/>
               </a:spcBef>
@@ -10103,18 +10373,19 @@
 </file>
 
 <file path=ppt/slideMasters/slideMaster1.xml><?xml version="1.0" encoding="utf-8"?>
-<p:sldMaster xmlns:a="http://schemas.openxmlformats.org/drawingml/2006/main" xmlns:r="http://schemas.openxmlformats.org/officeDocument/2006/relationships" xmlns:mc="http://schemas.openxmlformats.org/markup-compatibility/2006" xmlns:mv="urn:schemas-microsoft-com:mac:vml" xmlns:p="http://schemas.openxmlformats.org/presentationml/2006/main" xmlns:c="http://schemas.openxmlformats.org/drawingml/2006/chart" xmlns:dgm="http://schemas.openxmlformats.org/drawingml/2006/diagram" xmlns:o="urn:schemas-microsoft-com:office:office" xmlns:v="urn:schemas-microsoft-com:vml" xmlns:pvml="urn:schemas-microsoft-com:office:powerpoint" xmlns:com="http://schemas.openxmlformats.org/drawingml/2006/compatibility" xmlns:p14="http://schemas.microsoft.com/office/powerpoint/2010/main" xmlns:p15="http://schemas.microsoft.com/office/powerpoint/2012/main">
+<p:sldMaster xmlns:a="http://schemas.openxmlformats.org/drawingml/2006/main" xmlns:r="http://schemas.openxmlformats.org/officeDocument/2006/relationships" xmlns:p="http://schemas.openxmlformats.org/presentationml/2006/main">
   <p:cSld>
     <p:bg>
       <p:bgPr>
         <a:solidFill>
           <a:schemeClr val="lt1"/>
         </a:solidFill>
+        <a:effectLst/>
       </p:bgPr>
     </p:bg>
     <p:spTree>
       <p:nvGrpSpPr>
-        <p:cNvPr id="5" name="Shape 5"/>
+        <p:cNvPr id="1" name="Shape 5"/>
         <p:cNvGrpSpPr/>
         <p:nvPr/>
       </p:nvGrpSpPr>
@@ -10129,7 +10400,9 @@
       <p:sp>
         <p:nvSpPr>
           <p:cNvPr id="6" name="Google Shape;6;p1"/>
-          <p:cNvSpPr txBox="1"/>
+          <p:cNvSpPr txBox="1">
+            <a:spLocks noGrp="1"/>
+          </p:cNvSpPr>
           <p:nvPr>
             <p:ph type="title"/>
           </p:nvPr>
@@ -10148,11 +10421,11 @@
           </a:ln>
         </p:spPr>
         <p:txBody>
-          <a:bodyPr anchorCtr="0" anchor="ctr" bIns="39550" lIns="79125" spcFirstLastPara="1" rIns="79125" wrap="square" tIns="39550">
+          <a:bodyPr spcFirstLastPara="1" wrap="square" lIns="79125" tIns="39550" rIns="79125" bIns="39550" anchor="ctr" anchorCtr="0">
             <a:noAutofit/>
           </a:bodyPr>
           <a:lstStyle>
-            <a:lvl1pPr lvl="0" marR="0" rtl="0" algn="l">
+            <a:lvl1pPr marR="0" lvl="0" algn="l" rtl="0">
               <a:lnSpc>
                 <a:spcPct val="90000"/>
               </a:lnSpc>
@@ -10168,7 +10441,7 @@
               <a:buSzPts val="3800"/>
               <a:buFont typeface="Calibri"/>
               <a:buNone/>
-              <a:defRPr b="0" i="0" sz="3800" u="none" cap="none" strike="noStrike">
+              <a:defRPr sz="3800" b="0" i="0" u="none" strike="noStrike" cap="none">
                 <a:solidFill>
                   <a:schemeClr val="dk1"/>
                 </a:solidFill>
@@ -10267,15 +10540,19 @@
               <a:defRPr sz="1600"/>
             </a:lvl9pPr>
           </a:lstStyle>
-          <a:p/>
+          <a:p>
+            <a:endParaRPr/>
+          </a:p>
         </p:txBody>
       </p:sp>
       <p:sp>
         <p:nvSpPr>
           <p:cNvPr id="7" name="Google Shape;7;p1"/>
-          <p:cNvSpPr txBox="1"/>
+          <p:cNvSpPr txBox="1">
+            <a:spLocks noGrp="1"/>
+          </p:cNvSpPr>
           <p:nvPr>
-            <p:ph idx="1" type="body"/>
+            <p:ph type="body" idx="1"/>
           </p:nvPr>
         </p:nvSpPr>
         <p:spPr>
@@ -10292,11 +10569,11 @@
           </a:ln>
         </p:spPr>
         <p:txBody>
-          <a:bodyPr anchorCtr="0" anchor="t" bIns="39550" lIns="79125" spcFirstLastPara="1" rIns="79125" wrap="square" tIns="39550">
+          <a:bodyPr spcFirstLastPara="1" wrap="square" lIns="79125" tIns="39550" rIns="79125" bIns="39550" anchor="t" anchorCtr="0">
             <a:noAutofit/>
           </a:bodyPr>
           <a:lstStyle>
-            <a:lvl1pPr indent="-381000" lvl="0" marL="457200" marR="0" rtl="0" algn="l">
+            <a:lvl1pPr marL="457200" marR="0" lvl="0" indent="-381000" algn="l" rtl="0">
               <a:lnSpc>
                 <a:spcPct val="90000"/>
               </a:lnSpc>
@@ -10312,7 +10589,7 @@
               <a:buSzPts val="2400"/>
               <a:buFont typeface="Arial"/>
               <a:buChar char="•"/>
-              <a:defRPr b="0" i="0" sz="2400" u="none" cap="none" strike="noStrike">
+              <a:defRPr sz="2400" b="0" i="0" u="none" strike="noStrike" cap="none">
                 <a:solidFill>
                   <a:schemeClr val="dk1"/>
                 </a:solidFill>
@@ -10322,7 +10599,7 @@
                 <a:sym typeface="Calibri"/>
               </a:defRPr>
             </a:lvl1pPr>
-            <a:lvl2pPr indent="-361950" lvl="1" marL="914400" marR="0" rtl="0" algn="l">
+            <a:lvl2pPr marL="914400" marR="0" lvl="1" indent="-361950" algn="l" rtl="0">
               <a:lnSpc>
                 <a:spcPct val="90000"/>
               </a:lnSpc>
@@ -10338,7 +10615,7 @@
               <a:buSzPts val="2100"/>
               <a:buFont typeface="Arial"/>
               <a:buChar char="•"/>
-              <a:defRPr b="0" i="0" sz="2100" u="none" cap="none" strike="noStrike">
+              <a:defRPr sz="2100" b="0" i="0" u="none" strike="noStrike" cap="none">
                 <a:solidFill>
                   <a:schemeClr val="dk1"/>
                 </a:solidFill>
@@ -10348,7 +10625,7 @@
                 <a:sym typeface="Calibri"/>
               </a:defRPr>
             </a:lvl2pPr>
-            <a:lvl3pPr indent="-336550" lvl="2" marL="1371600" marR="0" rtl="0" algn="l">
+            <a:lvl3pPr marL="1371600" marR="0" lvl="2" indent="-336550" algn="l" rtl="0">
               <a:lnSpc>
                 <a:spcPct val="90000"/>
               </a:lnSpc>
@@ -10364,7 +10641,7 @@
               <a:buSzPts val="1700"/>
               <a:buFont typeface="Arial"/>
               <a:buChar char="•"/>
-              <a:defRPr b="0" i="0" sz="1700" u="none" cap="none" strike="noStrike">
+              <a:defRPr sz="1700" b="0" i="0" u="none" strike="noStrike" cap="none">
                 <a:solidFill>
                   <a:schemeClr val="dk1"/>
                 </a:solidFill>
@@ -10374,7 +10651,7 @@
                 <a:sym typeface="Calibri"/>
               </a:defRPr>
             </a:lvl3pPr>
-            <a:lvl4pPr indent="-330200" lvl="3" marL="1828800" marR="0" rtl="0" algn="l">
+            <a:lvl4pPr marL="1828800" marR="0" lvl="3" indent="-330200" algn="l" rtl="0">
               <a:lnSpc>
                 <a:spcPct val="90000"/>
               </a:lnSpc>
@@ -10390,7 +10667,7 @@
               <a:buSzPts val="1600"/>
               <a:buFont typeface="Arial"/>
               <a:buChar char="•"/>
-              <a:defRPr b="0" i="0" sz="1600" u="none" cap="none" strike="noStrike">
+              <a:defRPr sz="1600" b="0" i="0" u="none" strike="noStrike" cap="none">
                 <a:solidFill>
                   <a:schemeClr val="dk1"/>
                 </a:solidFill>
@@ -10400,7 +10677,7 @@
                 <a:sym typeface="Calibri"/>
               </a:defRPr>
             </a:lvl4pPr>
-            <a:lvl5pPr indent="-330200" lvl="4" marL="2286000" marR="0" rtl="0" algn="l">
+            <a:lvl5pPr marL="2286000" marR="0" lvl="4" indent="-330200" algn="l" rtl="0">
               <a:lnSpc>
                 <a:spcPct val="90000"/>
               </a:lnSpc>
@@ -10416,7 +10693,7 @@
               <a:buSzPts val="1600"/>
               <a:buFont typeface="Arial"/>
               <a:buChar char="•"/>
-              <a:defRPr b="0" i="0" sz="1600" u="none" cap="none" strike="noStrike">
+              <a:defRPr sz="1600" b="0" i="0" u="none" strike="noStrike" cap="none">
                 <a:solidFill>
                   <a:schemeClr val="dk1"/>
                 </a:solidFill>
@@ -10426,7 +10703,7 @@
                 <a:sym typeface="Calibri"/>
               </a:defRPr>
             </a:lvl5pPr>
-            <a:lvl6pPr indent="-330200" lvl="5" marL="2743200" marR="0" rtl="0" algn="l">
+            <a:lvl6pPr marL="2743200" marR="0" lvl="5" indent="-330200" algn="l" rtl="0">
               <a:lnSpc>
                 <a:spcPct val="90000"/>
               </a:lnSpc>
@@ -10442,7 +10719,7 @@
               <a:buSzPts val="1600"/>
               <a:buFont typeface="Arial"/>
               <a:buChar char="•"/>
-              <a:defRPr b="0" i="0" sz="1600" u="none" cap="none" strike="noStrike">
+              <a:defRPr sz="1600" b="0" i="0" u="none" strike="noStrike" cap="none">
                 <a:solidFill>
                   <a:schemeClr val="dk1"/>
                 </a:solidFill>
@@ -10452,7 +10729,7 @@
                 <a:sym typeface="Calibri"/>
               </a:defRPr>
             </a:lvl6pPr>
-            <a:lvl7pPr indent="-330200" lvl="6" marL="3200400" marR="0" rtl="0" algn="l">
+            <a:lvl7pPr marL="3200400" marR="0" lvl="6" indent="-330200" algn="l" rtl="0">
               <a:lnSpc>
                 <a:spcPct val="90000"/>
               </a:lnSpc>
@@ -10468,7 +10745,7 @@
               <a:buSzPts val="1600"/>
               <a:buFont typeface="Arial"/>
               <a:buChar char="•"/>
-              <a:defRPr b="0" i="0" sz="1600" u="none" cap="none" strike="noStrike">
+              <a:defRPr sz="1600" b="0" i="0" u="none" strike="noStrike" cap="none">
                 <a:solidFill>
                   <a:schemeClr val="dk1"/>
                 </a:solidFill>
@@ -10478,7 +10755,7 @@
                 <a:sym typeface="Calibri"/>
               </a:defRPr>
             </a:lvl7pPr>
-            <a:lvl8pPr indent="-330200" lvl="7" marL="3657600" marR="0" rtl="0" algn="l">
+            <a:lvl8pPr marL="3657600" marR="0" lvl="7" indent="-330200" algn="l" rtl="0">
               <a:lnSpc>
                 <a:spcPct val="90000"/>
               </a:lnSpc>
@@ -10494,7 +10771,7 @@
               <a:buSzPts val="1600"/>
               <a:buFont typeface="Arial"/>
               <a:buChar char="•"/>
-              <a:defRPr b="0" i="0" sz="1600" u="none" cap="none" strike="noStrike">
+              <a:defRPr sz="1600" b="0" i="0" u="none" strike="noStrike" cap="none">
                 <a:solidFill>
                   <a:schemeClr val="dk1"/>
                 </a:solidFill>
@@ -10504,7 +10781,7 @@
                 <a:sym typeface="Calibri"/>
               </a:defRPr>
             </a:lvl8pPr>
-            <a:lvl9pPr indent="-330200" lvl="8" marL="4114800" marR="0" rtl="0" algn="l">
+            <a:lvl9pPr marL="4114800" marR="0" lvl="8" indent="-330200" algn="l" rtl="0">
               <a:lnSpc>
                 <a:spcPct val="90000"/>
               </a:lnSpc>
@@ -10520,7 +10797,7 @@
               <a:buSzPts val="1600"/>
               <a:buFont typeface="Arial"/>
               <a:buChar char="•"/>
-              <a:defRPr b="0" i="0" sz="1600" u="none" cap="none" strike="noStrike">
+              <a:defRPr sz="1600" b="0" i="0" u="none" strike="noStrike" cap="none">
                 <a:solidFill>
                   <a:schemeClr val="dk1"/>
                 </a:solidFill>
@@ -10531,15 +10808,19 @@
               </a:defRPr>
             </a:lvl9pPr>
           </a:lstStyle>
-          <a:p/>
+          <a:p>
+            <a:endParaRPr/>
+          </a:p>
         </p:txBody>
       </p:sp>
       <p:sp>
         <p:nvSpPr>
           <p:cNvPr id="8" name="Google Shape;8;p1"/>
-          <p:cNvSpPr txBox="1"/>
+          <p:cNvSpPr txBox="1">
+            <a:spLocks noGrp="1"/>
+          </p:cNvSpPr>
           <p:nvPr>
-            <p:ph idx="10" type="dt"/>
+            <p:ph type="dt" idx="10"/>
           </p:nvPr>
         </p:nvSpPr>
         <p:spPr>
@@ -10556,20 +10837,20 @@
           </a:ln>
         </p:spPr>
         <p:txBody>
-          <a:bodyPr anchorCtr="0" anchor="ctr" bIns="39550" lIns="79125" spcFirstLastPara="1" rIns="79125" wrap="square" tIns="39550">
+          <a:bodyPr spcFirstLastPara="1" wrap="square" lIns="79125" tIns="39550" rIns="79125" bIns="39550" anchor="ctr" anchorCtr="0">
             <a:noAutofit/>
           </a:bodyPr>
           <a:lstStyle>
-            <a:lvl1pPr lvl="0" marR="0" rtl="0" algn="l">
-              <a:spcBef>
-                <a:spcPts val="0"/>
-              </a:spcBef>
-              <a:spcAft>
-                <a:spcPts val="0"/>
-              </a:spcAft>
-              <a:buSzPts val="1200"/>
-              <a:buNone/>
-              <a:defRPr b="0" i="0" sz="1000" u="none" cap="none" strike="noStrike">
+            <a:lvl1pPr marR="0" lvl="0" algn="l" rtl="0">
+              <a:spcBef>
+                <a:spcPts val="0"/>
+              </a:spcBef>
+              <a:spcAft>
+                <a:spcPts val="0"/>
+              </a:spcAft>
+              <a:buSzPts val="1200"/>
+              <a:buNone/>
+              <a:defRPr sz="1000" b="0" i="0" u="none" strike="noStrike" cap="none">
                 <a:solidFill>
                   <a:srgbClr val="888888"/>
                 </a:solidFill>
@@ -10579,16 +10860,16 @@
                 <a:sym typeface="Calibri"/>
               </a:defRPr>
             </a:lvl1pPr>
-            <a:lvl2pPr lvl="1" marR="0" rtl="0" algn="l">
-              <a:spcBef>
-                <a:spcPts val="0"/>
-              </a:spcBef>
-              <a:spcAft>
-                <a:spcPts val="0"/>
-              </a:spcAft>
-              <a:buSzPts val="1200"/>
-              <a:buNone/>
-              <a:defRPr b="0" i="0" sz="1600" u="none" cap="none" strike="noStrike">
+            <a:lvl2pPr marR="0" lvl="1" algn="l" rtl="0">
+              <a:spcBef>
+                <a:spcPts val="0"/>
+              </a:spcBef>
+              <a:spcAft>
+                <a:spcPts val="0"/>
+              </a:spcAft>
+              <a:buSzPts val="1200"/>
+              <a:buNone/>
+              <a:defRPr sz="1600" b="0" i="0" u="none" strike="noStrike" cap="none">
                 <a:solidFill>
                   <a:schemeClr val="dk1"/>
                 </a:solidFill>
@@ -10598,16 +10879,16 @@
                 <a:sym typeface="Calibri"/>
               </a:defRPr>
             </a:lvl2pPr>
-            <a:lvl3pPr lvl="2" marR="0" rtl="0" algn="l">
-              <a:spcBef>
-                <a:spcPts val="0"/>
-              </a:spcBef>
-              <a:spcAft>
-                <a:spcPts val="0"/>
-              </a:spcAft>
-              <a:buSzPts val="1200"/>
-              <a:buNone/>
-              <a:defRPr b="0" i="0" sz="1600" u="none" cap="none" strike="noStrike">
+            <a:lvl3pPr marR="0" lvl="2" algn="l" rtl="0">
+              <a:spcBef>
+                <a:spcPts val="0"/>
+              </a:spcBef>
+              <a:spcAft>
+                <a:spcPts val="0"/>
+              </a:spcAft>
+              <a:buSzPts val="1200"/>
+              <a:buNone/>
+              <a:defRPr sz="1600" b="0" i="0" u="none" strike="noStrike" cap="none">
                 <a:solidFill>
                   <a:schemeClr val="dk1"/>
                 </a:solidFill>
@@ -10617,16 +10898,16 @@
                 <a:sym typeface="Calibri"/>
               </a:defRPr>
             </a:lvl3pPr>
-            <a:lvl4pPr lvl="3" marR="0" rtl="0" algn="l">
-              <a:spcBef>
-                <a:spcPts val="0"/>
-              </a:spcBef>
-              <a:spcAft>
-                <a:spcPts val="0"/>
-              </a:spcAft>
-              <a:buSzPts val="1200"/>
-              <a:buNone/>
-              <a:defRPr b="0" i="0" sz="1600" u="none" cap="none" strike="noStrike">
+            <a:lvl4pPr marR="0" lvl="3" algn="l" rtl="0">
+              <a:spcBef>
+                <a:spcPts val="0"/>
+              </a:spcBef>
+              <a:spcAft>
+                <a:spcPts val="0"/>
+              </a:spcAft>
+              <a:buSzPts val="1200"/>
+              <a:buNone/>
+              <a:defRPr sz="1600" b="0" i="0" u="none" strike="noStrike" cap="none">
                 <a:solidFill>
                   <a:schemeClr val="dk1"/>
                 </a:solidFill>
@@ -10636,16 +10917,16 @@
                 <a:sym typeface="Calibri"/>
               </a:defRPr>
             </a:lvl4pPr>
-            <a:lvl5pPr lvl="4" marR="0" rtl="0" algn="l">
-              <a:spcBef>
-                <a:spcPts val="0"/>
-              </a:spcBef>
-              <a:spcAft>
-                <a:spcPts val="0"/>
-              </a:spcAft>
-              <a:buSzPts val="1200"/>
-              <a:buNone/>
-              <a:defRPr b="0" i="0" sz="1600" u="none" cap="none" strike="noStrike">
+            <a:lvl5pPr marR="0" lvl="4" algn="l" rtl="0">
+              <a:spcBef>
+                <a:spcPts val="0"/>
+              </a:spcBef>
+              <a:spcAft>
+                <a:spcPts val="0"/>
+              </a:spcAft>
+              <a:buSzPts val="1200"/>
+              <a:buNone/>
+              <a:defRPr sz="1600" b="0" i="0" u="none" strike="noStrike" cap="none">
                 <a:solidFill>
                   <a:schemeClr val="dk1"/>
                 </a:solidFill>
@@ -10655,16 +10936,16 @@
                 <a:sym typeface="Calibri"/>
               </a:defRPr>
             </a:lvl5pPr>
-            <a:lvl6pPr lvl="5" marR="0" rtl="0" algn="l">
-              <a:spcBef>
-                <a:spcPts val="0"/>
-              </a:spcBef>
-              <a:spcAft>
-                <a:spcPts val="0"/>
-              </a:spcAft>
-              <a:buSzPts val="1200"/>
-              <a:buNone/>
-              <a:defRPr b="0" i="0" sz="1600" u="none" cap="none" strike="noStrike">
+            <a:lvl6pPr marR="0" lvl="5" algn="l" rtl="0">
+              <a:spcBef>
+                <a:spcPts val="0"/>
+              </a:spcBef>
+              <a:spcAft>
+                <a:spcPts val="0"/>
+              </a:spcAft>
+              <a:buSzPts val="1200"/>
+              <a:buNone/>
+              <a:defRPr sz="1600" b="0" i="0" u="none" strike="noStrike" cap="none">
                 <a:solidFill>
                   <a:schemeClr val="dk1"/>
                 </a:solidFill>
@@ -10674,16 +10955,16 @@
                 <a:sym typeface="Calibri"/>
               </a:defRPr>
             </a:lvl6pPr>
-            <a:lvl7pPr lvl="6" marR="0" rtl="0" algn="l">
-              <a:spcBef>
-                <a:spcPts val="0"/>
-              </a:spcBef>
-              <a:spcAft>
-                <a:spcPts val="0"/>
-              </a:spcAft>
-              <a:buSzPts val="1200"/>
-              <a:buNone/>
-              <a:defRPr b="0" i="0" sz="1600" u="none" cap="none" strike="noStrike">
+            <a:lvl7pPr marR="0" lvl="6" algn="l" rtl="0">
+              <a:spcBef>
+                <a:spcPts val="0"/>
+              </a:spcBef>
+              <a:spcAft>
+                <a:spcPts val="0"/>
+              </a:spcAft>
+              <a:buSzPts val="1200"/>
+              <a:buNone/>
+              <a:defRPr sz="1600" b="0" i="0" u="none" strike="noStrike" cap="none">
                 <a:solidFill>
                   <a:schemeClr val="dk1"/>
                 </a:solidFill>
@@ -10693,16 +10974,16 @@
                 <a:sym typeface="Calibri"/>
               </a:defRPr>
             </a:lvl7pPr>
-            <a:lvl8pPr lvl="7" marR="0" rtl="0" algn="l">
-              <a:spcBef>
-                <a:spcPts val="0"/>
-              </a:spcBef>
-              <a:spcAft>
-                <a:spcPts val="0"/>
-              </a:spcAft>
-              <a:buSzPts val="1200"/>
-              <a:buNone/>
-              <a:defRPr b="0" i="0" sz="1600" u="none" cap="none" strike="noStrike">
+            <a:lvl8pPr marR="0" lvl="7" algn="l" rtl="0">
+              <a:spcBef>
+                <a:spcPts val="0"/>
+              </a:spcBef>
+              <a:spcAft>
+                <a:spcPts val="0"/>
+              </a:spcAft>
+              <a:buSzPts val="1200"/>
+              <a:buNone/>
+              <a:defRPr sz="1600" b="0" i="0" u="none" strike="noStrike" cap="none">
                 <a:solidFill>
                   <a:schemeClr val="dk1"/>
                 </a:solidFill>
@@ -10712,16 +10993,16 @@
                 <a:sym typeface="Calibri"/>
               </a:defRPr>
             </a:lvl8pPr>
-            <a:lvl9pPr lvl="8" marR="0" rtl="0" algn="l">
-              <a:spcBef>
-                <a:spcPts val="0"/>
-              </a:spcBef>
-              <a:spcAft>
-                <a:spcPts val="0"/>
-              </a:spcAft>
-              <a:buSzPts val="1200"/>
-              <a:buNone/>
-              <a:defRPr b="0" i="0" sz="1600" u="none" cap="none" strike="noStrike">
+            <a:lvl9pPr marR="0" lvl="8" algn="l" rtl="0">
+              <a:spcBef>
+                <a:spcPts val="0"/>
+              </a:spcBef>
+              <a:spcAft>
+                <a:spcPts val="0"/>
+              </a:spcAft>
+              <a:buSzPts val="1200"/>
+              <a:buNone/>
+              <a:defRPr sz="1600" b="0" i="0" u="none" strike="noStrike" cap="none">
                 <a:solidFill>
                   <a:schemeClr val="dk1"/>
                 </a:solidFill>
@@ -10732,15 +11013,19 @@
               </a:defRPr>
             </a:lvl9pPr>
           </a:lstStyle>
-          <a:p/>
+          <a:p>
+            <a:endParaRPr/>
+          </a:p>
         </p:txBody>
       </p:sp>
       <p:sp>
         <p:nvSpPr>
           <p:cNvPr id="9" name="Google Shape;9;p1"/>
-          <p:cNvSpPr txBox="1"/>
+          <p:cNvSpPr txBox="1">
+            <a:spLocks noGrp="1"/>
+          </p:cNvSpPr>
           <p:nvPr>
-            <p:ph idx="11" type="ftr"/>
+            <p:ph type="ftr" idx="11"/>
           </p:nvPr>
         </p:nvSpPr>
         <p:spPr>
@@ -10757,20 +11042,20 @@
           </a:ln>
         </p:spPr>
         <p:txBody>
-          <a:bodyPr anchorCtr="0" anchor="ctr" bIns="39550" lIns="79125" spcFirstLastPara="1" rIns="79125" wrap="square" tIns="39550">
+          <a:bodyPr spcFirstLastPara="1" wrap="square" lIns="79125" tIns="39550" rIns="79125" bIns="39550" anchor="ctr" anchorCtr="0">
             <a:noAutofit/>
           </a:bodyPr>
           <a:lstStyle>
-            <a:lvl1pPr lvl="0" marR="0" rtl="0" algn="ctr">
-              <a:spcBef>
-                <a:spcPts val="0"/>
-              </a:spcBef>
-              <a:spcAft>
-                <a:spcPts val="0"/>
-              </a:spcAft>
-              <a:buSzPts val="1200"/>
-              <a:buNone/>
-              <a:defRPr b="0" i="0" sz="1000" u="none" cap="none" strike="noStrike">
+            <a:lvl1pPr marR="0" lvl="0" algn="ctr" rtl="0">
+              <a:spcBef>
+                <a:spcPts val="0"/>
+              </a:spcBef>
+              <a:spcAft>
+                <a:spcPts val="0"/>
+              </a:spcAft>
+              <a:buSzPts val="1200"/>
+              <a:buNone/>
+              <a:defRPr sz="1000" b="0" i="0" u="none" strike="noStrike" cap="none">
                 <a:solidFill>
                   <a:srgbClr val="888888"/>
                 </a:solidFill>
@@ -10780,16 +11065,16 @@
                 <a:sym typeface="Calibri"/>
               </a:defRPr>
             </a:lvl1pPr>
-            <a:lvl2pPr lvl="1" marR="0" rtl="0" algn="l">
-              <a:spcBef>
-                <a:spcPts val="0"/>
-              </a:spcBef>
-              <a:spcAft>
-                <a:spcPts val="0"/>
-              </a:spcAft>
-              <a:buSzPts val="1200"/>
-              <a:buNone/>
-              <a:defRPr b="0" i="0" sz="1600" u="none" cap="none" strike="noStrike">
+            <a:lvl2pPr marR="0" lvl="1" algn="l" rtl="0">
+              <a:spcBef>
+                <a:spcPts val="0"/>
+              </a:spcBef>
+              <a:spcAft>
+                <a:spcPts val="0"/>
+              </a:spcAft>
+              <a:buSzPts val="1200"/>
+              <a:buNone/>
+              <a:defRPr sz="1600" b="0" i="0" u="none" strike="noStrike" cap="none">
                 <a:solidFill>
                   <a:schemeClr val="dk1"/>
                 </a:solidFill>
@@ -10799,16 +11084,16 @@
                 <a:sym typeface="Calibri"/>
               </a:defRPr>
             </a:lvl2pPr>
-            <a:lvl3pPr lvl="2" marR="0" rtl="0" algn="l">
-              <a:spcBef>
-                <a:spcPts val="0"/>
-              </a:spcBef>
-              <a:spcAft>
-                <a:spcPts val="0"/>
-              </a:spcAft>
-              <a:buSzPts val="1200"/>
-              <a:buNone/>
-              <a:defRPr b="0" i="0" sz="1600" u="none" cap="none" strike="noStrike">
+            <a:lvl3pPr marR="0" lvl="2" algn="l" rtl="0">
+              <a:spcBef>
+                <a:spcPts val="0"/>
+              </a:spcBef>
+              <a:spcAft>
+                <a:spcPts val="0"/>
+              </a:spcAft>
+              <a:buSzPts val="1200"/>
+              <a:buNone/>
+              <a:defRPr sz="1600" b="0" i="0" u="none" strike="noStrike" cap="none">
                 <a:solidFill>
                   <a:schemeClr val="dk1"/>
                 </a:solidFill>
@@ -10818,16 +11103,16 @@
                 <a:sym typeface="Calibri"/>
               </a:defRPr>
             </a:lvl3pPr>
-            <a:lvl4pPr lvl="3" marR="0" rtl="0" algn="l">
-              <a:spcBef>
-                <a:spcPts val="0"/>
-              </a:spcBef>
-              <a:spcAft>
-                <a:spcPts val="0"/>
-              </a:spcAft>
-              <a:buSzPts val="1200"/>
-              <a:buNone/>
-              <a:defRPr b="0" i="0" sz="1600" u="none" cap="none" strike="noStrike">
+            <a:lvl4pPr marR="0" lvl="3" algn="l" rtl="0">
+              <a:spcBef>
+                <a:spcPts val="0"/>
+              </a:spcBef>
+              <a:spcAft>
+                <a:spcPts val="0"/>
+              </a:spcAft>
+              <a:buSzPts val="1200"/>
+              <a:buNone/>
+              <a:defRPr sz="1600" b="0" i="0" u="none" strike="noStrike" cap="none">
                 <a:solidFill>
                   <a:schemeClr val="dk1"/>
                 </a:solidFill>
@@ -10837,16 +11122,16 @@
                 <a:sym typeface="Calibri"/>
               </a:defRPr>
             </a:lvl4pPr>
-            <a:lvl5pPr lvl="4" marR="0" rtl="0" algn="l">
-              <a:spcBef>
-                <a:spcPts val="0"/>
-              </a:spcBef>
-              <a:spcAft>
-                <a:spcPts val="0"/>
-              </a:spcAft>
-              <a:buSzPts val="1200"/>
-              <a:buNone/>
-              <a:defRPr b="0" i="0" sz="1600" u="none" cap="none" strike="noStrike">
+            <a:lvl5pPr marR="0" lvl="4" algn="l" rtl="0">
+              <a:spcBef>
+                <a:spcPts val="0"/>
+              </a:spcBef>
+              <a:spcAft>
+                <a:spcPts val="0"/>
+              </a:spcAft>
+              <a:buSzPts val="1200"/>
+              <a:buNone/>
+              <a:defRPr sz="1600" b="0" i="0" u="none" strike="noStrike" cap="none">
                 <a:solidFill>
                   <a:schemeClr val="dk1"/>
                 </a:solidFill>
@@ -10856,16 +11141,16 @@
                 <a:sym typeface="Calibri"/>
               </a:defRPr>
             </a:lvl5pPr>
-            <a:lvl6pPr lvl="5" marR="0" rtl="0" algn="l">
-              <a:spcBef>
-                <a:spcPts val="0"/>
-              </a:spcBef>
-              <a:spcAft>
-                <a:spcPts val="0"/>
-              </a:spcAft>
-              <a:buSzPts val="1200"/>
-              <a:buNone/>
-              <a:defRPr b="0" i="0" sz="1600" u="none" cap="none" strike="noStrike">
+            <a:lvl6pPr marR="0" lvl="5" algn="l" rtl="0">
+              <a:spcBef>
+                <a:spcPts val="0"/>
+              </a:spcBef>
+              <a:spcAft>
+                <a:spcPts val="0"/>
+              </a:spcAft>
+              <a:buSzPts val="1200"/>
+              <a:buNone/>
+              <a:defRPr sz="1600" b="0" i="0" u="none" strike="noStrike" cap="none">
                 <a:solidFill>
                   <a:schemeClr val="dk1"/>
                 </a:solidFill>
@@ -10875,16 +11160,16 @@
                 <a:sym typeface="Calibri"/>
               </a:defRPr>
             </a:lvl6pPr>
-            <a:lvl7pPr lvl="6" marR="0" rtl="0" algn="l">
-              <a:spcBef>
-                <a:spcPts val="0"/>
-              </a:spcBef>
-              <a:spcAft>
-                <a:spcPts val="0"/>
-              </a:spcAft>
-              <a:buSzPts val="1200"/>
-              <a:buNone/>
-              <a:defRPr b="0" i="0" sz="1600" u="none" cap="none" strike="noStrike">
+            <a:lvl7pPr marR="0" lvl="6" algn="l" rtl="0">
+              <a:spcBef>
+                <a:spcPts val="0"/>
+              </a:spcBef>
+              <a:spcAft>
+                <a:spcPts val="0"/>
+              </a:spcAft>
+              <a:buSzPts val="1200"/>
+              <a:buNone/>
+              <a:defRPr sz="1600" b="0" i="0" u="none" strike="noStrike" cap="none">
                 <a:solidFill>
                   <a:schemeClr val="dk1"/>
                 </a:solidFill>
@@ -10894,16 +11179,16 @@
                 <a:sym typeface="Calibri"/>
               </a:defRPr>
             </a:lvl7pPr>
-            <a:lvl8pPr lvl="7" marR="0" rtl="0" algn="l">
-              <a:spcBef>
-                <a:spcPts val="0"/>
-              </a:spcBef>
-              <a:spcAft>
-                <a:spcPts val="0"/>
-              </a:spcAft>
-              <a:buSzPts val="1200"/>
-              <a:buNone/>
-              <a:defRPr b="0" i="0" sz="1600" u="none" cap="none" strike="noStrike">
+            <a:lvl8pPr marR="0" lvl="7" algn="l" rtl="0">
+              <a:spcBef>
+                <a:spcPts val="0"/>
+              </a:spcBef>
+              <a:spcAft>
+                <a:spcPts val="0"/>
+              </a:spcAft>
+              <a:buSzPts val="1200"/>
+              <a:buNone/>
+              <a:defRPr sz="1600" b="0" i="0" u="none" strike="noStrike" cap="none">
                 <a:solidFill>
                   <a:schemeClr val="dk1"/>
                 </a:solidFill>
@@ -10913,16 +11198,16 @@
                 <a:sym typeface="Calibri"/>
               </a:defRPr>
             </a:lvl8pPr>
-            <a:lvl9pPr lvl="8" marR="0" rtl="0" algn="l">
-              <a:spcBef>
-                <a:spcPts val="0"/>
-              </a:spcBef>
-              <a:spcAft>
-                <a:spcPts val="0"/>
-              </a:spcAft>
-              <a:buSzPts val="1200"/>
-              <a:buNone/>
-              <a:defRPr b="0" i="0" sz="1600" u="none" cap="none" strike="noStrike">
+            <a:lvl9pPr marR="0" lvl="8" algn="l" rtl="0">
+              <a:spcBef>
+                <a:spcPts val="0"/>
+              </a:spcBef>
+              <a:spcAft>
+                <a:spcPts val="0"/>
+              </a:spcAft>
+              <a:buSzPts val="1200"/>
+              <a:buNone/>
+              <a:defRPr sz="1600" b="0" i="0" u="none" strike="noStrike" cap="none">
                 <a:solidFill>
                   <a:schemeClr val="dk1"/>
                 </a:solidFill>
@@ -10933,15 +11218,19 @@
               </a:defRPr>
             </a:lvl9pPr>
           </a:lstStyle>
-          <a:p/>
+          <a:p>
+            <a:endParaRPr/>
+          </a:p>
         </p:txBody>
       </p:sp>
       <p:sp>
         <p:nvSpPr>
           <p:cNvPr id="10" name="Google Shape;10;p1"/>
-          <p:cNvSpPr txBox="1"/>
+          <p:cNvSpPr txBox="1">
+            <a:spLocks noGrp="1"/>
+          </p:cNvSpPr>
           <p:nvPr>
-            <p:ph idx="12" type="sldNum"/>
+            <p:ph type="sldNum" idx="12"/>
           </p:nvPr>
         </p:nvSpPr>
         <p:spPr>
@@ -10958,16 +11247,16 @@
           </a:ln>
         </p:spPr>
         <p:txBody>
-          <a:bodyPr anchorCtr="0" anchor="ctr" bIns="39550" lIns="79125" spcFirstLastPara="1" rIns="79125" wrap="square" tIns="39550">
+          <a:bodyPr spcFirstLastPara="1" wrap="square" lIns="79125" tIns="39550" rIns="79125" bIns="39550" anchor="ctr" anchorCtr="0">
             <a:noAutofit/>
           </a:bodyPr>
           <a:lstStyle>
-            <a:lvl1pPr indent="0" lvl="0" marL="0" marR="0" rtl="0" algn="r">
-              <a:spcBef>
-                <a:spcPts val="0"/>
-              </a:spcBef>
-              <a:buNone/>
-              <a:defRPr b="0" i="0" sz="1000" u="none" cap="none" strike="noStrike">
+            <a:lvl1pPr marL="0" marR="0" lvl="0" indent="0" algn="r" rtl="0">
+              <a:spcBef>
+                <a:spcPts val="0"/>
+              </a:spcBef>
+              <a:buNone/>
+              <a:defRPr sz="1000" b="0" i="0" u="none" strike="noStrike" cap="none">
                 <a:solidFill>
                   <a:srgbClr val="888888"/>
                 </a:solidFill>
@@ -10977,12 +11266,12 @@
                 <a:sym typeface="Calibri"/>
               </a:defRPr>
             </a:lvl1pPr>
-            <a:lvl2pPr indent="0" lvl="1" marL="0" marR="0" rtl="0" algn="r">
-              <a:spcBef>
-                <a:spcPts val="0"/>
-              </a:spcBef>
-              <a:buNone/>
-              <a:defRPr b="0" i="0" sz="1000" u="none" cap="none" strike="noStrike">
+            <a:lvl2pPr marL="0" marR="0" lvl="1" indent="0" algn="r" rtl="0">
+              <a:spcBef>
+                <a:spcPts val="0"/>
+              </a:spcBef>
+              <a:buNone/>
+              <a:defRPr sz="1000" b="0" i="0" u="none" strike="noStrike" cap="none">
                 <a:solidFill>
                   <a:srgbClr val="888888"/>
                 </a:solidFill>
@@ -10992,12 +11281,12 @@
                 <a:sym typeface="Calibri"/>
               </a:defRPr>
             </a:lvl2pPr>
-            <a:lvl3pPr indent="0" lvl="2" marL="0" marR="0" rtl="0" algn="r">
-              <a:spcBef>
-                <a:spcPts val="0"/>
-              </a:spcBef>
-              <a:buNone/>
-              <a:defRPr b="0" i="0" sz="1000" u="none" cap="none" strike="noStrike">
+            <a:lvl3pPr marL="0" marR="0" lvl="2" indent="0" algn="r" rtl="0">
+              <a:spcBef>
+                <a:spcPts val="0"/>
+              </a:spcBef>
+              <a:buNone/>
+              <a:defRPr sz="1000" b="0" i="0" u="none" strike="noStrike" cap="none">
                 <a:solidFill>
                   <a:srgbClr val="888888"/>
                 </a:solidFill>
@@ -11007,12 +11296,12 @@
                 <a:sym typeface="Calibri"/>
               </a:defRPr>
             </a:lvl3pPr>
-            <a:lvl4pPr indent="0" lvl="3" marL="0" marR="0" rtl="0" algn="r">
-              <a:spcBef>
-                <a:spcPts val="0"/>
-              </a:spcBef>
-              <a:buNone/>
-              <a:defRPr b="0" i="0" sz="1000" u="none" cap="none" strike="noStrike">
+            <a:lvl4pPr marL="0" marR="0" lvl="3" indent="0" algn="r" rtl="0">
+              <a:spcBef>
+                <a:spcPts val="0"/>
+              </a:spcBef>
+              <a:buNone/>
+              <a:defRPr sz="1000" b="0" i="0" u="none" strike="noStrike" cap="none">
                 <a:solidFill>
                   <a:srgbClr val="888888"/>
                 </a:solidFill>
@@ -11022,12 +11311,12 @@
                 <a:sym typeface="Calibri"/>
               </a:defRPr>
             </a:lvl4pPr>
-            <a:lvl5pPr indent="0" lvl="4" marL="0" marR="0" rtl="0" algn="r">
-              <a:spcBef>
-                <a:spcPts val="0"/>
-              </a:spcBef>
-              <a:buNone/>
-              <a:defRPr b="0" i="0" sz="1000" u="none" cap="none" strike="noStrike">
+            <a:lvl5pPr marL="0" marR="0" lvl="4" indent="0" algn="r" rtl="0">
+              <a:spcBef>
+                <a:spcPts val="0"/>
+              </a:spcBef>
+              <a:buNone/>
+              <a:defRPr sz="1000" b="0" i="0" u="none" strike="noStrike" cap="none">
                 <a:solidFill>
                   <a:srgbClr val="888888"/>
                 </a:solidFill>
@@ -11037,12 +11326,12 @@
                 <a:sym typeface="Calibri"/>
               </a:defRPr>
             </a:lvl5pPr>
-            <a:lvl6pPr indent="0" lvl="5" marL="0" marR="0" rtl="0" algn="r">
-              <a:spcBef>
-                <a:spcPts val="0"/>
-              </a:spcBef>
-              <a:buNone/>
-              <a:defRPr b="0" i="0" sz="1000" u="none" cap="none" strike="noStrike">
+            <a:lvl6pPr marL="0" marR="0" lvl="5" indent="0" algn="r" rtl="0">
+              <a:spcBef>
+                <a:spcPts val="0"/>
+              </a:spcBef>
+              <a:buNone/>
+              <a:defRPr sz="1000" b="0" i="0" u="none" strike="noStrike" cap="none">
                 <a:solidFill>
                   <a:srgbClr val="888888"/>
                 </a:solidFill>
@@ -11052,12 +11341,12 @@
                 <a:sym typeface="Calibri"/>
               </a:defRPr>
             </a:lvl6pPr>
-            <a:lvl7pPr indent="0" lvl="6" marL="0" marR="0" rtl="0" algn="r">
-              <a:spcBef>
-                <a:spcPts val="0"/>
-              </a:spcBef>
-              <a:buNone/>
-              <a:defRPr b="0" i="0" sz="1000" u="none" cap="none" strike="noStrike">
+            <a:lvl7pPr marL="0" marR="0" lvl="6" indent="0" algn="r" rtl="0">
+              <a:spcBef>
+                <a:spcPts val="0"/>
+              </a:spcBef>
+              <a:buNone/>
+              <a:defRPr sz="1000" b="0" i="0" u="none" strike="noStrike" cap="none">
                 <a:solidFill>
                   <a:srgbClr val="888888"/>
                 </a:solidFill>
@@ -11067,12 +11356,12 @@
                 <a:sym typeface="Calibri"/>
               </a:defRPr>
             </a:lvl7pPr>
-            <a:lvl8pPr indent="0" lvl="7" marL="0" marR="0" rtl="0" algn="r">
-              <a:spcBef>
-                <a:spcPts val="0"/>
-              </a:spcBef>
-              <a:buNone/>
-              <a:defRPr b="0" i="0" sz="1000" u="none" cap="none" strike="noStrike">
+            <a:lvl8pPr marL="0" marR="0" lvl="7" indent="0" algn="r" rtl="0">
+              <a:spcBef>
+                <a:spcPts val="0"/>
+              </a:spcBef>
+              <a:buNone/>
+              <a:defRPr sz="1000" b="0" i="0" u="none" strike="noStrike" cap="none">
                 <a:solidFill>
                   <a:srgbClr val="888888"/>
                 </a:solidFill>
@@ -11082,12 +11371,12 @@
                 <a:sym typeface="Calibri"/>
               </a:defRPr>
             </a:lvl8pPr>
-            <a:lvl9pPr indent="0" lvl="8" marL="0" marR="0" rtl="0" algn="r">
-              <a:spcBef>
-                <a:spcPts val="0"/>
-              </a:spcBef>
-              <a:buNone/>
-              <a:defRPr b="0" i="0" sz="1000" u="none" cap="none" strike="noStrike">
+            <a:lvl9pPr marL="0" marR="0" lvl="8" indent="0" algn="r" rtl="0">
+              <a:spcBef>
+                <a:spcPts val="0"/>
+              </a:spcBef>
+              <a:buNone/>
+              <a:defRPr sz="1000" b="0" i="0" u="none" strike="noStrike" cap="none">
                 <a:solidFill>
                   <a:srgbClr val="888888"/>
                 </a:solidFill>
@@ -11099,7 +11388,7 @@
             </a:lvl9pPr>
           </a:lstStyle>
           <a:p>
-            <a:pPr indent="0" lvl="0" marL="0" rtl="0" algn="r">
+            <a:pPr marL="0" lvl="0" indent="0" algn="r" rtl="0">
               <a:spcBef>
                 <a:spcPts val="0"/>
               </a:spcBef>
@@ -11118,7 +11407,7 @@
       </p:sp>
     </p:spTree>
   </p:cSld>
-  <p:clrMap accent1="accent1" accent2="accent2" accent3="accent3" accent4="accent4" accent5="accent5" accent6="accent6" bg1="lt1" bg2="dk2" tx1="dk1" tx2="lt2" folHlink="folHlink" hlink="hlink"/>
+  <p:clrMap bg1="lt1" tx1="dk1" bg2="dk2" tx2="lt2" accent1="accent1" accent2="accent2" accent3="accent3" accent4="accent4" accent5="accent5" accent6="accent6" hlink="hlink" folHlink="folHlink"/>
   <p:sldLayoutIdLst>
     <p:sldLayoutId id="2147483648" r:id="rId1"/>
     <p:sldLayoutId id="2147483649" r:id="rId2"/>
@@ -11132,10 +11421,10 @@
     <p:sldLayoutId id="2147483657" r:id="rId10"/>
     <p:sldLayoutId id="2147483658" r:id="rId11"/>
   </p:sldLayoutIdLst>
-  <p:hf dt="0" ftr="0" hdr="0"/>
+  <p:hf hdr="0" ftr="0" dt="0"/>
   <p:txStyles>
     <p:titleStyle>
-      <a:defPPr lvl="0" marR="0" rtl="0" algn="l">
+      <a:defPPr marR="0" lvl="0" algn="l" rtl="0">
         <a:lnSpc>
           <a:spcPct val="100000"/>
         </a:lnSpc>
@@ -11146,7 +11435,7 @@
           <a:spcPts val="0"/>
         </a:spcAft>
       </a:defPPr>
-      <a:lvl1pPr lvl="0" marR="0" rtl="0" algn="l">
+      <a:lvl1pPr marR="0" lvl="0" algn="l" rtl="0">
         <a:lnSpc>
           <a:spcPct val="100000"/>
         </a:lnSpc>
@@ -11160,7 +11449,7 @@
           <a:srgbClr val="000000"/>
         </a:buClr>
         <a:buFont typeface="Arial"/>
-        <a:defRPr b="0" i="0" sz="1400" u="none" cap="none" strike="noStrike">
+        <a:defRPr sz="1400" b="0" i="0" u="none" strike="noStrike" cap="none">
           <a:solidFill>
             <a:srgbClr val="000000"/>
           </a:solidFill>
@@ -11170,7 +11459,7 @@
           <a:sym typeface="Arial"/>
         </a:defRPr>
       </a:lvl1pPr>
-      <a:lvl2pPr lvl="1" marR="0" rtl="0" algn="l">
+      <a:lvl2pPr marR="0" lvl="1" algn="l" rtl="0">
         <a:lnSpc>
           <a:spcPct val="100000"/>
         </a:lnSpc>
@@ -11184,7 +11473,7 @@
           <a:srgbClr val="000000"/>
         </a:buClr>
         <a:buFont typeface="Arial"/>
-        <a:defRPr b="0" i="0" sz="1400" u="none" cap="none" strike="noStrike">
+        <a:defRPr sz="1400" b="0" i="0" u="none" strike="noStrike" cap="none">
           <a:solidFill>
             <a:srgbClr val="000000"/>
           </a:solidFill>
@@ -11194,7 +11483,7 @@
           <a:sym typeface="Arial"/>
         </a:defRPr>
       </a:lvl2pPr>
-      <a:lvl3pPr lvl="2" marR="0" rtl="0" algn="l">
+      <a:lvl3pPr marR="0" lvl="2" algn="l" rtl="0">
         <a:lnSpc>
           <a:spcPct val="100000"/>
         </a:lnSpc>
@@ -11208,7 +11497,7 @@
           <a:srgbClr val="000000"/>
         </a:buClr>
         <a:buFont typeface="Arial"/>
-        <a:defRPr b="0" i="0" sz="1400" u="none" cap="none" strike="noStrike">
+        <a:defRPr sz="1400" b="0" i="0" u="none" strike="noStrike" cap="none">
           <a:solidFill>
             <a:srgbClr val="000000"/>
           </a:solidFill>
@@ -11218,7 +11507,7 @@
           <a:sym typeface="Arial"/>
         </a:defRPr>
       </a:lvl3pPr>
-      <a:lvl4pPr lvl="3" marR="0" rtl="0" algn="l">
+      <a:lvl4pPr marR="0" lvl="3" algn="l" rtl="0">
         <a:lnSpc>
           <a:spcPct val="100000"/>
         </a:lnSpc>
@@ -11232,7 +11521,7 @@
           <a:srgbClr val="000000"/>
         </a:buClr>
         <a:buFont typeface="Arial"/>
-        <a:defRPr b="0" i="0" sz="1400" u="none" cap="none" strike="noStrike">
+        <a:defRPr sz="1400" b="0" i="0" u="none" strike="noStrike" cap="none">
           <a:solidFill>
             <a:srgbClr val="000000"/>
           </a:solidFill>
@@ -11242,7 +11531,7 @@
           <a:sym typeface="Arial"/>
         </a:defRPr>
       </a:lvl4pPr>
-      <a:lvl5pPr lvl="4" marR="0" rtl="0" algn="l">
+      <a:lvl5pPr marR="0" lvl="4" algn="l" rtl="0">
         <a:lnSpc>
           <a:spcPct val="100000"/>
         </a:lnSpc>
@@ -11256,7 +11545,7 @@
           <a:srgbClr val="000000"/>
         </a:buClr>
         <a:buFont typeface="Arial"/>
-        <a:defRPr b="0" i="0" sz="1400" u="none" cap="none" strike="noStrike">
+        <a:defRPr sz="1400" b="0" i="0" u="none" strike="noStrike" cap="none">
           <a:solidFill>
             <a:srgbClr val="000000"/>
           </a:solidFill>
@@ -11266,7 +11555,7 @@
           <a:sym typeface="Arial"/>
         </a:defRPr>
       </a:lvl5pPr>
-      <a:lvl6pPr lvl="5" marR="0" rtl="0" algn="l">
+      <a:lvl6pPr marR="0" lvl="5" algn="l" rtl="0">
         <a:lnSpc>
           <a:spcPct val="100000"/>
         </a:lnSpc>
@@ -11280,7 +11569,7 @@
           <a:srgbClr val="000000"/>
         </a:buClr>
         <a:buFont typeface="Arial"/>
-        <a:defRPr b="0" i="0" sz="1400" u="none" cap="none" strike="noStrike">
+        <a:defRPr sz="1400" b="0" i="0" u="none" strike="noStrike" cap="none">
           <a:solidFill>
             <a:srgbClr val="000000"/>
           </a:solidFill>
@@ -11290,7 +11579,7 @@
           <a:sym typeface="Arial"/>
         </a:defRPr>
       </a:lvl6pPr>
-      <a:lvl7pPr lvl="6" marR="0" rtl="0" algn="l">
+      <a:lvl7pPr marR="0" lvl="6" algn="l" rtl="0">
         <a:lnSpc>
           <a:spcPct val="100000"/>
         </a:lnSpc>
@@ -11304,7 +11593,7 @@
           <a:srgbClr val="000000"/>
         </a:buClr>
         <a:buFont typeface="Arial"/>
-        <a:defRPr b="0" i="0" sz="1400" u="none" cap="none" strike="noStrike">
+        <a:defRPr sz="1400" b="0" i="0" u="none" strike="noStrike" cap="none">
           <a:solidFill>
             <a:srgbClr val="000000"/>
           </a:solidFill>
@@ -11314,7 +11603,7 @@
           <a:sym typeface="Arial"/>
         </a:defRPr>
       </a:lvl7pPr>
-      <a:lvl8pPr lvl="7" marR="0" rtl="0" algn="l">
+      <a:lvl8pPr marR="0" lvl="7" algn="l" rtl="0">
         <a:lnSpc>
           <a:spcPct val="100000"/>
         </a:lnSpc>
@@ -11328,7 +11617,7 @@
           <a:srgbClr val="000000"/>
         </a:buClr>
         <a:buFont typeface="Arial"/>
-        <a:defRPr b="0" i="0" sz="1400" u="none" cap="none" strike="noStrike">
+        <a:defRPr sz="1400" b="0" i="0" u="none" strike="noStrike" cap="none">
           <a:solidFill>
             <a:srgbClr val="000000"/>
           </a:solidFill>
@@ -11338,7 +11627,7 @@
           <a:sym typeface="Arial"/>
         </a:defRPr>
       </a:lvl8pPr>
-      <a:lvl9pPr lvl="8" marR="0" rtl="0" algn="l">
+      <a:lvl9pPr marR="0" lvl="8" algn="l" rtl="0">
         <a:lnSpc>
           <a:spcPct val="100000"/>
         </a:lnSpc>
@@ -11352,7 +11641,7 @@
           <a:srgbClr val="000000"/>
         </a:buClr>
         <a:buFont typeface="Arial"/>
-        <a:defRPr b="0" i="0" sz="1400" u="none" cap="none" strike="noStrike">
+        <a:defRPr sz="1400" b="0" i="0" u="none" strike="noStrike" cap="none">
           <a:solidFill>
             <a:srgbClr val="000000"/>
           </a:solidFill>
@@ -11364,7 +11653,7 @@
       </a:lvl9pPr>
     </p:titleStyle>
     <p:bodyStyle>
-      <a:defPPr lvl="0" marR="0" rtl="0" algn="l">
+      <a:defPPr marR="0" lvl="0" algn="l" rtl="0">
         <a:lnSpc>
           <a:spcPct val="100000"/>
         </a:lnSpc>
@@ -11375,7 +11664,7 @@
           <a:spcPts val="0"/>
         </a:spcAft>
       </a:defPPr>
-      <a:lvl1pPr lvl="0" marR="0" rtl="0" algn="l">
+      <a:lvl1pPr marR="0" lvl="0" algn="l" rtl="0">
         <a:lnSpc>
           <a:spcPct val="100000"/>
         </a:lnSpc>
@@ -11389,7 +11678,7 @@
           <a:srgbClr val="000000"/>
         </a:buClr>
         <a:buFont typeface="Arial"/>
-        <a:defRPr b="0" i="0" sz="1400" u="none" cap="none" strike="noStrike">
+        <a:defRPr sz="1400" b="0" i="0" u="none" strike="noStrike" cap="none">
           <a:solidFill>
             <a:srgbClr val="000000"/>
           </a:solidFill>
@@ -11399,7 +11688,7 @@
           <a:sym typeface="Arial"/>
         </a:defRPr>
       </a:lvl1pPr>
-      <a:lvl2pPr lvl="1" marR="0" rtl="0" algn="l">
+      <a:lvl2pPr marR="0" lvl="1" algn="l" rtl="0">
         <a:lnSpc>
           <a:spcPct val="100000"/>
         </a:lnSpc>
@@ -11413,7 +11702,7 @@
           <a:srgbClr val="000000"/>
         </a:buClr>
         <a:buFont typeface="Arial"/>
-        <a:defRPr b="0" i="0" sz="1400" u="none" cap="none" strike="noStrike">
+        <a:defRPr sz="1400" b="0" i="0" u="none" strike="noStrike" cap="none">
           <a:solidFill>
             <a:srgbClr val="000000"/>
           </a:solidFill>
@@ -11423,7 +11712,7 @@
           <a:sym typeface="Arial"/>
         </a:defRPr>
       </a:lvl2pPr>
-      <a:lvl3pPr lvl="2" marR="0" rtl="0" algn="l">
+      <a:lvl3pPr marR="0" lvl="2" algn="l" rtl="0">
         <a:lnSpc>
           <a:spcPct val="100000"/>
         </a:lnSpc>
@@ -11437,7 +11726,7 @@
           <a:srgbClr val="000000"/>
         </a:buClr>
         <a:buFont typeface="Arial"/>
-        <a:defRPr b="0" i="0" sz="1400" u="none" cap="none" strike="noStrike">
+        <a:defRPr sz="1400" b="0" i="0" u="none" strike="noStrike" cap="none">
           <a:solidFill>
             <a:srgbClr val="000000"/>
           </a:solidFill>
@@ -11447,7 +11736,7 @@
           <a:sym typeface="Arial"/>
         </a:defRPr>
       </a:lvl3pPr>
-      <a:lvl4pPr lvl="3" marR="0" rtl="0" algn="l">
+      <a:lvl4pPr marR="0" lvl="3" algn="l" rtl="0">
         <a:lnSpc>
           <a:spcPct val="100000"/>
         </a:lnSpc>
@@ -11461,7 +11750,7 @@
           <a:srgbClr val="000000"/>
         </a:buClr>
         <a:buFont typeface="Arial"/>
-        <a:defRPr b="0" i="0" sz="1400" u="none" cap="none" strike="noStrike">
+        <a:defRPr sz="1400" b="0" i="0" u="none" strike="noStrike" cap="none">
           <a:solidFill>
             <a:srgbClr val="000000"/>
           </a:solidFill>
@@ -11471,7 +11760,7 @@
           <a:sym typeface="Arial"/>
         </a:defRPr>
       </a:lvl4pPr>
-      <a:lvl5pPr lvl="4" marR="0" rtl="0" algn="l">
+      <a:lvl5pPr marR="0" lvl="4" algn="l" rtl="0">
         <a:lnSpc>
           <a:spcPct val="100000"/>
         </a:lnSpc>
@@ -11485,7 +11774,7 @@
           <a:srgbClr val="000000"/>
         </a:buClr>
         <a:buFont typeface="Arial"/>
-        <a:defRPr b="0" i="0" sz="1400" u="none" cap="none" strike="noStrike">
+        <a:defRPr sz="1400" b="0" i="0" u="none" strike="noStrike" cap="none">
           <a:solidFill>
             <a:srgbClr val="000000"/>
           </a:solidFill>
@@ -11495,7 +11784,7 @@
           <a:sym typeface="Arial"/>
         </a:defRPr>
       </a:lvl5pPr>
-      <a:lvl6pPr lvl="5" marR="0" rtl="0" algn="l">
+      <a:lvl6pPr marR="0" lvl="5" algn="l" rtl="0">
         <a:lnSpc>
           <a:spcPct val="100000"/>
         </a:lnSpc>
@@ -11509,7 +11798,7 @@
           <a:srgbClr val="000000"/>
         </a:buClr>
         <a:buFont typeface="Arial"/>
-        <a:defRPr b="0" i="0" sz="1400" u="none" cap="none" strike="noStrike">
+        <a:defRPr sz="1400" b="0" i="0" u="none" strike="noStrike" cap="none">
           <a:solidFill>
             <a:srgbClr val="000000"/>
           </a:solidFill>
@@ -11519,7 +11808,7 @@
           <a:sym typeface="Arial"/>
         </a:defRPr>
       </a:lvl6pPr>
-      <a:lvl7pPr lvl="6" marR="0" rtl="0" algn="l">
+      <a:lvl7pPr marR="0" lvl="6" algn="l" rtl="0">
         <a:lnSpc>
           <a:spcPct val="100000"/>
         </a:lnSpc>
@@ -11533,7 +11822,7 @@
           <a:srgbClr val="000000"/>
         </a:buClr>
         <a:buFont typeface="Arial"/>
-        <a:defRPr b="0" i="0" sz="1400" u="none" cap="none" strike="noStrike">
+        <a:defRPr sz="1400" b="0" i="0" u="none" strike="noStrike" cap="none">
           <a:solidFill>
             <a:srgbClr val="000000"/>
           </a:solidFill>
@@ -11543,7 +11832,7 @@
           <a:sym typeface="Arial"/>
         </a:defRPr>
       </a:lvl7pPr>
-      <a:lvl8pPr lvl="7" marR="0" rtl="0" algn="l">
+      <a:lvl8pPr marR="0" lvl="7" algn="l" rtl="0">
         <a:lnSpc>
           <a:spcPct val="100000"/>
         </a:lnSpc>
@@ -11557,7 +11846,7 @@
           <a:srgbClr val="000000"/>
         </a:buClr>
         <a:buFont typeface="Arial"/>
-        <a:defRPr b="0" i="0" sz="1400" u="none" cap="none" strike="noStrike">
+        <a:defRPr sz="1400" b="0" i="0" u="none" strike="noStrike" cap="none">
           <a:solidFill>
             <a:srgbClr val="000000"/>
           </a:solidFill>
@@ -11567,7 +11856,7 @@
           <a:sym typeface="Arial"/>
         </a:defRPr>
       </a:lvl8pPr>
-      <a:lvl9pPr lvl="8" marR="0" rtl="0" algn="l">
+      <a:lvl9pPr marR="0" lvl="8" algn="l" rtl="0">
         <a:lnSpc>
           <a:spcPct val="100000"/>
         </a:lnSpc>
@@ -11581,7 +11870,7 @@
           <a:srgbClr val="000000"/>
         </a:buClr>
         <a:buFont typeface="Arial"/>
-        <a:defRPr b="0" i="0" sz="1400" u="none" cap="none" strike="noStrike">
+        <a:defRPr sz="1400" b="0" i="0" u="none" strike="noStrike" cap="none">
           <a:solidFill>
             <a:srgbClr val="000000"/>
           </a:solidFill>
@@ -11593,7 +11882,7 @@
       </a:lvl9pPr>
     </p:bodyStyle>
     <p:otherStyle>
-      <a:defPPr lvl="0" marR="0" rtl="0" algn="l">
+      <a:defPPr marR="0" lvl="0" algn="l" rtl="0">
         <a:lnSpc>
           <a:spcPct val="100000"/>
         </a:lnSpc>
@@ -11604,7 +11893,7 @@
           <a:spcPts val="0"/>
         </a:spcAft>
       </a:defPPr>
-      <a:lvl1pPr lvl="0" marR="0" rtl="0" algn="l">
+      <a:lvl1pPr marR="0" lvl="0" algn="l" rtl="0">
         <a:lnSpc>
           <a:spcPct val="100000"/>
         </a:lnSpc>
@@ -11618,7 +11907,7 @@
           <a:srgbClr val="000000"/>
         </a:buClr>
         <a:buFont typeface="Arial"/>
-        <a:defRPr b="0" i="0" sz="1400" u="none" cap="none" strike="noStrike">
+        <a:defRPr sz="1400" b="0" i="0" u="none" strike="noStrike" cap="none">
           <a:solidFill>
             <a:srgbClr val="000000"/>
           </a:solidFill>
@@ -11628,7 +11917,7 @@
           <a:sym typeface="Arial"/>
         </a:defRPr>
       </a:lvl1pPr>
-      <a:lvl2pPr lvl="1" marR="0" rtl="0" algn="l">
+      <a:lvl2pPr marR="0" lvl="1" algn="l" rtl="0">
         <a:lnSpc>
           <a:spcPct val="100000"/>
         </a:lnSpc>
@@ -11642,7 +11931,7 @@
           <a:srgbClr val="000000"/>
         </a:buClr>
         <a:buFont typeface="Arial"/>
-        <a:defRPr b="0" i="0" sz="1400" u="none" cap="none" strike="noStrike">
+        <a:defRPr sz="1400" b="0" i="0" u="none" strike="noStrike" cap="none">
           <a:solidFill>
             <a:srgbClr val="000000"/>
           </a:solidFill>
@@ -11652,7 +11941,7 @@
           <a:sym typeface="Arial"/>
         </a:defRPr>
       </a:lvl2pPr>
-      <a:lvl3pPr lvl="2" marR="0" rtl="0" algn="l">
+      <a:lvl3pPr marR="0" lvl="2" algn="l" rtl="0">
         <a:lnSpc>
           <a:spcPct val="100000"/>
         </a:lnSpc>
@@ -11666,7 +11955,7 @@
           <a:srgbClr val="000000"/>
         </a:buClr>
         <a:buFont typeface="Arial"/>
-        <a:defRPr b="0" i="0" sz="1400" u="none" cap="none" strike="noStrike">
+        <a:defRPr sz="1400" b="0" i="0" u="none" strike="noStrike" cap="none">
           <a:solidFill>
             <a:srgbClr val="000000"/>
           </a:solidFill>
@@ -11676,7 +11965,7 @@
           <a:sym typeface="Arial"/>
         </a:defRPr>
       </a:lvl3pPr>
-      <a:lvl4pPr lvl="3" marR="0" rtl="0" algn="l">
+      <a:lvl4pPr marR="0" lvl="3" algn="l" rtl="0">
         <a:lnSpc>
           <a:spcPct val="100000"/>
         </a:lnSpc>
@@ -11690,7 +11979,7 @@
           <a:srgbClr val="000000"/>
         </a:buClr>
         <a:buFont typeface="Arial"/>
-        <a:defRPr b="0" i="0" sz="1400" u="none" cap="none" strike="noStrike">
+        <a:defRPr sz="1400" b="0" i="0" u="none" strike="noStrike" cap="none">
           <a:solidFill>
             <a:srgbClr val="000000"/>
           </a:solidFill>
@@ -11700,7 +11989,7 @@
           <a:sym typeface="Arial"/>
         </a:defRPr>
       </a:lvl4pPr>
-      <a:lvl5pPr lvl="4" marR="0" rtl="0" algn="l">
+      <a:lvl5pPr marR="0" lvl="4" algn="l" rtl="0">
         <a:lnSpc>
           <a:spcPct val="100000"/>
         </a:lnSpc>
@@ -11714,7 +12003,7 @@
           <a:srgbClr val="000000"/>
         </a:buClr>
         <a:buFont typeface="Arial"/>
-        <a:defRPr b="0" i="0" sz="1400" u="none" cap="none" strike="noStrike">
+        <a:defRPr sz="1400" b="0" i="0" u="none" strike="noStrike" cap="none">
           <a:solidFill>
             <a:srgbClr val="000000"/>
           </a:solidFill>
@@ -11724,7 +12013,7 @@
           <a:sym typeface="Arial"/>
         </a:defRPr>
       </a:lvl5pPr>
-      <a:lvl6pPr lvl="5" marR="0" rtl="0" algn="l">
+      <a:lvl6pPr marR="0" lvl="5" algn="l" rtl="0">
         <a:lnSpc>
           <a:spcPct val="100000"/>
         </a:lnSpc>
@@ -11738,7 +12027,7 @@
           <a:srgbClr val="000000"/>
         </a:buClr>
         <a:buFont typeface="Arial"/>
-        <a:defRPr b="0" i="0" sz="1400" u="none" cap="none" strike="noStrike">
+        <a:defRPr sz="1400" b="0" i="0" u="none" strike="noStrike" cap="none">
           <a:solidFill>
             <a:srgbClr val="000000"/>
           </a:solidFill>
@@ -11748,7 +12037,7 @@
           <a:sym typeface="Arial"/>
         </a:defRPr>
       </a:lvl6pPr>
-      <a:lvl7pPr lvl="6" marR="0" rtl="0" algn="l">
+      <a:lvl7pPr marR="0" lvl="6" algn="l" rtl="0">
         <a:lnSpc>
           <a:spcPct val="100000"/>
         </a:lnSpc>
@@ -11762,7 +12051,7 @@
           <a:srgbClr val="000000"/>
         </a:buClr>
         <a:buFont typeface="Arial"/>
-        <a:defRPr b="0" i="0" sz="1400" u="none" cap="none" strike="noStrike">
+        <a:defRPr sz="1400" b="0" i="0" u="none" strike="noStrike" cap="none">
           <a:solidFill>
             <a:srgbClr val="000000"/>
           </a:solidFill>
@@ -11772,7 +12061,7 @@
           <a:sym typeface="Arial"/>
         </a:defRPr>
       </a:lvl7pPr>
-      <a:lvl8pPr lvl="7" marR="0" rtl="0" algn="l">
+      <a:lvl8pPr marR="0" lvl="7" algn="l" rtl="0">
         <a:lnSpc>
           <a:spcPct val="100000"/>
         </a:lnSpc>
@@ -11786,7 +12075,7 @@
           <a:srgbClr val="000000"/>
         </a:buClr>
         <a:buFont typeface="Arial"/>
-        <a:defRPr b="0" i="0" sz="1400" u="none" cap="none" strike="noStrike">
+        <a:defRPr sz="1400" b="0" i="0" u="none" strike="noStrike" cap="none">
           <a:solidFill>
             <a:srgbClr val="000000"/>
           </a:solidFill>
@@ -11796,7 +12085,7 @@
           <a:sym typeface="Arial"/>
         </a:defRPr>
       </a:lvl8pPr>
-      <a:lvl9pPr lvl="8" marR="0" rtl="0" algn="l">
+      <a:lvl9pPr marR="0" lvl="8" algn="l" rtl="0">
         <a:lnSpc>
           <a:spcPct val="100000"/>
         </a:lnSpc>
@@ -11810,7 +12099,7 @@
           <a:srgbClr val="000000"/>
         </a:buClr>
         <a:buFont typeface="Arial"/>
-        <a:defRPr b="0" i="0" sz="1400" u="none" cap="none" strike="noStrike">
+        <a:defRPr sz="1400" b="0" i="0" u="none" strike="noStrike" cap="none">
           <a:solidFill>
             <a:srgbClr val="000000"/>
           </a:solidFill>
@@ -11826,11 +12115,11 @@
 </file>
 
 <file path=ppt/slides/slide1.xml><?xml version="1.0" encoding="utf-8"?>
-<p:sld xmlns:a="http://schemas.openxmlformats.org/drawingml/2006/main" xmlns:r="http://schemas.openxmlformats.org/officeDocument/2006/relationships" xmlns:mc="http://schemas.openxmlformats.org/markup-compatibility/2006" xmlns:mv="urn:schemas-microsoft-com:mac:vml" xmlns:p="http://schemas.openxmlformats.org/presentationml/2006/main" xmlns:c="http://schemas.openxmlformats.org/drawingml/2006/chart" xmlns:dgm="http://schemas.openxmlformats.org/drawingml/2006/diagram" xmlns:o="urn:schemas-microsoft-com:office:office" xmlns:v="urn:schemas-microsoft-com:vml" xmlns:pvml="urn:schemas-microsoft-com:office:powerpoint" xmlns:com="http://schemas.openxmlformats.org/drawingml/2006/compatibility" xmlns:p14="http://schemas.microsoft.com/office/powerpoint/2010/main" xmlns:p15="http://schemas.microsoft.com/office/powerpoint/2012/main">
+<p:sld xmlns:a="http://schemas.openxmlformats.org/drawingml/2006/main" xmlns:r="http://schemas.openxmlformats.org/officeDocument/2006/relationships" xmlns:p="http://schemas.openxmlformats.org/presentationml/2006/main">
   <p:cSld>
     <p:spTree>
       <p:nvGrpSpPr>
-        <p:cNvPr id="83" name="Shape 83"/>
+        <p:cNvPr id="1" name="Shape 83"/>
         <p:cNvGrpSpPr/>
         <p:nvPr/>
       </p:nvGrpSpPr>
@@ -11845,7 +12134,9 @@
       <p:sp>
         <p:nvSpPr>
           <p:cNvPr id="84" name="Google Shape;84;p13"/>
-          <p:cNvSpPr txBox="1"/>
+          <p:cNvSpPr txBox="1">
+            <a:spLocks noGrp="1"/>
+          </p:cNvSpPr>
           <p:nvPr>
             <p:ph type="title"/>
           </p:nvPr>
@@ -11860,12 +12151,12 @@
           </a:prstGeom>
         </p:spPr>
         <p:txBody>
-          <a:bodyPr anchorCtr="0" anchor="ctr" bIns="39550" lIns="79125" spcFirstLastPara="1" rIns="79125" wrap="square" tIns="39550">
+          <a:bodyPr spcFirstLastPara="1" wrap="square" lIns="79125" tIns="39550" rIns="79125" bIns="39550" anchor="ctr" anchorCtr="0">
             <a:noAutofit/>
           </a:bodyPr>
           <a:lstStyle/>
           <a:p>
-            <a:pPr indent="0" lvl="0" marL="0" rtl="0" algn="ctr">
+            <a:pPr marL="0" lvl="0" indent="0" algn="ctr" rtl="0">
               <a:spcBef>
                 <a:spcPts val="0"/>
               </a:spcBef>
@@ -11876,11 +12167,7 @@
             </a:pPr>
             <a:r>
               <a:rPr lang="en" sz="3000"/>
-              <a:t>Replication of </a:t>
-            </a:r>
-            <a:r>
-              <a:rPr lang="en" sz="3000"/>
-              <a:t>A New Approach to Estimating the Production function for Housing</a:t>
+              <a:t>Replication of A New Approach to Estimating the Production function for Housing</a:t>
             </a:r>
             <a:endParaRPr sz="3000"/>
           </a:p>
@@ -11889,9 +12176,11 @@
       <p:sp>
         <p:nvSpPr>
           <p:cNvPr id="85" name="Google Shape;85;p13"/>
-          <p:cNvSpPr txBox="1"/>
+          <p:cNvSpPr txBox="1">
+            <a:spLocks noGrp="1"/>
+          </p:cNvSpPr>
           <p:nvPr>
-            <p:ph idx="1" type="body"/>
+            <p:ph type="body" idx="1"/>
           </p:nvPr>
         </p:nvSpPr>
         <p:spPr>
@@ -11904,12 +12193,12 @@
           </a:prstGeom>
         </p:spPr>
         <p:txBody>
-          <a:bodyPr anchorCtr="0" anchor="t" bIns="39550" lIns="79125" spcFirstLastPara="1" rIns="79125" wrap="square" tIns="39550">
+          <a:bodyPr spcFirstLastPara="1" wrap="square" lIns="79125" tIns="39550" rIns="79125" bIns="39550" anchor="t" anchorCtr="0">
             <a:noAutofit/>
           </a:bodyPr>
           <a:lstStyle/>
           <a:p>
-            <a:pPr indent="0" lvl="0" marL="0" rtl="0" algn="l">
+            <a:pPr marL="0" lvl="0" indent="0" algn="l" rtl="0">
               <a:lnSpc>
                 <a:spcPct val="50000"/>
               </a:lnSpc>
@@ -11928,7 +12217,7 @@
             <a:endParaRPr sz="1400"/>
           </a:p>
           <a:p>
-            <a:pPr indent="0" lvl="0" marL="0" rtl="0" algn="l">
+            <a:pPr marL="0" lvl="0" indent="0" algn="l" rtl="0">
               <a:lnSpc>
                 <a:spcPct val="50000"/>
               </a:lnSpc>
@@ -11947,7 +12236,7 @@
             <a:endParaRPr sz="1400"/>
           </a:p>
           <a:p>
-            <a:pPr indent="0" lvl="0" marL="0" rtl="0" algn="l">
+            <a:pPr marL="0" lvl="0" indent="0" algn="l" rtl="0">
               <a:lnSpc>
                 <a:spcPct val="50000"/>
               </a:lnSpc>
@@ -11966,7 +12255,7 @@
             <a:endParaRPr sz="1400"/>
           </a:p>
           <a:p>
-            <a:pPr indent="0" lvl="0" marL="0" rtl="0" algn="l">
+            <a:pPr marL="0" lvl="0" indent="0" algn="l" rtl="0">
               <a:lnSpc>
                 <a:spcPct val="50000"/>
               </a:lnSpc>
@@ -11985,7 +12274,7 @@
             <a:endParaRPr sz="1400"/>
           </a:p>
           <a:p>
-            <a:pPr indent="0" lvl="0" marL="0" rtl="0" algn="l">
+            <a:pPr marL="0" lvl="0" indent="0" algn="l" rtl="0">
               <a:lnSpc>
                 <a:spcPct val="50000"/>
               </a:lnSpc>
@@ -12004,7 +12293,7 @@
             <a:endParaRPr sz="1400"/>
           </a:p>
           <a:p>
-            <a:pPr indent="0" lvl="0" marL="0" rtl="0" algn="l">
+            <a:pPr marL="0" lvl="0" indent="0" algn="l" rtl="0">
               <a:spcBef>
                 <a:spcPts val="900"/>
               </a:spcBef>
@@ -12013,13 +12302,10 @@
               </a:spcAft>
               <a:buNone/>
             </a:pPr>
-            <a:r>
-              <a:t/>
-            </a:r>
             <a:endParaRPr sz="2400"/>
           </a:p>
           <a:p>
-            <a:pPr indent="0" lvl="0" marL="0" rtl="0" algn="l">
+            <a:pPr marL="0" lvl="0" indent="0" algn="l" rtl="0">
               <a:spcBef>
                 <a:spcPts val="900"/>
               </a:spcBef>
@@ -12028,9 +12314,6 @@
               </a:spcAft>
               <a:buNone/>
             </a:pPr>
-            <a:r>
-              <a:t/>
-            </a:r>
             <a:endParaRPr sz="2400"/>
           </a:p>
         </p:txBody>
@@ -12055,12 +12338,12 @@
           </a:ln>
         </p:spPr>
         <p:txBody>
-          <a:bodyPr anchorCtr="0" anchor="t" bIns="91425" lIns="91425" spcFirstLastPara="1" rIns="91425" wrap="square" tIns="91425">
+          <a:bodyPr spcFirstLastPara="1" wrap="square" lIns="91425" tIns="91425" rIns="91425" bIns="91425" anchor="t" anchorCtr="0">
             <a:noAutofit/>
           </a:bodyPr>
           <a:lstStyle/>
           <a:p>
-            <a:pPr indent="0" lvl="0" marL="0" rtl="0" algn="l">
+            <a:pPr marL="0" lvl="0" indent="0" algn="l" rtl="0">
               <a:lnSpc>
                 <a:spcPct val="80000"/>
               </a:lnSpc>
@@ -12082,19 +12365,7 @@
                 <a:cs typeface="Calibri"/>
                 <a:sym typeface="Calibri"/>
               </a:rPr>
-              <a:t>A</a:t>
-            </a:r>
-            <a:r>
-              <a:rPr lang="en" sz="1200">
-                <a:solidFill>
-                  <a:schemeClr val="dk1"/>
-                </a:solidFill>
-                <a:latin typeface="Calibri"/>
-                <a:ea typeface="Calibri"/>
-                <a:cs typeface="Calibri"/>
-                <a:sym typeface="Calibri"/>
-              </a:rPr>
-              <a:t> reference implementation of:</a:t>
+              <a:t>A reference implementation of:</a:t>
             </a:r>
             <a:endParaRPr sz="1200">
               <a:solidFill>
@@ -12107,7 +12378,7 @@
             </a:endParaRPr>
           </a:p>
           <a:p>
-            <a:pPr indent="0" lvl="0" marL="0" rtl="0" algn="l">
+            <a:pPr marL="0" lvl="0" indent="0" algn="l" rtl="0">
               <a:lnSpc>
                 <a:spcPct val="80000"/>
               </a:lnSpc>
@@ -12132,7 +12403,7 @@
               <a:t>Epple, Dennis, Brett Gordon, and Holger Sieg. 2010. </a:t>
             </a:r>
             <a:r>
-              <a:rPr i="1" lang="en" sz="1200">
+              <a:rPr lang="en" sz="1200" i="1">
                 <a:solidFill>
                   <a:schemeClr val="dk1"/>
                 </a:solidFill>
@@ -12203,12 +12474,12 @@
           </a:ln>
         </p:spPr>
         <p:txBody>
-          <a:bodyPr anchorCtr="0" anchor="t" bIns="91425" lIns="91425" spcFirstLastPara="1" rIns="91425" wrap="square" tIns="91425">
+          <a:bodyPr spcFirstLastPara="1" wrap="square" lIns="91425" tIns="91425" rIns="91425" bIns="91425" anchor="t" anchorCtr="0">
             <a:noAutofit/>
           </a:bodyPr>
           <a:lstStyle/>
           <a:p>
-            <a:pPr indent="0" lvl="0" marL="0" rtl="0" algn="l">
+            <a:pPr marL="0" lvl="0" indent="0" algn="l" rtl="0">
               <a:lnSpc>
                 <a:spcPct val="80000"/>
               </a:lnSpc>
@@ -12260,7 +12531,7 @@
                 <a:ea typeface="Calibri"/>
                 <a:cs typeface="Calibri"/>
                 <a:sym typeface="Calibri"/>
-                <a:hlinkClick r:id="rId5"/>
+                <a:hlinkClick r:id="rId4"/>
               </a:rPr>
               <a:t>g</a:t>
             </a:r>
@@ -12275,7 +12546,7 @@
             </a:endParaRPr>
           </a:p>
           <a:p>
-            <a:pPr indent="0" lvl="0" marL="0" rtl="0" algn="l">
+            <a:pPr marL="0" lvl="0" indent="0" algn="l" rtl="0">
               <a:lnSpc>
                 <a:spcPct val="80000"/>
               </a:lnSpc>
@@ -12287,9 +12558,6 @@
               </a:spcAft>
               <a:buNone/>
             </a:pPr>
-            <a:r>
-              <a:t/>
-            </a:r>
             <a:endParaRPr sz="1200">
               <a:solidFill>
                 <a:srgbClr val="434343"/>
@@ -12305,9 +12573,11 @@
       <p:sp>
         <p:nvSpPr>
           <p:cNvPr id="88" name="Google Shape;88;p13"/>
-          <p:cNvSpPr txBox="1"/>
+          <p:cNvSpPr txBox="1">
+            <a:spLocks noGrp="1"/>
+          </p:cNvSpPr>
           <p:nvPr>
-            <p:ph idx="12" type="sldNum"/>
+            <p:ph type="sldNum" idx="12"/>
           </p:nvPr>
         </p:nvSpPr>
         <p:spPr>
@@ -12320,12 +12590,12 @@
           </a:prstGeom>
         </p:spPr>
         <p:txBody>
-          <a:bodyPr anchorCtr="0" anchor="ctr" bIns="39550" lIns="79125" spcFirstLastPara="1" rIns="79125" wrap="square" tIns="39550">
+          <a:bodyPr spcFirstLastPara="1" wrap="square" lIns="79125" tIns="39550" rIns="79125" bIns="39550" anchor="ctr" anchorCtr="0">
             <a:noAutofit/>
           </a:bodyPr>
           <a:lstStyle/>
           <a:p>
-            <a:pPr indent="0" lvl="0" marL="0" rtl="0" algn="r">
+            <a:pPr marL="0" lvl="0" indent="0" algn="r" rtl="0">
               <a:spcBef>
                 <a:spcPts val="0"/>
               </a:spcBef>
@@ -12340,7 +12610,7 @@
             </a:pPr>
             <a:fld id="{00000000-1234-1234-1234-123412341234}" type="slidenum">
               <a:rPr lang="en"/>
-              <a:t>‹#›</a:t>
+              <a:t>1</a:t>
             </a:fld>
             <a:endParaRPr/>
           </a:p>
@@ -12355,11 +12625,11 @@
 </file>
 
 <file path=ppt/slides/slide2.xml><?xml version="1.0" encoding="utf-8"?>
-<p:sld xmlns:a="http://schemas.openxmlformats.org/drawingml/2006/main" xmlns:r="http://schemas.openxmlformats.org/officeDocument/2006/relationships" xmlns:mc="http://schemas.openxmlformats.org/markup-compatibility/2006" xmlns:mv="urn:schemas-microsoft-com:mac:vml" xmlns:p="http://schemas.openxmlformats.org/presentationml/2006/main" xmlns:c="http://schemas.openxmlformats.org/drawingml/2006/chart" xmlns:dgm="http://schemas.openxmlformats.org/drawingml/2006/diagram" xmlns:o="urn:schemas-microsoft-com:office:office" xmlns:v="urn:schemas-microsoft-com:vml" xmlns:pvml="urn:schemas-microsoft-com:office:powerpoint" xmlns:com="http://schemas.openxmlformats.org/drawingml/2006/compatibility" xmlns:p14="http://schemas.microsoft.com/office/powerpoint/2010/main" xmlns:p15="http://schemas.microsoft.com/office/powerpoint/2012/main">
+<p:sld xmlns:a="http://schemas.openxmlformats.org/drawingml/2006/main" xmlns:r="http://schemas.openxmlformats.org/officeDocument/2006/relationships" xmlns:p="http://schemas.openxmlformats.org/presentationml/2006/main">
   <p:cSld>
     <p:spTree>
       <p:nvGrpSpPr>
-        <p:cNvPr id="92" name="Shape 92"/>
+        <p:cNvPr id="1" name="Shape 92"/>
         <p:cNvGrpSpPr/>
         <p:nvPr/>
       </p:nvGrpSpPr>
@@ -12374,7 +12644,9 @@
       <p:sp>
         <p:nvSpPr>
           <p:cNvPr id="93" name="Google Shape;93;p14"/>
-          <p:cNvSpPr txBox="1"/>
+          <p:cNvSpPr txBox="1">
+            <a:spLocks noGrp="1"/>
+          </p:cNvSpPr>
           <p:nvPr>
             <p:ph type="title"/>
           </p:nvPr>
@@ -12389,12 +12661,12 @@
           </a:prstGeom>
         </p:spPr>
         <p:txBody>
-          <a:bodyPr anchorCtr="0" anchor="ctr" bIns="39550" lIns="79125" spcFirstLastPara="1" rIns="79125" wrap="square" tIns="39550">
+          <a:bodyPr spcFirstLastPara="1" wrap="square" lIns="79125" tIns="39550" rIns="79125" bIns="39550" anchor="ctr" anchorCtr="0">
             <a:noAutofit/>
           </a:bodyPr>
           <a:lstStyle/>
           <a:p>
-            <a:pPr indent="0" lvl="0" marL="0" rtl="0" algn="l">
+            <a:pPr marL="0" lvl="0" indent="0" algn="l" rtl="0">
               <a:spcBef>
                 <a:spcPts val="0"/>
               </a:spcBef>
@@ -12414,9 +12686,11 @@
       <p:sp>
         <p:nvSpPr>
           <p:cNvPr id="94" name="Google Shape;94;p14"/>
-          <p:cNvSpPr txBox="1"/>
+          <p:cNvSpPr txBox="1">
+            <a:spLocks noGrp="1"/>
+          </p:cNvSpPr>
           <p:nvPr>
-            <p:ph idx="1" type="body"/>
+            <p:ph type="body" idx="1"/>
           </p:nvPr>
         </p:nvSpPr>
         <p:spPr>
@@ -12429,12 +12703,12 @@
           </a:prstGeom>
         </p:spPr>
         <p:txBody>
-          <a:bodyPr anchorCtr="0" anchor="t" bIns="39550" lIns="79125" spcFirstLastPara="1" rIns="79125" wrap="square" tIns="39550">
+          <a:bodyPr spcFirstLastPara="1" wrap="square" lIns="79125" tIns="39550" rIns="79125" bIns="39550" anchor="t" anchorCtr="0">
             <a:noAutofit/>
           </a:bodyPr>
           <a:lstStyle/>
           <a:p>
-            <a:pPr indent="0" lvl="0" marL="0" rtl="0" algn="l">
+            <a:pPr marL="0" lvl="0" indent="0" algn="l" rtl="0">
               <a:lnSpc>
                 <a:spcPct val="100000"/>
               </a:lnSpc>
@@ -12447,17 +12721,17 @@
               <a:buNone/>
             </a:pPr>
             <a:r>
-              <a:rPr b="1" lang="en" sz="1400"/>
+              <a:rPr lang="en" sz="1400" b="1" dirty="0"/>
               <a:t>Production function:  </a:t>
             </a:r>
             <a:r>
-              <a:rPr lang="en" sz="1400"/>
+              <a:rPr lang="en" sz="1400" dirty="0"/>
               <a:t>A channel linking variation in attractiveness of locations versus housing consumption in urban economies</a:t>
             </a:r>
-            <a:endParaRPr sz="1400"/>
+            <a:endParaRPr sz="1400" dirty="0"/>
           </a:p>
           <a:p>
-            <a:pPr indent="0" lvl="0" marL="0" rtl="0" algn="l">
+            <a:pPr marL="0" lvl="0" indent="0" algn="l" rtl="0">
               <a:lnSpc>
                 <a:spcPct val="100000"/>
               </a:lnSpc>
@@ -12470,17 +12744,17 @@
               <a:buNone/>
             </a:pPr>
             <a:r>
-              <a:rPr b="1" lang="en" sz="1400"/>
+              <a:rPr lang="en" sz="1400" b="1" dirty="0"/>
               <a:t>Challenge :</a:t>
             </a:r>
             <a:r>
-              <a:rPr lang="en" sz="1400"/>
+              <a:rPr lang="en" sz="1400" dirty="0"/>
               <a:t>Estimation is challenging because of the non-availability of quantity and price per unit of housing</a:t>
             </a:r>
-            <a:endParaRPr sz="1400"/>
+            <a:endParaRPr sz="1400" dirty="0"/>
           </a:p>
           <a:p>
-            <a:pPr indent="0" lvl="0" marL="0" rtl="0" algn="l">
+            <a:pPr marL="0" lvl="0" indent="0" algn="l" rtl="0">
               <a:lnSpc>
                 <a:spcPct val="100000"/>
               </a:lnSpc>
@@ -12493,21 +12767,17 @@
               <a:buNone/>
             </a:pPr>
             <a:r>
-              <a:rPr b="1" lang="en" sz="1400"/>
+              <a:rPr lang="en" sz="1400" b="1" dirty="0"/>
               <a:t>Research question : </a:t>
             </a:r>
             <a:r>
-              <a:rPr lang="en" sz="1400"/>
-              <a:t>Develop a flexible approach to estimate the </a:t>
+              <a:rPr lang="en" sz="1400" dirty="0"/>
+              <a:t>Develop a flexible approach to estimate the production function by treating quantity and price as latent variables</a:t>
             </a:r>
-            <a:r>
-              <a:rPr lang="en" sz="1400"/>
-              <a:t>production function by treating quantity and price as latent variables</a:t>
-            </a:r>
-            <a:endParaRPr sz="1400"/>
+            <a:endParaRPr sz="1400" dirty="0"/>
           </a:p>
           <a:p>
-            <a:pPr indent="0" lvl="0" marL="0" rtl="0" algn="l">
+            <a:pPr marL="0" lvl="0" indent="0" algn="l" rtl="0">
               <a:lnSpc>
                 <a:spcPct val="100000"/>
               </a:lnSpc>
@@ -12520,13 +12790,13 @@
               <a:buNone/>
             </a:pPr>
             <a:r>
-              <a:rPr b="1" lang="en" sz="1400"/>
+              <a:rPr lang="en" sz="1400" b="1" dirty="0"/>
               <a:t>Why replicate? </a:t>
             </a:r>
-            <a:endParaRPr b="1" sz="1400"/>
+            <a:endParaRPr sz="1400" b="1" dirty="0"/>
           </a:p>
           <a:p>
-            <a:pPr indent="-317500" lvl="0" marL="457200" rtl="0" algn="l">
+            <a:pPr marL="457200" lvl="0" indent="-317500" algn="l" rtl="0">
               <a:lnSpc>
                 <a:spcPct val="100000"/>
               </a:lnSpc>
@@ -12540,13 +12810,13 @@
               <a:buChar char="•"/>
             </a:pPr>
             <a:r>
-              <a:rPr lang="en" sz="1400"/>
+              <a:rPr lang="en" sz="1400" dirty="0"/>
               <a:t>An interesting economic experiment</a:t>
             </a:r>
-            <a:endParaRPr sz="1400"/>
+            <a:endParaRPr sz="1400" dirty="0"/>
           </a:p>
           <a:p>
-            <a:pPr indent="-317500" lvl="0" marL="457200" rtl="0" algn="l">
+            <a:pPr marL="457200" lvl="0" indent="-317500" algn="l" rtl="0">
               <a:lnSpc>
                 <a:spcPct val="100000"/>
               </a:lnSpc>
@@ -12560,13 +12830,17 @@
               <a:buChar char="•"/>
             </a:pPr>
             <a:r>
-              <a:rPr lang="en" sz="1400"/>
-              <a:t>Highly cited and well documented</a:t>
+              <a:rPr lang="en" sz="1400" dirty="0"/>
+              <a:t>Highly cited and </a:t>
             </a:r>
-            <a:endParaRPr sz="1400"/>
+            <a:r>
+              <a:rPr lang="en-IN" sz="1400" dirty="0"/>
+              <a:t>the availability of code and data</a:t>
+            </a:r>
+            <a:endParaRPr sz="1400" dirty="0"/>
           </a:p>
           <a:p>
-            <a:pPr indent="-317500" lvl="0" marL="457200" rtl="0" algn="l">
+            <a:pPr marL="457200" lvl="0" indent="-317500" algn="l" rtl="0">
               <a:lnSpc>
                 <a:spcPct val="100000"/>
               </a:lnSpc>
@@ -12580,13 +12854,13 @@
               <a:buChar char="•"/>
             </a:pPr>
             <a:r>
-              <a:rPr lang="en" sz="1400"/>
+              <a:rPr lang="en" sz="1400" dirty="0"/>
               <a:t>Use of regression models for the estimation</a:t>
             </a:r>
-            <a:endParaRPr sz="1400"/>
+            <a:endParaRPr sz="1400" dirty="0"/>
           </a:p>
           <a:p>
-            <a:pPr indent="0" lvl="0" marL="0" rtl="0" algn="l">
+            <a:pPr marL="0" lvl="0" indent="0" algn="l" rtl="0">
               <a:lnSpc>
                 <a:spcPct val="80000"/>
               </a:lnSpc>
@@ -12598,13 +12872,10 @@
               </a:spcAft>
               <a:buNone/>
             </a:pPr>
-            <a:r>
-              <a:t/>
-            </a:r>
-            <a:endParaRPr b="1" sz="1400"/>
+            <a:endParaRPr sz="1400" b="1" dirty="0"/>
           </a:p>
           <a:p>
-            <a:pPr indent="0" lvl="0" marL="0" rtl="0" algn="l">
+            <a:pPr marL="0" lvl="0" indent="0" algn="l" rtl="0">
               <a:lnSpc>
                 <a:spcPct val="80000"/>
               </a:lnSpc>
@@ -12616,13 +12887,10 @@
               </a:spcAft>
               <a:buNone/>
             </a:pPr>
-            <a:r>
-              <a:t/>
-            </a:r>
-            <a:endParaRPr sz="1400"/>
+            <a:endParaRPr sz="1400" dirty="0"/>
           </a:p>
           <a:p>
-            <a:pPr indent="0" lvl="0" marL="0" rtl="0" algn="l">
+            <a:pPr marL="0" lvl="0" indent="0" algn="l" rtl="0">
               <a:lnSpc>
                 <a:spcPct val="80000"/>
               </a:lnSpc>
@@ -12634,13 +12902,10 @@
               </a:spcAft>
               <a:buNone/>
             </a:pPr>
-            <a:r>
-              <a:t/>
-            </a:r>
-            <a:endParaRPr sz="2400"/>
+            <a:endParaRPr sz="2400" dirty="0"/>
           </a:p>
           <a:p>
-            <a:pPr indent="0" lvl="0" marL="0" rtl="0" algn="l">
+            <a:pPr marL="0" lvl="0" indent="0" algn="l" rtl="0">
               <a:lnSpc>
                 <a:spcPct val="80000"/>
               </a:lnSpc>
@@ -12652,10 +12917,7 @@
               </a:spcAft>
               <a:buNone/>
             </a:pPr>
-            <a:r>
-              <a:t/>
-            </a:r>
-            <a:endParaRPr sz="2400"/>
+            <a:endParaRPr sz="2400" dirty="0"/>
           </a:p>
         </p:txBody>
       </p:sp>
@@ -12690,9 +12952,11 @@
       <p:sp>
         <p:nvSpPr>
           <p:cNvPr id="96" name="Google Shape;96;p14"/>
-          <p:cNvSpPr txBox="1"/>
+          <p:cNvSpPr txBox="1">
+            <a:spLocks noGrp="1"/>
+          </p:cNvSpPr>
           <p:nvPr>
-            <p:ph idx="12" type="sldNum"/>
+            <p:ph type="sldNum" idx="12"/>
           </p:nvPr>
         </p:nvSpPr>
         <p:spPr>
@@ -12705,12 +12969,12 @@
           </a:prstGeom>
         </p:spPr>
         <p:txBody>
-          <a:bodyPr anchorCtr="0" anchor="ctr" bIns="39550" lIns="79125" spcFirstLastPara="1" rIns="79125" wrap="square" tIns="39550">
+          <a:bodyPr spcFirstLastPara="1" wrap="square" lIns="79125" tIns="39550" rIns="79125" bIns="39550" anchor="ctr" anchorCtr="0">
             <a:noAutofit/>
           </a:bodyPr>
           <a:lstStyle/>
           <a:p>
-            <a:pPr indent="0" lvl="0" marL="0" rtl="0" algn="r">
+            <a:pPr marL="0" lvl="0" indent="0" algn="r" rtl="0">
               <a:spcBef>
                 <a:spcPts val="0"/>
               </a:spcBef>
@@ -12725,7 +12989,7 @@
             </a:pPr>
             <a:fld id="{00000000-1234-1234-1234-123412341234}" type="slidenum">
               <a:rPr lang="en"/>
-              <a:t>‹#›</a:t>
+              <a:t>2</a:t>
             </a:fld>
             <a:endParaRPr/>
           </a:p>
@@ -12751,12 +13015,12 @@
           </a:ln>
         </p:spPr>
         <p:txBody>
-          <a:bodyPr anchorCtr="0" anchor="t" bIns="91425" lIns="91425" spcFirstLastPara="1" rIns="91425" wrap="square" tIns="91425">
+          <a:bodyPr spcFirstLastPara="1" wrap="square" lIns="91425" tIns="91425" rIns="91425" bIns="91425" anchor="t" anchorCtr="0">
             <a:noAutofit/>
           </a:bodyPr>
           <a:lstStyle/>
           <a:p>
-            <a:pPr indent="0" lvl="0" marL="0" rtl="0" algn="l">
+            <a:pPr marL="0" lvl="0" indent="0" algn="l" rtl="0">
               <a:spcBef>
                 <a:spcPts val="0"/>
               </a:spcBef>
@@ -12766,7 +13030,7 @@
               <a:buNone/>
             </a:pPr>
             <a:r>
-              <a:rPr i="1" lang="en" sz="1100">
+              <a:rPr lang="en" sz="1100" i="1">
                 <a:latin typeface="Calibri"/>
                 <a:ea typeface="Calibri"/>
                 <a:cs typeface="Calibri"/>
@@ -12774,7 +13038,7 @@
               </a:rPr>
               <a:t>Just a classic supply-demand graph</a:t>
             </a:r>
-            <a:endParaRPr i="1" sz="1100">
+            <a:endParaRPr sz="1100" i="1">
               <a:latin typeface="Calibri"/>
               <a:ea typeface="Calibri"/>
               <a:cs typeface="Calibri"/>
@@ -12792,11 +13056,11 @@
 </file>
 
 <file path=ppt/slides/slide3.xml><?xml version="1.0" encoding="utf-8"?>
-<p:sld xmlns:a="http://schemas.openxmlformats.org/drawingml/2006/main" xmlns:r="http://schemas.openxmlformats.org/officeDocument/2006/relationships" xmlns:mc="http://schemas.openxmlformats.org/markup-compatibility/2006" xmlns:mv="urn:schemas-microsoft-com:mac:vml" xmlns:p="http://schemas.openxmlformats.org/presentationml/2006/main" xmlns:c="http://schemas.openxmlformats.org/drawingml/2006/chart" xmlns:dgm="http://schemas.openxmlformats.org/drawingml/2006/diagram" xmlns:o="urn:schemas-microsoft-com:office:office" xmlns:v="urn:schemas-microsoft-com:vml" xmlns:pvml="urn:schemas-microsoft-com:office:powerpoint" xmlns:com="http://schemas.openxmlformats.org/drawingml/2006/compatibility" xmlns:p14="http://schemas.microsoft.com/office/powerpoint/2010/main" xmlns:p15="http://schemas.microsoft.com/office/powerpoint/2012/main">
+<p:sld xmlns:a="http://schemas.openxmlformats.org/drawingml/2006/main" xmlns:r="http://schemas.openxmlformats.org/officeDocument/2006/relationships" xmlns:p="http://schemas.openxmlformats.org/presentationml/2006/main">
   <p:cSld>
     <p:spTree>
       <p:nvGrpSpPr>
-        <p:cNvPr id="101" name="Shape 101"/>
+        <p:cNvPr id="1" name="Shape 101"/>
         <p:cNvGrpSpPr/>
         <p:nvPr/>
       </p:nvGrpSpPr>
@@ -12811,7 +13075,9 @@
       <p:sp>
         <p:nvSpPr>
           <p:cNvPr id="102" name="Google Shape;102;p15"/>
-          <p:cNvSpPr txBox="1"/>
+          <p:cNvSpPr txBox="1">
+            <a:spLocks noGrp="1"/>
+          </p:cNvSpPr>
           <p:nvPr>
             <p:ph type="title"/>
           </p:nvPr>
@@ -12826,12 +13092,12 @@
           </a:prstGeom>
         </p:spPr>
         <p:txBody>
-          <a:bodyPr anchorCtr="0" anchor="ctr" bIns="39550" lIns="79125" spcFirstLastPara="1" rIns="79125" wrap="square" tIns="39550">
+          <a:bodyPr spcFirstLastPara="1" wrap="square" lIns="79125" tIns="39550" rIns="79125" bIns="39550" anchor="ctr" anchorCtr="0">
             <a:noAutofit/>
           </a:bodyPr>
           <a:lstStyle/>
           <a:p>
-            <a:pPr indent="0" lvl="0" marL="0" rtl="0" algn="l">
+            <a:pPr marL="0" lvl="0" indent="0" algn="l" rtl="0">
               <a:spcBef>
                 <a:spcPts val="0"/>
               </a:spcBef>
@@ -12851,9 +13117,11 @@
       <p:sp>
         <p:nvSpPr>
           <p:cNvPr id="103" name="Google Shape;103;p15"/>
-          <p:cNvSpPr txBox="1"/>
+          <p:cNvSpPr txBox="1">
+            <a:spLocks noGrp="1"/>
+          </p:cNvSpPr>
           <p:nvPr>
-            <p:ph idx="1" type="body"/>
+            <p:ph type="body" idx="1"/>
           </p:nvPr>
         </p:nvSpPr>
         <p:spPr>
@@ -12866,12 +13134,12 @@
           </a:prstGeom>
         </p:spPr>
         <p:txBody>
-          <a:bodyPr anchorCtr="0" anchor="t" bIns="39550" lIns="79125" spcFirstLastPara="1" rIns="79125" wrap="square" tIns="39550">
+          <a:bodyPr spcFirstLastPara="1" wrap="square" lIns="79125" tIns="39550" rIns="79125" bIns="39550" anchor="t" anchorCtr="0">
             <a:noAutofit/>
           </a:bodyPr>
           <a:lstStyle/>
           <a:p>
-            <a:pPr indent="0" lvl="0" marL="0" rtl="0" algn="l">
+            <a:pPr marL="0" lvl="0" indent="0" algn="l" rtl="0">
               <a:lnSpc>
                 <a:spcPct val="100000"/>
               </a:lnSpc>
@@ -12884,7 +13152,7 @@
               <a:buNone/>
             </a:pPr>
             <a:r>
-              <a:rPr b="1" lang="en" sz="1400">
+              <a:rPr lang="en" sz="1400" b="1" dirty="0">
                 <a:solidFill>
                   <a:srgbClr val="000000"/>
                 </a:solidFill>
@@ -12895,7 +13163,7 @@
               <a:t>Claim : </a:t>
             </a:r>
             <a:r>
-              <a:rPr lang="en" sz="1400">
+              <a:rPr lang="en" sz="1400" dirty="0">
                 <a:solidFill>
                   <a:srgbClr val="000000"/>
                 </a:solidFill>
@@ -12906,7 +13174,7 @@
               <a:t>Based on the observed variation in land prices and housing values per unit of land, </a:t>
             </a:r>
             <a:r>
-              <a:rPr i="1" lang="en" sz="1400">
+              <a:rPr lang="en" sz="1400" i="1" dirty="0">
                 <a:solidFill>
                   <a:srgbClr val="000000"/>
                 </a:solidFill>
@@ -12917,7 +13185,7 @@
               <a:t>Epple, Gordon, and Sieg (2010)</a:t>
             </a:r>
             <a:r>
-              <a:rPr lang="en" sz="1400">
+              <a:rPr lang="en" sz="1400" dirty="0">
                 <a:solidFill>
                   <a:srgbClr val="000000"/>
                 </a:solidFill>
@@ -12925,9 +13193,9 @@
                   <a:srgbClr val="FFFFFF"/>
                 </a:highlight>
               </a:rPr>
-              <a:t> has provided an algorithm to identify the housing supply function per unit of land and the subsequent production function</a:t>
+              <a:t> provided a flexible algorithm to identify the housing supply function per unit of land and the subsequent production function</a:t>
             </a:r>
-            <a:endParaRPr sz="1400">
+            <a:endParaRPr sz="1400" dirty="0">
               <a:solidFill>
                 <a:srgbClr val="000000"/>
               </a:solidFill>
@@ -12937,7 +13205,7 @@
             </a:endParaRPr>
           </a:p>
           <a:p>
-            <a:pPr indent="0" lvl="0" marL="0" rtl="0" algn="l">
+            <a:pPr marL="0" lvl="0" indent="0" algn="l" rtl="0">
               <a:lnSpc>
                 <a:spcPct val="100000"/>
               </a:lnSpc>
@@ -12949,10 +13217,7 @@
               </a:spcAft>
               <a:buNone/>
             </a:pPr>
-            <a:r>
-              <a:t/>
-            </a:r>
-            <a:endParaRPr b="1" sz="1400">
+            <a:endParaRPr sz="1400" b="1" dirty="0">
               <a:solidFill>
                 <a:srgbClr val="000000"/>
               </a:solidFill>
@@ -12962,7 +13227,7 @@
             </a:endParaRPr>
           </a:p>
           <a:p>
-            <a:pPr indent="0" lvl="0" marL="0" rtl="0" algn="l">
+            <a:pPr marL="0" lvl="0" indent="0" algn="l" rtl="0">
               <a:lnSpc>
                 <a:spcPct val="100000"/>
               </a:lnSpc>
@@ -12975,7 +13240,7 @@
               <a:buNone/>
             </a:pPr>
             <a:r>
-              <a:rPr b="1" lang="en" sz="1400">
+              <a:rPr lang="en" sz="1400" b="1" dirty="0">
                 <a:solidFill>
                   <a:srgbClr val="000000"/>
                 </a:solidFill>
@@ -12985,7 +13250,7 @@
               </a:rPr>
               <a:t>Methods : </a:t>
             </a:r>
-            <a:endParaRPr b="1" sz="1400">
+            <a:endParaRPr sz="1400" b="1" dirty="0">
               <a:solidFill>
                 <a:srgbClr val="000000"/>
               </a:solidFill>
@@ -12995,7 +13260,7 @@
             </a:endParaRPr>
           </a:p>
           <a:p>
-            <a:pPr indent="-317500" lvl="0" marL="457200" rtl="0" algn="l">
+            <a:pPr marL="457200" lvl="0" indent="-317500" algn="l" rtl="0">
               <a:lnSpc>
                 <a:spcPct val="100000"/>
               </a:lnSpc>
@@ -13012,7 +13277,7 @@
               <a:buChar char="•"/>
             </a:pPr>
             <a:r>
-              <a:rPr lang="en" sz="1400">
+              <a:rPr lang="en" sz="1400" dirty="0">
                 <a:solidFill>
                   <a:srgbClr val="000000"/>
                 </a:solidFill>
@@ -13022,7 +13287,7 @@
               </a:rPr>
               <a:t>OLS estimates using log-linear, linear, quadratic and cubic models for modeling value vs price.</a:t>
             </a:r>
-            <a:endParaRPr sz="1400">
+            <a:endParaRPr sz="1400" dirty="0">
               <a:solidFill>
                 <a:srgbClr val="000000"/>
               </a:solidFill>
@@ -13032,7 +13297,7 @@
             </a:endParaRPr>
           </a:p>
           <a:p>
-            <a:pPr indent="-317500" lvl="0" marL="457200" rtl="0" algn="l">
+            <a:pPr marL="457200" lvl="0" indent="-317500" algn="l" rtl="0">
               <a:lnSpc>
                 <a:spcPct val="100000"/>
               </a:lnSpc>
@@ -13049,7 +13314,7 @@
               <a:buChar char="•"/>
             </a:pPr>
             <a:r>
-              <a:rPr lang="en" sz="1400">
+              <a:rPr lang="en" sz="1400" dirty="0">
                 <a:solidFill>
                   <a:srgbClr val="000000"/>
                 </a:solidFill>
@@ -13059,7 +13324,7 @@
               </a:rPr>
               <a:t>Ordinary differential equations to estimate supply functions</a:t>
             </a:r>
-            <a:endParaRPr sz="1400">
+            <a:endParaRPr sz="1400" dirty="0">
               <a:solidFill>
                 <a:srgbClr val="000000"/>
               </a:solidFill>
@@ -13069,7 +13334,7 @@
             </a:endParaRPr>
           </a:p>
           <a:p>
-            <a:pPr indent="0" lvl="0" marL="0" rtl="0" algn="l">
+            <a:pPr marL="0" lvl="0" indent="0" algn="l" rtl="0">
               <a:lnSpc>
                 <a:spcPct val="100000"/>
               </a:lnSpc>
@@ -13081,10 +13346,7 @@
               </a:spcAft>
               <a:buNone/>
             </a:pPr>
-            <a:r>
-              <a:t/>
-            </a:r>
-            <a:endParaRPr b="1" sz="700">
+            <a:endParaRPr sz="700" b="1" dirty="0">
               <a:solidFill>
                 <a:srgbClr val="000000"/>
               </a:solidFill>
@@ -13094,7 +13356,7 @@
             </a:endParaRPr>
           </a:p>
           <a:p>
-            <a:pPr indent="0" lvl="0" marL="0" rtl="0" algn="l">
+            <a:pPr marL="0" lvl="0" indent="0" algn="l" rtl="0">
               <a:lnSpc>
                 <a:spcPct val="100000"/>
               </a:lnSpc>
@@ -13107,7 +13369,7 @@
               <a:buNone/>
             </a:pPr>
             <a:r>
-              <a:rPr b="1" lang="en" sz="1400">
+              <a:rPr lang="en" sz="1400" b="1" dirty="0">
                 <a:solidFill>
                   <a:srgbClr val="000000"/>
                 </a:solidFill>
@@ -13118,14 +13380,14 @@
               <a:t>Results : </a:t>
             </a:r>
             <a:r>
-              <a:rPr lang="en" sz="1400">
+              <a:rPr lang="en" sz="1400" dirty="0">
                 <a:solidFill>
                   <a:srgbClr val="000000"/>
                 </a:solidFill>
               </a:rPr>
               <a:t>Estimated the supply and production functions for residential properties in Allegheny county, Pennsylvania, along with 95% CI</a:t>
             </a:r>
-            <a:endParaRPr sz="1400">
+            <a:endParaRPr sz="1400" dirty="0">
               <a:solidFill>
                 <a:srgbClr val="000000"/>
               </a:solidFill>
@@ -13135,7 +13397,7 @@
             </a:endParaRPr>
           </a:p>
           <a:p>
-            <a:pPr indent="0" lvl="0" marL="0" rtl="0" algn="l">
+            <a:pPr marL="0" lvl="0" indent="0" algn="l" rtl="0">
               <a:spcBef>
                 <a:spcPts val="1000"/>
               </a:spcBef>
@@ -13144,13 +13406,10 @@
               </a:spcAft>
               <a:buNone/>
             </a:pPr>
-            <a:r>
-              <a:t/>
-            </a:r>
-            <a:endParaRPr sz="1400"/>
+            <a:endParaRPr sz="1400" dirty="0"/>
           </a:p>
           <a:p>
-            <a:pPr indent="0" lvl="0" marL="0" rtl="0" algn="l">
+            <a:pPr marL="0" lvl="0" indent="0" algn="l" rtl="0">
               <a:spcBef>
                 <a:spcPts val="900"/>
               </a:spcBef>
@@ -13159,13 +13418,10 @@
               </a:spcAft>
               <a:buNone/>
             </a:pPr>
-            <a:r>
-              <a:t/>
-            </a:r>
-            <a:endParaRPr sz="1400"/>
+            <a:endParaRPr sz="1400" dirty="0"/>
           </a:p>
           <a:p>
-            <a:pPr indent="0" lvl="0" marL="0" rtl="0" algn="l">
+            <a:pPr marL="0" lvl="0" indent="0" algn="l" rtl="0">
               <a:spcBef>
                 <a:spcPts val="900"/>
               </a:spcBef>
@@ -13174,19 +13430,18 @@
               </a:spcAft>
               <a:buNone/>
             </a:pPr>
-            <a:r>
-              <a:t/>
-            </a:r>
-            <a:endParaRPr sz="1400"/>
+            <a:endParaRPr sz="1400" dirty="0"/>
           </a:p>
         </p:txBody>
       </p:sp>
       <p:sp>
         <p:nvSpPr>
           <p:cNvPr id="104" name="Google Shape;104;p15"/>
-          <p:cNvSpPr txBox="1"/>
+          <p:cNvSpPr txBox="1">
+            <a:spLocks noGrp="1"/>
+          </p:cNvSpPr>
           <p:nvPr>
-            <p:ph idx="12" type="sldNum"/>
+            <p:ph type="sldNum" idx="12"/>
           </p:nvPr>
         </p:nvSpPr>
         <p:spPr>
@@ -13199,12 +13454,12 @@
           </a:prstGeom>
         </p:spPr>
         <p:txBody>
-          <a:bodyPr anchorCtr="0" anchor="ctr" bIns="39550" lIns="79125" spcFirstLastPara="1" rIns="79125" wrap="square" tIns="39550">
+          <a:bodyPr spcFirstLastPara="1" wrap="square" lIns="79125" tIns="39550" rIns="79125" bIns="39550" anchor="ctr" anchorCtr="0">
             <a:noAutofit/>
           </a:bodyPr>
           <a:lstStyle/>
           <a:p>
-            <a:pPr indent="0" lvl="0" marL="0" rtl="0" algn="r">
+            <a:pPr marL="0" lvl="0" indent="0" algn="r" rtl="0">
               <a:spcBef>
                 <a:spcPts val="0"/>
               </a:spcBef>
@@ -13219,7 +13474,7 @@
             </a:pPr>
             <a:fld id="{00000000-1234-1234-1234-123412341234}" type="slidenum">
               <a:rPr lang="en"/>
-              <a:t>‹#›</a:t>
+              <a:t>3</a:t>
             </a:fld>
             <a:endParaRPr/>
           </a:p>
@@ -13256,9 +13511,11 @@
       <p:sp>
         <p:nvSpPr>
           <p:cNvPr id="106" name="Google Shape;106;p15"/>
-          <p:cNvSpPr txBox="1"/>
+          <p:cNvSpPr txBox="1">
+            <a:spLocks noGrp="1"/>
+          </p:cNvSpPr>
           <p:nvPr>
-            <p:ph idx="1" type="body"/>
+            <p:ph type="body" idx="1"/>
           </p:nvPr>
         </p:nvSpPr>
         <p:spPr>
@@ -13271,12 +13528,12 @@
           </a:prstGeom>
         </p:spPr>
         <p:txBody>
-          <a:bodyPr anchorCtr="0" anchor="t" bIns="39550" lIns="79125" spcFirstLastPara="1" rIns="79125" wrap="square" tIns="39550">
+          <a:bodyPr spcFirstLastPara="1" wrap="square" lIns="79125" tIns="39550" rIns="79125" bIns="39550" anchor="t" anchorCtr="0">
             <a:noAutofit/>
           </a:bodyPr>
           <a:lstStyle/>
           <a:p>
-            <a:pPr indent="0" lvl="0" marL="0" rtl="0" algn="l">
+            <a:pPr marL="0" lvl="0" indent="0" algn="l" rtl="0">
               <a:lnSpc>
                 <a:spcPct val="100000"/>
               </a:lnSpc>
@@ -13289,7 +13546,7 @@
               <a:buNone/>
             </a:pPr>
             <a:r>
-              <a:rPr b="1" lang="en" sz="1400">
+              <a:rPr lang="en" sz="1400" b="1" dirty="0">
                 <a:solidFill>
                   <a:srgbClr val="24292E"/>
                 </a:solidFill>
@@ -13297,23 +13554,12 @@
                   <a:srgbClr val="FFFFFF"/>
                 </a:highlight>
               </a:rPr>
-              <a:t>Technical </a:t>
+              <a:t>Technical variants in our replication:</a:t>
             </a:r>
-            <a:r>
-              <a:rPr b="1" lang="en" sz="1400">
-                <a:solidFill>
-                  <a:srgbClr val="24292E"/>
-                </a:solidFill>
-                <a:highlight>
-                  <a:srgbClr val="FFFFFF"/>
-                </a:highlight>
-              </a:rPr>
-              <a:t>variants in our replication:</a:t>
-            </a:r>
-            <a:endParaRPr sz="1400"/>
+            <a:endParaRPr sz="1400" dirty="0"/>
           </a:p>
           <a:p>
-            <a:pPr indent="-317500" lvl="0" marL="457200" rtl="0" algn="l">
+            <a:pPr marL="457200" lvl="0" indent="-317500" algn="l" rtl="0">
               <a:lnSpc>
                 <a:spcPct val="115000"/>
               </a:lnSpc>
@@ -13328,13 +13574,13 @@
               <a:buChar char="•"/>
             </a:pPr>
             <a:r>
-              <a:rPr lang="en" sz="1400"/>
+              <a:rPr lang="en" sz="1400" dirty="0"/>
               <a:t>Outlier treatment(Top and Bottom 1 percentiles). </a:t>
             </a:r>
-            <a:endParaRPr sz="1400"/>
+            <a:endParaRPr sz="1400" dirty="0"/>
           </a:p>
           <a:p>
-            <a:pPr indent="-317500" lvl="0" marL="457200" rtl="0" algn="l">
+            <a:pPr marL="457200" lvl="0" indent="-317500" algn="l" rtl="0">
               <a:lnSpc>
                 <a:spcPct val="115000"/>
               </a:lnSpc>
@@ -13349,29 +13595,37 @@
               <a:buChar char="•"/>
             </a:pPr>
             <a:r>
-              <a:rPr lang="en" sz="1400"/>
+              <a:rPr lang="en" sz="1400" dirty="0"/>
               <a:t>Used </a:t>
             </a:r>
             <a:r>
-              <a:rPr b="1" lang="en" sz="1400"/>
-              <a:t>GLM log-linear model</a:t>
+              <a:rPr lang="en" sz="1400" b="1" dirty="0"/>
+              <a:t>GLM log-linear model </a:t>
             </a:r>
             <a:r>
-              <a:rPr lang="en" sz="1400"/>
-              <a:t> and </a:t>
+              <a:rPr lang="en-IN" sz="1400" i="1" dirty="0"/>
+              <a:t>glm()</a:t>
             </a:r>
             <a:r>
-              <a:rPr b="1" lang="en" sz="1400"/>
+              <a:rPr lang="en" sz="1400" i="1" dirty="0"/>
+              <a:t> </a:t>
+            </a:r>
+            <a:r>
+              <a:rPr lang="en" sz="1400" dirty="0"/>
+              <a:t>and </a:t>
+            </a:r>
+            <a:r>
+              <a:rPr lang="en" sz="1400" b="1" dirty="0"/>
               <a:t>Log Linear model using gradient descent loss function </a:t>
             </a:r>
             <a:r>
-              <a:rPr lang="en" sz="1400"/>
+              <a:rPr lang="en" sz="1400" dirty="0"/>
               <a:t>in addition to OLS estimates</a:t>
             </a:r>
-            <a:endParaRPr sz="1400"/>
+            <a:endParaRPr sz="1400" dirty="0"/>
           </a:p>
           <a:p>
-            <a:pPr indent="-317500" lvl="0" marL="457200" rtl="0" algn="l">
+            <a:pPr marL="457200" lvl="0" indent="-317500" algn="l" rtl="0">
               <a:lnSpc>
                 <a:spcPct val="115000"/>
               </a:lnSpc>
@@ -13386,13 +13640,13 @@
               <a:buChar char="•"/>
             </a:pPr>
             <a:r>
-              <a:rPr lang="en" sz="1400"/>
+              <a:rPr lang="en" sz="1400" dirty="0"/>
               <a:t>Confidence interval bands for GLM log-linear model</a:t>
             </a:r>
-            <a:endParaRPr sz="1400"/>
+            <a:endParaRPr sz="1400" dirty="0"/>
           </a:p>
           <a:p>
-            <a:pPr indent="0" lvl="0" marL="0" rtl="0" algn="l">
+            <a:pPr marL="0" lvl="0" indent="0" algn="l" rtl="0">
               <a:spcBef>
                 <a:spcPts val="900"/>
               </a:spcBef>
@@ -13401,13 +13655,10 @@
               </a:spcAft>
               <a:buNone/>
             </a:pPr>
-            <a:r>
-              <a:t/>
-            </a:r>
-            <a:endParaRPr sz="1400"/>
+            <a:endParaRPr sz="1400" dirty="0"/>
           </a:p>
           <a:p>
-            <a:pPr indent="0" lvl="0" marL="0" rtl="0" algn="l">
+            <a:pPr marL="0" lvl="0" indent="0" algn="l" rtl="0">
               <a:spcBef>
                 <a:spcPts val="900"/>
               </a:spcBef>
@@ -13416,13 +13667,10 @@
               </a:spcAft>
               <a:buNone/>
             </a:pPr>
-            <a:r>
-              <a:t/>
-            </a:r>
-            <a:endParaRPr sz="1400"/>
+            <a:endParaRPr sz="1400" dirty="0"/>
           </a:p>
           <a:p>
-            <a:pPr indent="0" lvl="0" marL="0" rtl="0" algn="l">
+            <a:pPr marL="0" lvl="0" indent="0" algn="l" rtl="0">
               <a:spcBef>
                 <a:spcPts val="900"/>
               </a:spcBef>
@@ -13431,10 +13679,7 @@
               </a:spcAft>
               <a:buNone/>
             </a:pPr>
-            <a:r>
-              <a:t/>
-            </a:r>
-            <a:endParaRPr sz="1400"/>
+            <a:endParaRPr sz="1400" dirty="0"/>
           </a:p>
         </p:txBody>
       </p:sp>
@@ -13458,12 +13703,12 @@
           </a:ln>
         </p:spPr>
         <p:txBody>
-          <a:bodyPr anchorCtr="0" anchor="t" bIns="91425" lIns="91425" spcFirstLastPara="1" rIns="91425" wrap="square" tIns="91425">
+          <a:bodyPr spcFirstLastPara="1" wrap="square" lIns="91425" tIns="91425" rIns="91425" bIns="91425" anchor="t" anchorCtr="0">
             <a:noAutofit/>
           </a:bodyPr>
           <a:lstStyle/>
           <a:p>
-            <a:pPr indent="0" lvl="0" marL="0" rtl="0" algn="l">
+            <a:pPr marL="0" lvl="0" indent="0" algn="l" rtl="0">
               <a:spcBef>
                 <a:spcPts val="0"/>
               </a:spcBef>
@@ -13473,7 +13718,7 @@
               <a:buNone/>
             </a:pPr>
             <a:r>
-              <a:rPr i="1" lang="en" sz="1100">
+              <a:rPr lang="en" sz="1100" i="1">
                 <a:latin typeface="Calibri"/>
                 <a:ea typeface="Calibri"/>
                 <a:cs typeface="Calibri"/>
@@ -13481,7 +13726,7 @@
               </a:rPr>
               <a:t>Run, Forrest, run!!</a:t>
             </a:r>
-            <a:endParaRPr i="1" sz="1100">
+            <a:endParaRPr sz="1100" i="1">
               <a:latin typeface="Calibri"/>
               <a:ea typeface="Calibri"/>
               <a:cs typeface="Calibri"/>
@@ -13499,11 +13744,11 @@
 </file>
 
 <file path=ppt/slides/slide4.xml><?xml version="1.0" encoding="utf-8"?>
-<p:sld xmlns:a="http://schemas.openxmlformats.org/drawingml/2006/main" xmlns:r="http://schemas.openxmlformats.org/officeDocument/2006/relationships" xmlns:mc="http://schemas.openxmlformats.org/markup-compatibility/2006" xmlns:mv="urn:schemas-microsoft-com:mac:vml" xmlns:p="http://schemas.openxmlformats.org/presentationml/2006/main" xmlns:c="http://schemas.openxmlformats.org/drawingml/2006/chart" xmlns:dgm="http://schemas.openxmlformats.org/drawingml/2006/diagram" xmlns:o="urn:schemas-microsoft-com:office:office" xmlns:v="urn:schemas-microsoft-com:vml" xmlns:pvml="urn:schemas-microsoft-com:office:powerpoint" xmlns:com="http://schemas.openxmlformats.org/drawingml/2006/compatibility" xmlns:p14="http://schemas.microsoft.com/office/powerpoint/2010/main" xmlns:p15="http://schemas.microsoft.com/office/powerpoint/2012/main">
+<p:sld xmlns:a="http://schemas.openxmlformats.org/drawingml/2006/main" xmlns:r="http://schemas.openxmlformats.org/officeDocument/2006/relationships" xmlns:p="http://schemas.openxmlformats.org/presentationml/2006/main">
   <p:cSld>
     <p:spTree>
       <p:nvGrpSpPr>
-        <p:cNvPr id="111" name="Shape 111"/>
+        <p:cNvPr id="1" name="Shape 111"/>
         <p:cNvGrpSpPr/>
         <p:nvPr/>
       </p:nvGrpSpPr>
@@ -13535,12 +13780,12 @@
           </a:ln>
         </p:spPr>
         <p:txBody>
-          <a:bodyPr anchorCtr="0" anchor="t" bIns="91425" lIns="91425" spcFirstLastPara="1" rIns="91425" wrap="square" tIns="91425">
+          <a:bodyPr spcFirstLastPara="1" wrap="square" lIns="91425" tIns="91425" rIns="91425" bIns="91425" anchor="t" anchorCtr="0">
             <a:noAutofit/>
           </a:bodyPr>
           <a:lstStyle/>
           <a:p>
-            <a:pPr indent="-330200" lvl="0" marL="457200" rtl="0" algn="l">
+            <a:pPr marL="457200" lvl="0" indent="-330200" algn="l" rtl="0">
               <a:spcBef>
                 <a:spcPts val="900"/>
               </a:spcBef>
@@ -13577,7 +13822,7 @@
             </a:endParaRPr>
           </a:p>
           <a:p>
-            <a:pPr indent="-330200" lvl="0" marL="457200" rtl="0" algn="l">
+            <a:pPr marL="457200" lvl="0" indent="-330200" algn="l" rtl="0">
               <a:spcBef>
                 <a:spcPts val="0"/>
               </a:spcBef>
@@ -13614,7 +13859,7 @@
             </a:endParaRPr>
           </a:p>
           <a:p>
-            <a:pPr indent="0" lvl="0" marL="0" rtl="0" algn="l">
+            <a:pPr marL="0" lvl="0" indent="0" algn="l" rtl="0">
               <a:spcBef>
                 <a:spcPts val="900"/>
               </a:spcBef>
@@ -13623,9 +13868,6 @@
               </a:spcAft>
               <a:buNone/>
             </a:pPr>
-            <a:r>
-              <a:t/>
-            </a:r>
             <a:endParaRPr>
               <a:solidFill>
                 <a:schemeClr val="dk1"/>
@@ -13679,30 +13921,30 @@
           </a:xfrm>
           <a:prstGeom prst="rightArrow">
             <a:avLst>
-              <a:gd fmla="val 50000" name="adj1"/>
-              <a:gd fmla="val 50000" name="adj2"/>
+              <a:gd name="adj1" fmla="val 50000"/>
+              <a:gd name="adj2" fmla="val 50000"/>
             </a:avLst>
           </a:prstGeom>
           <a:solidFill>
             <a:schemeClr val="lt2"/>
           </a:solidFill>
-          <a:ln cap="flat" cmpd="sng" w="9525">
+          <a:ln w="9525" cap="flat" cmpd="sng">
             <a:solidFill>
               <a:schemeClr val="dk2"/>
             </a:solidFill>
             <a:prstDash val="solid"/>
             <a:round/>
-            <a:headEnd len="sm" w="sm" type="none"/>
-            <a:tailEnd len="sm" w="sm" type="none"/>
+            <a:headEnd type="none" w="sm" len="sm"/>
+            <a:tailEnd type="none" w="sm" len="sm"/>
           </a:ln>
         </p:spPr>
         <p:txBody>
-          <a:bodyPr anchorCtr="0" anchor="ctr" bIns="91425" lIns="91425" spcFirstLastPara="1" rIns="91425" wrap="square" tIns="91425">
+          <a:bodyPr spcFirstLastPara="1" wrap="square" lIns="91425" tIns="91425" rIns="91425" bIns="91425" anchor="ctr" anchorCtr="0">
             <a:noAutofit/>
           </a:bodyPr>
           <a:lstStyle/>
           <a:p>
-            <a:pPr indent="0" lvl="0" marL="0" rtl="0" algn="l">
+            <a:pPr marL="0" lvl="0" indent="0" algn="l" rtl="0">
               <a:spcBef>
                 <a:spcPts val="0"/>
               </a:spcBef>
@@ -13711,9 +13953,6 @@
               </a:spcAft>
               <a:buNone/>
             </a:pPr>
-            <a:r>
-              <a:t/>
-            </a:r>
             <a:endParaRPr/>
           </a:p>
         </p:txBody>
@@ -13738,12 +13977,12 @@
           </a:ln>
         </p:spPr>
         <p:txBody>
-          <a:bodyPr anchorCtr="0" anchor="t" bIns="91425" lIns="91425" spcFirstLastPara="1" rIns="91425" wrap="square" tIns="91425">
+          <a:bodyPr spcFirstLastPara="1" wrap="square" lIns="91425" tIns="91425" rIns="91425" bIns="91425" anchor="t" anchorCtr="0">
             <a:noAutofit/>
           </a:bodyPr>
           <a:lstStyle/>
           <a:p>
-            <a:pPr indent="0" lvl="0" marL="0" rtl="0" algn="l">
+            <a:pPr marL="0" lvl="0" indent="0" algn="l" rtl="0">
               <a:spcBef>
                 <a:spcPts val="0"/>
               </a:spcBef>
@@ -13753,7 +13992,7 @@
               <a:buNone/>
             </a:pPr>
             <a:r>
-              <a:rPr i="1" lang="en" sz="1200">
+              <a:rPr lang="en" sz="1200" i="1">
                 <a:solidFill>
                   <a:schemeClr val="dk1"/>
                 </a:solidFill>
@@ -13771,7 +14010,9 @@
       <p:sp>
         <p:nvSpPr>
           <p:cNvPr id="116" name="Google Shape;116;p16"/>
-          <p:cNvSpPr txBox="1"/>
+          <p:cNvSpPr txBox="1">
+            <a:spLocks noGrp="1"/>
+          </p:cNvSpPr>
           <p:nvPr>
             <p:ph type="title"/>
           </p:nvPr>
@@ -13786,12 +14027,12 @@
           </a:prstGeom>
         </p:spPr>
         <p:txBody>
-          <a:bodyPr anchorCtr="0" anchor="ctr" bIns="39550" lIns="79125" spcFirstLastPara="1" rIns="79125" wrap="square" tIns="39550">
+          <a:bodyPr spcFirstLastPara="1" wrap="square" lIns="79125" tIns="39550" rIns="79125" bIns="39550" anchor="ctr" anchorCtr="0">
             <a:noAutofit/>
           </a:bodyPr>
           <a:lstStyle/>
           <a:p>
-            <a:pPr indent="0" lvl="0" marL="0" rtl="0" algn="l">
+            <a:pPr marL="0" lvl="0" indent="0" algn="l" rtl="0">
               <a:spcBef>
                 <a:spcPts val="0"/>
               </a:spcBef>
@@ -13856,12 +14097,12 @@
           </a:ln>
         </p:spPr>
         <p:txBody>
-          <a:bodyPr anchorCtr="0" anchor="t" bIns="91425" lIns="91425" spcFirstLastPara="1" rIns="91425" wrap="square" tIns="91425">
+          <a:bodyPr spcFirstLastPara="1" wrap="square" lIns="91425" tIns="91425" rIns="91425" bIns="91425" anchor="t" anchorCtr="0">
             <a:noAutofit/>
           </a:bodyPr>
           <a:lstStyle/>
           <a:p>
-            <a:pPr indent="0" lvl="0" marL="0" rtl="0" algn="l">
+            <a:pPr marL="0" lvl="0" indent="0" algn="l" rtl="0">
               <a:spcBef>
                 <a:spcPts val="0"/>
               </a:spcBef>
@@ -13900,9 +14141,11 @@
       <p:sp>
         <p:nvSpPr>
           <p:cNvPr id="119" name="Google Shape;119;p16"/>
-          <p:cNvSpPr txBox="1"/>
+          <p:cNvSpPr txBox="1">
+            <a:spLocks noGrp="1"/>
+          </p:cNvSpPr>
           <p:nvPr>
-            <p:ph idx="12" type="sldNum"/>
+            <p:ph type="sldNum" idx="12"/>
           </p:nvPr>
         </p:nvSpPr>
         <p:spPr>
@@ -13915,12 +14158,12 @@
           </a:prstGeom>
         </p:spPr>
         <p:txBody>
-          <a:bodyPr anchorCtr="0" anchor="ctr" bIns="39550" lIns="79125" spcFirstLastPara="1" rIns="79125" wrap="square" tIns="39550">
+          <a:bodyPr spcFirstLastPara="1" wrap="square" lIns="79125" tIns="39550" rIns="79125" bIns="39550" anchor="ctr" anchorCtr="0">
             <a:noAutofit/>
           </a:bodyPr>
           <a:lstStyle/>
           <a:p>
-            <a:pPr indent="0" lvl="0" marL="0" rtl="0" algn="r">
+            <a:pPr marL="0" lvl="0" indent="0" algn="r" rtl="0">
               <a:spcBef>
                 <a:spcPts val="0"/>
               </a:spcBef>
@@ -13935,7 +14178,7 @@
             </a:pPr>
             <a:fld id="{00000000-1234-1234-1234-123412341234}" type="slidenum">
               <a:rPr lang="en"/>
-              <a:t>‹#›</a:t>
+              <a:t>4</a:t>
             </a:fld>
             <a:endParaRPr/>
           </a:p>
@@ -13969,6 +14212,41 @@
           </a:ln>
         </p:spPr>
       </p:pic>
+      <p:sp>
+        <p:nvSpPr>
+          <p:cNvPr id="2" name="TextBox 1">
+            <a:extLst>
+              <a:ext uri="{FF2B5EF4-FFF2-40B4-BE49-F238E27FC236}">
+                <a16:creationId xmlns:a16="http://schemas.microsoft.com/office/drawing/2014/main" id="{ECD1199A-C498-4985-A747-EEB89F99C8A6}"/>
+              </a:ext>
+            </a:extLst>
+          </p:cNvPr>
+          <p:cNvSpPr txBox="1"/>
+          <p:nvPr/>
+        </p:nvSpPr>
+        <p:spPr>
+          <a:xfrm>
+            <a:off x="453655" y="1204854"/>
+            <a:ext cx="1212111" cy="276999"/>
+          </a:xfrm>
+          <a:prstGeom prst="rect">
+            <a:avLst/>
+          </a:prstGeom>
+          <a:noFill/>
+        </p:spPr>
+        <p:txBody>
+          <a:bodyPr wrap="square" rtlCol="0">
+            <a:spAutoFit/>
+          </a:bodyPr>
+          <a:lstStyle/>
+          <a:p>
+            <a:r>
+              <a:rPr lang="en-IN" sz="1200" i="1" dirty="0"/>
+              <a:t>Target paper</a:t>
+            </a:r>
+          </a:p>
+        </p:txBody>
+      </p:sp>
     </p:spTree>
   </p:cSld>
   <p:clrMapOvr>
@@ -13978,11 +14256,11 @@
 </file>
 
 <file path=ppt/slides/slide5.xml><?xml version="1.0" encoding="utf-8"?>
-<p:sld xmlns:a="http://schemas.openxmlformats.org/drawingml/2006/main" xmlns:r="http://schemas.openxmlformats.org/officeDocument/2006/relationships" xmlns:mc="http://schemas.openxmlformats.org/markup-compatibility/2006" xmlns:mv="urn:schemas-microsoft-com:mac:vml" xmlns:p="http://schemas.openxmlformats.org/presentationml/2006/main" xmlns:c="http://schemas.openxmlformats.org/drawingml/2006/chart" xmlns:dgm="http://schemas.openxmlformats.org/drawingml/2006/diagram" xmlns:o="urn:schemas-microsoft-com:office:office" xmlns:v="urn:schemas-microsoft-com:vml" xmlns:pvml="urn:schemas-microsoft-com:office:powerpoint" xmlns:com="http://schemas.openxmlformats.org/drawingml/2006/compatibility" xmlns:p14="http://schemas.microsoft.com/office/powerpoint/2010/main" xmlns:p15="http://schemas.microsoft.com/office/powerpoint/2012/main">
+<p:sld xmlns:a="http://schemas.openxmlformats.org/drawingml/2006/main" xmlns:r="http://schemas.openxmlformats.org/officeDocument/2006/relationships" xmlns:p="http://schemas.openxmlformats.org/presentationml/2006/main">
   <p:cSld>
     <p:spTree>
       <p:nvGrpSpPr>
-        <p:cNvPr id="124" name="Shape 124"/>
+        <p:cNvPr id="1" name="Shape 124"/>
         <p:cNvGrpSpPr/>
         <p:nvPr/>
       </p:nvGrpSpPr>
@@ -14014,12 +14292,12 @@
           </a:ln>
         </p:spPr>
         <p:txBody>
-          <a:bodyPr anchorCtr="0" anchor="t" bIns="91425" lIns="91425" spcFirstLastPara="1" rIns="91425" wrap="square" tIns="91425">
+          <a:bodyPr spcFirstLastPara="1" wrap="square" lIns="91425" tIns="91425" rIns="91425" bIns="91425" anchor="t" anchorCtr="0">
             <a:noAutofit/>
           </a:bodyPr>
           <a:lstStyle/>
           <a:p>
-            <a:pPr indent="-330200" lvl="0" marL="457200" rtl="0" algn="l">
+            <a:pPr marL="457200" lvl="0" indent="-330200" algn="l" rtl="0">
               <a:spcBef>
                 <a:spcPts val="900"/>
               </a:spcBef>
@@ -14056,7 +14334,7 @@
             </a:endParaRPr>
           </a:p>
           <a:p>
-            <a:pPr indent="-330200" lvl="0" marL="457200" rtl="0" algn="l">
+            <a:pPr marL="457200" lvl="0" indent="-330200" algn="l" rtl="0">
               <a:spcBef>
                 <a:spcPts val="0"/>
               </a:spcBef>
@@ -14093,7 +14371,7 @@
             </a:endParaRPr>
           </a:p>
           <a:p>
-            <a:pPr indent="0" lvl="0" marL="0" rtl="0" algn="l">
+            <a:pPr marL="0" lvl="0" indent="0" algn="l" rtl="0">
               <a:spcBef>
                 <a:spcPts val="0"/>
               </a:spcBef>
@@ -14128,7 +14406,7 @@
             </a:endParaRPr>
           </a:p>
           <a:p>
-            <a:pPr indent="0" lvl="0" marL="0" rtl="0" algn="l">
+            <a:pPr marL="0" lvl="0" indent="0" algn="l" rtl="0">
               <a:spcBef>
                 <a:spcPts val="900"/>
               </a:spcBef>
@@ -14137,9 +14415,6 @@
               </a:spcAft>
               <a:buNone/>
             </a:pPr>
-            <a:r>
-              <a:t/>
-            </a:r>
             <a:endParaRPr>
               <a:solidFill>
                 <a:schemeClr val="dk1"/>
@@ -14155,7 +14430,9 @@
       <p:sp>
         <p:nvSpPr>
           <p:cNvPr id="126" name="Google Shape;126;p17"/>
-          <p:cNvSpPr txBox="1"/>
+          <p:cNvSpPr txBox="1">
+            <a:spLocks noGrp="1"/>
+          </p:cNvSpPr>
           <p:nvPr>
             <p:ph type="title"/>
           </p:nvPr>
@@ -14170,12 +14447,12 @@
           </a:prstGeom>
         </p:spPr>
         <p:txBody>
-          <a:bodyPr anchorCtr="0" anchor="ctr" bIns="39550" lIns="79125" spcFirstLastPara="1" rIns="79125" wrap="square" tIns="39550">
+          <a:bodyPr spcFirstLastPara="1" wrap="square" lIns="79125" tIns="39550" rIns="79125" bIns="39550" anchor="ctr" anchorCtr="0">
             <a:noAutofit/>
           </a:bodyPr>
           <a:lstStyle/>
           <a:p>
-            <a:pPr indent="0" lvl="0" marL="0" rtl="0" algn="l">
+            <a:pPr marL="0" lvl="0" indent="0" algn="l" rtl="0">
               <a:spcBef>
                 <a:spcPts val="0"/>
               </a:spcBef>
@@ -14251,9 +14528,11 @@
       <p:sp>
         <p:nvSpPr>
           <p:cNvPr id="129" name="Google Shape;129;p17"/>
-          <p:cNvSpPr txBox="1"/>
+          <p:cNvSpPr txBox="1">
+            <a:spLocks noGrp="1"/>
+          </p:cNvSpPr>
           <p:nvPr>
-            <p:ph idx="12" type="sldNum"/>
+            <p:ph type="sldNum" idx="12"/>
           </p:nvPr>
         </p:nvSpPr>
         <p:spPr>
@@ -14266,12 +14545,12 @@
           </a:prstGeom>
         </p:spPr>
         <p:txBody>
-          <a:bodyPr anchorCtr="0" anchor="ctr" bIns="39550" lIns="79125" spcFirstLastPara="1" rIns="79125" wrap="square" tIns="39550">
+          <a:bodyPr spcFirstLastPara="1" wrap="square" lIns="79125" tIns="39550" rIns="79125" bIns="39550" anchor="ctr" anchorCtr="0">
             <a:noAutofit/>
           </a:bodyPr>
           <a:lstStyle/>
           <a:p>
-            <a:pPr indent="0" lvl="0" marL="0" rtl="0" algn="r">
+            <a:pPr marL="0" lvl="0" indent="0" algn="r" rtl="0">
               <a:spcBef>
                 <a:spcPts val="0"/>
               </a:spcBef>
@@ -14286,7 +14565,7 @@
             </a:pPr>
             <a:fld id="{00000000-1234-1234-1234-123412341234}" type="slidenum">
               <a:rPr lang="en"/>
-              <a:t>‹#›</a:t>
+              <a:t>5</a:t>
             </a:fld>
             <a:endParaRPr/>
           </a:p>
@@ -14305,29 +14584,29 @@
           </a:xfrm>
           <a:prstGeom prst="plus">
             <a:avLst>
-              <a:gd fmla="val 25000" name="adj"/>
+              <a:gd name="adj" fmla="val 25000"/>
             </a:avLst>
           </a:prstGeom>
           <a:solidFill>
             <a:schemeClr val="lt2"/>
           </a:solidFill>
-          <a:ln cap="flat" cmpd="sng" w="9525">
+          <a:ln w="9525" cap="flat" cmpd="sng">
             <a:solidFill>
               <a:schemeClr val="dk2"/>
             </a:solidFill>
             <a:prstDash val="solid"/>
             <a:round/>
-            <a:headEnd len="sm" w="sm" type="none"/>
-            <a:tailEnd len="sm" w="sm" type="none"/>
+            <a:headEnd type="none" w="sm" len="sm"/>
+            <a:tailEnd type="none" w="sm" len="sm"/>
           </a:ln>
         </p:spPr>
         <p:txBody>
-          <a:bodyPr anchorCtr="0" anchor="ctr" bIns="91425" lIns="91425" spcFirstLastPara="1" rIns="91425" wrap="square" tIns="91425">
+          <a:bodyPr spcFirstLastPara="1" wrap="square" lIns="91425" tIns="91425" rIns="91425" bIns="91425" anchor="ctr" anchorCtr="0">
             <a:noAutofit/>
           </a:bodyPr>
           <a:lstStyle/>
           <a:p>
-            <a:pPr indent="0" lvl="0" marL="0" rtl="0" algn="l">
+            <a:pPr marL="0" lvl="0" indent="0" algn="l" rtl="0">
               <a:spcBef>
                 <a:spcPts val="0"/>
               </a:spcBef>
@@ -14336,9 +14615,6 @@
               </a:spcAft>
               <a:buNone/>
             </a:pPr>
-            <a:r>
-              <a:t/>
-            </a:r>
             <a:endParaRPr/>
           </a:p>
         </p:txBody>
@@ -14352,11 +14628,11 @@
 </file>
 
 <file path=ppt/slides/slide6.xml><?xml version="1.0" encoding="utf-8"?>
-<p:sld xmlns:a="http://schemas.openxmlformats.org/drawingml/2006/main" xmlns:r="http://schemas.openxmlformats.org/officeDocument/2006/relationships" xmlns:mc="http://schemas.openxmlformats.org/markup-compatibility/2006" xmlns:mv="urn:schemas-microsoft-com:mac:vml" xmlns:p="http://schemas.openxmlformats.org/presentationml/2006/main" xmlns:c="http://schemas.openxmlformats.org/drawingml/2006/chart" xmlns:dgm="http://schemas.openxmlformats.org/drawingml/2006/diagram" xmlns:o="urn:schemas-microsoft-com:office:office" xmlns:v="urn:schemas-microsoft-com:vml" xmlns:pvml="urn:schemas-microsoft-com:office:powerpoint" xmlns:com="http://schemas.openxmlformats.org/drawingml/2006/compatibility" xmlns:p14="http://schemas.microsoft.com/office/powerpoint/2010/main" xmlns:p15="http://schemas.microsoft.com/office/powerpoint/2012/main">
+<p:sld xmlns:a="http://schemas.openxmlformats.org/drawingml/2006/main" xmlns:r="http://schemas.openxmlformats.org/officeDocument/2006/relationships" xmlns:p="http://schemas.openxmlformats.org/presentationml/2006/main">
   <p:cSld>
     <p:spTree>
       <p:nvGrpSpPr>
-        <p:cNvPr id="134" name="Shape 134"/>
+        <p:cNvPr id="1" name="Shape 134"/>
         <p:cNvGrpSpPr/>
         <p:nvPr/>
       </p:nvGrpSpPr>
@@ -14388,12 +14664,12 @@
           </a:ln>
         </p:spPr>
         <p:txBody>
-          <a:bodyPr anchorCtr="0" anchor="t" bIns="91425" lIns="91425" spcFirstLastPara="1" rIns="91425" wrap="square" tIns="91425">
+          <a:bodyPr spcFirstLastPara="1" wrap="square" lIns="91425" tIns="91425" rIns="91425" bIns="91425" anchor="t" anchorCtr="0">
             <a:noAutofit/>
           </a:bodyPr>
           <a:lstStyle/>
           <a:p>
-            <a:pPr indent="-317500" lvl="0" marL="457200" rtl="0" algn="l">
+            <a:pPr marL="457200" lvl="0" indent="-317500" algn="l" rtl="0">
               <a:spcBef>
                 <a:spcPts val="900"/>
               </a:spcBef>
@@ -14430,7 +14706,7 @@
             </a:endParaRPr>
           </a:p>
           <a:p>
-            <a:pPr indent="0" lvl="0" marL="0" rtl="0" algn="l">
+            <a:pPr marL="0" lvl="0" indent="0" algn="l" rtl="0">
               <a:spcBef>
                 <a:spcPts val="900"/>
               </a:spcBef>
@@ -14439,9 +14715,6 @@
               </a:spcAft>
               <a:buNone/>
             </a:pPr>
-            <a:r>
-              <a:t/>
-            </a:r>
             <a:endParaRPr>
               <a:solidFill>
                 <a:schemeClr val="dk1"/>
@@ -14467,30 +14740,30 @@
           </a:xfrm>
           <a:prstGeom prst="rightArrow">
             <a:avLst>
-              <a:gd fmla="val 50000" name="adj1"/>
-              <a:gd fmla="val 50000" name="adj2"/>
+              <a:gd name="adj1" fmla="val 50000"/>
+              <a:gd name="adj2" fmla="val 50000"/>
             </a:avLst>
           </a:prstGeom>
           <a:solidFill>
             <a:schemeClr val="lt2"/>
           </a:solidFill>
-          <a:ln cap="flat" cmpd="sng" w="9525">
+          <a:ln w="9525" cap="flat" cmpd="sng">
             <a:solidFill>
               <a:schemeClr val="dk2"/>
             </a:solidFill>
             <a:prstDash val="solid"/>
             <a:round/>
-            <a:headEnd len="sm" w="sm" type="none"/>
-            <a:tailEnd len="sm" w="sm" type="none"/>
+            <a:headEnd type="none" w="sm" len="sm"/>
+            <a:tailEnd type="none" w="sm" len="sm"/>
           </a:ln>
         </p:spPr>
         <p:txBody>
-          <a:bodyPr anchorCtr="0" anchor="ctr" bIns="91425" lIns="91425" spcFirstLastPara="1" rIns="91425" wrap="square" tIns="91425">
+          <a:bodyPr spcFirstLastPara="1" wrap="square" lIns="91425" tIns="91425" rIns="91425" bIns="91425" anchor="ctr" anchorCtr="0">
             <a:noAutofit/>
           </a:bodyPr>
           <a:lstStyle/>
           <a:p>
-            <a:pPr indent="0" lvl="0" marL="0" rtl="0" algn="l">
+            <a:pPr marL="0" lvl="0" indent="0" algn="l" rtl="0">
               <a:spcBef>
                 <a:spcPts val="0"/>
               </a:spcBef>
@@ -14499,9 +14772,6 @@
               </a:spcAft>
               <a:buNone/>
             </a:pPr>
-            <a:r>
-              <a:t/>
-            </a:r>
             <a:endParaRPr/>
           </a:p>
         </p:txBody>
@@ -14509,7 +14779,9 @@
       <p:sp>
         <p:nvSpPr>
           <p:cNvPr id="137" name="Google Shape;137;p18"/>
-          <p:cNvSpPr txBox="1"/>
+          <p:cNvSpPr txBox="1">
+            <a:spLocks noGrp="1"/>
+          </p:cNvSpPr>
           <p:nvPr>
             <p:ph type="title"/>
           </p:nvPr>
@@ -14524,12 +14796,12 @@
           </a:prstGeom>
         </p:spPr>
         <p:txBody>
-          <a:bodyPr anchorCtr="0" anchor="ctr" bIns="39550" lIns="79125" spcFirstLastPara="1" rIns="79125" wrap="square" tIns="39550">
+          <a:bodyPr spcFirstLastPara="1" wrap="square" lIns="79125" tIns="39550" rIns="79125" bIns="39550" anchor="ctr" anchorCtr="0">
             <a:noAutofit/>
           </a:bodyPr>
           <a:lstStyle/>
           <a:p>
-            <a:pPr indent="0" lvl="0" marL="0" rtl="0" algn="l">
+            <a:pPr marL="0" lvl="0" indent="0" algn="l" rtl="0">
               <a:spcBef>
                 <a:spcPts val="0"/>
               </a:spcBef>
@@ -14605,9 +14877,11 @@
       <p:sp>
         <p:nvSpPr>
           <p:cNvPr id="140" name="Google Shape;140;p18"/>
-          <p:cNvSpPr txBox="1"/>
+          <p:cNvSpPr txBox="1">
+            <a:spLocks noGrp="1"/>
+          </p:cNvSpPr>
           <p:nvPr>
-            <p:ph idx="12" type="sldNum"/>
+            <p:ph type="sldNum" idx="12"/>
           </p:nvPr>
         </p:nvSpPr>
         <p:spPr>
@@ -14620,12 +14894,12 @@
           </a:prstGeom>
         </p:spPr>
         <p:txBody>
-          <a:bodyPr anchorCtr="0" anchor="ctr" bIns="39550" lIns="79125" spcFirstLastPara="1" rIns="79125" wrap="square" tIns="39550">
+          <a:bodyPr spcFirstLastPara="1" wrap="square" lIns="79125" tIns="39550" rIns="79125" bIns="39550" anchor="ctr" anchorCtr="0">
             <a:noAutofit/>
           </a:bodyPr>
           <a:lstStyle/>
           <a:p>
-            <a:pPr indent="0" lvl="0" marL="0" rtl="0" algn="r">
+            <a:pPr marL="0" lvl="0" indent="0" algn="r" rtl="0">
               <a:spcBef>
                 <a:spcPts val="0"/>
               </a:spcBef>
@@ -14640,7 +14914,7 @@
             </a:pPr>
             <a:fld id="{00000000-1234-1234-1234-123412341234}" type="slidenum">
               <a:rPr lang="en"/>
-              <a:t>‹#›</a:t>
+              <a:t>6</a:t>
             </a:fld>
             <a:endParaRPr/>
           </a:p>
@@ -14655,11 +14929,11 @@
 </file>
 
 <file path=ppt/slides/slide7.xml><?xml version="1.0" encoding="utf-8"?>
-<p:sld xmlns:a="http://schemas.openxmlformats.org/drawingml/2006/main" xmlns:r="http://schemas.openxmlformats.org/officeDocument/2006/relationships" xmlns:mc="http://schemas.openxmlformats.org/markup-compatibility/2006" xmlns:mv="urn:schemas-microsoft-com:mac:vml" xmlns:p="http://schemas.openxmlformats.org/presentationml/2006/main" xmlns:c="http://schemas.openxmlformats.org/drawingml/2006/chart" xmlns:dgm="http://schemas.openxmlformats.org/drawingml/2006/diagram" xmlns:o="urn:schemas-microsoft-com:office:office" xmlns:v="urn:schemas-microsoft-com:vml" xmlns:pvml="urn:schemas-microsoft-com:office:powerpoint" xmlns:com="http://schemas.openxmlformats.org/drawingml/2006/compatibility" xmlns:p14="http://schemas.microsoft.com/office/powerpoint/2010/main" xmlns:p15="http://schemas.microsoft.com/office/powerpoint/2012/main">
+<p:sld xmlns:a="http://schemas.openxmlformats.org/drawingml/2006/main" xmlns:r="http://schemas.openxmlformats.org/officeDocument/2006/relationships" xmlns:p="http://schemas.openxmlformats.org/presentationml/2006/main">
   <p:cSld>
     <p:spTree>
       <p:nvGrpSpPr>
-        <p:cNvPr id="144" name="Shape 144"/>
+        <p:cNvPr id="1" name="Shape 144"/>
         <p:cNvGrpSpPr/>
         <p:nvPr/>
       </p:nvGrpSpPr>
@@ -14691,12 +14965,12 @@
           </a:ln>
         </p:spPr>
         <p:txBody>
-          <a:bodyPr anchorCtr="0" anchor="t" bIns="91425" lIns="91425" spcFirstLastPara="1" rIns="91425" wrap="square" tIns="91425">
+          <a:bodyPr spcFirstLastPara="1" wrap="square" lIns="91425" tIns="91425" rIns="91425" bIns="91425" anchor="t" anchorCtr="0">
             <a:noAutofit/>
           </a:bodyPr>
           <a:lstStyle/>
           <a:p>
-            <a:pPr indent="-317500" lvl="0" marL="457200" rtl="0" algn="l">
+            <a:pPr marL="457200" lvl="0" indent="-317500" algn="l" rtl="0">
               <a:spcBef>
                 <a:spcPts val="900"/>
               </a:spcBef>
@@ -14733,7 +15007,7 @@
             </a:endParaRPr>
           </a:p>
           <a:p>
-            <a:pPr indent="0" lvl="0" marL="0" rtl="0" algn="l">
+            <a:pPr marL="0" lvl="0" indent="0" algn="l" rtl="0">
               <a:spcBef>
                 <a:spcPts val="900"/>
               </a:spcBef>
@@ -14742,9 +15016,6 @@
               </a:spcAft>
               <a:buNone/>
             </a:pPr>
-            <a:r>
-              <a:t/>
-            </a:r>
             <a:endParaRPr>
               <a:solidFill>
                 <a:schemeClr val="dk1"/>
@@ -14770,30 +15041,30 @@
           </a:xfrm>
           <a:prstGeom prst="rightArrow">
             <a:avLst>
-              <a:gd fmla="val 50000" name="adj1"/>
-              <a:gd fmla="val 50000" name="adj2"/>
+              <a:gd name="adj1" fmla="val 50000"/>
+              <a:gd name="adj2" fmla="val 50000"/>
             </a:avLst>
           </a:prstGeom>
           <a:solidFill>
             <a:schemeClr val="lt2"/>
           </a:solidFill>
-          <a:ln cap="flat" cmpd="sng" w="9525">
+          <a:ln w="9525" cap="flat" cmpd="sng">
             <a:solidFill>
               <a:schemeClr val="dk2"/>
             </a:solidFill>
             <a:prstDash val="solid"/>
             <a:round/>
-            <a:headEnd len="sm" w="sm" type="none"/>
-            <a:tailEnd len="sm" w="sm" type="none"/>
+            <a:headEnd type="none" w="sm" len="sm"/>
+            <a:tailEnd type="none" w="sm" len="sm"/>
           </a:ln>
         </p:spPr>
         <p:txBody>
-          <a:bodyPr anchorCtr="0" anchor="ctr" bIns="91425" lIns="91425" spcFirstLastPara="1" rIns="91425" wrap="square" tIns="91425">
+          <a:bodyPr spcFirstLastPara="1" wrap="square" lIns="91425" tIns="91425" rIns="91425" bIns="91425" anchor="ctr" anchorCtr="0">
             <a:noAutofit/>
           </a:bodyPr>
           <a:lstStyle/>
           <a:p>
-            <a:pPr indent="0" lvl="0" marL="0" rtl="0" algn="l">
+            <a:pPr marL="0" lvl="0" indent="0" algn="l" rtl="0">
               <a:spcBef>
                 <a:spcPts val="0"/>
               </a:spcBef>
@@ -14802,9 +15073,6 @@
               </a:spcAft>
               <a:buNone/>
             </a:pPr>
-            <a:r>
-              <a:t/>
-            </a:r>
             <a:endParaRPr/>
           </a:p>
         </p:txBody>
@@ -14812,7 +15080,9 @@
       <p:sp>
         <p:nvSpPr>
           <p:cNvPr id="147" name="Google Shape;147;p19"/>
-          <p:cNvSpPr txBox="1"/>
+          <p:cNvSpPr txBox="1">
+            <a:spLocks noGrp="1"/>
+          </p:cNvSpPr>
           <p:nvPr>
             <p:ph type="title"/>
           </p:nvPr>
@@ -14827,12 +15097,12 @@
           </a:prstGeom>
         </p:spPr>
         <p:txBody>
-          <a:bodyPr anchorCtr="0" anchor="ctr" bIns="39550" lIns="79125" spcFirstLastPara="1" rIns="79125" wrap="square" tIns="39550">
+          <a:bodyPr spcFirstLastPara="1" wrap="square" lIns="79125" tIns="39550" rIns="79125" bIns="39550" anchor="ctr" anchorCtr="0">
             <a:noAutofit/>
           </a:bodyPr>
           <a:lstStyle/>
           <a:p>
-            <a:pPr indent="0" lvl="0" marL="0" rtl="0" algn="l">
+            <a:pPr marL="0" lvl="0" indent="0" algn="l" rtl="0">
               <a:spcBef>
                 <a:spcPts val="0"/>
               </a:spcBef>
@@ -14843,11 +15113,7 @@
             </a:pPr>
             <a:r>
               <a:rPr lang="en" sz="2400"/>
-              <a:t>Replication - Production </a:t>
-            </a:r>
-            <a:r>
-              <a:rPr lang="en" sz="2400"/>
-              <a:t>function for GLM with 95% confidence interval</a:t>
+              <a:t>Replication - Production function for GLM with 95% confidence interval</a:t>
             </a:r>
             <a:endParaRPr sz="2400"/>
           </a:p>
@@ -14912,9 +15178,11 @@
       <p:sp>
         <p:nvSpPr>
           <p:cNvPr id="150" name="Google Shape;150;p19"/>
-          <p:cNvSpPr txBox="1"/>
+          <p:cNvSpPr txBox="1">
+            <a:spLocks noGrp="1"/>
+          </p:cNvSpPr>
           <p:nvPr>
-            <p:ph idx="12" type="sldNum"/>
+            <p:ph type="sldNum" idx="12"/>
           </p:nvPr>
         </p:nvSpPr>
         <p:spPr>
@@ -14927,12 +15195,12 @@
           </a:prstGeom>
         </p:spPr>
         <p:txBody>
-          <a:bodyPr anchorCtr="0" anchor="ctr" bIns="39550" lIns="79125" spcFirstLastPara="1" rIns="79125" wrap="square" tIns="39550">
+          <a:bodyPr spcFirstLastPara="1" wrap="square" lIns="79125" tIns="39550" rIns="79125" bIns="39550" anchor="ctr" anchorCtr="0">
             <a:noAutofit/>
           </a:bodyPr>
           <a:lstStyle/>
           <a:p>
-            <a:pPr indent="0" lvl="0" marL="0" rtl="0" algn="r">
+            <a:pPr marL="0" lvl="0" indent="0" algn="r" rtl="0">
               <a:spcBef>
                 <a:spcPts val="0"/>
               </a:spcBef>
@@ -14947,7 +15215,7 @@
             </a:pPr>
             <a:fld id="{00000000-1234-1234-1234-123412341234}" type="slidenum">
               <a:rPr lang="en"/>
-              <a:t>‹#›</a:t>
+              <a:t>7</a:t>
             </a:fld>
             <a:endParaRPr/>
           </a:p>
@@ -14962,11 +15230,11 @@
 </file>
 
 <file path=ppt/slides/slide8.xml><?xml version="1.0" encoding="utf-8"?>
-<p:sld xmlns:a="http://schemas.openxmlformats.org/drawingml/2006/main" xmlns:r="http://schemas.openxmlformats.org/officeDocument/2006/relationships" xmlns:mc="http://schemas.openxmlformats.org/markup-compatibility/2006" xmlns:mv="urn:schemas-microsoft-com:mac:vml" xmlns:p="http://schemas.openxmlformats.org/presentationml/2006/main" xmlns:c="http://schemas.openxmlformats.org/drawingml/2006/chart" xmlns:dgm="http://schemas.openxmlformats.org/drawingml/2006/diagram" xmlns:o="urn:schemas-microsoft-com:office:office" xmlns:v="urn:schemas-microsoft-com:vml" xmlns:pvml="urn:schemas-microsoft-com:office:powerpoint" xmlns:com="http://schemas.openxmlformats.org/drawingml/2006/compatibility" xmlns:p14="http://schemas.microsoft.com/office/powerpoint/2010/main" xmlns:p15="http://schemas.microsoft.com/office/powerpoint/2012/main">
+<p:sld xmlns:a="http://schemas.openxmlformats.org/drawingml/2006/main" xmlns:r="http://schemas.openxmlformats.org/officeDocument/2006/relationships" xmlns:p="http://schemas.openxmlformats.org/presentationml/2006/main">
   <p:cSld>
     <p:spTree>
       <p:nvGrpSpPr>
-        <p:cNvPr id="154" name="Shape 154"/>
+        <p:cNvPr id="1" name="Shape 154"/>
         <p:cNvGrpSpPr/>
         <p:nvPr/>
       </p:nvGrpSpPr>
@@ -14998,12 +15266,12 @@
           </a:ln>
         </p:spPr>
         <p:txBody>
-          <a:bodyPr anchorCtr="0" anchor="t" bIns="91425" lIns="91425" spcFirstLastPara="1" rIns="91425" wrap="square" tIns="91425">
+          <a:bodyPr spcFirstLastPara="1" wrap="square" lIns="91425" tIns="91425" rIns="91425" bIns="91425" anchor="t" anchorCtr="0">
             <a:noAutofit/>
           </a:bodyPr>
           <a:lstStyle/>
           <a:p>
-            <a:pPr indent="-317500" lvl="0" marL="457200" rtl="0" algn="l">
+            <a:pPr marL="457200" lvl="0" indent="-317500" algn="l" rtl="0">
               <a:spcBef>
                 <a:spcPts val="900"/>
               </a:spcBef>
@@ -15015,7 +15283,7 @@
               <a:buChar char="●"/>
             </a:pPr>
             <a:r>
-              <a:rPr lang="en">
+              <a:rPr lang="en" dirty="0">
                 <a:latin typeface="Calibri"/>
                 <a:ea typeface="Calibri"/>
                 <a:cs typeface="Calibri"/>
@@ -15024,7 +15292,7 @@
               <a:t>A package named “Odesolve” used for calculating n</a:t>
             </a:r>
             <a:r>
-              <a:rPr baseline="30000" lang="en">
+              <a:rPr lang="en" baseline="30000" dirty="0">
                 <a:latin typeface="Calibri"/>
                 <a:ea typeface="Calibri"/>
                 <a:cs typeface="Calibri"/>
@@ -15033,7 +15301,7 @@
               <a:t>th</a:t>
             </a:r>
             <a:r>
-              <a:rPr lang="en">
+              <a:rPr lang="en" dirty="0">
                 <a:latin typeface="Calibri"/>
                 <a:ea typeface="Calibri"/>
                 <a:cs typeface="Calibri"/>
@@ -15041,7 +15309,7 @@
               </a:rPr>
               <a:t> order derivative was deprecated. Mansi had to replicate the R code using another package called “deSolve”</a:t>
             </a:r>
-            <a:endParaRPr>
+            <a:endParaRPr dirty="0">
               <a:latin typeface="Calibri"/>
               <a:ea typeface="Calibri"/>
               <a:cs typeface="Calibri"/>
@@ -15049,7 +15317,7 @@
             </a:endParaRPr>
           </a:p>
           <a:p>
-            <a:pPr indent="-317500" lvl="0" marL="457200" rtl="0" algn="l">
+            <a:pPr marL="457200" lvl="0" indent="-317500" algn="l" rtl="0">
               <a:spcBef>
                 <a:spcPts val="0"/>
               </a:spcBef>
@@ -15061,15 +15329,24 @@
               <a:buChar char="●"/>
             </a:pPr>
             <a:r>
-              <a:rPr lang="en">
+              <a:rPr lang="en-IN" dirty="0">
                 <a:latin typeface="Calibri"/>
                 <a:ea typeface="Calibri"/>
                 <a:cs typeface="Calibri"/>
                 <a:sym typeface="Calibri"/>
               </a:rPr>
-              <a:t>The percentile values used in the R code, were not consistent and were hard coded. Aniruddha automated the code snippet and did some code cleanup.</a:t>
+              <a:t>The code had hard-coded percentile values</a:t>
             </a:r>
-            <a:endParaRPr>
+            <a:r>
+              <a:rPr lang="en" dirty="0">
+                <a:latin typeface="Calibri"/>
+                <a:ea typeface="Calibri"/>
+                <a:cs typeface="Calibri"/>
+                <a:sym typeface="Calibri"/>
+              </a:rPr>
+              <a:t>. Aniruddha automated the code snippet and did some code cleanup.</a:t>
+            </a:r>
+            <a:endParaRPr dirty="0">
               <a:latin typeface="Calibri"/>
               <a:ea typeface="Calibri"/>
               <a:cs typeface="Calibri"/>
@@ -15077,7 +15354,7 @@
             </a:endParaRPr>
           </a:p>
           <a:p>
-            <a:pPr indent="-317500" lvl="0" marL="457200" rtl="0" algn="l">
+            <a:pPr marL="457200" lvl="0" indent="-317500" algn="l" rtl="0">
               <a:spcBef>
                 <a:spcPts val="0"/>
               </a:spcBef>
@@ -15089,7 +15366,7 @@
               <a:buChar char="●"/>
             </a:pPr>
             <a:r>
-              <a:rPr lang="en">
+              <a:rPr lang="en" dirty="0">
                 <a:latin typeface="Calibri"/>
                 <a:ea typeface="Calibri"/>
                 <a:cs typeface="Calibri"/>
@@ -15097,7 +15374,7 @@
               </a:rPr>
               <a:t>Variables used in the code were misspelled in some places, Sreeja had to track them back to their source functions and fix them</a:t>
             </a:r>
-            <a:endParaRPr>
+            <a:endParaRPr dirty="0">
               <a:latin typeface="Calibri"/>
               <a:ea typeface="Calibri"/>
               <a:cs typeface="Calibri"/>
@@ -15105,7 +15382,7 @@
             </a:endParaRPr>
           </a:p>
           <a:p>
-            <a:pPr indent="-317500" lvl="0" marL="457200" rtl="0" algn="l">
+            <a:pPr marL="457200" lvl="0" indent="-317500" algn="l" rtl="0">
               <a:spcBef>
                 <a:spcPts val="0"/>
               </a:spcBef>
@@ -15117,7 +15394,7 @@
               <a:buChar char="●"/>
             </a:pPr>
             <a:r>
-              <a:rPr lang="en">
+              <a:rPr lang="en" dirty="0">
                 <a:latin typeface="Calibri"/>
                 <a:ea typeface="Calibri"/>
                 <a:cs typeface="Calibri"/>
@@ -15125,7 +15402,7 @@
               </a:rPr>
               <a:t>Implementation of Log Linear model with Gradient Descent Loss function was tricky. Mayur and Pradeep ensured that we replicate the exact model, by running the model with multiple permutations of learning rate* and number of iterations. </a:t>
             </a:r>
-            <a:endParaRPr>
+            <a:endParaRPr dirty="0">
               <a:latin typeface="Calibri"/>
               <a:ea typeface="Calibri"/>
               <a:cs typeface="Calibri"/>
@@ -15133,7 +15410,7 @@
             </a:endParaRPr>
           </a:p>
           <a:p>
-            <a:pPr indent="-317500" lvl="0" marL="457200" rtl="0" algn="l">
+            <a:pPr marL="457200" lvl="0" indent="-317500" algn="l" rtl="0">
               <a:spcBef>
                 <a:spcPts val="0"/>
               </a:spcBef>
@@ -15145,7 +15422,7 @@
               <a:buChar char="●"/>
             </a:pPr>
             <a:r>
-              <a:rPr lang="en">
+              <a:rPr lang="en" dirty="0">
                 <a:latin typeface="Calibri"/>
                 <a:ea typeface="Calibri"/>
                 <a:cs typeface="Calibri"/>
@@ -15153,7 +15430,7 @@
               </a:rPr>
               <a:t>The team members were new to R markdown before the start of this project and the exercise served as a great value add to explore the possibilities of Rmd.</a:t>
             </a:r>
-            <a:endParaRPr>
+            <a:endParaRPr dirty="0">
               <a:latin typeface="Calibri"/>
               <a:ea typeface="Calibri"/>
               <a:cs typeface="Calibri"/>
@@ -15161,7 +15438,7 @@
             </a:endParaRPr>
           </a:p>
           <a:p>
-            <a:pPr indent="0" lvl="0" marL="0" rtl="0" algn="l">
+            <a:pPr marL="0" lvl="0" indent="0" algn="l" rtl="0">
               <a:spcBef>
                 <a:spcPts val="900"/>
               </a:spcBef>
@@ -15170,10 +15447,7 @@
               </a:spcAft>
               <a:buNone/>
             </a:pPr>
-            <a:r>
-              <a:t/>
-            </a:r>
-            <a:endParaRPr>
+            <a:endParaRPr dirty="0">
               <a:latin typeface="Calibri"/>
               <a:ea typeface="Calibri"/>
               <a:cs typeface="Calibri"/>
@@ -15181,7 +15455,7 @@
             </a:endParaRPr>
           </a:p>
           <a:p>
-            <a:pPr indent="0" lvl="0" marL="0" rtl="0" algn="l">
+            <a:pPr marL="0" lvl="0" indent="0" algn="l" rtl="0">
               <a:spcBef>
                 <a:spcPts val="900"/>
               </a:spcBef>
@@ -15191,7 +15465,7 @@
               <a:buNone/>
             </a:pPr>
             <a:r>
-              <a:rPr lang="en">
+              <a:rPr lang="en" dirty="0">
                 <a:solidFill>
                   <a:schemeClr val="dk1"/>
                 </a:solidFill>
@@ -15200,33 +15474,9 @@
                 <a:cs typeface="Calibri"/>
                 <a:sym typeface="Calibri"/>
               </a:rPr>
-              <a:t>While the team faced the above challenges, the codes</a:t>
+              <a:t>While the team faced the above challenges, the codes and the data from the original paper performed as intended and made our replication study a lot easier. </a:t>
             </a:r>
-            <a:r>
-              <a:rPr lang="en">
-                <a:solidFill>
-                  <a:schemeClr val="dk1"/>
-                </a:solidFill>
-                <a:latin typeface="Calibri"/>
-                <a:ea typeface="Calibri"/>
-                <a:cs typeface="Calibri"/>
-                <a:sym typeface="Calibri"/>
-              </a:rPr>
-              <a:t> and the</a:t>
-            </a:r>
-            <a:r>
-              <a:rPr lang="en">
-                <a:solidFill>
-                  <a:schemeClr val="dk1"/>
-                </a:solidFill>
-                <a:latin typeface="Calibri"/>
-                <a:ea typeface="Calibri"/>
-                <a:cs typeface="Calibri"/>
-                <a:sym typeface="Calibri"/>
-              </a:rPr>
-              <a:t> data from the original paper performed as intended and made our replication study a lot easier. </a:t>
-            </a:r>
-            <a:endParaRPr>
+            <a:endParaRPr dirty="0">
               <a:latin typeface="Calibri"/>
               <a:ea typeface="Calibri"/>
               <a:cs typeface="Calibri"/>
@@ -15234,7 +15484,7 @@
             </a:endParaRPr>
           </a:p>
           <a:p>
-            <a:pPr indent="0" lvl="0" marL="0" rtl="0" algn="l">
+            <a:pPr marL="0" lvl="0" indent="0" algn="l" rtl="0">
               <a:spcBef>
                 <a:spcPts val="900"/>
               </a:spcBef>
@@ -15243,10 +15493,7 @@
               </a:spcAft>
               <a:buNone/>
             </a:pPr>
-            <a:r>
-              <a:t/>
-            </a:r>
-            <a:endParaRPr>
+            <a:endParaRPr dirty="0">
               <a:latin typeface="Calibri"/>
               <a:ea typeface="Calibri"/>
               <a:cs typeface="Calibri"/>
@@ -15258,7 +15505,9 @@
       <p:sp>
         <p:nvSpPr>
           <p:cNvPr id="156" name="Google Shape;156;p20"/>
-          <p:cNvSpPr txBox="1"/>
+          <p:cNvSpPr txBox="1">
+            <a:spLocks noGrp="1"/>
+          </p:cNvSpPr>
           <p:nvPr>
             <p:ph type="title"/>
           </p:nvPr>
@@ -15273,12 +15522,12 @@
           </a:prstGeom>
         </p:spPr>
         <p:txBody>
-          <a:bodyPr anchorCtr="0" anchor="ctr" bIns="39550" lIns="79125" spcFirstLastPara="1" rIns="79125" wrap="square" tIns="39550">
+          <a:bodyPr spcFirstLastPara="1" wrap="square" lIns="79125" tIns="39550" rIns="79125" bIns="39550" anchor="ctr" anchorCtr="0">
             <a:noAutofit/>
           </a:bodyPr>
           <a:lstStyle/>
           <a:p>
-            <a:pPr indent="0" lvl="0" marL="0" rtl="0" algn="l">
+            <a:pPr marL="0" lvl="0" indent="0" algn="l" rtl="0">
               <a:spcBef>
                 <a:spcPts val="0"/>
               </a:spcBef>
@@ -15315,12 +15564,12 @@
           </a:ln>
         </p:spPr>
         <p:txBody>
-          <a:bodyPr anchorCtr="0" anchor="t" bIns="91425" lIns="91425" spcFirstLastPara="1" rIns="91425" wrap="square" tIns="91425">
+          <a:bodyPr spcFirstLastPara="1" wrap="square" lIns="91425" tIns="91425" rIns="91425" bIns="91425" anchor="t" anchorCtr="0">
             <a:noAutofit/>
           </a:bodyPr>
           <a:lstStyle/>
           <a:p>
-            <a:pPr indent="0" lvl="0" marL="0" rtl="0" algn="l">
+            <a:pPr marL="0" lvl="0" indent="0" algn="l" rtl="0">
               <a:spcBef>
                 <a:spcPts val="0"/>
               </a:spcBef>
@@ -15359,9 +15608,11 @@
       <p:sp>
         <p:nvSpPr>
           <p:cNvPr id="158" name="Google Shape;158;p20"/>
-          <p:cNvSpPr txBox="1"/>
+          <p:cNvSpPr txBox="1">
+            <a:spLocks noGrp="1"/>
+          </p:cNvSpPr>
           <p:nvPr>
-            <p:ph idx="12" type="sldNum"/>
+            <p:ph type="sldNum" idx="12"/>
           </p:nvPr>
         </p:nvSpPr>
         <p:spPr>
@@ -15374,12 +15625,12 @@
           </a:prstGeom>
         </p:spPr>
         <p:txBody>
-          <a:bodyPr anchorCtr="0" anchor="ctr" bIns="39550" lIns="79125" spcFirstLastPara="1" rIns="79125" wrap="square" tIns="39550">
+          <a:bodyPr spcFirstLastPara="1" wrap="square" lIns="79125" tIns="39550" rIns="79125" bIns="39550" anchor="ctr" anchorCtr="0">
             <a:noAutofit/>
           </a:bodyPr>
           <a:lstStyle/>
           <a:p>
-            <a:pPr indent="0" lvl="0" marL="0" rtl="0" algn="r">
+            <a:pPr marL="0" lvl="0" indent="0" algn="r" rtl="0">
               <a:spcBef>
                 <a:spcPts val="0"/>
               </a:spcBef>
@@ -15394,7 +15645,7 @@
             </a:pPr>
             <a:fld id="{00000000-1234-1234-1234-123412341234}" type="slidenum">
               <a:rPr lang="en"/>
-              <a:t>‹#›</a:t>
+              <a:t>8</a:t>
             </a:fld>
             <a:endParaRPr/>
           </a:p>
@@ -15409,11 +15660,11 @@
 </file>
 
 <file path=ppt/slides/slide9.xml><?xml version="1.0" encoding="utf-8"?>
-<p:sld xmlns:a="http://schemas.openxmlformats.org/drawingml/2006/main" xmlns:r="http://schemas.openxmlformats.org/officeDocument/2006/relationships" xmlns:mc="http://schemas.openxmlformats.org/markup-compatibility/2006" xmlns:mv="urn:schemas-microsoft-com:mac:vml" xmlns:p="http://schemas.openxmlformats.org/presentationml/2006/main" xmlns:c="http://schemas.openxmlformats.org/drawingml/2006/chart" xmlns:dgm="http://schemas.openxmlformats.org/drawingml/2006/diagram" xmlns:o="urn:schemas-microsoft-com:office:office" xmlns:v="urn:schemas-microsoft-com:vml" xmlns:pvml="urn:schemas-microsoft-com:office:powerpoint" xmlns:com="http://schemas.openxmlformats.org/drawingml/2006/compatibility" xmlns:p14="http://schemas.microsoft.com/office/powerpoint/2010/main" xmlns:p15="http://schemas.microsoft.com/office/powerpoint/2012/main">
+<p:sld xmlns:a="http://schemas.openxmlformats.org/drawingml/2006/main" xmlns:r="http://schemas.openxmlformats.org/officeDocument/2006/relationships" xmlns:p="http://schemas.openxmlformats.org/presentationml/2006/main">
   <p:cSld>
     <p:spTree>
       <p:nvGrpSpPr>
-        <p:cNvPr id="162" name="Shape 162"/>
+        <p:cNvPr id="1" name="Shape 162"/>
         <p:cNvGrpSpPr/>
         <p:nvPr/>
       </p:nvGrpSpPr>
@@ -15445,12 +15696,12 @@
           </a:ln>
         </p:spPr>
         <p:txBody>
-          <a:bodyPr anchorCtr="0" anchor="t" bIns="91425" lIns="91425" spcFirstLastPara="1" rIns="91425" wrap="square" tIns="91425">
+          <a:bodyPr spcFirstLastPara="1" wrap="square" lIns="91425" tIns="91425" rIns="91425" bIns="91425" anchor="t" anchorCtr="0">
             <a:noAutofit/>
           </a:bodyPr>
           <a:lstStyle/>
           <a:p>
-            <a:pPr indent="0" lvl="0" marL="0" rtl="0" algn="ctr">
+            <a:pPr marL="0" lvl="0" indent="0" algn="ctr" rtl="0">
               <a:spcBef>
                 <a:spcPts val="900"/>
               </a:spcBef>
@@ -15460,7 +15711,7 @@
               <a:buNone/>
             </a:pPr>
             <a:r>
-              <a:rPr b="1" lang="en" sz="3600">
+              <a:rPr lang="en" sz="3600" b="1">
                 <a:latin typeface="Calibri"/>
                 <a:ea typeface="Calibri"/>
                 <a:cs typeface="Calibri"/>
@@ -15468,7 +15719,7 @@
               </a:rPr>
               <a:t>Thank you!</a:t>
             </a:r>
-            <a:endParaRPr b="1" sz="3600">
+            <a:endParaRPr sz="3600" b="1">
               <a:latin typeface="Calibri"/>
               <a:ea typeface="Calibri"/>
               <a:cs typeface="Calibri"/>
@@ -15476,7 +15727,7 @@
             </a:endParaRPr>
           </a:p>
           <a:p>
-            <a:pPr indent="0" lvl="0" marL="0" rtl="0" algn="l">
+            <a:pPr marL="0" lvl="0" indent="0" algn="l" rtl="0">
               <a:spcBef>
                 <a:spcPts val="900"/>
               </a:spcBef>
@@ -15485,9 +15736,6 @@
               </a:spcAft>
               <a:buNone/>
             </a:pPr>
-            <a:r>
-              <a:t/>
-            </a:r>
             <a:endParaRPr>
               <a:latin typeface="Calibri"/>
               <a:ea typeface="Calibri"/>
@@ -15500,9 +15748,11 @@
       <p:sp>
         <p:nvSpPr>
           <p:cNvPr id="164" name="Google Shape;164;p21"/>
-          <p:cNvSpPr txBox="1"/>
+          <p:cNvSpPr txBox="1">
+            <a:spLocks noGrp="1"/>
+          </p:cNvSpPr>
           <p:nvPr>
-            <p:ph idx="12" type="sldNum"/>
+            <p:ph type="sldNum" idx="12"/>
           </p:nvPr>
         </p:nvSpPr>
         <p:spPr>
@@ -15515,12 +15765,12 @@
           </a:prstGeom>
         </p:spPr>
         <p:txBody>
-          <a:bodyPr anchorCtr="0" anchor="ctr" bIns="39550" lIns="79125" spcFirstLastPara="1" rIns="79125" wrap="square" tIns="39550">
+          <a:bodyPr spcFirstLastPara="1" wrap="square" lIns="79125" tIns="39550" rIns="79125" bIns="39550" anchor="ctr" anchorCtr="0">
             <a:noAutofit/>
           </a:bodyPr>
           <a:lstStyle/>
           <a:p>
-            <a:pPr indent="0" lvl="0" marL="0" rtl="0" algn="r">
+            <a:pPr marL="0" lvl="0" indent="0" algn="r" rtl="0">
               <a:spcBef>
                 <a:spcPts val="0"/>
               </a:spcBef>
@@ -15535,7 +15785,7 @@
             </a:pPr>
             <a:fld id="{00000000-1234-1234-1234-123412341234}" type="slidenum">
               <a:rPr lang="en"/>
-              <a:t>‹#›</a:t>
+              <a:t>9</a:t>
             </a:fld>
             <a:endParaRPr/>
           </a:p>
@@ -15578,7 +15828,7 @@
 </file>
 
 <file path=ppt/theme/theme1.xml><?xml version="1.0" encoding="utf-8"?>
-<a:theme xmlns:a="http://schemas.openxmlformats.org/drawingml/2006/main" xmlns:r="http://schemas.openxmlformats.org/officeDocument/2006/relationships" name="Office Theme">
+<a:theme xmlns:a="http://schemas.openxmlformats.org/drawingml/2006/main" name="Office Theme">
   <a:themeElements>
     <a:clrScheme name="Office Theme">
       <a:dk1>
@@ -15853,11 +16103,13 @@
       </a:bgFillStyleLst>
     </a:fmtScheme>
   </a:themeElements>
+  <a:objectDefaults/>
+  <a:extraClrSchemeLst/>
 </a:theme>
 </file>
 
 <file path=ppt/theme/theme2.xml><?xml version="1.0" encoding="utf-8"?>
-<a:theme xmlns:a="http://schemas.openxmlformats.org/drawingml/2006/main" xmlns:r="http://schemas.openxmlformats.org/officeDocument/2006/relationships">
+<a:theme xmlns:a="http://schemas.openxmlformats.org/drawingml/2006/main">
   <a:themeElements>
     <a:clrScheme name="Default">
       <a:dk1>
@@ -16132,5 +16384,7 @@
       </a:bgFillStyleLst>
     </a:fmtScheme>
   </a:themeElements>
+  <a:objectDefaults/>
+  <a:extraClrSchemeLst/>
 </a:theme>
 </file>